--- a/PythonDAX/Data Analysis with Python.pptx
+++ b/PythonDAX/Data Analysis with Python.pptx
@@ -5,7 +5,7 @@
     <p:sldMasterId id="2147483660" r:id="rId1"/>
   </p:sldMasterIdLst>
   <p:notesMasterIdLst>
-    <p:notesMasterId r:id="rId20"/>
+    <p:notesMasterId r:id="rId27"/>
   </p:notesMasterIdLst>
   <p:sldIdLst>
     <p:sldId id="256" r:id="rId2"/>
@@ -23,9 +23,16 @@
     <p:sldId id="272" r:id="rId14"/>
     <p:sldId id="273" r:id="rId15"/>
     <p:sldId id="274" r:id="rId16"/>
-    <p:sldId id="261" r:id="rId17"/>
-    <p:sldId id="262" r:id="rId18"/>
-    <p:sldId id="263" r:id="rId19"/>
+    <p:sldId id="275" r:id="rId17"/>
+    <p:sldId id="279" r:id="rId18"/>
+    <p:sldId id="280" r:id="rId19"/>
+    <p:sldId id="281" r:id="rId20"/>
+    <p:sldId id="276" r:id="rId21"/>
+    <p:sldId id="277" r:id="rId22"/>
+    <p:sldId id="278" r:id="rId23"/>
+    <p:sldId id="261" r:id="rId24"/>
+    <p:sldId id="262" r:id="rId25"/>
+    <p:sldId id="263" r:id="rId26"/>
   </p:sldIdLst>
   <p:sldSz cx="12192000" cy="6858000"/>
   <p:notesSz cx="6858000" cy="9144000"/>
@@ -214,7 +221,7 @@
           <a:p>
             <a:fld id="{9FC9D99C-A733-44A6-BB48-3B953BC9D4AD}" type="datetimeFigureOut">
               <a:rPr lang="en-US" smtClean="0"/>
-              <a:t>2/26/2025</a:t>
+              <a:t>2/28/2025</a:t>
             </a:fld>
             <a:endParaRPr lang="en-US"/>
           </a:p>
@@ -568,6 +575,222 @@
 </p:notes>
 </file>
 
+<file path=ppt/notesSlides/notesSlide10.xml><?xml version="1.0" encoding="utf-8"?>
+<p:notes xmlns:a="http://schemas.openxmlformats.org/drawingml/2006/main" xmlns:r="http://schemas.openxmlformats.org/officeDocument/2006/relationships" xmlns:p="http://schemas.openxmlformats.org/presentationml/2006/main">
+  <p:cSld>
+    <p:spTree>
+      <p:nvGrpSpPr>
+        <p:cNvPr id="1" name="">
+          <a:extLst>
+            <a:ext uri="{FF2B5EF4-FFF2-40B4-BE49-F238E27FC236}">
+              <a16:creationId xmlns:a16="http://schemas.microsoft.com/office/drawing/2014/main" id="{CDAEAF59-064F-00B4-8BBE-DCEB382CA419}"/>
+            </a:ext>
+          </a:extLst>
+        </p:cNvPr>
+        <p:cNvGrpSpPr/>
+        <p:nvPr/>
+      </p:nvGrpSpPr>
+      <p:grpSpPr>
+        <a:xfrm>
+          <a:off x="0" y="0"/>
+          <a:ext cx="0" cy="0"/>
+          <a:chOff x="0" y="0"/>
+          <a:chExt cx="0" cy="0"/>
+        </a:xfrm>
+      </p:grpSpPr>
+      <p:sp>
+        <p:nvSpPr>
+          <p:cNvPr id="2" name="Slide Image Placeholder 1">
+            <a:extLst>
+              <a:ext uri="{FF2B5EF4-FFF2-40B4-BE49-F238E27FC236}">
+                <a16:creationId xmlns:a16="http://schemas.microsoft.com/office/drawing/2014/main" id="{9BB7F503-A488-946D-AFB6-879E0CA2E8E9}"/>
+              </a:ext>
+            </a:extLst>
+          </p:cNvPr>
+          <p:cNvSpPr>
+            <a:spLocks noGrp="1" noRot="1" noChangeAspect="1"/>
+          </p:cNvSpPr>
+          <p:nvPr>
+            <p:ph type="sldImg"/>
+          </p:nvPr>
+        </p:nvSpPr>
+        <p:spPr/>
+      </p:sp>
+      <p:sp>
+        <p:nvSpPr>
+          <p:cNvPr id="3" name="Notes Placeholder 2">
+            <a:extLst>
+              <a:ext uri="{FF2B5EF4-FFF2-40B4-BE49-F238E27FC236}">
+                <a16:creationId xmlns:a16="http://schemas.microsoft.com/office/drawing/2014/main" id="{70D3B9CE-926F-1C1C-6D89-EC1F1DAB7CF2}"/>
+              </a:ext>
+            </a:extLst>
+          </p:cNvPr>
+          <p:cNvSpPr>
+            <a:spLocks noGrp="1"/>
+          </p:cNvSpPr>
+          <p:nvPr>
+            <p:ph type="body" idx="1"/>
+          </p:nvPr>
+        </p:nvSpPr>
+        <p:spPr/>
+        <p:txBody>
+          <a:bodyPr/>
+          <a:lstStyle/>
+          <a:p>
+            <a:endParaRPr lang="en-US" dirty="0"/>
+          </a:p>
+        </p:txBody>
+      </p:sp>
+      <p:sp>
+        <p:nvSpPr>
+          <p:cNvPr id="4" name="Slide Number Placeholder 3">
+            <a:extLst>
+              <a:ext uri="{FF2B5EF4-FFF2-40B4-BE49-F238E27FC236}">
+                <a16:creationId xmlns:a16="http://schemas.microsoft.com/office/drawing/2014/main" id="{A6643D7A-6712-AC65-B77E-6E5F57D870A9}"/>
+              </a:ext>
+            </a:extLst>
+          </p:cNvPr>
+          <p:cNvSpPr>
+            <a:spLocks noGrp="1"/>
+          </p:cNvSpPr>
+          <p:nvPr>
+            <p:ph type="sldNum" sz="quarter" idx="5"/>
+          </p:nvPr>
+        </p:nvSpPr>
+        <p:spPr/>
+        <p:txBody>
+          <a:bodyPr/>
+          <a:lstStyle/>
+          <a:p>
+            <a:fld id="{964118A5-1B2B-4A8B-ACD0-FB61E285EB78}" type="slidenum">
+              <a:rPr lang="en-US" smtClean="0"/>
+              <a:t>21</a:t>
+            </a:fld>
+            <a:endParaRPr lang="en-US"/>
+          </a:p>
+        </p:txBody>
+      </p:sp>
+    </p:spTree>
+    <p:extLst>
+      <p:ext uri="{BB962C8B-B14F-4D97-AF65-F5344CB8AC3E}">
+        <p14:creationId xmlns:p14="http://schemas.microsoft.com/office/powerpoint/2010/main" val="334819852"/>
+      </p:ext>
+    </p:extLst>
+  </p:cSld>
+  <p:clrMapOvr>
+    <a:masterClrMapping/>
+  </p:clrMapOvr>
+</p:notes>
+</file>
+
+<file path=ppt/notesSlides/notesSlide11.xml><?xml version="1.0" encoding="utf-8"?>
+<p:notes xmlns:a="http://schemas.openxmlformats.org/drawingml/2006/main" xmlns:r="http://schemas.openxmlformats.org/officeDocument/2006/relationships" xmlns:p="http://schemas.openxmlformats.org/presentationml/2006/main">
+  <p:cSld>
+    <p:spTree>
+      <p:nvGrpSpPr>
+        <p:cNvPr id="1" name="">
+          <a:extLst>
+            <a:ext uri="{FF2B5EF4-FFF2-40B4-BE49-F238E27FC236}">
+              <a16:creationId xmlns:a16="http://schemas.microsoft.com/office/drawing/2014/main" id="{3C914C12-3733-CF14-654A-231AFEF30649}"/>
+            </a:ext>
+          </a:extLst>
+        </p:cNvPr>
+        <p:cNvGrpSpPr/>
+        <p:nvPr/>
+      </p:nvGrpSpPr>
+      <p:grpSpPr>
+        <a:xfrm>
+          <a:off x="0" y="0"/>
+          <a:ext cx="0" cy="0"/>
+          <a:chOff x="0" y="0"/>
+          <a:chExt cx="0" cy="0"/>
+        </a:xfrm>
+      </p:grpSpPr>
+      <p:sp>
+        <p:nvSpPr>
+          <p:cNvPr id="2" name="Slide Image Placeholder 1">
+            <a:extLst>
+              <a:ext uri="{FF2B5EF4-FFF2-40B4-BE49-F238E27FC236}">
+                <a16:creationId xmlns:a16="http://schemas.microsoft.com/office/drawing/2014/main" id="{0F9A616C-C155-28B2-5D42-C9A9A5E1109A}"/>
+              </a:ext>
+            </a:extLst>
+          </p:cNvPr>
+          <p:cNvSpPr>
+            <a:spLocks noGrp="1" noRot="1" noChangeAspect="1"/>
+          </p:cNvSpPr>
+          <p:nvPr>
+            <p:ph type="sldImg"/>
+          </p:nvPr>
+        </p:nvSpPr>
+        <p:spPr/>
+      </p:sp>
+      <p:sp>
+        <p:nvSpPr>
+          <p:cNvPr id="3" name="Notes Placeholder 2">
+            <a:extLst>
+              <a:ext uri="{FF2B5EF4-FFF2-40B4-BE49-F238E27FC236}">
+                <a16:creationId xmlns:a16="http://schemas.microsoft.com/office/drawing/2014/main" id="{F83B6C8E-CB80-4A03-D382-DD155E11FC2D}"/>
+              </a:ext>
+            </a:extLst>
+          </p:cNvPr>
+          <p:cNvSpPr>
+            <a:spLocks noGrp="1"/>
+          </p:cNvSpPr>
+          <p:nvPr>
+            <p:ph type="body" idx="1"/>
+          </p:nvPr>
+        </p:nvSpPr>
+        <p:spPr/>
+        <p:txBody>
+          <a:bodyPr/>
+          <a:lstStyle/>
+          <a:p>
+            <a:endParaRPr lang="en-US" dirty="0"/>
+          </a:p>
+        </p:txBody>
+      </p:sp>
+      <p:sp>
+        <p:nvSpPr>
+          <p:cNvPr id="4" name="Slide Number Placeholder 3">
+            <a:extLst>
+              <a:ext uri="{FF2B5EF4-FFF2-40B4-BE49-F238E27FC236}">
+                <a16:creationId xmlns:a16="http://schemas.microsoft.com/office/drawing/2014/main" id="{FFDB3D0D-A2EC-C7BC-F708-15E17C5DD8C8}"/>
+              </a:ext>
+            </a:extLst>
+          </p:cNvPr>
+          <p:cNvSpPr>
+            <a:spLocks noGrp="1"/>
+          </p:cNvSpPr>
+          <p:nvPr>
+            <p:ph type="sldNum" sz="quarter" idx="5"/>
+          </p:nvPr>
+        </p:nvSpPr>
+        <p:spPr/>
+        <p:txBody>
+          <a:bodyPr/>
+          <a:lstStyle/>
+          <a:p>
+            <a:fld id="{964118A5-1B2B-4A8B-ACD0-FB61E285EB78}" type="slidenum">
+              <a:rPr lang="en-US" smtClean="0"/>
+              <a:t>22</a:t>
+            </a:fld>
+            <a:endParaRPr lang="en-US"/>
+          </a:p>
+        </p:txBody>
+      </p:sp>
+    </p:spTree>
+    <p:extLst>
+      <p:ext uri="{BB962C8B-B14F-4D97-AF65-F5344CB8AC3E}">
+        <p14:creationId xmlns:p14="http://schemas.microsoft.com/office/powerpoint/2010/main" val="2044527349"/>
+      </p:ext>
+    </p:extLst>
+  </p:cSld>
+  <p:clrMapOvr>
+    <a:masterClrMapping/>
+  </p:clrMapOvr>
+</p:notes>
+</file>
+
 <file path=ppt/notesSlides/notesSlide2.xml><?xml version="1.0" encoding="utf-8"?>
 <p:notes xmlns:a="http://schemas.openxmlformats.org/drawingml/2006/main" xmlns:r="http://schemas.openxmlformats.org/officeDocument/2006/relationships" xmlns:p="http://schemas.openxmlformats.org/presentationml/2006/main">
   <p:cSld>
@@ -787,7 +1010,7 @@
           <a:lstStyle/>
           <a:p>
             <a:r>
-              <a:rPr lang="en-US"/>
+              <a:rPr lang="en-US" dirty="0"/>
               <a:t>https://www.tpointtech.com/python-pandas-series</a:t>
             </a:r>
           </a:p>
@@ -820,6 +1043,558 @@
     <p:extLst>
       <p:ext uri="{BB962C8B-B14F-4D97-AF65-F5344CB8AC3E}">
         <p14:creationId xmlns:p14="http://schemas.microsoft.com/office/powerpoint/2010/main" val="2559229938"/>
+      </p:ext>
+    </p:extLst>
+  </p:cSld>
+  <p:clrMapOvr>
+    <a:masterClrMapping/>
+  </p:clrMapOvr>
+</p:notes>
+</file>
+
+<file path=ppt/notesSlides/notesSlide5.xml><?xml version="1.0" encoding="utf-8"?>
+<p:notes xmlns:a="http://schemas.openxmlformats.org/drawingml/2006/main" xmlns:r="http://schemas.openxmlformats.org/officeDocument/2006/relationships" xmlns:p="http://schemas.openxmlformats.org/presentationml/2006/main">
+  <p:cSld>
+    <p:spTree>
+      <p:nvGrpSpPr>
+        <p:cNvPr id="1" name="">
+          <a:extLst>
+            <a:ext uri="{FF2B5EF4-FFF2-40B4-BE49-F238E27FC236}">
+              <a16:creationId xmlns:a16="http://schemas.microsoft.com/office/drawing/2014/main" id="{453F2598-6E99-9AAA-BF01-42AF09159E23}"/>
+            </a:ext>
+          </a:extLst>
+        </p:cNvPr>
+        <p:cNvGrpSpPr/>
+        <p:nvPr/>
+      </p:nvGrpSpPr>
+      <p:grpSpPr>
+        <a:xfrm>
+          <a:off x="0" y="0"/>
+          <a:ext cx="0" cy="0"/>
+          <a:chOff x="0" y="0"/>
+          <a:chExt cx="0" cy="0"/>
+        </a:xfrm>
+      </p:grpSpPr>
+      <p:sp>
+        <p:nvSpPr>
+          <p:cNvPr id="2" name="Slide Image Placeholder 1">
+            <a:extLst>
+              <a:ext uri="{FF2B5EF4-FFF2-40B4-BE49-F238E27FC236}">
+                <a16:creationId xmlns:a16="http://schemas.microsoft.com/office/drawing/2014/main" id="{97AC2952-E044-E8F2-2AFC-5B38B26FA000}"/>
+              </a:ext>
+            </a:extLst>
+          </p:cNvPr>
+          <p:cNvSpPr>
+            <a:spLocks noGrp="1" noRot="1" noChangeAspect="1"/>
+          </p:cNvSpPr>
+          <p:nvPr>
+            <p:ph type="sldImg"/>
+          </p:nvPr>
+        </p:nvSpPr>
+        <p:spPr/>
+      </p:sp>
+      <p:sp>
+        <p:nvSpPr>
+          <p:cNvPr id="3" name="Notes Placeholder 2">
+            <a:extLst>
+              <a:ext uri="{FF2B5EF4-FFF2-40B4-BE49-F238E27FC236}">
+                <a16:creationId xmlns:a16="http://schemas.microsoft.com/office/drawing/2014/main" id="{8A609813-0F79-D16A-75F5-D4CB9B3FD431}"/>
+              </a:ext>
+            </a:extLst>
+          </p:cNvPr>
+          <p:cNvSpPr>
+            <a:spLocks noGrp="1"/>
+          </p:cNvSpPr>
+          <p:nvPr>
+            <p:ph type="body" idx="1"/>
+          </p:nvPr>
+        </p:nvSpPr>
+        <p:spPr/>
+        <p:txBody>
+          <a:bodyPr/>
+          <a:lstStyle/>
+          <a:p>
+            <a:r>
+              <a:rPr lang="en-US" dirty="0"/>
+              <a:t>https://www.tpointtech.com/python-pandas-series</a:t>
+            </a:r>
+          </a:p>
+        </p:txBody>
+      </p:sp>
+      <p:sp>
+        <p:nvSpPr>
+          <p:cNvPr id="4" name="Slide Number Placeholder 3">
+            <a:extLst>
+              <a:ext uri="{FF2B5EF4-FFF2-40B4-BE49-F238E27FC236}">
+                <a16:creationId xmlns:a16="http://schemas.microsoft.com/office/drawing/2014/main" id="{C0B78992-9396-8C1D-A153-F5D9C91CCBF9}"/>
+              </a:ext>
+            </a:extLst>
+          </p:cNvPr>
+          <p:cNvSpPr>
+            <a:spLocks noGrp="1"/>
+          </p:cNvSpPr>
+          <p:nvPr>
+            <p:ph type="sldNum" sz="quarter" idx="5"/>
+          </p:nvPr>
+        </p:nvSpPr>
+        <p:spPr/>
+        <p:txBody>
+          <a:bodyPr/>
+          <a:lstStyle/>
+          <a:p>
+            <a:fld id="{964118A5-1B2B-4A8B-ACD0-FB61E285EB78}" type="slidenum">
+              <a:rPr lang="en-US" smtClean="0"/>
+              <a:t>16</a:t>
+            </a:fld>
+            <a:endParaRPr lang="en-US"/>
+          </a:p>
+        </p:txBody>
+      </p:sp>
+    </p:spTree>
+    <p:extLst>
+      <p:ext uri="{BB962C8B-B14F-4D97-AF65-F5344CB8AC3E}">
+        <p14:creationId xmlns:p14="http://schemas.microsoft.com/office/powerpoint/2010/main" val="2178029997"/>
+      </p:ext>
+    </p:extLst>
+  </p:cSld>
+  <p:clrMapOvr>
+    <a:masterClrMapping/>
+  </p:clrMapOvr>
+</p:notes>
+</file>
+
+<file path=ppt/notesSlides/notesSlide6.xml><?xml version="1.0" encoding="utf-8"?>
+<p:notes xmlns:a="http://schemas.openxmlformats.org/drawingml/2006/main" xmlns:r="http://schemas.openxmlformats.org/officeDocument/2006/relationships" xmlns:p="http://schemas.openxmlformats.org/presentationml/2006/main">
+  <p:cSld>
+    <p:spTree>
+      <p:nvGrpSpPr>
+        <p:cNvPr id="1" name="">
+          <a:extLst>
+            <a:ext uri="{FF2B5EF4-FFF2-40B4-BE49-F238E27FC236}">
+              <a16:creationId xmlns:a16="http://schemas.microsoft.com/office/drawing/2014/main" id="{07F6213D-B533-74F4-ECEC-CA53E7A8DAF9}"/>
+            </a:ext>
+          </a:extLst>
+        </p:cNvPr>
+        <p:cNvGrpSpPr/>
+        <p:nvPr/>
+      </p:nvGrpSpPr>
+      <p:grpSpPr>
+        <a:xfrm>
+          <a:off x="0" y="0"/>
+          <a:ext cx="0" cy="0"/>
+          <a:chOff x="0" y="0"/>
+          <a:chExt cx="0" cy="0"/>
+        </a:xfrm>
+      </p:grpSpPr>
+      <p:sp>
+        <p:nvSpPr>
+          <p:cNvPr id="2" name="Slide Image Placeholder 1">
+            <a:extLst>
+              <a:ext uri="{FF2B5EF4-FFF2-40B4-BE49-F238E27FC236}">
+                <a16:creationId xmlns:a16="http://schemas.microsoft.com/office/drawing/2014/main" id="{9B259599-CD8B-248D-FBAD-EC97CAA3E52C}"/>
+              </a:ext>
+            </a:extLst>
+          </p:cNvPr>
+          <p:cNvSpPr>
+            <a:spLocks noGrp="1" noRot="1" noChangeAspect="1"/>
+          </p:cNvSpPr>
+          <p:nvPr>
+            <p:ph type="sldImg"/>
+          </p:nvPr>
+        </p:nvSpPr>
+        <p:spPr/>
+      </p:sp>
+      <p:sp>
+        <p:nvSpPr>
+          <p:cNvPr id="3" name="Notes Placeholder 2">
+            <a:extLst>
+              <a:ext uri="{FF2B5EF4-FFF2-40B4-BE49-F238E27FC236}">
+                <a16:creationId xmlns:a16="http://schemas.microsoft.com/office/drawing/2014/main" id="{C07F83E2-142B-49E3-54B8-EDC0B1AC7844}"/>
+              </a:ext>
+            </a:extLst>
+          </p:cNvPr>
+          <p:cNvSpPr>
+            <a:spLocks noGrp="1"/>
+          </p:cNvSpPr>
+          <p:nvPr>
+            <p:ph type="body" idx="1"/>
+          </p:nvPr>
+        </p:nvSpPr>
+        <p:spPr/>
+        <p:txBody>
+          <a:bodyPr/>
+          <a:lstStyle/>
+          <a:p>
+            <a:r>
+              <a:rPr lang="en-US" dirty="0"/>
+              <a:t>https://www.tpointtech.com/python-pandas-series</a:t>
+            </a:r>
+          </a:p>
+        </p:txBody>
+      </p:sp>
+      <p:sp>
+        <p:nvSpPr>
+          <p:cNvPr id="4" name="Slide Number Placeholder 3">
+            <a:extLst>
+              <a:ext uri="{FF2B5EF4-FFF2-40B4-BE49-F238E27FC236}">
+                <a16:creationId xmlns:a16="http://schemas.microsoft.com/office/drawing/2014/main" id="{CA388D6D-9ED0-3454-33F9-841EEEE5AC12}"/>
+              </a:ext>
+            </a:extLst>
+          </p:cNvPr>
+          <p:cNvSpPr>
+            <a:spLocks noGrp="1"/>
+          </p:cNvSpPr>
+          <p:nvPr>
+            <p:ph type="sldNum" sz="quarter" idx="5"/>
+          </p:nvPr>
+        </p:nvSpPr>
+        <p:spPr/>
+        <p:txBody>
+          <a:bodyPr/>
+          <a:lstStyle/>
+          <a:p>
+            <a:fld id="{964118A5-1B2B-4A8B-ACD0-FB61E285EB78}" type="slidenum">
+              <a:rPr lang="en-US" smtClean="0"/>
+              <a:t>17</a:t>
+            </a:fld>
+            <a:endParaRPr lang="en-US"/>
+          </a:p>
+        </p:txBody>
+      </p:sp>
+    </p:spTree>
+    <p:extLst>
+      <p:ext uri="{BB962C8B-B14F-4D97-AF65-F5344CB8AC3E}">
+        <p14:creationId xmlns:p14="http://schemas.microsoft.com/office/powerpoint/2010/main" val="2011035410"/>
+      </p:ext>
+    </p:extLst>
+  </p:cSld>
+  <p:clrMapOvr>
+    <a:masterClrMapping/>
+  </p:clrMapOvr>
+</p:notes>
+</file>
+
+<file path=ppt/notesSlides/notesSlide7.xml><?xml version="1.0" encoding="utf-8"?>
+<p:notes xmlns:a="http://schemas.openxmlformats.org/drawingml/2006/main" xmlns:r="http://schemas.openxmlformats.org/officeDocument/2006/relationships" xmlns:p="http://schemas.openxmlformats.org/presentationml/2006/main">
+  <p:cSld>
+    <p:spTree>
+      <p:nvGrpSpPr>
+        <p:cNvPr id="1" name="">
+          <a:extLst>
+            <a:ext uri="{FF2B5EF4-FFF2-40B4-BE49-F238E27FC236}">
+              <a16:creationId xmlns:a16="http://schemas.microsoft.com/office/drawing/2014/main" id="{68555A3C-E896-C7D8-E471-17A58767093C}"/>
+            </a:ext>
+          </a:extLst>
+        </p:cNvPr>
+        <p:cNvGrpSpPr/>
+        <p:nvPr/>
+      </p:nvGrpSpPr>
+      <p:grpSpPr>
+        <a:xfrm>
+          <a:off x="0" y="0"/>
+          <a:ext cx="0" cy="0"/>
+          <a:chOff x="0" y="0"/>
+          <a:chExt cx="0" cy="0"/>
+        </a:xfrm>
+      </p:grpSpPr>
+      <p:sp>
+        <p:nvSpPr>
+          <p:cNvPr id="2" name="Slide Image Placeholder 1">
+            <a:extLst>
+              <a:ext uri="{FF2B5EF4-FFF2-40B4-BE49-F238E27FC236}">
+                <a16:creationId xmlns:a16="http://schemas.microsoft.com/office/drawing/2014/main" id="{14385F17-317E-4F07-D548-AADC8E37AC62}"/>
+              </a:ext>
+            </a:extLst>
+          </p:cNvPr>
+          <p:cNvSpPr>
+            <a:spLocks noGrp="1" noRot="1" noChangeAspect="1"/>
+          </p:cNvSpPr>
+          <p:nvPr>
+            <p:ph type="sldImg"/>
+          </p:nvPr>
+        </p:nvSpPr>
+        <p:spPr/>
+      </p:sp>
+      <p:sp>
+        <p:nvSpPr>
+          <p:cNvPr id="3" name="Notes Placeholder 2">
+            <a:extLst>
+              <a:ext uri="{FF2B5EF4-FFF2-40B4-BE49-F238E27FC236}">
+                <a16:creationId xmlns:a16="http://schemas.microsoft.com/office/drawing/2014/main" id="{6DC615A5-9DA1-A4E4-B33D-80FB4A686818}"/>
+              </a:ext>
+            </a:extLst>
+          </p:cNvPr>
+          <p:cNvSpPr>
+            <a:spLocks noGrp="1"/>
+          </p:cNvSpPr>
+          <p:nvPr>
+            <p:ph type="body" idx="1"/>
+          </p:nvPr>
+        </p:nvSpPr>
+        <p:spPr/>
+        <p:txBody>
+          <a:bodyPr/>
+          <a:lstStyle/>
+          <a:p>
+            <a:r>
+              <a:rPr lang="en-US" dirty="0"/>
+              <a:t>https://www.tpointtech.com/python-pandas-series</a:t>
+            </a:r>
+          </a:p>
+        </p:txBody>
+      </p:sp>
+      <p:sp>
+        <p:nvSpPr>
+          <p:cNvPr id="4" name="Slide Number Placeholder 3">
+            <a:extLst>
+              <a:ext uri="{FF2B5EF4-FFF2-40B4-BE49-F238E27FC236}">
+                <a16:creationId xmlns:a16="http://schemas.microsoft.com/office/drawing/2014/main" id="{79C14764-1F26-EDB8-71DE-863650C55938}"/>
+              </a:ext>
+            </a:extLst>
+          </p:cNvPr>
+          <p:cNvSpPr>
+            <a:spLocks noGrp="1"/>
+          </p:cNvSpPr>
+          <p:nvPr>
+            <p:ph type="sldNum" sz="quarter" idx="5"/>
+          </p:nvPr>
+        </p:nvSpPr>
+        <p:spPr/>
+        <p:txBody>
+          <a:bodyPr/>
+          <a:lstStyle/>
+          <a:p>
+            <a:fld id="{964118A5-1B2B-4A8B-ACD0-FB61E285EB78}" type="slidenum">
+              <a:rPr lang="en-US" smtClean="0"/>
+              <a:t>18</a:t>
+            </a:fld>
+            <a:endParaRPr lang="en-US"/>
+          </a:p>
+        </p:txBody>
+      </p:sp>
+    </p:spTree>
+    <p:extLst>
+      <p:ext uri="{BB962C8B-B14F-4D97-AF65-F5344CB8AC3E}">
+        <p14:creationId xmlns:p14="http://schemas.microsoft.com/office/powerpoint/2010/main" val="1487240413"/>
+      </p:ext>
+    </p:extLst>
+  </p:cSld>
+  <p:clrMapOvr>
+    <a:masterClrMapping/>
+  </p:clrMapOvr>
+</p:notes>
+</file>
+
+<file path=ppt/notesSlides/notesSlide8.xml><?xml version="1.0" encoding="utf-8"?>
+<p:notes xmlns:a="http://schemas.openxmlformats.org/drawingml/2006/main" xmlns:r="http://schemas.openxmlformats.org/officeDocument/2006/relationships" xmlns:p="http://schemas.openxmlformats.org/presentationml/2006/main">
+  <p:cSld>
+    <p:spTree>
+      <p:nvGrpSpPr>
+        <p:cNvPr id="1" name="">
+          <a:extLst>
+            <a:ext uri="{FF2B5EF4-FFF2-40B4-BE49-F238E27FC236}">
+              <a16:creationId xmlns:a16="http://schemas.microsoft.com/office/drawing/2014/main" id="{E331C0E4-0F48-06AD-345C-25C92521937D}"/>
+            </a:ext>
+          </a:extLst>
+        </p:cNvPr>
+        <p:cNvGrpSpPr/>
+        <p:nvPr/>
+      </p:nvGrpSpPr>
+      <p:grpSpPr>
+        <a:xfrm>
+          <a:off x="0" y="0"/>
+          <a:ext cx="0" cy="0"/>
+          <a:chOff x="0" y="0"/>
+          <a:chExt cx="0" cy="0"/>
+        </a:xfrm>
+      </p:grpSpPr>
+      <p:sp>
+        <p:nvSpPr>
+          <p:cNvPr id="2" name="Slide Image Placeholder 1">
+            <a:extLst>
+              <a:ext uri="{FF2B5EF4-FFF2-40B4-BE49-F238E27FC236}">
+                <a16:creationId xmlns:a16="http://schemas.microsoft.com/office/drawing/2014/main" id="{F0F14A8A-95A5-4287-02D6-605735F14768}"/>
+              </a:ext>
+            </a:extLst>
+          </p:cNvPr>
+          <p:cNvSpPr>
+            <a:spLocks noGrp="1" noRot="1" noChangeAspect="1"/>
+          </p:cNvSpPr>
+          <p:nvPr>
+            <p:ph type="sldImg"/>
+          </p:nvPr>
+        </p:nvSpPr>
+        <p:spPr/>
+      </p:sp>
+      <p:sp>
+        <p:nvSpPr>
+          <p:cNvPr id="3" name="Notes Placeholder 2">
+            <a:extLst>
+              <a:ext uri="{FF2B5EF4-FFF2-40B4-BE49-F238E27FC236}">
+                <a16:creationId xmlns:a16="http://schemas.microsoft.com/office/drawing/2014/main" id="{6B67D304-67CE-9F08-E793-89750AEB43B2}"/>
+              </a:ext>
+            </a:extLst>
+          </p:cNvPr>
+          <p:cNvSpPr>
+            <a:spLocks noGrp="1"/>
+          </p:cNvSpPr>
+          <p:nvPr>
+            <p:ph type="body" idx="1"/>
+          </p:nvPr>
+        </p:nvSpPr>
+        <p:spPr/>
+        <p:txBody>
+          <a:bodyPr/>
+          <a:lstStyle/>
+          <a:p>
+            <a:r>
+              <a:rPr lang="en-US" dirty="0"/>
+              <a:t>https://www.tpointtech.com/python-pandas-dataframe</a:t>
+            </a:r>
+          </a:p>
+        </p:txBody>
+      </p:sp>
+      <p:sp>
+        <p:nvSpPr>
+          <p:cNvPr id="4" name="Slide Number Placeholder 3">
+            <a:extLst>
+              <a:ext uri="{FF2B5EF4-FFF2-40B4-BE49-F238E27FC236}">
+                <a16:creationId xmlns:a16="http://schemas.microsoft.com/office/drawing/2014/main" id="{C5429734-C8D3-C622-5F43-ECEE4AC541F9}"/>
+              </a:ext>
+            </a:extLst>
+          </p:cNvPr>
+          <p:cNvSpPr>
+            <a:spLocks noGrp="1"/>
+          </p:cNvSpPr>
+          <p:nvPr>
+            <p:ph type="sldNum" sz="quarter" idx="5"/>
+          </p:nvPr>
+        </p:nvSpPr>
+        <p:spPr/>
+        <p:txBody>
+          <a:bodyPr/>
+          <a:lstStyle/>
+          <a:p>
+            <a:fld id="{964118A5-1B2B-4A8B-ACD0-FB61E285EB78}" type="slidenum">
+              <a:rPr lang="en-US" smtClean="0"/>
+              <a:t>19</a:t>
+            </a:fld>
+            <a:endParaRPr lang="en-US"/>
+          </a:p>
+        </p:txBody>
+      </p:sp>
+    </p:spTree>
+    <p:extLst>
+      <p:ext uri="{BB962C8B-B14F-4D97-AF65-F5344CB8AC3E}">
+        <p14:creationId xmlns:p14="http://schemas.microsoft.com/office/powerpoint/2010/main" val="1019470510"/>
+      </p:ext>
+    </p:extLst>
+  </p:cSld>
+  <p:clrMapOvr>
+    <a:masterClrMapping/>
+  </p:clrMapOvr>
+</p:notes>
+</file>
+
+<file path=ppt/notesSlides/notesSlide9.xml><?xml version="1.0" encoding="utf-8"?>
+<p:notes xmlns:a="http://schemas.openxmlformats.org/drawingml/2006/main" xmlns:r="http://schemas.openxmlformats.org/officeDocument/2006/relationships" xmlns:p="http://schemas.openxmlformats.org/presentationml/2006/main">
+  <p:cSld>
+    <p:spTree>
+      <p:nvGrpSpPr>
+        <p:cNvPr id="1" name="">
+          <a:extLst>
+            <a:ext uri="{FF2B5EF4-FFF2-40B4-BE49-F238E27FC236}">
+              <a16:creationId xmlns:a16="http://schemas.microsoft.com/office/drawing/2014/main" id="{EA0E8A50-C79D-0E03-47A2-8CCC55E6CC02}"/>
+            </a:ext>
+          </a:extLst>
+        </p:cNvPr>
+        <p:cNvGrpSpPr/>
+        <p:nvPr/>
+      </p:nvGrpSpPr>
+      <p:grpSpPr>
+        <a:xfrm>
+          <a:off x="0" y="0"/>
+          <a:ext cx="0" cy="0"/>
+          <a:chOff x="0" y="0"/>
+          <a:chExt cx="0" cy="0"/>
+        </a:xfrm>
+      </p:grpSpPr>
+      <p:sp>
+        <p:nvSpPr>
+          <p:cNvPr id="2" name="Slide Image Placeholder 1">
+            <a:extLst>
+              <a:ext uri="{FF2B5EF4-FFF2-40B4-BE49-F238E27FC236}">
+                <a16:creationId xmlns:a16="http://schemas.microsoft.com/office/drawing/2014/main" id="{E3A9C9F8-B2D6-B6B7-03CD-36EA35D4F8B3}"/>
+              </a:ext>
+            </a:extLst>
+          </p:cNvPr>
+          <p:cNvSpPr>
+            <a:spLocks noGrp="1" noRot="1" noChangeAspect="1"/>
+          </p:cNvSpPr>
+          <p:nvPr>
+            <p:ph type="sldImg"/>
+          </p:nvPr>
+        </p:nvSpPr>
+        <p:spPr/>
+      </p:sp>
+      <p:sp>
+        <p:nvSpPr>
+          <p:cNvPr id="3" name="Notes Placeholder 2">
+            <a:extLst>
+              <a:ext uri="{FF2B5EF4-FFF2-40B4-BE49-F238E27FC236}">
+                <a16:creationId xmlns:a16="http://schemas.microsoft.com/office/drawing/2014/main" id="{036EF444-7FE3-DB8B-0D0D-18F55C5AD681}"/>
+              </a:ext>
+            </a:extLst>
+          </p:cNvPr>
+          <p:cNvSpPr>
+            <a:spLocks noGrp="1"/>
+          </p:cNvSpPr>
+          <p:nvPr>
+            <p:ph type="body" idx="1"/>
+          </p:nvPr>
+        </p:nvSpPr>
+        <p:spPr/>
+        <p:txBody>
+          <a:bodyPr/>
+          <a:lstStyle/>
+          <a:p>
+            <a:endParaRPr lang="en-US" dirty="0"/>
+          </a:p>
+        </p:txBody>
+      </p:sp>
+      <p:sp>
+        <p:nvSpPr>
+          <p:cNvPr id="4" name="Slide Number Placeholder 3">
+            <a:extLst>
+              <a:ext uri="{FF2B5EF4-FFF2-40B4-BE49-F238E27FC236}">
+                <a16:creationId xmlns:a16="http://schemas.microsoft.com/office/drawing/2014/main" id="{E1E6FE88-7936-2D92-32C0-69D66DDB385B}"/>
+              </a:ext>
+            </a:extLst>
+          </p:cNvPr>
+          <p:cNvSpPr>
+            <a:spLocks noGrp="1"/>
+          </p:cNvSpPr>
+          <p:nvPr>
+            <p:ph type="sldNum" sz="quarter" idx="5"/>
+          </p:nvPr>
+        </p:nvSpPr>
+        <p:spPr/>
+        <p:txBody>
+          <a:bodyPr/>
+          <a:lstStyle/>
+          <a:p>
+            <a:fld id="{964118A5-1B2B-4A8B-ACD0-FB61E285EB78}" type="slidenum">
+              <a:rPr lang="en-US" smtClean="0"/>
+              <a:t>20</a:t>
+            </a:fld>
+            <a:endParaRPr lang="en-US"/>
+          </a:p>
+        </p:txBody>
+      </p:sp>
+    </p:spTree>
+    <p:extLst>
+      <p:ext uri="{BB962C8B-B14F-4D97-AF65-F5344CB8AC3E}">
+        <p14:creationId xmlns:p14="http://schemas.microsoft.com/office/powerpoint/2010/main" val="2964208965"/>
       </p:ext>
     </p:extLst>
   </p:cSld>
@@ -1331,7 +2106,7 @@
           <a:p>
             <a:fld id="{CD421B04-6F62-470E-96F9-AF92FFC3E979}" type="datetimeFigureOut">
               <a:rPr lang="en-US" smtClean="0"/>
-              <a:t>2/26/2025</a:t>
+              <a:t>2/28/2025</a:t>
             </a:fld>
             <a:endParaRPr lang="en-US"/>
           </a:p>
@@ -1627,7 +2402,7 @@
           <a:p>
             <a:fld id="{CD421B04-6F62-470E-96F9-AF92FFC3E979}" type="datetimeFigureOut">
               <a:rPr lang="en-US" smtClean="0"/>
-              <a:t>2/26/2025</a:t>
+              <a:t>2/28/2025</a:t>
             </a:fld>
             <a:endParaRPr lang="en-US"/>
           </a:p>
@@ -1875,7 +2650,7 @@
           <a:p>
             <a:fld id="{CD421B04-6F62-470E-96F9-AF92FFC3E979}" type="datetimeFigureOut">
               <a:rPr lang="en-US" smtClean="0"/>
-              <a:t>2/26/2025</a:t>
+              <a:t>2/28/2025</a:t>
             </a:fld>
             <a:endParaRPr lang="en-US"/>
           </a:p>
@@ -2415,7 +3190,7 @@
           <a:p>
             <a:fld id="{CD421B04-6F62-470E-96F9-AF92FFC3E979}" type="datetimeFigureOut">
               <a:rPr lang="en-US" smtClean="0"/>
-              <a:t>2/26/2025</a:t>
+              <a:t>2/28/2025</a:t>
             </a:fld>
             <a:endParaRPr lang="en-US"/>
           </a:p>
@@ -2663,7 +3438,7 @@
           <a:p>
             <a:fld id="{CD421B04-6F62-470E-96F9-AF92FFC3E979}" type="datetimeFigureOut">
               <a:rPr lang="en-US" smtClean="0"/>
-              <a:t>2/26/2025</a:t>
+              <a:t>2/28/2025</a:t>
             </a:fld>
             <a:endParaRPr lang="en-US"/>
           </a:p>
@@ -3195,7 +3970,7 @@
           <a:p>
             <a:fld id="{CD421B04-6F62-470E-96F9-AF92FFC3E979}" type="datetimeFigureOut">
               <a:rPr lang="en-US" smtClean="0"/>
-              <a:t>2/26/2025</a:t>
+              <a:t>2/28/2025</a:t>
             </a:fld>
             <a:endParaRPr lang="en-US"/>
           </a:p>
@@ -3492,7 +4267,7 @@
           <a:p>
             <a:fld id="{CD421B04-6F62-470E-96F9-AF92FFC3E979}" type="datetimeFigureOut">
               <a:rPr lang="en-US" smtClean="0"/>
-              <a:t>2/26/2025</a:t>
+              <a:t>2/28/2025</a:t>
             </a:fld>
             <a:endParaRPr lang="en-US"/>
           </a:p>
@@ -3666,7 +4441,7 @@
           <a:p>
             <a:fld id="{CD421B04-6F62-470E-96F9-AF92FFC3E979}" type="datetimeFigureOut">
               <a:rPr lang="en-US" smtClean="0"/>
-              <a:t>2/26/2025</a:t>
+              <a:t>2/28/2025</a:t>
             </a:fld>
             <a:endParaRPr lang="en-US"/>
           </a:p>
@@ -3846,7 +4621,7 @@
           <a:p>
             <a:fld id="{CD421B04-6F62-470E-96F9-AF92FFC3E979}" type="datetimeFigureOut">
               <a:rPr lang="en-US" smtClean="0"/>
-              <a:t>2/26/2025</a:t>
+              <a:t>2/28/2025</a:t>
             </a:fld>
             <a:endParaRPr lang="en-US"/>
           </a:p>
@@ -4016,7 +4791,7 @@
           <a:p>
             <a:fld id="{CD421B04-6F62-470E-96F9-AF92FFC3E979}" type="datetimeFigureOut">
               <a:rPr lang="en-US" smtClean="0"/>
-              <a:t>2/26/2025</a:t>
+              <a:t>2/28/2025</a:t>
             </a:fld>
             <a:endParaRPr lang="en-US"/>
           </a:p>
@@ -4267,7 +5042,7 @@
           <a:p>
             <a:fld id="{CD421B04-6F62-470E-96F9-AF92FFC3E979}" type="datetimeFigureOut">
               <a:rPr lang="en-US" smtClean="0"/>
-              <a:t>2/26/2025</a:t>
+              <a:t>2/28/2025</a:t>
             </a:fld>
             <a:endParaRPr lang="en-US"/>
           </a:p>
@@ -4564,7 +5339,7 @@
           <a:p>
             <a:fld id="{CD421B04-6F62-470E-96F9-AF92FFC3E979}" type="datetimeFigureOut">
               <a:rPr lang="en-US" smtClean="0"/>
-              <a:t>2/26/2025</a:t>
+              <a:t>2/28/2025</a:t>
             </a:fld>
             <a:endParaRPr lang="en-US"/>
           </a:p>
@@ -5006,7 +5781,7 @@
           <a:p>
             <a:fld id="{CD421B04-6F62-470E-96F9-AF92FFC3E979}" type="datetimeFigureOut">
               <a:rPr lang="en-US" smtClean="0"/>
-              <a:t>2/26/2025</a:t>
+              <a:t>2/28/2025</a:t>
             </a:fld>
             <a:endParaRPr lang="en-US"/>
           </a:p>
@@ -5124,7 +5899,7 @@
           <a:p>
             <a:fld id="{CD421B04-6F62-470E-96F9-AF92FFC3E979}" type="datetimeFigureOut">
               <a:rPr lang="en-US" smtClean="0"/>
-              <a:t>2/26/2025</a:t>
+              <a:t>2/28/2025</a:t>
             </a:fld>
             <a:endParaRPr lang="en-US"/>
           </a:p>
@@ -5219,7 +5994,7 @@
           <a:p>
             <a:fld id="{CD421B04-6F62-470E-96F9-AF92FFC3E979}" type="datetimeFigureOut">
               <a:rPr lang="en-US" smtClean="0"/>
-              <a:t>2/26/2025</a:t>
+              <a:t>2/28/2025</a:t>
             </a:fld>
             <a:endParaRPr lang="en-US"/>
           </a:p>
@@ -5502,7 +6277,7 @@
           <a:p>
             <a:fld id="{CD421B04-6F62-470E-96F9-AF92FFC3E979}" type="datetimeFigureOut">
               <a:rPr lang="en-US" smtClean="0"/>
-              <a:t>2/26/2025</a:t>
+              <a:t>2/28/2025</a:t>
             </a:fld>
             <a:endParaRPr lang="en-US"/>
           </a:p>
@@ -5793,7 +6568,7 @@
           <a:p>
             <a:fld id="{CD421B04-6F62-470E-96F9-AF92FFC3E979}" type="datetimeFigureOut">
               <a:rPr lang="en-US" smtClean="0"/>
-              <a:t>2/26/2025</a:t>
+              <a:t>2/28/2025</a:t>
             </a:fld>
             <a:endParaRPr lang="en-US"/>
           </a:p>
@@ -6323,7 +7098,7 @@
           <a:p>
             <a:fld id="{CD421B04-6F62-470E-96F9-AF92FFC3E979}" type="datetimeFigureOut">
               <a:rPr lang="en-US" smtClean="0"/>
-              <a:t>2/26/2025</a:t>
+              <a:t>2/28/2025</a:t>
             </a:fld>
             <a:endParaRPr lang="en-US"/>
           </a:p>
@@ -8286,7 +9061,7 @@
         <p:cNvPr id="1" name="">
           <a:extLst>
             <a:ext uri="{FF2B5EF4-FFF2-40B4-BE49-F238E27FC236}">
-              <a16:creationId xmlns:a16="http://schemas.microsoft.com/office/drawing/2014/main" id="{47A88F54-DB53-0F73-6B1F-95E158589018}"/>
+              <a16:creationId xmlns:a16="http://schemas.microsoft.com/office/drawing/2014/main" id="{E745E398-FB44-00A8-D302-524A43F2AFFD}"/>
             </a:ext>
           </a:extLst>
         </p:cNvPr>
@@ -8306,7 +9081,7 @@
           <p:cNvPr id="2" name="Title 1">
             <a:extLst>
               <a:ext uri="{FF2B5EF4-FFF2-40B4-BE49-F238E27FC236}">
-                <a16:creationId xmlns:a16="http://schemas.microsoft.com/office/drawing/2014/main" id="{1A856F5F-6074-BD25-ECAC-3F997F3C39D5}"/>
+                <a16:creationId xmlns:a16="http://schemas.microsoft.com/office/drawing/2014/main" id="{AE5CAAE5-B464-D4FA-CE66-0F2FE6387A84}"/>
               </a:ext>
             </a:extLst>
           </p:cNvPr>
@@ -8317,33 +9092,37 @@
             <p:ph type="title"/>
           </p:nvPr>
         </p:nvSpPr>
-        <p:spPr/>
+        <p:spPr>
+          <a:xfrm>
+            <a:off x="1828800" y="707923"/>
+            <a:ext cx="9674224" cy="766916"/>
+          </a:xfrm>
+        </p:spPr>
         <p:txBody>
           <a:bodyPr>
             <a:normAutofit/>
           </a:bodyPr>
           <a:lstStyle/>
           <a:p>
-            <a:r>
-              <a:rPr lang="en-US" b="0" i="0" u="sng" dirty="0">
-                <a:solidFill>
-                  <a:srgbClr val="273239"/>
-                </a:solidFill>
-                <a:effectLst/>
-                <a:latin typeface="Nunito" pitchFamily="2" charset="0"/>
-              </a:rPr>
-              <a:t>SQL For Data Analysis</a:t>
-            </a:r>
-            <a:endParaRPr lang="en-US" dirty="0"/>
-          </a:p>
-        </p:txBody>
-      </p:sp>
-      <p:sp>
-        <p:nvSpPr>
-          <p:cNvPr id="3" name="Picture Placeholder 2">
+            <a:pPr algn="l"/>
+            <a:r>
+              <a:rPr lang="en-US" b="1" dirty="0"/>
+              <a:t>Create an empty </a:t>
+            </a:r>
+            <a:r>
+              <a:rPr lang="en-US" b="1" dirty="0" err="1"/>
+              <a:t>DataFrame</a:t>
+            </a:r>
+            <a:endParaRPr lang="en-US" b="1" dirty="0"/>
+          </a:p>
+        </p:txBody>
+      </p:sp>
+      <p:sp>
+        <p:nvSpPr>
+          <p:cNvPr id="4" name="Content Placeholder 3">
             <a:extLst>
               <a:ext uri="{FF2B5EF4-FFF2-40B4-BE49-F238E27FC236}">
-                <a16:creationId xmlns:a16="http://schemas.microsoft.com/office/drawing/2014/main" id="{19F2DF5B-DA8A-FF51-50FD-9DAD55C805F9}"/>
+                <a16:creationId xmlns:a16="http://schemas.microsoft.com/office/drawing/2014/main" id="{CBD47106-367B-1773-E0C7-460C0B648F21}"/>
               </a:ext>
             </a:extLst>
           </p:cNvPr>
@@ -8351,15 +9130,77 @@
             <a:spLocks noGrp="1"/>
           </p:cNvSpPr>
           <p:nvPr>
-            <p:ph type="pic" idx="1"/>
-          </p:nvPr>
-        </p:nvSpPr>
-        <p:spPr/>
+            <p:ph sz="half" idx="2"/>
+          </p:nvPr>
+        </p:nvSpPr>
+        <p:spPr>
+          <a:xfrm>
+            <a:off x="1828800" y="2934929"/>
+            <a:ext cx="2743200" cy="1664110"/>
+          </a:xfrm>
+          <a:ln>
+            <a:solidFill>
+              <a:schemeClr val="accent1"/>
+            </a:solidFill>
+          </a:ln>
+        </p:spPr>
+        <p:txBody>
+          <a:bodyPr/>
+          <a:lstStyle/>
+          <a:p>
+            <a:pPr marL="0" indent="0">
+              <a:buNone/>
+            </a:pPr>
+            <a:r>
+              <a:rPr lang="en-US" b="1" dirty="0"/>
+              <a:t>import pandas as pd  </a:t>
+            </a:r>
+          </a:p>
+          <a:p>
+            <a:pPr marL="0" indent="0">
+              <a:buNone/>
+            </a:pPr>
+            <a:r>
+              <a:rPr lang="en-US" b="1" dirty="0" err="1"/>
+              <a:t>df</a:t>
+            </a:r>
+            <a:r>
+              <a:rPr lang="en-US" b="1" dirty="0"/>
+              <a:t> = </a:t>
+            </a:r>
+            <a:r>
+              <a:rPr lang="en-US" b="1" dirty="0" err="1"/>
+              <a:t>pd.DataFrame</a:t>
+            </a:r>
+            <a:r>
+              <a:rPr lang="en-US" b="1" dirty="0"/>
+              <a:t>()  </a:t>
+            </a:r>
+          </a:p>
+          <a:p>
+            <a:pPr marL="0" indent="0">
+              <a:buNone/>
+            </a:pPr>
+            <a:r>
+              <a:rPr lang="en-US" b="1" dirty="0"/>
+              <a:t>print (</a:t>
+            </a:r>
+            <a:r>
+              <a:rPr lang="en-US" b="1" dirty="0" err="1"/>
+              <a:t>df</a:t>
+            </a:r>
+            <a:r>
+              <a:rPr lang="en-US" b="1" dirty="0"/>
+              <a:t>) </a:t>
+            </a:r>
+            <a:endParaRPr lang="en-US" dirty="0"/>
+          </a:p>
+        </p:txBody>
       </p:sp>
     </p:spTree>
     <p:extLst>
       <p:ext uri="{BB962C8B-B14F-4D97-AF65-F5344CB8AC3E}">
-        <p14:creationId xmlns:p14="http://schemas.microsoft.com/office/powerpoint/2010/main" val="3475469137"/>
+        <p14:creationId xmlns:p14="http://schemas.microsoft.com/office/powerpoint/2010/main" val="3697808894"/>
       </p:ext>
     </p:extLst>
   </p:cSld>
@@ -8377,7 +9218,7 @@
         <p:cNvPr id="1" name="">
           <a:extLst>
             <a:ext uri="{FF2B5EF4-FFF2-40B4-BE49-F238E27FC236}">
-              <a16:creationId xmlns:a16="http://schemas.microsoft.com/office/drawing/2014/main" id="{03AE9BC5-8357-F524-128A-4B34899B1ED5}"/>
+              <a16:creationId xmlns:a16="http://schemas.microsoft.com/office/drawing/2014/main" id="{C729B767-0D6A-4D22-0AAD-582C64C343D1}"/>
             </a:ext>
           </a:extLst>
         </p:cNvPr>
@@ -8397,7 +9238,7 @@
           <p:cNvPr id="2" name="Title 1">
             <a:extLst>
               <a:ext uri="{FF2B5EF4-FFF2-40B4-BE49-F238E27FC236}">
-                <a16:creationId xmlns:a16="http://schemas.microsoft.com/office/drawing/2014/main" id="{E63B1D29-2828-7055-5B33-D8BD42960CA0}"/>
+                <a16:creationId xmlns:a16="http://schemas.microsoft.com/office/drawing/2014/main" id="{C2E54914-699F-30C8-2F1E-2AF725ECF130}"/>
               </a:ext>
             </a:extLst>
           </p:cNvPr>
@@ -8408,43 +9249,36 @@
             <p:ph type="title"/>
           </p:nvPr>
         </p:nvSpPr>
-        <p:spPr/>
+        <p:spPr>
+          <a:xfrm>
+            <a:off x="1828800" y="707923"/>
+            <a:ext cx="9674224" cy="766916"/>
+          </a:xfrm>
+        </p:spPr>
         <p:txBody>
           <a:bodyPr>
             <a:normAutofit/>
           </a:bodyPr>
           <a:lstStyle/>
           <a:p>
-            <a:r>
-              <a:rPr lang="en-US" b="0" i="0" u="sng" dirty="0">
-                <a:solidFill>
-                  <a:srgbClr val="273239"/>
-                </a:solidFill>
-                <a:effectLst/>
-                <a:latin typeface="Nunito" pitchFamily="2" charset="0"/>
-              </a:rPr>
-              <a:t>Python Data </a:t>
-            </a:r>
-            <a:r>
-              <a:rPr lang="en-US" b="0" i="0" u="sng" dirty="0" err="1">
-                <a:solidFill>
-                  <a:srgbClr val="273239"/>
-                </a:solidFill>
-                <a:effectLst/>
-                <a:latin typeface="Nunito" pitchFamily="2" charset="0"/>
-              </a:rPr>
-              <a:t>Visulization</a:t>
-            </a:r>
-            <a:endParaRPr lang="en-US" dirty="0"/>
-          </a:p>
-        </p:txBody>
-      </p:sp>
-      <p:sp>
-        <p:nvSpPr>
-          <p:cNvPr id="3" name="Picture Placeholder 2">
+            <a:pPr algn="l"/>
+            <a:r>
+              <a:rPr lang="en-US" b="1" dirty="0" err="1"/>
+              <a:t>DataFrame</a:t>
+            </a:r>
+            <a:r>
+              <a:rPr lang="en-US" b="1" dirty="0"/>
+              <a:t> using List</a:t>
+            </a:r>
+          </a:p>
+        </p:txBody>
+      </p:sp>
+      <p:sp>
+        <p:nvSpPr>
+          <p:cNvPr id="4" name="Content Placeholder 3">
             <a:extLst>
               <a:ext uri="{FF2B5EF4-FFF2-40B4-BE49-F238E27FC236}">
-                <a16:creationId xmlns:a16="http://schemas.microsoft.com/office/drawing/2014/main" id="{74EE9DE8-C741-96AD-1875-84AD368E116B}"/>
+                <a16:creationId xmlns:a16="http://schemas.microsoft.com/office/drawing/2014/main" id="{81E871EF-B6A7-4D5F-B9C4-ABBD48DD0DC7}"/>
               </a:ext>
             </a:extLst>
           </p:cNvPr>
@@ -8452,15 +9286,202 @@
             <a:spLocks noGrp="1"/>
           </p:cNvSpPr>
           <p:nvPr>
-            <p:ph type="pic" idx="1"/>
-          </p:nvPr>
-        </p:nvSpPr>
-        <p:spPr/>
-      </p:sp>
+            <p:ph sz="half" idx="2"/>
+          </p:nvPr>
+        </p:nvSpPr>
+        <p:spPr>
+          <a:xfrm>
+            <a:off x="1828799" y="1740310"/>
+            <a:ext cx="4557253" cy="2858729"/>
+          </a:xfrm>
+          <a:ln>
+            <a:solidFill>
+              <a:schemeClr val="accent1"/>
+            </a:solidFill>
+          </a:ln>
+        </p:spPr>
+        <p:txBody>
+          <a:bodyPr>
+            <a:normAutofit fontScale="85000" lnSpcReduction="20000"/>
+          </a:bodyPr>
+          <a:lstStyle/>
+          <a:p>
+            <a:pPr marL="0" indent="0">
+              <a:buNone/>
+            </a:pPr>
+            <a:r>
+              <a:rPr lang="en-US" b="1" dirty="0">
+                <a:latin typeface="Consolas" panose="020B0609020204030204" pitchFamily="49" charset="0"/>
+              </a:rPr>
+              <a:t># importing the pandas library  </a:t>
+            </a:r>
+          </a:p>
+          <a:p>
+            <a:pPr marL="0" indent="0">
+              <a:buNone/>
+            </a:pPr>
+            <a:r>
+              <a:rPr lang="en-US" b="1" dirty="0">
+                <a:latin typeface="Consolas" panose="020B0609020204030204" pitchFamily="49" charset="0"/>
+              </a:rPr>
+              <a:t>import pandas as pd  </a:t>
+            </a:r>
+          </a:p>
+          <a:p>
+            <a:pPr marL="0" indent="0">
+              <a:buNone/>
+            </a:pPr>
+            <a:endParaRPr lang="en-US" b="1" dirty="0">
+              <a:latin typeface="Consolas" panose="020B0609020204030204" pitchFamily="49" charset="0"/>
+            </a:endParaRPr>
+          </a:p>
+          <a:p>
+            <a:pPr marL="0" indent="0">
+              <a:buNone/>
+            </a:pPr>
+            <a:r>
+              <a:rPr lang="en-US" b="1" dirty="0">
+                <a:latin typeface="Consolas" panose="020B0609020204030204" pitchFamily="49" charset="0"/>
+              </a:rPr>
+              <a:t># a list of strings  </a:t>
+            </a:r>
+          </a:p>
+          <a:p>
+            <a:pPr marL="0" indent="0">
+              <a:buNone/>
+            </a:pPr>
+            <a:r>
+              <a:rPr lang="en-US" b="1" dirty="0">
+                <a:latin typeface="Consolas" panose="020B0609020204030204" pitchFamily="49" charset="0"/>
+              </a:rPr>
+              <a:t>x = ['Python', 'Pandas']  </a:t>
+            </a:r>
+          </a:p>
+          <a:p>
+            <a:pPr marL="0" indent="0">
+              <a:buNone/>
+            </a:pPr>
+            <a:r>
+              <a:rPr lang="en-US" b="1" dirty="0">
+                <a:latin typeface="Consolas" panose="020B0609020204030204" pitchFamily="49" charset="0"/>
+              </a:rPr>
+              <a:t>  </a:t>
+            </a:r>
+          </a:p>
+          <a:p>
+            <a:pPr marL="0" indent="0">
+              <a:buNone/>
+            </a:pPr>
+            <a:r>
+              <a:rPr lang="en-US" b="1" dirty="0">
+                <a:latin typeface="Consolas" panose="020B0609020204030204" pitchFamily="49" charset="0"/>
+              </a:rPr>
+              <a:t># Calling </a:t>
+            </a:r>
+            <a:r>
+              <a:rPr lang="en-US" b="1" dirty="0" err="1">
+                <a:latin typeface="Consolas" panose="020B0609020204030204" pitchFamily="49" charset="0"/>
+              </a:rPr>
+              <a:t>DataFrame</a:t>
+            </a:r>
+            <a:r>
+              <a:rPr lang="en-US" b="1" dirty="0">
+                <a:latin typeface="Consolas" panose="020B0609020204030204" pitchFamily="49" charset="0"/>
+              </a:rPr>
+              <a:t> constructor on list  </a:t>
+            </a:r>
+          </a:p>
+          <a:p>
+            <a:pPr marL="0" indent="0">
+              <a:buNone/>
+            </a:pPr>
+            <a:r>
+              <a:rPr lang="en-US" b="1" dirty="0" err="1">
+                <a:latin typeface="Consolas" panose="020B0609020204030204" pitchFamily="49" charset="0"/>
+              </a:rPr>
+              <a:t>df</a:t>
+            </a:r>
+            <a:r>
+              <a:rPr lang="en-US" b="1" dirty="0">
+                <a:latin typeface="Consolas" panose="020B0609020204030204" pitchFamily="49" charset="0"/>
+              </a:rPr>
+              <a:t> = </a:t>
+            </a:r>
+            <a:r>
+              <a:rPr lang="en-US" b="1" dirty="0" err="1">
+                <a:latin typeface="Consolas" panose="020B0609020204030204" pitchFamily="49" charset="0"/>
+              </a:rPr>
+              <a:t>pd.DataFrame</a:t>
+            </a:r>
+            <a:r>
+              <a:rPr lang="en-US" b="1" dirty="0">
+                <a:latin typeface="Consolas" panose="020B0609020204030204" pitchFamily="49" charset="0"/>
+              </a:rPr>
+              <a:t>(x)  </a:t>
+            </a:r>
+          </a:p>
+          <a:p>
+            <a:pPr marL="0" indent="0">
+              <a:buNone/>
+            </a:pPr>
+            <a:r>
+              <a:rPr lang="en-US" b="1" dirty="0">
+                <a:latin typeface="Consolas" panose="020B0609020204030204" pitchFamily="49" charset="0"/>
+              </a:rPr>
+              <a:t>print(</a:t>
+            </a:r>
+            <a:r>
+              <a:rPr lang="en-US" b="1" dirty="0" err="1">
+                <a:latin typeface="Consolas" panose="020B0609020204030204" pitchFamily="49" charset="0"/>
+              </a:rPr>
+              <a:t>df</a:t>
+            </a:r>
+            <a:r>
+              <a:rPr lang="en-US" b="1" dirty="0">
+                <a:latin typeface="Consolas" panose="020B0609020204030204" pitchFamily="49" charset="0"/>
+              </a:rPr>
+              <a:t>) </a:t>
+            </a:r>
+            <a:endParaRPr lang="en-US" dirty="0">
+              <a:latin typeface="Consolas" panose="020B0609020204030204" pitchFamily="49" charset="0"/>
+            </a:endParaRPr>
+          </a:p>
+        </p:txBody>
+      </p:sp>
+      <p:pic>
+        <p:nvPicPr>
+          <p:cNvPr id="6" name="Picture 5">
+            <a:extLst>
+              <a:ext uri="{FF2B5EF4-FFF2-40B4-BE49-F238E27FC236}">
+                <a16:creationId xmlns:a16="http://schemas.microsoft.com/office/drawing/2014/main" id="{5D8E0819-D0E8-AEB5-CA21-D8763B3B14E2}"/>
+              </a:ext>
+            </a:extLst>
+          </p:cNvPr>
+          <p:cNvPicPr>
+            <a:picLocks noChangeAspect="1"/>
+          </p:cNvPicPr>
+          <p:nvPr/>
+        </p:nvPicPr>
+        <p:blipFill>
+          <a:blip r:embed="rId3"/>
+          <a:stretch>
+            <a:fillRect/>
+          </a:stretch>
+        </p:blipFill>
+        <p:spPr>
+          <a:xfrm>
+            <a:off x="7035354" y="2369462"/>
+            <a:ext cx="2256130" cy="2893357"/>
+          </a:xfrm>
+          <a:prstGeom prst="rect">
+            <a:avLst/>
+          </a:prstGeom>
+        </p:spPr>
+      </p:pic>
     </p:spTree>
     <p:extLst>
       <p:ext uri="{BB962C8B-B14F-4D97-AF65-F5344CB8AC3E}">
-        <p14:creationId xmlns:p14="http://schemas.microsoft.com/office/powerpoint/2010/main" val="585895180"/>
+        <p14:creationId xmlns:p14="http://schemas.microsoft.com/office/powerpoint/2010/main" val="1712524718"/>
       </p:ext>
     </p:extLst>
   </p:cSld>
@@ -8478,7 +9499,7 @@
         <p:cNvPr id="1" name="">
           <a:extLst>
             <a:ext uri="{FF2B5EF4-FFF2-40B4-BE49-F238E27FC236}">
-              <a16:creationId xmlns:a16="http://schemas.microsoft.com/office/drawing/2014/main" id="{5BFC0C45-CD7D-33D6-499E-8D44768A8C73}"/>
+              <a16:creationId xmlns:a16="http://schemas.microsoft.com/office/drawing/2014/main" id="{3BB2DE62-FD11-526F-0B84-3335930D6917}"/>
             </a:ext>
           </a:extLst>
         </p:cNvPr>
@@ -8498,7 +9519,7 @@
           <p:cNvPr id="2" name="Title 1">
             <a:extLst>
               <a:ext uri="{FF2B5EF4-FFF2-40B4-BE49-F238E27FC236}">
-                <a16:creationId xmlns:a16="http://schemas.microsoft.com/office/drawing/2014/main" id="{A89DE6D4-1D37-1DA1-7D02-8DC106F0004F}"/>
+                <a16:creationId xmlns:a16="http://schemas.microsoft.com/office/drawing/2014/main" id="{6298D70F-B1C8-6451-3415-A78A1B8F067E}"/>
               </a:ext>
             </a:extLst>
           </p:cNvPr>
@@ -8509,33 +9530,49 @@
             <p:ph type="title"/>
           </p:nvPr>
         </p:nvSpPr>
-        <p:spPr/>
+        <p:spPr>
+          <a:xfrm>
+            <a:off x="1828800" y="707923"/>
+            <a:ext cx="9674224" cy="766916"/>
+          </a:xfrm>
+        </p:spPr>
         <p:txBody>
           <a:bodyPr>
             <a:normAutofit/>
           </a:bodyPr>
           <a:lstStyle/>
           <a:p>
-            <a:r>
-              <a:rPr lang="en-US" b="0" i="0" u="sng" dirty="0">
-                <a:solidFill>
-                  <a:srgbClr val="273239"/>
-                </a:solidFill>
-                <a:effectLst/>
-                <a:latin typeface="Nunito" pitchFamily="2" charset="0"/>
-              </a:rPr>
-              <a:t>Data Analysis Datasets</a:t>
-            </a:r>
-            <a:endParaRPr lang="en-US" dirty="0"/>
-          </a:p>
-        </p:txBody>
-      </p:sp>
-      <p:sp>
-        <p:nvSpPr>
-          <p:cNvPr id="3" name="Picture Placeholder 2">
+            <a:pPr algn="l"/>
+            <a:r>
+              <a:rPr lang="en-US" b="1" dirty="0" err="1"/>
+              <a:t>DataFrame</a:t>
+            </a:r>
+            <a:r>
+              <a:rPr lang="en-US" b="1" dirty="0"/>
+              <a:t> from </a:t>
+            </a:r>
+            <a:r>
+              <a:rPr lang="en-US" b="1" dirty="0" err="1"/>
+              <a:t>Dict</a:t>
+            </a:r>
+            <a:r>
+              <a:rPr lang="en-US" b="1" dirty="0"/>
+              <a:t> of </a:t>
+            </a:r>
+            <a:r>
+              <a:rPr lang="en-US" b="1" dirty="0" err="1"/>
+              <a:t>ndarrays</a:t>
+            </a:r>
+            <a:endParaRPr lang="en-US" b="1" dirty="0"/>
+          </a:p>
+        </p:txBody>
+      </p:sp>
+      <p:sp>
+        <p:nvSpPr>
+          <p:cNvPr id="4" name="Content Placeholder 3">
             <a:extLst>
               <a:ext uri="{FF2B5EF4-FFF2-40B4-BE49-F238E27FC236}">
-                <a16:creationId xmlns:a16="http://schemas.microsoft.com/office/drawing/2014/main" id="{B16FCC79-40C4-9695-4FAA-A8FEBB0B9841}"/>
+                <a16:creationId xmlns:a16="http://schemas.microsoft.com/office/drawing/2014/main" id="{0BCAE40A-8786-D9F0-7F7F-D2F87683A102}"/>
               </a:ext>
             </a:extLst>
           </p:cNvPr>
@@ -8543,15 +9580,409 @@
             <a:spLocks noGrp="1"/>
           </p:cNvSpPr>
           <p:nvPr>
-            <p:ph type="pic" idx="1"/>
-          </p:nvPr>
-        </p:nvSpPr>
-        <p:spPr/>
-      </p:sp>
+            <p:ph sz="half" idx="2"/>
+          </p:nvPr>
+        </p:nvSpPr>
+        <p:spPr>
+          <a:xfrm>
+            <a:off x="1606854" y="1474840"/>
+            <a:ext cx="9896170" cy="2448232"/>
+          </a:xfrm>
+          <a:ln>
+            <a:solidFill>
+              <a:schemeClr val="accent1"/>
+            </a:solidFill>
+          </a:ln>
+        </p:spPr>
+        <p:txBody>
+          <a:bodyPr>
+            <a:normAutofit/>
+          </a:bodyPr>
+          <a:lstStyle/>
+          <a:p>
+            <a:pPr marL="0" indent="0">
+              <a:buNone/>
+            </a:pPr>
+            <a:r>
+              <a:rPr lang="en-US" b="1" dirty="0">
+                <a:latin typeface="Consolas" panose="020B0609020204030204" pitchFamily="49" charset="0"/>
+              </a:rPr>
+              <a:t>    import pandas as pd  </a:t>
+            </a:r>
+          </a:p>
+          <a:p>
+            <a:pPr marL="0" indent="0">
+              <a:buNone/>
+            </a:pPr>
+            <a:r>
+              <a:rPr lang="en-US" b="1" dirty="0">
+                <a:latin typeface="Consolas" panose="020B0609020204030204" pitchFamily="49" charset="0"/>
+              </a:rPr>
+              <a:t>    info = {'ID' :[101, 102, 103],'Department' :['B.Sc','B.Tech','</a:t>
+            </a:r>
+            <a:r>
+              <a:rPr lang="en-US" b="1" dirty="0" err="1">
+                <a:latin typeface="Consolas" panose="020B0609020204030204" pitchFamily="49" charset="0"/>
+              </a:rPr>
+              <a:t>M.Tech</a:t>
+            </a:r>
+            <a:r>
+              <a:rPr lang="en-US" b="1" dirty="0">
+                <a:latin typeface="Consolas" panose="020B0609020204030204" pitchFamily="49" charset="0"/>
+              </a:rPr>
+              <a:t>',]}  </a:t>
+            </a:r>
+          </a:p>
+          <a:p>
+            <a:pPr marL="0" indent="0">
+              <a:buNone/>
+            </a:pPr>
+            <a:r>
+              <a:rPr lang="en-US" b="1" dirty="0">
+                <a:latin typeface="Consolas" panose="020B0609020204030204" pitchFamily="49" charset="0"/>
+              </a:rPr>
+              <a:t>    </a:t>
+            </a:r>
+            <a:r>
+              <a:rPr lang="en-US" b="1" dirty="0" err="1">
+                <a:latin typeface="Consolas" panose="020B0609020204030204" pitchFamily="49" charset="0"/>
+              </a:rPr>
+              <a:t>df</a:t>
+            </a:r>
+            <a:r>
+              <a:rPr lang="en-US" b="1" dirty="0">
+                <a:latin typeface="Consolas" panose="020B0609020204030204" pitchFamily="49" charset="0"/>
+              </a:rPr>
+              <a:t> = </a:t>
+            </a:r>
+            <a:r>
+              <a:rPr lang="en-US" b="1" dirty="0" err="1">
+                <a:latin typeface="Consolas" panose="020B0609020204030204" pitchFamily="49" charset="0"/>
+              </a:rPr>
+              <a:t>pd.DataFrame</a:t>
+            </a:r>
+            <a:r>
+              <a:rPr lang="en-US" b="1" dirty="0">
+                <a:latin typeface="Consolas" panose="020B0609020204030204" pitchFamily="49" charset="0"/>
+              </a:rPr>
+              <a:t>(info)  </a:t>
+            </a:r>
+          </a:p>
+          <a:p>
+            <a:pPr marL="0" indent="0">
+              <a:buNone/>
+            </a:pPr>
+            <a:r>
+              <a:rPr lang="en-US" b="1" dirty="0">
+                <a:latin typeface="Consolas" panose="020B0609020204030204" pitchFamily="49" charset="0"/>
+              </a:rPr>
+              <a:t>    print (</a:t>
+            </a:r>
+            <a:r>
+              <a:rPr lang="en-US" b="1" dirty="0" err="1">
+                <a:latin typeface="Consolas" panose="020B0609020204030204" pitchFamily="49" charset="0"/>
+              </a:rPr>
+              <a:t>df</a:t>
+            </a:r>
+            <a:r>
+              <a:rPr lang="en-US" b="1" dirty="0">
+                <a:latin typeface="Consolas" panose="020B0609020204030204" pitchFamily="49" charset="0"/>
+              </a:rPr>
+              <a:t>) </a:t>
+            </a:r>
+            <a:endParaRPr lang="en-US" dirty="0">
+              <a:latin typeface="Consolas" panose="020B0609020204030204" pitchFamily="49" charset="0"/>
+            </a:endParaRPr>
+          </a:p>
+        </p:txBody>
+      </p:sp>
+      <p:pic>
+        <p:nvPicPr>
+          <p:cNvPr id="5" name="Picture 4">
+            <a:extLst>
+              <a:ext uri="{FF2B5EF4-FFF2-40B4-BE49-F238E27FC236}">
+                <a16:creationId xmlns:a16="http://schemas.microsoft.com/office/drawing/2014/main" id="{435B045E-EE24-0AA5-DA5B-AD404310E14E}"/>
+              </a:ext>
+            </a:extLst>
+          </p:cNvPr>
+          <p:cNvPicPr>
+            <a:picLocks noChangeAspect="1"/>
+          </p:cNvPicPr>
+          <p:nvPr/>
+        </p:nvPicPr>
+        <p:blipFill>
+          <a:blip r:embed="rId3"/>
+          <a:stretch>
+            <a:fillRect/>
+          </a:stretch>
+        </p:blipFill>
+        <p:spPr>
+          <a:xfrm>
+            <a:off x="2698955" y="4026309"/>
+            <a:ext cx="2271252" cy="2147043"/>
+          </a:xfrm>
+          <a:prstGeom prst="rect">
+            <a:avLst/>
+          </a:prstGeom>
+        </p:spPr>
+      </p:pic>
     </p:spTree>
     <p:extLst>
       <p:ext uri="{BB962C8B-B14F-4D97-AF65-F5344CB8AC3E}">
-        <p14:creationId xmlns:p14="http://schemas.microsoft.com/office/powerpoint/2010/main" val="2957920775"/>
+        <p14:creationId xmlns:p14="http://schemas.microsoft.com/office/powerpoint/2010/main" val="4274923310"/>
+      </p:ext>
+    </p:extLst>
+  </p:cSld>
+  <p:clrMapOvr>
+    <a:masterClrMapping/>
+  </p:clrMapOvr>
+</p:sld>
+</file>
+
+<file path=ppt/slides/slide19.xml><?xml version="1.0" encoding="utf-8"?>
+<p:sld xmlns:a="http://schemas.openxmlformats.org/drawingml/2006/main" xmlns:r="http://schemas.openxmlformats.org/officeDocument/2006/relationships" xmlns:p="http://schemas.openxmlformats.org/presentationml/2006/main">
+  <p:cSld>
+    <p:spTree>
+      <p:nvGrpSpPr>
+        <p:cNvPr id="1" name="">
+          <a:extLst>
+            <a:ext uri="{FF2B5EF4-FFF2-40B4-BE49-F238E27FC236}">
+              <a16:creationId xmlns:a16="http://schemas.microsoft.com/office/drawing/2014/main" id="{CF9B6321-F566-05D3-DEE4-55CA35C4760A}"/>
+            </a:ext>
+          </a:extLst>
+        </p:cNvPr>
+        <p:cNvGrpSpPr/>
+        <p:nvPr/>
+      </p:nvGrpSpPr>
+      <p:grpSpPr>
+        <a:xfrm>
+          <a:off x="0" y="0"/>
+          <a:ext cx="0" cy="0"/>
+          <a:chOff x="0" y="0"/>
+          <a:chExt cx="0" cy="0"/>
+        </a:xfrm>
+      </p:grpSpPr>
+      <p:sp>
+        <p:nvSpPr>
+          <p:cNvPr id="2" name="Title 1">
+            <a:extLst>
+              <a:ext uri="{FF2B5EF4-FFF2-40B4-BE49-F238E27FC236}">
+                <a16:creationId xmlns:a16="http://schemas.microsoft.com/office/drawing/2014/main" id="{7C2C194A-0690-EC97-0657-7714975B5355}"/>
+              </a:ext>
+            </a:extLst>
+          </p:cNvPr>
+          <p:cNvSpPr>
+            <a:spLocks noGrp="1"/>
+          </p:cNvSpPr>
+          <p:nvPr>
+            <p:ph type="title"/>
+          </p:nvPr>
+        </p:nvSpPr>
+        <p:spPr>
+          <a:xfrm>
+            <a:off x="1828800" y="707923"/>
+            <a:ext cx="9674224" cy="766916"/>
+          </a:xfrm>
+        </p:spPr>
+        <p:txBody>
+          <a:bodyPr>
+            <a:normAutofit/>
+          </a:bodyPr>
+          <a:lstStyle/>
+          <a:p>
+            <a:pPr algn="l"/>
+            <a:r>
+              <a:rPr lang="en-US" b="1" dirty="0" err="1"/>
+              <a:t>DataFrame</a:t>
+            </a:r>
+            <a:r>
+              <a:rPr lang="en-US" b="1" dirty="0"/>
+              <a:t> from </a:t>
+            </a:r>
+            <a:r>
+              <a:rPr lang="en-US" b="1" dirty="0" err="1"/>
+              <a:t>Dict</a:t>
+            </a:r>
+            <a:r>
+              <a:rPr lang="en-US" b="1" dirty="0"/>
+              <a:t> of Series</a:t>
+            </a:r>
+          </a:p>
+        </p:txBody>
+      </p:sp>
+      <p:sp>
+        <p:nvSpPr>
+          <p:cNvPr id="4" name="Content Placeholder 3">
+            <a:extLst>
+              <a:ext uri="{FF2B5EF4-FFF2-40B4-BE49-F238E27FC236}">
+                <a16:creationId xmlns:a16="http://schemas.microsoft.com/office/drawing/2014/main" id="{8E21012D-77E1-7E09-F260-45562C616454}"/>
+              </a:ext>
+            </a:extLst>
+          </p:cNvPr>
+          <p:cNvSpPr>
+            <a:spLocks noGrp="1"/>
+          </p:cNvSpPr>
+          <p:nvPr>
+            <p:ph sz="half" idx="2"/>
+          </p:nvPr>
+        </p:nvSpPr>
+        <p:spPr>
+          <a:xfrm>
+            <a:off x="688976" y="1946788"/>
+            <a:ext cx="11395587" cy="2448232"/>
+          </a:xfrm>
+          <a:ln>
+            <a:solidFill>
+              <a:schemeClr val="accent1"/>
+            </a:solidFill>
+          </a:ln>
+        </p:spPr>
+        <p:txBody>
+          <a:bodyPr>
+            <a:normAutofit/>
+          </a:bodyPr>
+          <a:lstStyle/>
+          <a:p>
+            <a:pPr marL="0" indent="0">
+              <a:buNone/>
+            </a:pPr>
+            <a:r>
+              <a:rPr lang="en-US" sz="1600" b="1" dirty="0">
+                <a:latin typeface="Consolas" panose="020B0609020204030204" pitchFamily="49" charset="0"/>
+              </a:rPr>
+              <a:t>    import pandas as pd</a:t>
+            </a:r>
+          </a:p>
+          <a:p>
+            <a:pPr marL="0" indent="0">
+              <a:buNone/>
+            </a:pPr>
+            <a:r>
+              <a:rPr lang="en-US" sz="1600" b="1" dirty="0">
+                <a:latin typeface="Consolas" panose="020B0609020204030204" pitchFamily="49" charset="0"/>
+              </a:rPr>
+              <a:t>    info = {'one' : </a:t>
+            </a:r>
+            <a:r>
+              <a:rPr lang="en-US" sz="1600" b="1" dirty="0" err="1">
+                <a:latin typeface="Consolas" panose="020B0609020204030204" pitchFamily="49" charset="0"/>
+              </a:rPr>
+              <a:t>pd.Series</a:t>
+            </a:r>
+            <a:r>
+              <a:rPr lang="en-US" sz="1600" b="1" dirty="0">
+                <a:latin typeface="Consolas" panose="020B0609020204030204" pitchFamily="49" charset="0"/>
+              </a:rPr>
+              <a:t>([1, 2, 3, 4, 5, 6], index=['a', 'b', 'c', 'd', 'e', 'f']),  </a:t>
+            </a:r>
+          </a:p>
+          <a:p>
+            <a:pPr marL="0" indent="0">
+              <a:buNone/>
+            </a:pPr>
+            <a:r>
+              <a:rPr lang="en-US" sz="1600" b="1" dirty="0">
+                <a:latin typeface="Consolas" panose="020B0609020204030204" pitchFamily="49" charset="0"/>
+              </a:rPr>
+              <a:t>       'two' : </a:t>
+            </a:r>
+            <a:r>
+              <a:rPr lang="en-US" sz="1600" b="1" dirty="0" err="1">
+                <a:latin typeface="Consolas" panose="020B0609020204030204" pitchFamily="49" charset="0"/>
+              </a:rPr>
+              <a:t>pd.Series</a:t>
+            </a:r>
+            <a:r>
+              <a:rPr lang="en-US" sz="1600" b="1" dirty="0">
+                <a:latin typeface="Consolas" panose="020B0609020204030204" pitchFamily="49" charset="0"/>
+              </a:rPr>
+              <a:t>([1, 2, 3, 4, 5, 6, 7, 8], index=['a', 'b', 'c', 'd', 'e', 'f', 'g', 'h'])}  </a:t>
+            </a:r>
+          </a:p>
+          <a:p>
+            <a:pPr marL="0" indent="0">
+              <a:buNone/>
+            </a:pPr>
+            <a:r>
+              <a:rPr lang="en-US" sz="1600" b="1" dirty="0">
+                <a:latin typeface="Consolas" panose="020B0609020204030204" pitchFamily="49" charset="0"/>
+              </a:rPr>
+              <a:t>      </a:t>
+            </a:r>
+          </a:p>
+          <a:p>
+            <a:pPr marL="0" indent="0">
+              <a:buNone/>
+            </a:pPr>
+            <a:r>
+              <a:rPr lang="en-US" sz="1600" b="1" dirty="0">
+                <a:latin typeface="Consolas" panose="020B0609020204030204" pitchFamily="49" charset="0"/>
+              </a:rPr>
+              <a:t>    d1 = </a:t>
+            </a:r>
+            <a:r>
+              <a:rPr lang="en-US" sz="1600" b="1" dirty="0" err="1">
+                <a:latin typeface="Consolas" panose="020B0609020204030204" pitchFamily="49" charset="0"/>
+              </a:rPr>
+              <a:t>pd.DataFrame</a:t>
+            </a:r>
+            <a:r>
+              <a:rPr lang="en-US" sz="1600" b="1" dirty="0">
+                <a:latin typeface="Consolas" panose="020B0609020204030204" pitchFamily="49" charset="0"/>
+              </a:rPr>
+              <a:t>(info)  </a:t>
+            </a:r>
+          </a:p>
+          <a:p>
+            <a:pPr marL="0" indent="0">
+              <a:buNone/>
+            </a:pPr>
+            <a:r>
+              <a:rPr lang="en-US" sz="1600" b="1" dirty="0">
+                <a:latin typeface="Consolas" panose="020B0609020204030204" pitchFamily="49" charset="0"/>
+              </a:rPr>
+              <a:t>    print (d1) </a:t>
+            </a:r>
+            <a:endParaRPr lang="en-US" sz="1600" dirty="0">
+              <a:latin typeface="Consolas" panose="020B0609020204030204" pitchFamily="49" charset="0"/>
+            </a:endParaRPr>
+          </a:p>
+        </p:txBody>
+      </p:sp>
+      <p:pic>
+        <p:nvPicPr>
+          <p:cNvPr id="6" name="Picture 5">
+            <a:extLst>
+              <a:ext uri="{FF2B5EF4-FFF2-40B4-BE49-F238E27FC236}">
+                <a16:creationId xmlns:a16="http://schemas.microsoft.com/office/drawing/2014/main" id="{91C47E58-1EC7-8DE9-1681-DD787D48B6BA}"/>
+              </a:ext>
+            </a:extLst>
+          </p:cNvPr>
+          <p:cNvPicPr>
+            <a:picLocks noChangeAspect="1"/>
+          </p:cNvPicPr>
+          <p:nvPr/>
+        </p:nvPicPr>
+        <p:blipFill>
+          <a:blip r:embed="rId3"/>
+          <a:stretch>
+            <a:fillRect/>
+          </a:stretch>
+        </p:blipFill>
+        <p:spPr>
+          <a:xfrm>
+            <a:off x="8612228" y="3578794"/>
+            <a:ext cx="1195449" cy="2942644"/>
+          </a:xfrm>
+          <a:prstGeom prst="rect">
+            <a:avLst/>
+          </a:prstGeom>
+        </p:spPr>
+      </p:pic>
+    </p:spTree>
+    <p:extLst>
+      <p:ext uri="{BB962C8B-B14F-4D97-AF65-F5344CB8AC3E}">
+        <p14:creationId xmlns:p14="http://schemas.microsoft.com/office/powerpoint/2010/main" val="2576824032"/>
       </p:ext>
     </p:extLst>
   </p:cSld>
@@ -8772,6 +10203,2249 @@
     <p:extLst>
       <p:ext uri="{BB962C8B-B14F-4D97-AF65-F5344CB8AC3E}">
         <p14:creationId xmlns:p14="http://schemas.microsoft.com/office/powerpoint/2010/main" val="3545029220"/>
+      </p:ext>
+    </p:extLst>
+  </p:cSld>
+  <p:clrMapOvr>
+    <a:masterClrMapping/>
+  </p:clrMapOvr>
+</p:sld>
+</file>
+
+<file path=ppt/slides/slide20.xml><?xml version="1.0" encoding="utf-8"?>
+<p:sld xmlns:a="http://schemas.openxmlformats.org/drawingml/2006/main" xmlns:r="http://schemas.openxmlformats.org/officeDocument/2006/relationships" xmlns:p="http://schemas.openxmlformats.org/presentationml/2006/main">
+  <p:cSld>
+    <p:spTree>
+      <p:nvGrpSpPr>
+        <p:cNvPr id="1" name="">
+          <a:extLst>
+            <a:ext uri="{FF2B5EF4-FFF2-40B4-BE49-F238E27FC236}">
+              <a16:creationId xmlns:a16="http://schemas.microsoft.com/office/drawing/2014/main" id="{2BC0B555-FE26-0E3B-BAD9-A02BDA40F30D}"/>
+            </a:ext>
+          </a:extLst>
+        </p:cNvPr>
+        <p:cNvGrpSpPr/>
+        <p:nvPr/>
+      </p:nvGrpSpPr>
+      <p:grpSpPr>
+        <a:xfrm>
+          <a:off x="0" y="0"/>
+          <a:ext cx="0" cy="0"/>
+          <a:chOff x="0" y="0"/>
+          <a:chExt cx="0" cy="0"/>
+        </a:xfrm>
+      </p:grpSpPr>
+      <p:sp>
+        <p:nvSpPr>
+          <p:cNvPr id="2" name="Title 1">
+            <a:extLst>
+              <a:ext uri="{FF2B5EF4-FFF2-40B4-BE49-F238E27FC236}">
+                <a16:creationId xmlns:a16="http://schemas.microsoft.com/office/drawing/2014/main" id="{B0BDB632-0131-33FD-9728-BD55EC9F959C}"/>
+              </a:ext>
+            </a:extLst>
+          </p:cNvPr>
+          <p:cNvSpPr>
+            <a:spLocks noGrp="1"/>
+          </p:cNvSpPr>
+          <p:nvPr>
+            <p:ph type="title"/>
+          </p:nvPr>
+        </p:nvSpPr>
+        <p:spPr>
+          <a:xfrm>
+            <a:off x="1828800" y="483583"/>
+            <a:ext cx="9674224" cy="766916"/>
+          </a:xfrm>
+        </p:spPr>
+        <p:txBody>
+          <a:bodyPr>
+            <a:normAutofit/>
+          </a:bodyPr>
+          <a:lstStyle/>
+          <a:p>
+            <a:pPr algn="l"/>
+            <a:r>
+              <a:rPr lang="en-US" b="1" dirty="0"/>
+              <a:t>Pandas </a:t>
+            </a:r>
+            <a:r>
+              <a:rPr lang="en-US" b="1" dirty="0" err="1"/>
+              <a:t>DataFrame</a:t>
+            </a:r>
+            <a:endParaRPr lang="en-US" b="1" dirty="0"/>
+          </a:p>
+        </p:txBody>
+      </p:sp>
+      <p:graphicFrame>
+        <p:nvGraphicFramePr>
+          <p:cNvPr id="14" name="Content Placeholder 13">
+            <a:extLst>
+              <a:ext uri="{FF2B5EF4-FFF2-40B4-BE49-F238E27FC236}">
+                <a16:creationId xmlns:a16="http://schemas.microsoft.com/office/drawing/2014/main" id="{0A1F1B92-3268-D611-273A-3A1B94CA0B1A}"/>
+              </a:ext>
+            </a:extLst>
+          </p:cNvPr>
+          <p:cNvGraphicFramePr>
+            <a:graphicFrameLocks noGrp="1"/>
+          </p:cNvGraphicFramePr>
+          <p:nvPr>
+            <p:ph sz="half" idx="2"/>
+            <p:extLst>
+              <p:ext uri="{D42A27DB-BD31-4B8C-83A1-F6EECF244321}">
+                <p14:modId xmlns:p14="http://schemas.microsoft.com/office/powerpoint/2010/main" val="3545919210"/>
+              </p:ext>
+            </p:extLst>
+          </p:nvPr>
+        </p:nvGraphicFramePr>
+        <p:xfrm>
+          <a:off x="1828800" y="1474839"/>
+          <a:ext cx="9497961" cy="4516120"/>
+        </p:xfrm>
+        <a:graphic>
+          <a:graphicData uri="http://schemas.openxmlformats.org/drawingml/2006/table">
+            <a:tbl>
+              <a:tblPr firstRow="1" bandRow="1">
+                <a:tableStyleId>{5940675A-B579-460E-94D1-54222C63F5DA}</a:tableStyleId>
+              </a:tblPr>
+              <a:tblGrid>
+                <a:gridCol w="3111910">
+                  <a:extLst>
+                    <a:ext uri="{9D8B030D-6E8A-4147-A177-3AD203B41FA5}">
+                      <a16:colId xmlns:a16="http://schemas.microsoft.com/office/drawing/2014/main" val="1470583734"/>
+                    </a:ext>
+                  </a:extLst>
+                </a:gridCol>
+                <a:gridCol w="6386051">
+                  <a:extLst>
+                    <a:ext uri="{9D8B030D-6E8A-4147-A177-3AD203B41FA5}">
+                      <a16:colId xmlns:a16="http://schemas.microsoft.com/office/drawing/2014/main" val="3385512952"/>
+                    </a:ext>
+                  </a:extLst>
+                </a:gridCol>
+              </a:tblGrid>
+              <a:tr h="370840">
+                <a:tc>
+                  <a:txBody>
+                    <a:bodyPr/>
+                    <a:lstStyle/>
+                    <a:p>
+                      <a:endParaRPr lang="en-US">
+                        <a:solidFill>
+                          <a:schemeClr val="tx1"/>
+                        </a:solidFill>
+                      </a:endParaRPr>
+                    </a:p>
+                  </a:txBody>
+                  <a:tcPr/>
+                </a:tc>
+                <a:tc>
+                  <a:txBody>
+                    <a:bodyPr/>
+                    <a:lstStyle/>
+                    <a:p>
+                      <a:endParaRPr lang="en-US">
+                        <a:solidFill>
+                          <a:schemeClr val="tx1"/>
+                        </a:solidFill>
+                      </a:endParaRPr>
+                    </a:p>
+                  </a:txBody>
+                  <a:tcPr/>
+                </a:tc>
+                <a:extLst>
+                  <a:ext uri="{0D108BD9-81ED-4DB2-BD59-A6C34878D82A}">
+                    <a16:rowId xmlns:a16="http://schemas.microsoft.com/office/drawing/2014/main" val="2607980132"/>
+                  </a:ext>
+                </a:extLst>
+              </a:tr>
+              <a:tr h="370840">
+                <a:tc>
+                  <a:txBody>
+                    <a:bodyPr/>
+                    <a:lstStyle/>
+                    <a:p>
+                      <a:r>
+                        <a:rPr lang="en-US" dirty="0" err="1">
+                          <a:solidFill>
+                            <a:schemeClr val="tx1"/>
+                          </a:solidFill>
+                        </a:rPr>
+                        <a:t>DataFrame.append</a:t>
+                      </a:r>
+                      <a:r>
+                        <a:rPr lang="en-US" dirty="0">
+                          <a:solidFill>
+                            <a:schemeClr val="tx1"/>
+                          </a:solidFill>
+                        </a:rPr>
+                        <a:t>()</a:t>
+                      </a:r>
+                    </a:p>
+                  </a:txBody>
+                  <a:tcPr anchor="ctr"/>
+                </a:tc>
+                <a:tc>
+                  <a:txBody>
+                    <a:bodyPr/>
+                    <a:lstStyle/>
+                    <a:p>
+                      <a:r>
+                        <a:rPr lang="en-US">
+                          <a:solidFill>
+                            <a:schemeClr val="tx1"/>
+                          </a:solidFill>
+                        </a:rPr>
+                        <a:t>Add the rows of other dataframe to the end of the given dataframe.</a:t>
+                      </a:r>
+                    </a:p>
+                  </a:txBody>
+                  <a:tcPr anchor="ctr"/>
+                </a:tc>
+                <a:extLst>
+                  <a:ext uri="{0D108BD9-81ED-4DB2-BD59-A6C34878D82A}">
+                    <a16:rowId xmlns:a16="http://schemas.microsoft.com/office/drawing/2014/main" val="2275941546"/>
+                  </a:ext>
+                </a:extLst>
+              </a:tr>
+              <a:tr h="370840">
+                <a:tc>
+                  <a:txBody>
+                    <a:bodyPr/>
+                    <a:lstStyle/>
+                    <a:p>
+                      <a:r>
+                        <a:rPr lang="en-US" dirty="0">
+                          <a:solidFill>
+                            <a:schemeClr val="tx1"/>
+                          </a:solidFill>
+                          <a:hlinkClick r:id="rId3">
+                            <a:extLst>
+                              <a:ext uri="{A12FA001-AC4F-418D-AE19-62706E023703}">
+                                <ahyp:hlinkClr xmlns:ahyp="http://schemas.microsoft.com/office/drawing/2018/hyperlinkcolor" val="tx"/>
+                              </a:ext>
+                            </a:extLst>
+                          </a:hlinkClick>
+                        </a:rPr>
+                        <a:t> </a:t>
+                      </a:r>
+                      <a:r>
+                        <a:rPr lang="en-US" dirty="0" err="1">
+                          <a:solidFill>
+                            <a:schemeClr val="tx1"/>
+                          </a:solidFill>
+                          <a:hlinkClick r:id="rId3">
+                            <a:extLst>
+                              <a:ext uri="{A12FA001-AC4F-418D-AE19-62706E023703}">
+                                <ahyp:hlinkClr xmlns:ahyp="http://schemas.microsoft.com/office/drawing/2018/hyperlinkcolor" val="tx"/>
+                              </a:ext>
+                            </a:extLst>
+                          </a:hlinkClick>
+                        </a:rPr>
+                        <a:t>DataFrame.apply</a:t>
+                      </a:r>
+                      <a:r>
+                        <a:rPr lang="en-US" dirty="0">
+                          <a:solidFill>
+                            <a:schemeClr val="tx1"/>
+                          </a:solidFill>
+                          <a:hlinkClick r:id="rId3">
+                            <a:extLst>
+                              <a:ext uri="{A12FA001-AC4F-418D-AE19-62706E023703}">
+                                <ahyp:hlinkClr xmlns:ahyp="http://schemas.microsoft.com/office/drawing/2018/hyperlinkcolor" val="tx"/>
+                              </a:ext>
+                            </a:extLst>
+                          </a:hlinkClick>
+                        </a:rPr>
+                        <a:t>()</a:t>
+                      </a:r>
+                      <a:endParaRPr lang="en-US" dirty="0">
+                        <a:solidFill>
+                          <a:schemeClr val="tx1"/>
+                        </a:solidFill>
+                      </a:endParaRPr>
+                    </a:p>
+                  </a:txBody>
+                  <a:tcPr anchor="ctr"/>
+                </a:tc>
+                <a:tc>
+                  <a:txBody>
+                    <a:bodyPr/>
+                    <a:lstStyle/>
+                    <a:p>
+                      <a:r>
+                        <a:rPr lang="en-US" dirty="0">
+                          <a:solidFill>
+                            <a:schemeClr val="tx1"/>
+                          </a:solidFill>
+                        </a:rPr>
+                        <a:t>Allows the user to pass a function and apply it to every single value of the Pandas series.</a:t>
+                      </a:r>
+                    </a:p>
+                  </a:txBody>
+                  <a:tcPr anchor="ctr"/>
+                </a:tc>
+                <a:extLst>
+                  <a:ext uri="{0D108BD9-81ED-4DB2-BD59-A6C34878D82A}">
+                    <a16:rowId xmlns:a16="http://schemas.microsoft.com/office/drawing/2014/main" val="687965321"/>
+                  </a:ext>
+                </a:extLst>
+              </a:tr>
+              <a:tr h="370840">
+                <a:tc>
+                  <a:txBody>
+                    <a:bodyPr/>
+                    <a:lstStyle/>
+                    <a:p>
+                      <a:r>
+                        <a:rPr lang="en-US" dirty="0" err="1">
+                          <a:solidFill>
+                            <a:schemeClr val="tx1"/>
+                          </a:solidFill>
+                          <a:hlinkClick r:id="rId4">
+                            <a:extLst>
+                              <a:ext uri="{A12FA001-AC4F-418D-AE19-62706E023703}">
+                                <ahyp:hlinkClr xmlns:ahyp="http://schemas.microsoft.com/office/drawing/2018/hyperlinkcolor" val="tx"/>
+                              </a:ext>
+                            </a:extLst>
+                          </a:hlinkClick>
+                        </a:rPr>
+                        <a:t>DataFrame.assign</a:t>
+                      </a:r>
+                      <a:r>
+                        <a:rPr lang="en-US" dirty="0">
+                          <a:solidFill>
+                            <a:schemeClr val="tx1"/>
+                          </a:solidFill>
+                          <a:hlinkClick r:id="rId4">
+                            <a:extLst>
+                              <a:ext uri="{A12FA001-AC4F-418D-AE19-62706E023703}">
+                                <ahyp:hlinkClr xmlns:ahyp="http://schemas.microsoft.com/office/drawing/2018/hyperlinkcolor" val="tx"/>
+                              </a:ext>
+                            </a:extLst>
+                          </a:hlinkClick>
+                        </a:rPr>
+                        <a:t>()</a:t>
+                      </a:r>
+                      <a:endParaRPr lang="en-US" dirty="0">
+                        <a:solidFill>
+                          <a:schemeClr val="tx1"/>
+                        </a:solidFill>
+                      </a:endParaRPr>
+                    </a:p>
+                  </a:txBody>
+                  <a:tcPr anchor="ctr"/>
+                </a:tc>
+                <a:tc>
+                  <a:txBody>
+                    <a:bodyPr/>
+                    <a:lstStyle/>
+                    <a:p>
+                      <a:r>
+                        <a:rPr lang="en-US">
+                          <a:solidFill>
+                            <a:schemeClr val="tx1"/>
+                          </a:solidFill>
+                        </a:rPr>
+                        <a:t>Add new column into a dataframe.</a:t>
+                      </a:r>
+                    </a:p>
+                  </a:txBody>
+                  <a:tcPr anchor="ctr"/>
+                </a:tc>
+                <a:extLst>
+                  <a:ext uri="{0D108BD9-81ED-4DB2-BD59-A6C34878D82A}">
+                    <a16:rowId xmlns:a16="http://schemas.microsoft.com/office/drawing/2014/main" val="3889589824"/>
+                  </a:ext>
+                </a:extLst>
+              </a:tr>
+              <a:tr h="370840">
+                <a:tc>
+                  <a:txBody>
+                    <a:bodyPr/>
+                    <a:lstStyle/>
+                    <a:p>
+                      <a:r>
+                        <a:rPr lang="en-US" dirty="0" err="1">
+                          <a:solidFill>
+                            <a:schemeClr val="tx1"/>
+                          </a:solidFill>
+                          <a:hlinkClick r:id="rId5">
+                            <a:extLst>
+                              <a:ext uri="{A12FA001-AC4F-418D-AE19-62706E023703}">
+                                <ahyp:hlinkClr xmlns:ahyp="http://schemas.microsoft.com/office/drawing/2018/hyperlinkcolor" val="tx"/>
+                              </a:ext>
+                            </a:extLst>
+                          </a:hlinkClick>
+                        </a:rPr>
+                        <a:t>DataFrame.astype</a:t>
+                      </a:r>
+                      <a:r>
+                        <a:rPr lang="en-US" dirty="0">
+                          <a:solidFill>
+                            <a:schemeClr val="tx1"/>
+                          </a:solidFill>
+                          <a:hlinkClick r:id="rId5">
+                            <a:extLst>
+                              <a:ext uri="{A12FA001-AC4F-418D-AE19-62706E023703}">
+                                <ahyp:hlinkClr xmlns:ahyp="http://schemas.microsoft.com/office/drawing/2018/hyperlinkcolor" val="tx"/>
+                              </a:ext>
+                            </a:extLst>
+                          </a:hlinkClick>
+                        </a:rPr>
+                        <a:t>()</a:t>
+                      </a:r>
+                      <a:endParaRPr lang="en-US" dirty="0">
+                        <a:solidFill>
+                          <a:schemeClr val="tx1"/>
+                        </a:solidFill>
+                      </a:endParaRPr>
+                    </a:p>
+                  </a:txBody>
+                  <a:tcPr anchor="ctr"/>
+                </a:tc>
+                <a:tc>
+                  <a:txBody>
+                    <a:bodyPr/>
+                    <a:lstStyle/>
+                    <a:p>
+                      <a:r>
+                        <a:rPr lang="en-US">
+                          <a:solidFill>
+                            <a:schemeClr val="tx1"/>
+                          </a:solidFill>
+                        </a:rPr>
+                        <a:t>Cast the Pandas object to a specified dtype.astype() function.</a:t>
+                      </a:r>
+                    </a:p>
+                  </a:txBody>
+                  <a:tcPr anchor="ctr"/>
+                </a:tc>
+                <a:extLst>
+                  <a:ext uri="{0D108BD9-81ED-4DB2-BD59-A6C34878D82A}">
+                    <a16:rowId xmlns:a16="http://schemas.microsoft.com/office/drawing/2014/main" val="3587466661"/>
+                  </a:ext>
+                </a:extLst>
+              </a:tr>
+              <a:tr h="370840">
+                <a:tc>
+                  <a:txBody>
+                    <a:bodyPr/>
+                    <a:lstStyle/>
+                    <a:p>
+                      <a:r>
+                        <a:rPr lang="en-US" dirty="0" err="1">
+                          <a:solidFill>
+                            <a:schemeClr val="tx1"/>
+                          </a:solidFill>
+                          <a:hlinkClick r:id="rId6">
+                            <a:extLst>
+                              <a:ext uri="{A12FA001-AC4F-418D-AE19-62706E023703}">
+                                <ahyp:hlinkClr xmlns:ahyp="http://schemas.microsoft.com/office/drawing/2018/hyperlinkcolor" val="tx"/>
+                              </a:ext>
+                            </a:extLst>
+                          </a:hlinkClick>
+                        </a:rPr>
+                        <a:t>DataFrame.concat</a:t>
+                      </a:r>
+                      <a:r>
+                        <a:rPr lang="en-US" dirty="0">
+                          <a:solidFill>
+                            <a:schemeClr val="tx1"/>
+                          </a:solidFill>
+                          <a:hlinkClick r:id="rId6">
+                            <a:extLst>
+                              <a:ext uri="{A12FA001-AC4F-418D-AE19-62706E023703}">
+                                <ahyp:hlinkClr xmlns:ahyp="http://schemas.microsoft.com/office/drawing/2018/hyperlinkcolor" val="tx"/>
+                              </a:ext>
+                            </a:extLst>
+                          </a:hlinkClick>
+                        </a:rPr>
+                        <a:t>()</a:t>
+                      </a:r>
+                      <a:endParaRPr lang="en-US" dirty="0">
+                        <a:solidFill>
+                          <a:schemeClr val="tx1"/>
+                        </a:solidFill>
+                      </a:endParaRPr>
+                    </a:p>
+                  </a:txBody>
+                  <a:tcPr anchor="ctr"/>
+                </a:tc>
+                <a:tc>
+                  <a:txBody>
+                    <a:bodyPr/>
+                    <a:lstStyle/>
+                    <a:p>
+                      <a:r>
+                        <a:rPr lang="en-US" dirty="0">
+                          <a:solidFill>
+                            <a:schemeClr val="tx1"/>
+                          </a:solidFill>
+                        </a:rPr>
+                        <a:t>Perform concatenation operation along an axis in the </a:t>
+                      </a:r>
+                      <a:r>
+                        <a:rPr lang="en-US" dirty="0" err="1">
+                          <a:solidFill>
+                            <a:schemeClr val="tx1"/>
+                          </a:solidFill>
+                        </a:rPr>
+                        <a:t>DataFrame</a:t>
+                      </a:r>
+                      <a:r>
+                        <a:rPr lang="en-US" dirty="0">
+                          <a:solidFill>
+                            <a:schemeClr val="tx1"/>
+                          </a:solidFill>
+                        </a:rPr>
+                        <a:t>.</a:t>
+                      </a:r>
+                    </a:p>
+                  </a:txBody>
+                  <a:tcPr anchor="ctr"/>
+                </a:tc>
+                <a:extLst>
+                  <a:ext uri="{0D108BD9-81ED-4DB2-BD59-A6C34878D82A}">
+                    <a16:rowId xmlns:a16="http://schemas.microsoft.com/office/drawing/2014/main" val="2195818440"/>
+                  </a:ext>
+                </a:extLst>
+              </a:tr>
+              <a:tr h="370840">
+                <a:tc>
+                  <a:txBody>
+                    <a:bodyPr/>
+                    <a:lstStyle/>
+                    <a:p>
+                      <a:r>
+                        <a:rPr lang="en-US" dirty="0" err="1">
+                          <a:solidFill>
+                            <a:schemeClr val="tx1"/>
+                          </a:solidFill>
+                          <a:hlinkClick r:id="rId7">
+                            <a:extLst>
+                              <a:ext uri="{A12FA001-AC4F-418D-AE19-62706E023703}">
+                                <ahyp:hlinkClr xmlns:ahyp="http://schemas.microsoft.com/office/drawing/2018/hyperlinkcolor" val="tx"/>
+                              </a:ext>
+                            </a:extLst>
+                          </a:hlinkClick>
+                        </a:rPr>
+                        <a:t>DataFrame.count</a:t>
+                      </a:r>
+                      <a:r>
+                        <a:rPr lang="en-US" dirty="0">
+                          <a:solidFill>
+                            <a:schemeClr val="tx1"/>
+                          </a:solidFill>
+                          <a:hlinkClick r:id="rId7">
+                            <a:extLst>
+                              <a:ext uri="{A12FA001-AC4F-418D-AE19-62706E023703}">
+                                <ahyp:hlinkClr xmlns:ahyp="http://schemas.microsoft.com/office/drawing/2018/hyperlinkcolor" val="tx"/>
+                              </a:ext>
+                            </a:extLst>
+                          </a:hlinkClick>
+                        </a:rPr>
+                        <a:t>()</a:t>
+                      </a:r>
+                      <a:endParaRPr lang="en-US" dirty="0">
+                        <a:solidFill>
+                          <a:schemeClr val="tx1"/>
+                        </a:solidFill>
+                      </a:endParaRPr>
+                    </a:p>
+                  </a:txBody>
+                  <a:tcPr anchor="ctr"/>
+                </a:tc>
+                <a:tc>
+                  <a:txBody>
+                    <a:bodyPr/>
+                    <a:lstStyle/>
+                    <a:p>
+                      <a:r>
+                        <a:rPr lang="en-US">
+                          <a:solidFill>
+                            <a:schemeClr val="tx1"/>
+                          </a:solidFill>
+                        </a:rPr>
+                        <a:t>Count the number of non-NA cells for each column or row.</a:t>
+                      </a:r>
+                    </a:p>
+                  </a:txBody>
+                  <a:tcPr anchor="ctr"/>
+                </a:tc>
+                <a:extLst>
+                  <a:ext uri="{0D108BD9-81ED-4DB2-BD59-A6C34878D82A}">
+                    <a16:rowId xmlns:a16="http://schemas.microsoft.com/office/drawing/2014/main" val="3617389743"/>
+                  </a:ext>
+                </a:extLst>
+              </a:tr>
+              <a:tr h="370840">
+                <a:tc>
+                  <a:txBody>
+                    <a:bodyPr/>
+                    <a:lstStyle/>
+                    <a:p>
+                      <a:r>
+                        <a:rPr lang="en-US" dirty="0" err="1">
+                          <a:solidFill>
+                            <a:schemeClr val="tx1"/>
+                          </a:solidFill>
+                          <a:hlinkClick r:id="rId8">
+                            <a:extLst>
+                              <a:ext uri="{A12FA001-AC4F-418D-AE19-62706E023703}">
+                                <ahyp:hlinkClr xmlns:ahyp="http://schemas.microsoft.com/office/drawing/2018/hyperlinkcolor" val="tx"/>
+                              </a:ext>
+                            </a:extLst>
+                          </a:hlinkClick>
+                        </a:rPr>
+                        <a:t>DataFrame.describe</a:t>
+                      </a:r>
+                      <a:r>
+                        <a:rPr lang="en-US" dirty="0">
+                          <a:solidFill>
+                            <a:schemeClr val="tx1"/>
+                          </a:solidFill>
+                          <a:hlinkClick r:id="rId8">
+                            <a:extLst>
+                              <a:ext uri="{A12FA001-AC4F-418D-AE19-62706E023703}">
+                                <ahyp:hlinkClr xmlns:ahyp="http://schemas.microsoft.com/office/drawing/2018/hyperlinkcolor" val="tx"/>
+                              </a:ext>
+                            </a:extLst>
+                          </a:hlinkClick>
+                        </a:rPr>
+                        <a:t>()</a:t>
+                      </a:r>
+                      <a:endParaRPr lang="en-US" dirty="0">
+                        <a:solidFill>
+                          <a:schemeClr val="tx1"/>
+                        </a:solidFill>
+                      </a:endParaRPr>
+                    </a:p>
+                  </a:txBody>
+                  <a:tcPr anchor="ctr"/>
+                </a:tc>
+                <a:tc>
+                  <a:txBody>
+                    <a:bodyPr/>
+                    <a:lstStyle/>
+                    <a:p>
+                      <a:r>
+                        <a:rPr lang="en-US">
+                          <a:solidFill>
+                            <a:schemeClr val="tx1"/>
+                          </a:solidFill>
+                        </a:rPr>
+                        <a:t>Calculate some statistical data like percentile, mean and std of the numerical values of the Series or DataFrame.</a:t>
+                      </a:r>
+                    </a:p>
+                  </a:txBody>
+                  <a:tcPr anchor="ctr"/>
+                </a:tc>
+                <a:extLst>
+                  <a:ext uri="{0D108BD9-81ED-4DB2-BD59-A6C34878D82A}">
+                    <a16:rowId xmlns:a16="http://schemas.microsoft.com/office/drawing/2014/main" val="2958103118"/>
+                  </a:ext>
+                </a:extLst>
+              </a:tr>
+              <a:tr h="370840">
+                <a:tc>
+                  <a:txBody>
+                    <a:bodyPr/>
+                    <a:lstStyle/>
+                    <a:p>
+                      <a:r>
+                        <a:rPr lang="en-US" dirty="0" err="1">
+                          <a:solidFill>
+                            <a:schemeClr val="tx1"/>
+                          </a:solidFill>
+                          <a:hlinkClick r:id="rId9">
+                            <a:extLst>
+                              <a:ext uri="{A12FA001-AC4F-418D-AE19-62706E023703}">
+                                <ahyp:hlinkClr xmlns:ahyp="http://schemas.microsoft.com/office/drawing/2018/hyperlinkcolor" val="tx"/>
+                              </a:ext>
+                            </a:extLst>
+                          </a:hlinkClick>
+                        </a:rPr>
+                        <a:t>DataFrame.drop_duplicates</a:t>
+                      </a:r>
+                      <a:r>
+                        <a:rPr lang="en-US" dirty="0">
+                          <a:solidFill>
+                            <a:schemeClr val="tx1"/>
+                          </a:solidFill>
+                          <a:hlinkClick r:id="rId9">
+                            <a:extLst>
+                              <a:ext uri="{A12FA001-AC4F-418D-AE19-62706E023703}">
+                                <ahyp:hlinkClr xmlns:ahyp="http://schemas.microsoft.com/office/drawing/2018/hyperlinkcolor" val="tx"/>
+                              </a:ext>
+                            </a:extLst>
+                          </a:hlinkClick>
+                        </a:rPr>
+                        <a:t>()</a:t>
+                      </a:r>
+                      <a:endParaRPr lang="en-US" dirty="0">
+                        <a:solidFill>
+                          <a:schemeClr val="tx1"/>
+                        </a:solidFill>
+                      </a:endParaRPr>
+                    </a:p>
+                  </a:txBody>
+                  <a:tcPr anchor="ctr"/>
+                </a:tc>
+                <a:tc>
+                  <a:txBody>
+                    <a:bodyPr/>
+                    <a:lstStyle/>
+                    <a:p>
+                      <a:r>
+                        <a:rPr lang="en-US">
+                          <a:solidFill>
+                            <a:schemeClr val="tx1"/>
+                          </a:solidFill>
+                        </a:rPr>
+                        <a:t>Remove duplicate values from the DataFrame.</a:t>
+                      </a:r>
+                    </a:p>
+                  </a:txBody>
+                  <a:tcPr anchor="ctr"/>
+                </a:tc>
+                <a:extLst>
+                  <a:ext uri="{0D108BD9-81ED-4DB2-BD59-A6C34878D82A}">
+                    <a16:rowId xmlns:a16="http://schemas.microsoft.com/office/drawing/2014/main" val="1279343382"/>
+                  </a:ext>
+                </a:extLst>
+              </a:tr>
+              <a:tr h="370840">
+                <a:tc>
+                  <a:txBody>
+                    <a:bodyPr/>
+                    <a:lstStyle/>
+                    <a:p>
+                      <a:r>
+                        <a:rPr lang="en-US" dirty="0" err="1">
+                          <a:solidFill>
+                            <a:schemeClr val="tx1"/>
+                          </a:solidFill>
+                          <a:hlinkClick r:id="rId10">
+                            <a:extLst>
+                              <a:ext uri="{A12FA001-AC4F-418D-AE19-62706E023703}">
+                                <ahyp:hlinkClr xmlns:ahyp="http://schemas.microsoft.com/office/drawing/2018/hyperlinkcolor" val="tx"/>
+                              </a:ext>
+                            </a:extLst>
+                          </a:hlinkClick>
+                        </a:rPr>
+                        <a:t>DataFrame.groupby</a:t>
+                      </a:r>
+                      <a:r>
+                        <a:rPr lang="en-US" dirty="0">
+                          <a:solidFill>
+                            <a:schemeClr val="tx1"/>
+                          </a:solidFill>
+                          <a:hlinkClick r:id="rId10">
+                            <a:extLst>
+                              <a:ext uri="{A12FA001-AC4F-418D-AE19-62706E023703}">
+                                <ahyp:hlinkClr xmlns:ahyp="http://schemas.microsoft.com/office/drawing/2018/hyperlinkcolor" val="tx"/>
+                              </a:ext>
+                            </a:extLst>
+                          </a:hlinkClick>
+                        </a:rPr>
+                        <a:t>()</a:t>
+                      </a:r>
+                      <a:endParaRPr lang="en-US" dirty="0">
+                        <a:solidFill>
+                          <a:schemeClr val="tx1"/>
+                        </a:solidFill>
+                      </a:endParaRPr>
+                    </a:p>
+                  </a:txBody>
+                  <a:tcPr anchor="ctr"/>
+                </a:tc>
+                <a:tc>
+                  <a:txBody>
+                    <a:bodyPr/>
+                    <a:lstStyle/>
+                    <a:p>
+                      <a:r>
+                        <a:rPr lang="en-US" dirty="0">
+                          <a:solidFill>
+                            <a:schemeClr val="tx1"/>
+                          </a:solidFill>
+                        </a:rPr>
+                        <a:t>Split the data into various groups.</a:t>
+                      </a:r>
+                    </a:p>
+                  </a:txBody>
+                  <a:tcPr anchor="ctr"/>
+                </a:tc>
+                <a:extLst>
+                  <a:ext uri="{0D108BD9-81ED-4DB2-BD59-A6C34878D82A}">
+                    <a16:rowId xmlns:a16="http://schemas.microsoft.com/office/drawing/2014/main" val="973726741"/>
+                  </a:ext>
+                </a:extLst>
+              </a:tr>
+            </a:tbl>
+          </a:graphicData>
+        </a:graphic>
+      </p:graphicFrame>
+    </p:spTree>
+    <p:extLst>
+      <p:ext uri="{BB962C8B-B14F-4D97-AF65-F5344CB8AC3E}">
+        <p14:creationId xmlns:p14="http://schemas.microsoft.com/office/powerpoint/2010/main" val="1201629779"/>
+      </p:ext>
+    </p:extLst>
+  </p:cSld>
+  <p:clrMapOvr>
+    <a:masterClrMapping/>
+  </p:clrMapOvr>
+</p:sld>
+</file>
+
+<file path=ppt/slides/slide21.xml><?xml version="1.0" encoding="utf-8"?>
+<p:sld xmlns:a="http://schemas.openxmlformats.org/drawingml/2006/main" xmlns:r="http://schemas.openxmlformats.org/officeDocument/2006/relationships" xmlns:p="http://schemas.openxmlformats.org/presentationml/2006/main">
+  <p:cSld>
+    <p:spTree>
+      <p:nvGrpSpPr>
+        <p:cNvPr id="1" name="">
+          <a:extLst>
+            <a:ext uri="{FF2B5EF4-FFF2-40B4-BE49-F238E27FC236}">
+              <a16:creationId xmlns:a16="http://schemas.microsoft.com/office/drawing/2014/main" id="{2FDEEB61-222C-C148-B222-B4D30B7F4A63}"/>
+            </a:ext>
+          </a:extLst>
+        </p:cNvPr>
+        <p:cNvGrpSpPr/>
+        <p:nvPr/>
+      </p:nvGrpSpPr>
+      <p:grpSpPr>
+        <a:xfrm>
+          <a:off x="0" y="0"/>
+          <a:ext cx="0" cy="0"/>
+          <a:chOff x="0" y="0"/>
+          <a:chExt cx="0" cy="0"/>
+        </a:xfrm>
+      </p:grpSpPr>
+      <p:sp>
+        <p:nvSpPr>
+          <p:cNvPr id="2" name="Title 1">
+            <a:extLst>
+              <a:ext uri="{FF2B5EF4-FFF2-40B4-BE49-F238E27FC236}">
+                <a16:creationId xmlns:a16="http://schemas.microsoft.com/office/drawing/2014/main" id="{4DD902AB-DD63-FAA0-E8C3-47EB88DC6B8A}"/>
+              </a:ext>
+            </a:extLst>
+          </p:cNvPr>
+          <p:cNvSpPr>
+            <a:spLocks noGrp="1"/>
+          </p:cNvSpPr>
+          <p:nvPr>
+            <p:ph type="title"/>
+          </p:nvPr>
+        </p:nvSpPr>
+        <p:spPr>
+          <a:xfrm>
+            <a:off x="1828800" y="483583"/>
+            <a:ext cx="9674224" cy="766916"/>
+          </a:xfrm>
+        </p:spPr>
+        <p:txBody>
+          <a:bodyPr>
+            <a:normAutofit/>
+          </a:bodyPr>
+          <a:lstStyle/>
+          <a:p>
+            <a:pPr algn="l"/>
+            <a:r>
+              <a:rPr lang="en-US" b="1" dirty="0"/>
+              <a:t>Pandas </a:t>
+            </a:r>
+            <a:r>
+              <a:rPr lang="en-US" b="1" dirty="0" err="1"/>
+              <a:t>DataFrame</a:t>
+            </a:r>
+            <a:r>
+              <a:rPr lang="en-US" b="1" dirty="0"/>
+              <a:t> Function</a:t>
+            </a:r>
+          </a:p>
+        </p:txBody>
+      </p:sp>
+      <p:graphicFrame>
+        <p:nvGraphicFramePr>
+          <p:cNvPr id="14" name="Content Placeholder 13">
+            <a:extLst>
+              <a:ext uri="{FF2B5EF4-FFF2-40B4-BE49-F238E27FC236}">
+                <a16:creationId xmlns:a16="http://schemas.microsoft.com/office/drawing/2014/main" id="{8432340A-A738-7CFB-89A2-240DD0F5F562}"/>
+              </a:ext>
+            </a:extLst>
+          </p:cNvPr>
+          <p:cNvGraphicFramePr>
+            <a:graphicFrameLocks noGrp="1"/>
+          </p:cNvGraphicFramePr>
+          <p:nvPr>
+            <p:ph sz="half" idx="2"/>
+            <p:extLst>
+              <p:ext uri="{D42A27DB-BD31-4B8C-83A1-F6EECF244321}">
+                <p14:modId xmlns:p14="http://schemas.microsoft.com/office/powerpoint/2010/main" val="1737737493"/>
+              </p:ext>
+            </p:extLst>
+          </p:nvPr>
+        </p:nvGraphicFramePr>
+        <p:xfrm>
+          <a:off x="1828800" y="1474839"/>
+          <a:ext cx="9497961" cy="4246880"/>
+        </p:xfrm>
+        <a:graphic>
+          <a:graphicData uri="http://schemas.openxmlformats.org/drawingml/2006/table">
+            <a:tbl>
+              <a:tblPr firstRow="1" bandRow="1">
+                <a:tableStyleId>{5940675A-B579-460E-94D1-54222C63F5DA}</a:tableStyleId>
+              </a:tblPr>
+              <a:tblGrid>
+                <a:gridCol w="3111910">
+                  <a:extLst>
+                    <a:ext uri="{9D8B030D-6E8A-4147-A177-3AD203B41FA5}">
+                      <a16:colId xmlns:a16="http://schemas.microsoft.com/office/drawing/2014/main" val="1470583734"/>
+                    </a:ext>
+                  </a:extLst>
+                </a:gridCol>
+                <a:gridCol w="6386051">
+                  <a:extLst>
+                    <a:ext uri="{9D8B030D-6E8A-4147-A177-3AD203B41FA5}">
+                      <a16:colId xmlns:a16="http://schemas.microsoft.com/office/drawing/2014/main" val="3385512952"/>
+                    </a:ext>
+                  </a:extLst>
+                </a:gridCol>
+              </a:tblGrid>
+              <a:tr h="370840">
+                <a:tc>
+                  <a:txBody>
+                    <a:bodyPr/>
+                    <a:lstStyle/>
+                    <a:p>
+                      <a:r>
+                        <a:rPr lang="en-US" dirty="0" err="1">
+                          <a:solidFill>
+                            <a:schemeClr val="tx1"/>
+                          </a:solidFill>
+                        </a:rPr>
+                        <a:t>DataFrame.head</a:t>
+                      </a:r>
+                      <a:r>
+                        <a:rPr lang="en-US" dirty="0">
+                          <a:solidFill>
+                            <a:schemeClr val="tx1"/>
+                          </a:solidFill>
+                        </a:rPr>
+                        <a:t>()</a:t>
+                      </a:r>
+                    </a:p>
+                  </a:txBody>
+                  <a:tcPr anchor="ctr"/>
+                </a:tc>
+                <a:tc>
+                  <a:txBody>
+                    <a:bodyPr/>
+                    <a:lstStyle/>
+                    <a:p>
+                      <a:r>
+                        <a:rPr lang="en-US">
+                          <a:solidFill>
+                            <a:schemeClr val="tx1"/>
+                          </a:solidFill>
+                        </a:rPr>
+                        <a:t>Returns the first n rows for the object based on position.</a:t>
+                      </a:r>
+                    </a:p>
+                  </a:txBody>
+                  <a:tcPr anchor="ctr"/>
+                </a:tc>
+                <a:extLst>
+                  <a:ext uri="{0D108BD9-81ED-4DB2-BD59-A6C34878D82A}">
+                    <a16:rowId xmlns:a16="http://schemas.microsoft.com/office/drawing/2014/main" val="2607980132"/>
+                  </a:ext>
+                </a:extLst>
+              </a:tr>
+              <a:tr h="370840">
+                <a:tc>
+                  <a:txBody>
+                    <a:bodyPr/>
+                    <a:lstStyle/>
+                    <a:p>
+                      <a:r>
+                        <a:rPr lang="en-US" dirty="0" err="1">
+                          <a:solidFill>
+                            <a:schemeClr val="tx1"/>
+                          </a:solidFill>
+                          <a:hlinkClick r:id="rId3">
+                            <a:extLst>
+                              <a:ext uri="{A12FA001-AC4F-418D-AE19-62706E023703}">
+                                <ahyp:hlinkClr xmlns:ahyp="http://schemas.microsoft.com/office/drawing/2018/hyperlinkcolor" val="tx"/>
+                              </a:ext>
+                            </a:extLst>
+                          </a:hlinkClick>
+                        </a:rPr>
+                        <a:t>DataFrame.hist</a:t>
+                      </a:r>
+                      <a:r>
+                        <a:rPr lang="en-US" dirty="0">
+                          <a:solidFill>
+                            <a:schemeClr val="tx1"/>
+                          </a:solidFill>
+                          <a:hlinkClick r:id="rId3">
+                            <a:extLst>
+                              <a:ext uri="{A12FA001-AC4F-418D-AE19-62706E023703}">
+                                <ahyp:hlinkClr xmlns:ahyp="http://schemas.microsoft.com/office/drawing/2018/hyperlinkcolor" val="tx"/>
+                              </a:ext>
+                            </a:extLst>
+                          </a:hlinkClick>
+                        </a:rPr>
+                        <a:t>()</a:t>
+                      </a:r>
+                      <a:endParaRPr lang="en-US" dirty="0">
+                        <a:solidFill>
+                          <a:schemeClr val="tx1"/>
+                        </a:solidFill>
+                      </a:endParaRPr>
+                    </a:p>
+                  </a:txBody>
+                  <a:tcPr anchor="ctr"/>
+                </a:tc>
+                <a:tc>
+                  <a:txBody>
+                    <a:bodyPr/>
+                    <a:lstStyle/>
+                    <a:p>
+                      <a:r>
+                        <a:rPr lang="en-US">
+                          <a:solidFill>
+                            <a:schemeClr val="tx1"/>
+                          </a:solidFill>
+                        </a:rPr>
+                        <a:t>Divide the values within a numerical variable into "bins".</a:t>
+                      </a:r>
+                    </a:p>
+                  </a:txBody>
+                  <a:tcPr anchor="ctr"/>
+                </a:tc>
+                <a:extLst>
+                  <a:ext uri="{0D108BD9-81ED-4DB2-BD59-A6C34878D82A}">
+                    <a16:rowId xmlns:a16="http://schemas.microsoft.com/office/drawing/2014/main" val="2275941546"/>
+                  </a:ext>
+                </a:extLst>
+              </a:tr>
+              <a:tr h="370840">
+                <a:tc>
+                  <a:txBody>
+                    <a:bodyPr/>
+                    <a:lstStyle/>
+                    <a:p>
+                      <a:r>
+                        <a:rPr lang="en-US" dirty="0" err="1">
+                          <a:solidFill>
+                            <a:schemeClr val="tx1"/>
+                          </a:solidFill>
+                          <a:hlinkClick r:id="rId4">
+                            <a:extLst>
+                              <a:ext uri="{A12FA001-AC4F-418D-AE19-62706E023703}">
+                                <ahyp:hlinkClr xmlns:ahyp="http://schemas.microsoft.com/office/drawing/2018/hyperlinkcolor" val="tx"/>
+                              </a:ext>
+                            </a:extLst>
+                          </a:hlinkClick>
+                        </a:rPr>
+                        <a:t>DataFrame.iterrows</a:t>
+                      </a:r>
+                      <a:r>
+                        <a:rPr lang="en-US" dirty="0">
+                          <a:solidFill>
+                            <a:schemeClr val="tx1"/>
+                          </a:solidFill>
+                          <a:hlinkClick r:id="rId4">
+                            <a:extLst>
+                              <a:ext uri="{A12FA001-AC4F-418D-AE19-62706E023703}">
+                                <ahyp:hlinkClr xmlns:ahyp="http://schemas.microsoft.com/office/drawing/2018/hyperlinkcolor" val="tx"/>
+                              </a:ext>
+                            </a:extLst>
+                          </a:hlinkClick>
+                        </a:rPr>
+                        <a:t>()</a:t>
+                      </a:r>
+                      <a:endParaRPr lang="en-US" dirty="0">
+                        <a:solidFill>
+                          <a:schemeClr val="tx1"/>
+                        </a:solidFill>
+                      </a:endParaRPr>
+                    </a:p>
+                  </a:txBody>
+                  <a:tcPr anchor="ctr"/>
+                </a:tc>
+                <a:tc>
+                  <a:txBody>
+                    <a:bodyPr/>
+                    <a:lstStyle/>
+                    <a:p>
+                      <a:r>
+                        <a:rPr lang="en-US">
+                          <a:solidFill>
+                            <a:schemeClr val="tx1"/>
+                          </a:solidFill>
+                        </a:rPr>
+                        <a:t>Iterate over the rows as (index, series) pairs.</a:t>
+                      </a:r>
+                    </a:p>
+                  </a:txBody>
+                  <a:tcPr anchor="ctr"/>
+                </a:tc>
+                <a:extLst>
+                  <a:ext uri="{0D108BD9-81ED-4DB2-BD59-A6C34878D82A}">
+                    <a16:rowId xmlns:a16="http://schemas.microsoft.com/office/drawing/2014/main" val="687965321"/>
+                  </a:ext>
+                </a:extLst>
+              </a:tr>
+              <a:tr h="370840">
+                <a:tc>
+                  <a:txBody>
+                    <a:bodyPr/>
+                    <a:lstStyle/>
+                    <a:p>
+                      <a:r>
+                        <a:rPr lang="en-US" dirty="0" err="1">
+                          <a:solidFill>
+                            <a:schemeClr val="tx1"/>
+                          </a:solidFill>
+                          <a:hlinkClick r:id="rId5">
+                            <a:extLst>
+                              <a:ext uri="{A12FA001-AC4F-418D-AE19-62706E023703}">
+                                <ahyp:hlinkClr xmlns:ahyp="http://schemas.microsoft.com/office/drawing/2018/hyperlinkcolor" val="tx"/>
+                              </a:ext>
+                            </a:extLst>
+                          </a:hlinkClick>
+                        </a:rPr>
+                        <a:t>DataFrame.mean</a:t>
+                      </a:r>
+                      <a:r>
+                        <a:rPr lang="en-US" dirty="0">
+                          <a:solidFill>
+                            <a:schemeClr val="tx1"/>
+                          </a:solidFill>
+                          <a:hlinkClick r:id="rId5">
+                            <a:extLst>
+                              <a:ext uri="{A12FA001-AC4F-418D-AE19-62706E023703}">
+                                <ahyp:hlinkClr xmlns:ahyp="http://schemas.microsoft.com/office/drawing/2018/hyperlinkcolor" val="tx"/>
+                              </a:ext>
+                            </a:extLst>
+                          </a:hlinkClick>
+                        </a:rPr>
+                        <a:t>()</a:t>
+                      </a:r>
+                      <a:endParaRPr lang="en-US" dirty="0">
+                        <a:solidFill>
+                          <a:schemeClr val="tx1"/>
+                        </a:solidFill>
+                      </a:endParaRPr>
+                    </a:p>
+                  </a:txBody>
+                  <a:tcPr anchor="ctr"/>
+                </a:tc>
+                <a:tc>
+                  <a:txBody>
+                    <a:bodyPr/>
+                    <a:lstStyle/>
+                    <a:p>
+                      <a:r>
+                        <a:rPr lang="en-US">
+                          <a:solidFill>
+                            <a:schemeClr val="tx1"/>
+                          </a:solidFill>
+                        </a:rPr>
+                        <a:t>Return the mean of the values for the requested axis.</a:t>
+                      </a:r>
+                    </a:p>
+                  </a:txBody>
+                  <a:tcPr anchor="ctr"/>
+                </a:tc>
+                <a:extLst>
+                  <a:ext uri="{0D108BD9-81ED-4DB2-BD59-A6C34878D82A}">
+                    <a16:rowId xmlns:a16="http://schemas.microsoft.com/office/drawing/2014/main" val="3889589824"/>
+                  </a:ext>
+                </a:extLst>
+              </a:tr>
+              <a:tr h="370840">
+                <a:tc>
+                  <a:txBody>
+                    <a:bodyPr/>
+                    <a:lstStyle/>
+                    <a:p>
+                      <a:r>
+                        <a:rPr lang="en-US" dirty="0" err="1">
+                          <a:solidFill>
+                            <a:schemeClr val="tx1"/>
+                          </a:solidFill>
+                          <a:hlinkClick r:id="rId6">
+                            <a:extLst>
+                              <a:ext uri="{A12FA001-AC4F-418D-AE19-62706E023703}">
+                                <ahyp:hlinkClr xmlns:ahyp="http://schemas.microsoft.com/office/drawing/2018/hyperlinkcolor" val="tx"/>
+                              </a:ext>
+                            </a:extLst>
+                          </a:hlinkClick>
+                        </a:rPr>
+                        <a:t>DataFrame.melt</a:t>
+                      </a:r>
+                      <a:r>
+                        <a:rPr lang="en-US" dirty="0">
+                          <a:solidFill>
+                            <a:schemeClr val="tx1"/>
+                          </a:solidFill>
+                          <a:hlinkClick r:id="rId6">
+                            <a:extLst>
+                              <a:ext uri="{A12FA001-AC4F-418D-AE19-62706E023703}">
+                                <ahyp:hlinkClr xmlns:ahyp="http://schemas.microsoft.com/office/drawing/2018/hyperlinkcolor" val="tx"/>
+                              </a:ext>
+                            </a:extLst>
+                          </a:hlinkClick>
+                        </a:rPr>
+                        <a:t>()</a:t>
+                      </a:r>
+                      <a:endParaRPr lang="en-US" dirty="0">
+                        <a:solidFill>
+                          <a:schemeClr val="tx1"/>
+                        </a:solidFill>
+                      </a:endParaRPr>
+                    </a:p>
+                  </a:txBody>
+                  <a:tcPr anchor="ctr"/>
+                </a:tc>
+                <a:tc>
+                  <a:txBody>
+                    <a:bodyPr/>
+                    <a:lstStyle/>
+                    <a:p>
+                      <a:r>
+                        <a:rPr lang="en-US">
+                          <a:solidFill>
+                            <a:schemeClr val="tx1"/>
+                          </a:solidFill>
+                        </a:rPr>
+                        <a:t>Unpivots the DataFrame from a wide format to a long format.</a:t>
+                      </a:r>
+                    </a:p>
+                  </a:txBody>
+                  <a:tcPr anchor="ctr"/>
+                </a:tc>
+                <a:extLst>
+                  <a:ext uri="{0D108BD9-81ED-4DB2-BD59-A6C34878D82A}">
+                    <a16:rowId xmlns:a16="http://schemas.microsoft.com/office/drawing/2014/main" val="3587466661"/>
+                  </a:ext>
+                </a:extLst>
+              </a:tr>
+              <a:tr h="370840">
+                <a:tc>
+                  <a:txBody>
+                    <a:bodyPr/>
+                    <a:lstStyle/>
+                    <a:p>
+                      <a:r>
+                        <a:rPr lang="en-US" dirty="0" err="1">
+                          <a:solidFill>
+                            <a:schemeClr val="tx1"/>
+                          </a:solidFill>
+                          <a:hlinkClick r:id="rId7">
+                            <a:extLst>
+                              <a:ext uri="{A12FA001-AC4F-418D-AE19-62706E023703}">
+                                <ahyp:hlinkClr xmlns:ahyp="http://schemas.microsoft.com/office/drawing/2018/hyperlinkcolor" val="tx"/>
+                              </a:ext>
+                            </a:extLst>
+                          </a:hlinkClick>
+                        </a:rPr>
+                        <a:t>DataFrame.merge</a:t>
+                      </a:r>
+                      <a:r>
+                        <a:rPr lang="en-US" dirty="0">
+                          <a:solidFill>
+                            <a:schemeClr val="tx1"/>
+                          </a:solidFill>
+                          <a:hlinkClick r:id="rId7">
+                            <a:extLst>
+                              <a:ext uri="{A12FA001-AC4F-418D-AE19-62706E023703}">
+                                <ahyp:hlinkClr xmlns:ahyp="http://schemas.microsoft.com/office/drawing/2018/hyperlinkcolor" val="tx"/>
+                              </a:ext>
+                            </a:extLst>
+                          </a:hlinkClick>
+                        </a:rPr>
+                        <a:t>()</a:t>
+                      </a:r>
+                      <a:endParaRPr lang="en-US" dirty="0">
+                        <a:solidFill>
+                          <a:schemeClr val="tx1"/>
+                        </a:solidFill>
+                      </a:endParaRPr>
+                    </a:p>
+                  </a:txBody>
+                  <a:tcPr anchor="ctr"/>
+                </a:tc>
+                <a:tc>
+                  <a:txBody>
+                    <a:bodyPr/>
+                    <a:lstStyle/>
+                    <a:p>
+                      <a:r>
+                        <a:rPr lang="en-US" dirty="0">
+                          <a:solidFill>
+                            <a:schemeClr val="tx1"/>
+                          </a:solidFill>
+                        </a:rPr>
+                        <a:t>Merge the two datasets together into one.</a:t>
+                      </a:r>
+                    </a:p>
+                  </a:txBody>
+                  <a:tcPr anchor="ctr"/>
+                </a:tc>
+                <a:extLst>
+                  <a:ext uri="{0D108BD9-81ED-4DB2-BD59-A6C34878D82A}">
+                    <a16:rowId xmlns:a16="http://schemas.microsoft.com/office/drawing/2014/main" val="2195818440"/>
+                  </a:ext>
+                </a:extLst>
+              </a:tr>
+              <a:tr h="370840">
+                <a:tc>
+                  <a:txBody>
+                    <a:bodyPr/>
+                    <a:lstStyle/>
+                    <a:p>
+                      <a:r>
+                        <a:rPr lang="en-US" dirty="0" err="1">
+                          <a:solidFill>
+                            <a:schemeClr val="tx1"/>
+                          </a:solidFill>
+                          <a:hlinkClick r:id="rId8">
+                            <a:extLst>
+                              <a:ext uri="{A12FA001-AC4F-418D-AE19-62706E023703}">
+                                <ahyp:hlinkClr xmlns:ahyp="http://schemas.microsoft.com/office/drawing/2018/hyperlinkcolor" val="tx"/>
+                              </a:ext>
+                            </a:extLst>
+                          </a:hlinkClick>
+                        </a:rPr>
+                        <a:t>DataFrame.pivot_table</a:t>
+                      </a:r>
+                      <a:r>
+                        <a:rPr lang="en-US" dirty="0">
+                          <a:solidFill>
+                            <a:schemeClr val="tx1"/>
+                          </a:solidFill>
+                          <a:hlinkClick r:id="rId8">
+                            <a:extLst>
+                              <a:ext uri="{A12FA001-AC4F-418D-AE19-62706E023703}">
+                                <ahyp:hlinkClr xmlns:ahyp="http://schemas.microsoft.com/office/drawing/2018/hyperlinkcolor" val="tx"/>
+                              </a:ext>
+                            </a:extLst>
+                          </a:hlinkClick>
+                        </a:rPr>
+                        <a:t>()</a:t>
+                      </a:r>
+                      <a:endParaRPr lang="en-US" dirty="0">
+                        <a:solidFill>
+                          <a:schemeClr val="tx1"/>
+                        </a:solidFill>
+                      </a:endParaRPr>
+                    </a:p>
+                  </a:txBody>
+                  <a:tcPr anchor="ctr"/>
+                </a:tc>
+                <a:tc>
+                  <a:txBody>
+                    <a:bodyPr/>
+                    <a:lstStyle/>
+                    <a:p>
+                      <a:r>
+                        <a:rPr lang="en-US">
+                          <a:solidFill>
+                            <a:schemeClr val="tx1"/>
+                          </a:solidFill>
+                        </a:rPr>
+                        <a:t>Aggregate data with calculations such as Sum, Count, Average, Max, and Min.</a:t>
+                      </a:r>
+                    </a:p>
+                  </a:txBody>
+                  <a:tcPr anchor="ctr"/>
+                </a:tc>
+                <a:extLst>
+                  <a:ext uri="{0D108BD9-81ED-4DB2-BD59-A6C34878D82A}">
+                    <a16:rowId xmlns:a16="http://schemas.microsoft.com/office/drawing/2014/main" val="3617389743"/>
+                  </a:ext>
+                </a:extLst>
+              </a:tr>
+              <a:tr h="370840">
+                <a:tc>
+                  <a:txBody>
+                    <a:bodyPr/>
+                    <a:lstStyle/>
+                    <a:p>
+                      <a:r>
+                        <a:rPr lang="en-US" dirty="0" err="1">
+                          <a:solidFill>
+                            <a:schemeClr val="tx1"/>
+                          </a:solidFill>
+                          <a:hlinkClick r:id="rId9">
+                            <a:extLst>
+                              <a:ext uri="{A12FA001-AC4F-418D-AE19-62706E023703}">
+                                <ahyp:hlinkClr xmlns:ahyp="http://schemas.microsoft.com/office/drawing/2018/hyperlinkcolor" val="tx"/>
+                              </a:ext>
+                            </a:extLst>
+                          </a:hlinkClick>
+                        </a:rPr>
+                        <a:t>DataFrame.query</a:t>
+                      </a:r>
+                      <a:r>
+                        <a:rPr lang="en-US" dirty="0">
+                          <a:solidFill>
+                            <a:schemeClr val="tx1"/>
+                          </a:solidFill>
+                          <a:hlinkClick r:id="rId9">
+                            <a:extLst>
+                              <a:ext uri="{A12FA001-AC4F-418D-AE19-62706E023703}">
+                                <ahyp:hlinkClr xmlns:ahyp="http://schemas.microsoft.com/office/drawing/2018/hyperlinkcolor" val="tx"/>
+                              </a:ext>
+                            </a:extLst>
+                          </a:hlinkClick>
+                        </a:rPr>
+                        <a:t>()</a:t>
+                      </a:r>
+                      <a:endParaRPr lang="en-US" dirty="0">
+                        <a:solidFill>
+                          <a:schemeClr val="tx1"/>
+                        </a:solidFill>
+                      </a:endParaRPr>
+                    </a:p>
+                  </a:txBody>
+                  <a:tcPr anchor="ctr"/>
+                </a:tc>
+                <a:tc>
+                  <a:txBody>
+                    <a:bodyPr/>
+                    <a:lstStyle/>
+                    <a:p>
+                      <a:r>
+                        <a:rPr lang="en-US">
+                          <a:solidFill>
+                            <a:schemeClr val="tx1"/>
+                          </a:solidFill>
+                        </a:rPr>
+                        <a:t>Filter the dataframe.</a:t>
+                      </a:r>
+                    </a:p>
+                  </a:txBody>
+                  <a:tcPr anchor="ctr"/>
+                </a:tc>
+                <a:extLst>
+                  <a:ext uri="{0D108BD9-81ED-4DB2-BD59-A6C34878D82A}">
+                    <a16:rowId xmlns:a16="http://schemas.microsoft.com/office/drawing/2014/main" val="2958103118"/>
+                  </a:ext>
+                </a:extLst>
+              </a:tr>
+              <a:tr h="370840">
+                <a:tc>
+                  <a:txBody>
+                    <a:bodyPr/>
+                    <a:lstStyle/>
+                    <a:p>
+                      <a:r>
+                        <a:rPr lang="en-US" dirty="0" err="1">
+                          <a:solidFill>
+                            <a:schemeClr val="tx1"/>
+                          </a:solidFill>
+                          <a:hlinkClick r:id="rId10">
+                            <a:extLst>
+                              <a:ext uri="{A12FA001-AC4F-418D-AE19-62706E023703}">
+                                <ahyp:hlinkClr xmlns:ahyp="http://schemas.microsoft.com/office/drawing/2018/hyperlinkcolor" val="tx"/>
+                              </a:ext>
+                            </a:extLst>
+                          </a:hlinkClick>
+                        </a:rPr>
+                        <a:t>DataFrame.sample</a:t>
+                      </a:r>
+                      <a:r>
+                        <a:rPr lang="en-US" dirty="0">
+                          <a:solidFill>
+                            <a:schemeClr val="tx1"/>
+                          </a:solidFill>
+                          <a:hlinkClick r:id="rId10">
+                            <a:extLst>
+                              <a:ext uri="{A12FA001-AC4F-418D-AE19-62706E023703}">
+                                <ahyp:hlinkClr xmlns:ahyp="http://schemas.microsoft.com/office/drawing/2018/hyperlinkcolor" val="tx"/>
+                              </a:ext>
+                            </a:extLst>
+                          </a:hlinkClick>
+                        </a:rPr>
+                        <a:t>()</a:t>
+                      </a:r>
+                      <a:endParaRPr lang="en-US" dirty="0">
+                        <a:solidFill>
+                          <a:schemeClr val="tx1"/>
+                        </a:solidFill>
+                      </a:endParaRPr>
+                    </a:p>
+                  </a:txBody>
+                  <a:tcPr anchor="ctr"/>
+                </a:tc>
+                <a:tc>
+                  <a:txBody>
+                    <a:bodyPr/>
+                    <a:lstStyle/>
+                    <a:p>
+                      <a:r>
+                        <a:rPr lang="en-US" dirty="0">
+                          <a:solidFill>
+                            <a:schemeClr val="tx1"/>
+                          </a:solidFill>
+                        </a:rPr>
+                        <a:t>Select the rows and columns from the </a:t>
+                      </a:r>
+                      <a:r>
+                        <a:rPr lang="en-US" dirty="0" err="1">
+                          <a:solidFill>
+                            <a:schemeClr val="tx1"/>
+                          </a:solidFill>
+                        </a:rPr>
+                        <a:t>dataframe</a:t>
+                      </a:r>
+                      <a:r>
+                        <a:rPr lang="en-US" dirty="0">
+                          <a:solidFill>
+                            <a:schemeClr val="tx1"/>
+                          </a:solidFill>
+                        </a:rPr>
+                        <a:t> randomly.</a:t>
+                      </a:r>
+                    </a:p>
+                  </a:txBody>
+                  <a:tcPr anchor="ctr"/>
+                </a:tc>
+                <a:extLst>
+                  <a:ext uri="{0D108BD9-81ED-4DB2-BD59-A6C34878D82A}">
+                    <a16:rowId xmlns:a16="http://schemas.microsoft.com/office/drawing/2014/main" val="1279343382"/>
+                  </a:ext>
+                </a:extLst>
+              </a:tr>
+              <a:tr h="370840">
+                <a:tc>
+                  <a:txBody>
+                    <a:bodyPr/>
+                    <a:lstStyle/>
+                    <a:p>
+                      <a:r>
+                        <a:rPr lang="en-US" dirty="0" err="1">
+                          <a:solidFill>
+                            <a:schemeClr val="tx1"/>
+                          </a:solidFill>
+                          <a:hlinkClick r:id="rId11">
+                            <a:extLst>
+                              <a:ext uri="{A12FA001-AC4F-418D-AE19-62706E023703}">
+                                <ahyp:hlinkClr xmlns:ahyp="http://schemas.microsoft.com/office/drawing/2018/hyperlinkcolor" val="tx"/>
+                              </a:ext>
+                            </a:extLst>
+                          </a:hlinkClick>
+                        </a:rPr>
+                        <a:t>DataFrame.shift</a:t>
+                      </a:r>
+                      <a:r>
+                        <a:rPr lang="en-US" dirty="0">
+                          <a:solidFill>
+                            <a:schemeClr val="tx1"/>
+                          </a:solidFill>
+                          <a:hlinkClick r:id="rId11">
+                            <a:extLst>
+                              <a:ext uri="{A12FA001-AC4F-418D-AE19-62706E023703}">
+                                <ahyp:hlinkClr xmlns:ahyp="http://schemas.microsoft.com/office/drawing/2018/hyperlinkcolor" val="tx"/>
+                              </a:ext>
+                            </a:extLst>
+                          </a:hlinkClick>
+                        </a:rPr>
+                        <a:t>()</a:t>
+                      </a:r>
+                      <a:endParaRPr lang="en-US" dirty="0">
+                        <a:solidFill>
+                          <a:schemeClr val="tx1"/>
+                        </a:solidFill>
+                      </a:endParaRPr>
+                    </a:p>
+                  </a:txBody>
+                  <a:tcPr anchor="ctr"/>
+                </a:tc>
+                <a:tc>
+                  <a:txBody>
+                    <a:bodyPr/>
+                    <a:lstStyle/>
+                    <a:p>
+                      <a:r>
+                        <a:rPr lang="en-US" dirty="0">
+                          <a:solidFill>
+                            <a:schemeClr val="tx1"/>
+                          </a:solidFill>
+                        </a:rPr>
+                        <a:t>Shift column or subtract the column value with the previous row value from the </a:t>
+                      </a:r>
+                      <a:r>
+                        <a:rPr lang="en-US" dirty="0" err="1">
+                          <a:solidFill>
+                            <a:schemeClr val="tx1"/>
+                          </a:solidFill>
+                        </a:rPr>
+                        <a:t>dataframe</a:t>
+                      </a:r>
+                      <a:r>
+                        <a:rPr lang="en-US" dirty="0">
+                          <a:solidFill>
+                            <a:schemeClr val="tx1"/>
+                          </a:solidFill>
+                        </a:rPr>
+                        <a:t>.</a:t>
+                      </a:r>
+                    </a:p>
+                  </a:txBody>
+                  <a:tcPr anchor="ctr"/>
+                </a:tc>
+                <a:extLst>
+                  <a:ext uri="{0D108BD9-81ED-4DB2-BD59-A6C34878D82A}">
+                    <a16:rowId xmlns:a16="http://schemas.microsoft.com/office/drawing/2014/main" val="973726741"/>
+                  </a:ext>
+                </a:extLst>
+              </a:tr>
+            </a:tbl>
+          </a:graphicData>
+        </a:graphic>
+      </p:graphicFrame>
+    </p:spTree>
+    <p:extLst>
+      <p:ext uri="{BB962C8B-B14F-4D97-AF65-F5344CB8AC3E}">
+        <p14:creationId xmlns:p14="http://schemas.microsoft.com/office/powerpoint/2010/main" val="4220597103"/>
+      </p:ext>
+    </p:extLst>
+  </p:cSld>
+  <p:clrMapOvr>
+    <a:masterClrMapping/>
+  </p:clrMapOvr>
+</p:sld>
+</file>
+
+<file path=ppt/slides/slide22.xml><?xml version="1.0" encoding="utf-8"?>
+<p:sld xmlns:a="http://schemas.openxmlformats.org/drawingml/2006/main" xmlns:r="http://schemas.openxmlformats.org/officeDocument/2006/relationships" xmlns:p="http://schemas.openxmlformats.org/presentationml/2006/main">
+  <p:cSld>
+    <p:spTree>
+      <p:nvGrpSpPr>
+        <p:cNvPr id="1" name="">
+          <a:extLst>
+            <a:ext uri="{FF2B5EF4-FFF2-40B4-BE49-F238E27FC236}">
+              <a16:creationId xmlns:a16="http://schemas.microsoft.com/office/drawing/2014/main" id="{E2814AF7-0B26-A28F-0BA1-5C3F953D5EB9}"/>
+            </a:ext>
+          </a:extLst>
+        </p:cNvPr>
+        <p:cNvGrpSpPr/>
+        <p:nvPr/>
+      </p:nvGrpSpPr>
+      <p:grpSpPr>
+        <a:xfrm>
+          <a:off x="0" y="0"/>
+          <a:ext cx="0" cy="0"/>
+          <a:chOff x="0" y="0"/>
+          <a:chExt cx="0" cy="0"/>
+        </a:xfrm>
+      </p:grpSpPr>
+      <p:sp>
+        <p:nvSpPr>
+          <p:cNvPr id="2" name="Title 1">
+            <a:extLst>
+              <a:ext uri="{FF2B5EF4-FFF2-40B4-BE49-F238E27FC236}">
+                <a16:creationId xmlns:a16="http://schemas.microsoft.com/office/drawing/2014/main" id="{6A6D8762-D381-4181-A1E8-957AEE192C17}"/>
+              </a:ext>
+            </a:extLst>
+          </p:cNvPr>
+          <p:cNvSpPr>
+            <a:spLocks noGrp="1"/>
+          </p:cNvSpPr>
+          <p:nvPr>
+            <p:ph type="title"/>
+          </p:nvPr>
+        </p:nvSpPr>
+        <p:spPr>
+          <a:xfrm>
+            <a:off x="1828800" y="483583"/>
+            <a:ext cx="9674224" cy="766916"/>
+          </a:xfrm>
+        </p:spPr>
+        <p:txBody>
+          <a:bodyPr>
+            <a:normAutofit/>
+          </a:bodyPr>
+          <a:lstStyle/>
+          <a:p>
+            <a:pPr algn="l"/>
+            <a:r>
+              <a:rPr lang="en-US" b="1" dirty="0"/>
+              <a:t>Pandas </a:t>
+            </a:r>
+            <a:r>
+              <a:rPr lang="en-US" b="1" dirty="0" err="1"/>
+              <a:t>DataFrame</a:t>
+            </a:r>
+            <a:r>
+              <a:rPr lang="en-US" b="1" dirty="0"/>
+              <a:t> Function</a:t>
+            </a:r>
+          </a:p>
+        </p:txBody>
+      </p:sp>
+      <p:graphicFrame>
+        <p:nvGraphicFramePr>
+          <p:cNvPr id="14" name="Content Placeholder 13">
+            <a:extLst>
+              <a:ext uri="{FF2B5EF4-FFF2-40B4-BE49-F238E27FC236}">
+                <a16:creationId xmlns:a16="http://schemas.microsoft.com/office/drawing/2014/main" id="{CBA017FE-6483-EF63-F826-622D6E3D0396}"/>
+              </a:ext>
+            </a:extLst>
+          </p:cNvPr>
+          <p:cNvGraphicFramePr>
+            <a:graphicFrameLocks noGrp="1"/>
+          </p:cNvGraphicFramePr>
+          <p:nvPr>
+            <p:ph sz="half" idx="2"/>
+            <p:extLst>
+              <p:ext uri="{D42A27DB-BD31-4B8C-83A1-F6EECF244321}">
+                <p14:modId xmlns:p14="http://schemas.microsoft.com/office/powerpoint/2010/main" val="953558073"/>
+              </p:ext>
+            </p:extLst>
+          </p:nvPr>
+        </p:nvGraphicFramePr>
+        <p:xfrm>
+          <a:off x="1828800" y="1474839"/>
+          <a:ext cx="9497961" cy="1854200"/>
+        </p:xfrm>
+        <a:graphic>
+          <a:graphicData uri="http://schemas.openxmlformats.org/drawingml/2006/table">
+            <a:tbl>
+              <a:tblPr firstRow="1" bandRow="1">
+                <a:tableStyleId>{5940675A-B579-460E-94D1-54222C63F5DA}</a:tableStyleId>
+              </a:tblPr>
+              <a:tblGrid>
+                <a:gridCol w="3111910">
+                  <a:extLst>
+                    <a:ext uri="{9D8B030D-6E8A-4147-A177-3AD203B41FA5}">
+                      <a16:colId xmlns:a16="http://schemas.microsoft.com/office/drawing/2014/main" val="1470583734"/>
+                    </a:ext>
+                  </a:extLst>
+                </a:gridCol>
+                <a:gridCol w="6386051">
+                  <a:extLst>
+                    <a:ext uri="{9D8B030D-6E8A-4147-A177-3AD203B41FA5}">
+                      <a16:colId xmlns:a16="http://schemas.microsoft.com/office/drawing/2014/main" val="3385512952"/>
+                    </a:ext>
+                  </a:extLst>
+                </a:gridCol>
+              </a:tblGrid>
+              <a:tr h="370840">
+                <a:tc>
+                  <a:txBody>
+                    <a:bodyPr/>
+                    <a:lstStyle/>
+                    <a:p>
+                      <a:r>
+                        <a:rPr lang="en-US" dirty="0" err="1">
+                          <a:hlinkClick r:id="rId3"/>
+                        </a:rPr>
+                        <a:t>DataFrame.sort</a:t>
+                      </a:r>
+                      <a:r>
+                        <a:rPr lang="en-US" dirty="0">
+                          <a:hlinkClick r:id="rId3"/>
+                        </a:rPr>
+                        <a:t>()</a:t>
+                      </a:r>
+                      <a:endParaRPr lang="en-US" dirty="0"/>
+                    </a:p>
+                  </a:txBody>
+                  <a:tcPr anchor="ctr"/>
+                </a:tc>
+                <a:tc>
+                  <a:txBody>
+                    <a:bodyPr/>
+                    <a:lstStyle/>
+                    <a:p>
+                      <a:r>
+                        <a:rPr lang="en-US"/>
+                        <a:t>Sort the dataframe.</a:t>
+                      </a:r>
+                    </a:p>
+                  </a:txBody>
+                  <a:tcPr anchor="ctr"/>
+                </a:tc>
+                <a:extLst>
+                  <a:ext uri="{0D108BD9-81ED-4DB2-BD59-A6C34878D82A}">
+                    <a16:rowId xmlns:a16="http://schemas.microsoft.com/office/drawing/2014/main" val="2607980132"/>
+                  </a:ext>
+                </a:extLst>
+              </a:tr>
+              <a:tr h="370840">
+                <a:tc>
+                  <a:txBody>
+                    <a:bodyPr/>
+                    <a:lstStyle/>
+                    <a:p>
+                      <a:r>
+                        <a:rPr lang="en-US" dirty="0" err="1">
+                          <a:hlinkClick r:id="rId4"/>
+                        </a:rPr>
+                        <a:t>DataFrame.sum</a:t>
+                      </a:r>
+                      <a:r>
+                        <a:rPr lang="en-US" dirty="0">
+                          <a:hlinkClick r:id="rId4"/>
+                        </a:rPr>
+                        <a:t>()</a:t>
+                      </a:r>
+                      <a:endParaRPr lang="en-US" dirty="0"/>
+                    </a:p>
+                  </a:txBody>
+                  <a:tcPr anchor="ctr"/>
+                </a:tc>
+                <a:tc>
+                  <a:txBody>
+                    <a:bodyPr/>
+                    <a:lstStyle/>
+                    <a:p>
+                      <a:r>
+                        <a:rPr lang="en-US"/>
+                        <a:t>Return the sum of the values for the requested axis by the user.</a:t>
+                      </a:r>
+                    </a:p>
+                  </a:txBody>
+                  <a:tcPr anchor="ctr"/>
+                </a:tc>
+                <a:extLst>
+                  <a:ext uri="{0D108BD9-81ED-4DB2-BD59-A6C34878D82A}">
+                    <a16:rowId xmlns:a16="http://schemas.microsoft.com/office/drawing/2014/main" val="2275941546"/>
+                  </a:ext>
+                </a:extLst>
+              </a:tr>
+              <a:tr h="370840">
+                <a:tc>
+                  <a:txBody>
+                    <a:bodyPr/>
+                    <a:lstStyle/>
+                    <a:p>
+                      <a:r>
+                        <a:rPr lang="en-US" dirty="0" err="1">
+                          <a:hlinkClick r:id="rId5"/>
+                        </a:rPr>
+                        <a:t>DataFrame.to_excel</a:t>
+                      </a:r>
+                      <a:r>
+                        <a:rPr lang="en-US" dirty="0">
+                          <a:hlinkClick r:id="rId5"/>
+                        </a:rPr>
+                        <a:t>()</a:t>
+                      </a:r>
+                      <a:endParaRPr lang="en-US" dirty="0"/>
+                    </a:p>
+                  </a:txBody>
+                  <a:tcPr anchor="ctr"/>
+                </a:tc>
+                <a:tc>
+                  <a:txBody>
+                    <a:bodyPr/>
+                    <a:lstStyle/>
+                    <a:p>
+                      <a:r>
+                        <a:rPr lang="en-US"/>
+                        <a:t>Export the dataframe to the excel file.</a:t>
+                      </a:r>
+                    </a:p>
+                  </a:txBody>
+                  <a:tcPr anchor="ctr"/>
+                </a:tc>
+                <a:extLst>
+                  <a:ext uri="{0D108BD9-81ED-4DB2-BD59-A6C34878D82A}">
+                    <a16:rowId xmlns:a16="http://schemas.microsoft.com/office/drawing/2014/main" val="687965321"/>
+                  </a:ext>
+                </a:extLst>
+              </a:tr>
+              <a:tr h="370840">
+                <a:tc>
+                  <a:txBody>
+                    <a:bodyPr/>
+                    <a:lstStyle/>
+                    <a:p>
+                      <a:r>
+                        <a:rPr lang="en-US" dirty="0" err="1">
+                          <a:hlinkClick r:id="rId6"/>
+                        </a:rPr>
+                        <a:t>DataFrame.transpose</a:t>
+                      </a:r>
+                      <a:r>
+                        <a:rPr lang="en-US" dirty="0">
+                          <a:hlinkClick r:id="rId6"/>
+                        </a:rPr>
+                        <a:t>()</a:t>
+                      </a:r>
+                      <a:endParaRPr lang="en-US" dirty="0"/>
+                    </a:p>
+                  </a:txBody>
+                  <a:tcPr anchor="ctr"/>
+                </a:tc>
+                <a:tc>
+                  <a:txBody>
+                    <a:bodyPr/>
+                    <a:lstStyle/>
+                    <a:p>
+                      <a:r>
+                        <a:rPr lang="en-US"/>
+                        <a:t>Transpose the index and columns of the dataframe.</a:t>
+                      </a:r>
+                    </a:p>
+                  </a:txBody>
+                  <a:tcPr anchor="ctr"/>
+                </a:tc>
+                <a:extLst>
+                  <a:ext uri="{0D108BD9-81ED-4DB2-BD59-A6C34878D82A}">
+                    <a16:rowId xmlns:a16="http://schemas.microsoft.com/office/drawing/2014/main" val="3889589824"/>
+                  </a:ext>
+                </a:extLst>
+              </a:tr>
+              <a:tr h="370840">
+                <a:tc>
+                  <a:txBody>
+                    <a:bodyPr/>
+                    <a:lstStyle/>
+                    <a:p>
+                      <a:r>
+                        <a:rPr lang="en-US" dirty="0" err="1">
+                          <a:hlinkClick r:id="rId7"/>
+                        </a:rPr>
+                        <a:t>DataFrame.where</a:t>
+                      </a:r>
+                      <a:r>
+                        <a:rPr lang="en-US" dirty="0">
+                          <a:hlinkClick r:id="rId7"/>
+                        </a:rPr>
+                        <a:t>()</a:t>
+                      </a:r>
+                      <a:endParaRPr lang="en-US" dirty="0"/>
+                    </a:p>
+                  </a:txBody>
+                  <a:tcPr anchor="ctr"/>
+                </a:tc>
+                <a:tc>
+                  <a:txBody>
+                    <a:bodyPr/>
+                    <a:lstStyle/>
+                    <a:p>
+                      <a:r>
+                        <a:rPr lang="en-US" dirty="0"/>
+                        <a:t>Check the </a:t>
+                      </a:r>
+                      <a:r>
+                        <a:rPr lang="en-US" dirty="0" err="1"/>
+                        <a:t>dataframe</a:t>
+                      </a:r>
+                      <a:r>
+                        <a:rPr lang="en-US" dirty="0"/>
+                        <a:t> for one or more conditions.</a:t>
+                      </a:r>
+                    </a:p>
+                  </a:txBody>
+                  <a:tcPr anchor="ctr"/>
+                </a:tc>
+                <a:extLst>
+                  <a:ext uri="{0D108BD9-81ED-4DB2-BD59-A6C34878D82A}">
+                    <a16:rowId xmlns:a16="http://schemas.microsoft.com/office/drawing/2014/main" val="3587466661"/>
+                  </a:ext>
+                </a:extLst>
+              </a:tr>
+            </a:tbl>
+          </a:graphicData>
+        </a:graphic>
+      </p:graphicFrame>
+    </p:spTree>
+    <p:extLst>
+      <p:ext uri="{BB962C8B-B14F-4D97-AF65-F5344CB8AC3E}">
+        <p14:creationId xmlns:p14="http://schemas.microsoft.com/office/powerpoint/2010/main" val="1515936735"/>
+      </p:ext>
+    </p:extLst>
+  </p:cSld>
+  <p:clrMapOvr>
+    <a:masterClrMapping/>
+  </p:clrMapOvr>
+</p:sld>
+</file>
+
+<file path=ppt/slides/slide23.xml><?xml version="1.0" encoding="utf-8"?>
+<p:sld xmlns:a="http://schemas.openxmlformats.org/drawingml/2006/main" xmlns:r="http://schemas.openxmlformats.org/officeDocument/2006/relationships" xmlns:p="http://schemas.openxmlformats.org/presentationml/2006/main">
+  <p:cSld>
+    <p:spTree>
+      <p:nvGrpSpPr>
+        <p:cNvPr id="1" name="">
+          <a:extLst>
+            <a:ext uri="{FF2B5EF4-FFF2-40B4-BE49-F238E27FC236}">
+              <a16:creationId xmlns:a16="http://schemas.microsoft.com/office/drawing/2014/main" id="{47A88F54-DB53-0F73-6B1F-95E158589018}"/>
+            </a:ext>
+          </a:extLst>
+        </p:cNvPr>
+        <p:cNvGrpSpPr/>
+        <p:nvPr/>
+      </p:nvGrpSpPr>
+      <p:grpSpPr>
+        <a:xfrm>
+          <a:off x="0" y="0"/>
+          <a:ext cx="0" cy="0"/>
+          <a:chOff x="0" y="0"/>
+          <a:chExt cx="0" cy="0"/>
+        </a:xfrm>
+      </p:grpSpPr>
+      <p:sp>
+        <p:nvSpPr>
+          <p:cNvPr id="2" name="Title 1">
+            <a:extLst>
+              <a:ext uri="{FF2B5EF4-FFF2-40B4-BE49-F238E27FC236}">
+                <a16:creationId xmlns:a16="http://schemas.microsoft.com/office/drawing/2014/main" id="{1A856F5F-6074-BD25-ECAC-3F997F3C39D5}"/>
+              </a:ext>
+            </a:extLst>
+          </p:cNvPr>
+          <p:cNvSpPr>
+            <a:spLocks noGrp="1"/>
+          </p:cNvSpPr>
+          <p:nvPr>
+            <p:ph type="title"/>
+          </p:nvPr>
+        </p:nvSpPr>
+        <p:spPr/>
+        <p:txBody>
+          <a:bodyPr>
+            <a:normAutofit/>
+          </a:bodyPr>
+          <a:lstStyle/>
+          <a:p>
+            <a:r>
+              <a:rPr lang="en-US" b="0" i="0" u="sng" dirty="0">
+                <a:solidFill>
+                  <a:srgbClr val="273239"/>
+                </a:solidFill>
+                <a:effectLst/>
+                <a:latin typeface="Nunito" pitchFamily="2" charset="0"/>
+              </a:rPr>
+              <a:t>SQL For Data Analysis</a:t>
+            </a:r>
+            <a:endParaRPr lang="en-US" dirty="0"/>
+          </a:p>
+        </p:txBody>
+      </p:sp>
+      <p:sp>
+        <p:nvSpPr>
+          <p:cNvPr id="3" name="Picture Placeholder 2">
+            <a:extLst>
+              <a:ext uri="{FF2B5EF4-FFF2-40B4-BE49-F238E27FC236}">
+                <a16:creationId xmlns:a16="http://schemas.microsoft.com/office/drawing/2014/main" id="{19F2DF5B-DA8A-FF51-50FD-9DAD55C805F9}"/>
+              </a:ext>
+            </a:extLst>
+          </p:cNvPr>
+          <p:cNvSpPr>
+            <a:spLocks noGrp="1"/>
+          </p:cNvSpPr>
+          <p:nvPr>
+            <p:ph type="pic" idx="1"/>
+          </p:nvPr>
+        </p:nvSpPr>
+        <p:spPr/>
+      </p:sp>
+    </p:spTree>
+    <p:extLst>
+      <p:ext uri="{BB962C8B-B14F-4D97-AF65-F5344CB8AC3E}">
+        <p14:creationId xmlns:p14="http://schemas.microsoft.com/office/powerpoint/2010/main" val="3475469137"/>
+      </p:ext>
+    </p:extLst>
+  </p:cSld>
+  <p:clrMapOvr>
+    <a:masterClrMapping/>
+  </p:clrMapOvr>
+</p:sld>
+</file>
+
+<file path=ppt/slides/slide24.xml><?xml version="1.0" encoding="utf-8"?>
+<p:sld xmlns:a="http://schemas.openxmlformats.org/drawingml/2006/main" xmlns:r="http://schemas.openxmlformats.org/officeDocument/2006/relationships" xmlns:p="http://schemas.openxmlformats.org/presentationml/2006/main">
+  <p:cSld>
+    <p:spTree>
+      <p:nvGrpSpPr>
+        <p:cNvPr id="1" name="">
+          <a:extLst>
+            <a:ext uri="{FF2B5EF4-FFF2-40B4-BE49-F238E27FC236}">
+              <a16:creationId xmlns:a16="http://schemas.microsoft.com/office/drawing/2014/main" id="{03AE9BC5-8357-F524-128A-4B34899B1ED5}"/>
+            </a:ext>
+          </a:extLst>
+        </p:cNvPr>
+        <p:cNvGrpSpPr/>
+        <p:nvPr/>
+      </p:nvGrpSpPr>
+      <p:grpSpPr>
+        <a:xfrm>
+          <a:off x="0" y="0"/>
+          <a:ext cx="0" cy="0"/>
+          <a:chOff x="0" y="0"/>
+          <a:chExt cx="0" cy="0"/>
+        </a:xfrm>
+      </p:grpSpPr>
+      <p:sp>
+        <p:nvSpPr>
+          <p:cNvPr id="2" name="Title 1">
+            <a:extLst>
+              <a:ext uri="{FF2B5EF4-FFF2-40B4-BE49-F238E27FC236}">
+                <a16:creationId xmlns:a16="http://schemas.microsoft.com/office/drawing/2014/main" id="{E63B1D29-2828-7055-5B33-D8BD42960CA0}"/>
+              </a:ext>
+            </a:extLst>
+          </p:cNvPr>
+          <p:cNvSpPr>
+            <a:spLocks noGrp="1"/>
+          </p:cNvSpPr>
+          <p:nvPr>
+            <p:ph type="title"/>
+          </p:nvPr>
+        </p:nvSpPr>
+        <p:spPr/>
+        <p:txBody>
+          <a:bodyPr>
+            <a:normAutofit/>
+          </a:bodyPr>
+          <a:lstStyle/>
+          <a:p>
+            <a:r>
+              <a:rPr lang="en-US" b="0" i="0" u="sng" dirty="0">
+                <a:solidFill>
+                  <a:srgbClr val="273239"/>
+                </a:solidFill>
+                <a:effectLst/>
+                <a:latin typeface="Nunito" pitchFamily="2" charset="0"/>
+              </a:rPr>
+              <a:t>Python Data </a:t>
+            </a:r>
+            <a:r>
+              <a:rPr lang="en-US" b="0" i="0" u="sng" dirty="0" err="1">
+                <a:solidFill>
+                  <a:srgbClr val="273239"/>
+                </a:solidFill>
+                <a:effectLst/>
+                <a:latin typeface="Nunito" pitchFamily="2" charset="0"/>
+              </a:rPr>
+              <a:t>Visulization</a:t>
+            </a:r>
+            <a:endParaRPr lang="en-US" dirty="0"/>
+          </a:p>
+        </p:txBody>
+      </p:sp>
+      <p:sp>
+        <p:nvSpPr>
+          <p:cNvPr id="3" name="Picture Placeholder 2">
+            <a:extLst>
+              <a:ext uri="{FF2B5EF4-FFF2-40B4-BE49-F238E27FC236}">
+                <a16:creationId xmlns:a16="http://schemas.microsoft.com/office/drawing/2014/main" id="{74EE9DE8-C741-96AD-1875-84AD368E116B}"/>
+              </a:ext>
+            </a:extLst>
+          </p:cNvPr>
+          <p:cNvSpPr>
+            <a:spLocks noGrp="1"/>
+          </p:cNvSpPr>
+          <p:nvPr>
+            <p:ph type="pic" idx="1"/>
+          </p:nvPr>
+        </p:nvSpPr>
+        <p:spPr/>
+      </p:sp>
+    </p:spTree>
+    <p:extLst>
+      <p:ext uri="{BB962C8B-B14F-4D97-AF65-F5344CB8AC3E}">
+        <p14:creationId xmlns:p14="http://schemas.microsoft.com/office/powerpoint/2010/main" val="585895180"/>
+      </p:ext>
+    </p:extLst>
+  </p:cSld>
+  <p:clrMapOvr>
+    <a:masterClrMapping/>
+  </p:clrMapOvr>
+</p:sld>
+</file>
+
+<file path=ppt/slides/slide25.xml><?xml version="1.0" encoding="utf-8"?>
+<p:sld xmlns:a="http://schemas.openxmlformats.org/drawingml/2006/main" xmlns:r="http://schemas.openxmlformats.org/officeDocument/2006/relationships" xmlns:p="http://schemas.openxmlformats.org/presentationml/2006/main">
+  <p:cSld>
+    <p:spTree>
+      <p:nvGrpSpPr>
+        <p:cNvPr id="1" name="">
+          <a:extLst>
+            <a:ext uri="{FF2B5EF4-FFF2-40B4-BE49-F238E27FC236}">
+              <a16:creationId xmlns:a16="http://schemas.microsoft.com/office/drawing/2014/main" id="{5BFC0C45-CD7D-33D6-499E-8D44768A8C73}"/>
+            </a:ext>
+          </a:extLst>
+        </p:cNvPr>
+        <p:cNvGrpSpPr/>
+        <p:nvPr/>
+      </p:nvGrpSpPr>
+      <p:grpSpPr>
+        <a:xfrm>
+          <a:off x="0" y="0"/>
+          <a:ext cx="0" cy="0"/>
+          <a:chOff x="0" y="0"/>
+          <a:chExt cx="0" cy="0"/>
+        </a:xfrm>
+      </p:grpSpPr>
+      <p:sp>
+        <p:nvSpPr>
+          <p:cNvPr id="2" name="Title 1">
+            <a:extLst>
+              <a:ext uri="{FF2B5EF4-FFF2-40B4-BE49-F238E27FC236}">
+                <a16:creationId xmlns:a16="http://schemas.microsoft.com/office/drawing/2014/main" id="{A89DE6D4-1D37-1DA1-7D02-8DC106F0004F}"/>
+              </a:ext>
+            </a:extLst>
+          </p:cNvPr>
+          <p:cNvSpPr>
+            <a:spLocks noGrp="1"/>
+          </p:cNvSpPr>
+          <p:nvPr>
+            <p:ph type="title"/>
+          </p:nvPr>
+        </p:nvSpPr>
+        <p:spPr/>
+        <p:txBody>
+          <a:bodyPr>
+            <a:normAutofit/>
+          </a:bodyPr>
+          <a:lstStyle/>
+          <a:p>
+            <a:r>
+              <a:rPr lang="en-US" b="0" i="0" u="sng" dirty="0">
+                <a:solidFill>
+                  <a:srgbClr val="273239"/>
+                </a:solidFill>
+                <a:effectLst/>
+                <a:latin typeface="Nunito" pitchFamily="2" charset="0"/>
+              </a:rPr>
+              <a:t>Data Analysis Datasets</a:t>
+            </a:r>
+            <a:endParaRPr lang="en-US" dirty="0"/>
+          </a:p>
+        </p:txBody>
+      </p:sp>
+      <p:sp>
+        <p:nvSpPr>
+          <p:cNvPr id="3" name="Picture Placeholder 2">
+            <a:extLst>
+              <a:ext uri="{FF2B5EF4-FFF2-40B4-BE49-F238E27FC236}">
+                <a16:creationId xmlns:a16="http://schemas.microsoft.com/office/drawing/2014/main" id="{B16FCC79-40C4-9695-4FAA-A8FEBB0B9841}"/>
+              </a:ext>
+            </a:extLst>
+          </p:cNvPr>
+          <p:cNvSpPr>
+            <a:spLocks noGrp="1"/>
+          </p:cNvSpPr>
+          <p:nvPr>
+            <p:ph type="pic" idx="1"/>
+          </p:nvPr>
+        </p:nvSpPr>
+        <p:spPr/>
+      </p:sp>
+    </p:spTree>
+    <p:extLst>
+      <p:ext uri="{BB962C8B-B14F-4D97-AF65-F5344CB8AC3E}">
+        <p14:creationId xmlns:p14="http://schemas.microsoft.com/office/powerpoint/2010/main" val="2957920775"/>
       </p:ext>
     </p:extLst>
   </p:cSld>

--- a/PythonDAX/Data Analysis with Python.pptx
+++ b/PythonDAX/Data Analysis with Python.pptx
@@ -5,7 +5,7 @@
     <p:sldMasterId id="2147483660" r:id="rId1"/>
   </p:sldMasterIdLst>
   <p:notesMasterIdLst>
-    <p:notesMasterId r:id="rId27"/>
+    <p:notesMasterId r:id="rId34"/>
   </p:notesMasterIdLst>
   <p:sldIdLst>
     <p:sldId id="256" r:id="rId2"/>
@@ -27,12 +27,19 @@
     <p:sldId id="279" r:id="rId18"/>
     <p:sldId id="280" r:id="rId19"/>
     <p:sldId id="281" r:id="rId20"/>
-    <p:sldId id="276" r:id="rId21"/>
-    <p:sldId id="277" r:id="rId22"/>
-    <p:sldId id="278" r:id="rId23"/>
-    <p:sldId id="261" r:id="rId24"/>
-    <p:sldId id="262" r:id="rId25"/>
-    <p:sldId id="263" r:id="rId26"/>
+    <p:sldId id="282" r:id="rId21"/>
+    <p:sldId id="283" r:id="rId22"/>
+    <p:sldId id="284" r:id="rId23"/>
+    <p:sldId id="285" r:id="rId24"/>
+    <p:sldId id="286" r:id="rId25"/>
+    <p:sldId id="287" r:id="rId26"/>
+    <p:sldId id="288" r:id="rId27"/>
+    <p:sldId id="276" r:id="rId28"/>
+    <p:sldId id="277" r:id="rId29"/>
+    <p:sldId id="278" r:id="rId30"/>
+    <p:sldId id="261" r:id="rId31"/>
+    <p:sldId id="262" r:id="rId32"/>
+    <p:sldId id="263" r:id="rId33"/>
   </p:sldIdLst>
   <p:sldSz cx="12192000" cy="6858000"/>
   <p:notesSz cx="6858000" cy="9144000"/>
@@ -221,7 +228,7 @@
           <a:p>
             <a:fld id="{9FC9D99C-A733-44A6-BB48-3B953BC9D4AD}" type="datetimeFigureOut">
               <a:rPr lang="en-US" smtClean="0"/>
-              <a:t>2/28/2025</a:t>
+              <a:t>02-Mar-25</a:t>
             </a:fld>
             <a:endParaRPr lang="en-US"/>
           </a:p>
@@ -583,6 +590,786 @@
         <p:cNvPr id="1" name="">
           <a:extLst>
             <a:ext uri="{FF2B5EF4-FFF2-40B4-BE49-F238E27FC236}">
+              <a16:creationId xmlns:a16="http://schemas.microsoft.com/office/drawing/2014/main" id="{E331C0E4-0F48-06AD-345C-25C92521937D}"/>
+            </a:ext>
+          </a:extLst>
+        </p:cNvPr>
+        <p:cNvGrpSpPr/>
+        <p:nvPr/>
+      </p:nvGrpSpPr>
+      <p:grpSpPr>
+        <a:xfrm>
+          <a:off x="0" y="0"/>
+          <a:ext cx="0" cy="0"/>
+          <a:chOff x="0" y="0"/>
+          <a:chExt cx="0" cy="0"/>
+        </a:xfrm>
+      </p:grpSpPr>
+      <p:sp>
+        <p:nvSpPr>
+          <p:cNvPr id="2" name="Slide Image Placeholder 1">
+            <a:extLst>
+              <a:ext uri="{FF2B5EF4-FFF2-40B4-BE49-F238E27FC236}">
+                <a16:creationId xmlns:a16="http://schemas.microsoft.com/office/drawing/2014/main" id="{F0F14A8A-95A5-4287-02D6-605735F14768}"/>
+              </a:ext>
+            </a:extLst>
+          </p:cNvPr>
+          <p:cNvSpPr>
+            <a:spLocks noGrp="1" noRot="1" noChangeAspect="1"/>
+          </p:cNvSpPr>
+          <p:nvPr>
+            <p:ph type="sldImg"/>
+          </p:nvPr>
+        </p:nvSpPr>
+        <p:spPr/>
+      </p:sp>
+      <p:sp>
+        <p:nvSpPr>
+          <p:cNvPr id="3" name="Notes Placeholder 2">
+            <a:extLst>
+              <a:ext uri="{FF2B5EF4-FFF2-40B4-BE49-F238E27FC236}">
+                <a16:creationId xmlns:a16="http://schemas.microsoft.com/office/drawing/2014/main" id="{6B67D304-67CE-9F08-E793-89750AEB43B2}"/>
+              </a:ext>
+            </a:extLst>
+          </p:cNvPr>
+          <p:cNvSpPr>
+            <a:spLocks noGrp="1"/>
+          </p:cNvSpPr>
+          <p:nvPr>
+            <p:ph type="body" idx="1"/>
+          </p:nvPr>
+        </p:nvSpPr>
+        <p:spPr/>
+        <p:txBody>
+          <a:bodyPr/>
+          <a:lstStyle/>
+          <a:p>
+            <a:r>
+              <a:rPr lang="en-US" dirty="0" smtClean="0"/>
+              <a:t>https://www.tpointtech.com/python-pandas-dataframe</a:t>
+            </a:r>
+            <a:endParaRPr lang="en-US" dirty="0"/>
+          </a:p>
+        </p:txBody>
+      </p:sp>
+      <p:sp>
+        <p:nvSpPr>
+          <p:cNvPr id="4" name="Slide Number Placeholder 3">
+            <a:extLst>
+              <a:ext uri="{FF2B5EF4-FFF2-40B4-BE49-F238E27FC236}">
+                <a16:creationId xmlns:a16="http://schemas.microsoft.com/office/drawing/2014/main" id="{C5429734-C8D3-C622-5F43-ECEE4AC541F9}"/>
+              </a:ext>
+            </a:extLst>
+          </p:cNvPr>
+          <p:cNvSpPr>
+            <a:spLocks noGrp="1"/>
+          </p:cNvSpPr>
+          <p:nvPr>
+            <p:ph type="sldNum" sz="quarter" idx="5"/>
+          </p:nvPr>
+        </p:nvSpPr>
+        <p:spPr/>
+        <p:txBody>
+          <a:bodyPr/>
+          <a:lstStyle/>
+          <a:p>
+            <a:fld id="{964118A5-1B2B-4A8B-ACD0-FB61E285EB78}" type="slidenum">
+              <a:rPr lang="en-US" smtClean="0"/>
+              <a:t>21</a:t>
+            </a:fld>
+            <a:endParaRPr lang="en-US"/>
+          </a:p>
+        </p:txBody>
+      </p:sp>
+    </p:spTree>
+    <p:extLst>
+      <p:ext uri="{BB962C8B-B14F-4D97-AF65-F5344CB8AC3E}">
+        <p14:creationId xmlns:p14="http://schemas.microsoft.com/office/powerpoint/2010/main" val="3743981514"/>
+      </p:ext>
+    </p:extLst>
+  </p:cSld>
+  <p:clrMapOvr>
+    <a:masterClrMapping/>
+  </p:clrMapOvr>
+</p:notes>
+</file>
+
+<file path=ppt/notesSlides/notesSlide11.xml><?xml version="1.0" encoding="utf-8"?>
+<p:notes xmlns:a="http://schemas.openxmlformats.org/drawingml/2006/main" xmlns:r="http://schemas.openxmlformats.org/officeDocument/2006/relationships" xmlns:p="http://schemas.openxmlformats.org/presentationml/2006/main">
+  <p:cSld>
+    <p:spTree>
+      <p:nvGrpSpPr>
+        <p:cNvPr id="1" name="">
+          <a:extLst>
+            <a:ext uri="{FF2B5EF4-FFF2-40B4-BE49-F238E27FC236}">
+              <a16:creationId xmlns:a16="http://schemas.microsoft.com/office/drawing/2014/main" id="{E331C0E4-0F48-06AD-345C-25C92521937D}"/>
+            </a:ext>
+          </a:extLst>
+        </p:cNvPr>
+        <p:cNvGrpSpPr/>
+        <p:nvPr/>
+      </p:nvGrpSpPr>
+      <p:grpSpPr>
+        <a:xfrm>
+          <a:off x="0" y="0"/>
+          <a:ext cx="0" cy="0"/>
+          <a:chOff x="0" y="0"/>
+          <a:chExt cx="0" cy="0"/>
+        </a:xfrm>
+      </p:grpSpPr>
+      <p:sp>
+        <p:nvSpPr>
+          <p:cNvPr id="2" name="Slide Image Placeholder 1">
+            <a:extLst>
+              <a:ext uri="{FF2B5EF4-FFF2-40B4-BE49-F238E27FC236}">
+                <a16:creationId xmlns:a16="http://schemas.microsoft.com/office/drawing/2014/main" id="{F0F14A8A-95A5-4287-02D6-605735F14768}"/>
+              </a:ext>
+            </a:extLst>
+          </p:cNvPr>
+          <p:cNvSpPr>
+            <a:spLocks noGrp="1" noRot="1" noChangeAspect="1"/>
+          </p:cNvSpPr>
+          <p:nvPr>
+            <p:ph type="sldImg"/>
+          </p:nvPr>
+        </p:nvSpPr>
+        <p:spPr/>
+      </p:sp>
+      <p:sp>
+        <p:nvSpPr>
+          <p:cNvPr id="3" name="Notes Placeholder 2">
+            <a:extLst>
+              <a:ext uri="{FF2B5EF4-FFF2-40B4-BE49-F238E27FC236}">
+                <a16:creationId xmlns:a16="http://schemas.microsoft.com/office/drawing/2014/main" id="{6B67D304-67CE-9F08-E793-89750AEB43B2}"/>
+              </a:ext>
+            </a:extLst>
+          </p:cNvPr>
+          <p:cNvSpPr>
+            <a:spLocks noGrp="1"/>
+          </p:cNvSpPr>
+          <p:nvPr>
+            <p:ph type="body" idx="1"/>
+          </p:nvPr>
+        </p:nvSpPr>
+        <p:spPr/>
+        <p:txBody>
+          <a:bodyPr/>
+          <a:lstStyle/>
+          <a:p>
+            <a:r>
+              <a:rPr lang="en-US" dirty="0" smtClean="0"/>
+              <a:t>https://www.tpointtech.com/python-pandas-dataframe</a:t>
+            </a:r>
+            <a:endParaRPr lang="en-US" dirty="0"/>
+          </a:p>
+        </p:txBody>
+      </p:sp>
+      <p:sp>
+        <p:nvSpPr>
+          <p:cNvPr id="4" name="Slide Number Placeholder 3">
+            <a:extLst>
+              <a:ext uri="{FF2B5EF4-FFF2-40B4-BE49-F238E27FC236}">
+                <a16:creationId xmlns:a16="http://schemas.microsoft.com/office/drawing/2014/main" id="{C5429734-C8D3-C622-5F43-ECEE4AC541F9}"/>
+              </a:ext>
+            </a:extLst>
+          </p:cNvPr>
+          <p:cNvSpPr>
+            <a:spLocks noGrp="1"/>
+          </p:cNvSpPr>
+          <p:nvPr>
+            <p:ph type="sldNum" sz="quarter" idx="5"/>
+          </p:nvPr>
+        </p:nvSpPr>
+        <p:spPr/>
+        <p:txBody>
+          <a:bodyPr/>
+          <a:lstStyle/>
+          <a:p>
+            <a:fld id="{964118A5-1B2B-4A8B-ACD0-FB61E285EB78}" type="slidenum">
+              <a:rPr lang="en-US" smtClean="0"/>
+              <a:t>22</a:t>
+            </a:fld>
+            <a:endParaRPr lang="en-US"/>
+          </a:p>
+        </p:txBody>
+      </p:sp>
+    </p:spTree>
+    <p:extLst>
+      <p:ext uri="{BB962C8B-B14F-4D97-AF65-F5344CB8AC3E}">
+        <p14:creationId xmlns:p14="http://schemas.microsoft.com/office/powerpoint/2010/main" val="530495981"/>
+      </p:ext>
+    </p:extLst>
+  </p:cSld>
+  <p:clrMapOvr>
+    <a:masterClrMapping/>
+  </p:clrMapOvr>
+</p:notes>
+</file>
+
+<file path=ppt/notesSlides/notesSlide12.xml><?xml version="1.0" encoding="utf-8"?>
+<p:notes xmlns:a="http://schemas.openxmlformats.org/drawingml/2006/main" xmlns:r="http://schemas.openxmlformats.org/officeDocument/2006/relationships" xmlns:p="http://schemas.openxmlformats.org/presentationml/2006/main">
+  <p:cSld>
+    <p:spTree>
+      <p:nvGrpSpPr>
+        <p:cNvPr id="1" name="">
+          <a:extLst>
+            <a:ext uri="{FF2B5EF4-FFF2-40B4-BE49-F238E27FC236}">
+              <a16:creationId xmlns:a16="http://schemas.microsoft.com/office/drawing/2014/main" id="{E331C0E4-0F48-06AD-345C-25C92521937D}"/>
+            </a:ext>
+          </a:extLst>
+        </p:cNvPr>
+        <p:cNvGrpSpPr/>
+        <p:nvPr/>
+      </p:nvGrpSpPr>
+      <p:grpSpPr>
+        <a:xfrm>
+          <a:off x="0" y="0"/>
+          <a:ext cx="0" cy="0"/>
+          <a:chOff x="0" y="0"/>
+          <a:chExt cx="0" cy="0"/>
+        </a:xfrm>
+      </p:grpSpPr>
+      <p:sp>
+        <p:nvSpPr>
+          <p:cNvPr id="2" name="Slide Image Placeholder 1">
+            <a:extLst>
+              <a:ext uri="{FF2B5EF4-FFF2-40B4-BE49-F238E27FC236}">
+                <a16:creationId xmlns:a16="http://schemas.microsoft.com/office/drawing/2014/main" id="{F0F14A8A-95A5-4287-02D6-605735F14768}"/>
+              </a:ext>
+            </a:extLst>
+          </p:cNvPr>
+          <p:cNvSpPr>
+            <a:spLocks noGrp="1" noRot="1" noChangeAspect="1"/>
+          </p:cNvSpPr>
+          <p:nvPr>
+            <p:ph type="sldImg"/>
+          </p:nvPr>
+        </p:nvSpPr>
+        <p:spPr/>
+      </p:sp>
+      <p:sp>
+        <p:nvSpPr>
+          <p:cNvPr id="3" name="Notes Placeholder 2">
+            <a:extLst>
+              <a:ext uri="{FF2B5EF4-FFF2-40B4-BE49-F238E27FC236}">
+                <a16:creationId xmlns:a16="http://schemas.microsoft.com/office/drawing/2014/main" id="{6B67D304-67CE-9F08-E793-89750AEB43B2}"/>
+              </a:ext>
+            </a:extLst>
+          </p:cNvPr>
+          <p:cNvSpPr>
+            <a:spLocks noGrp="1"/>
+          </p:cNvSpPr>
+          <p:nvPr>
+            <p:ph type="body" idx="1"/>
+          </p:nvPr>
+        </p:nvSpPr>
+        <p:spPr/>
+        <p:txBody>
+          <a:bodyPr/>
+          <a:lstStyle/>
+          <a:p>
+            <a:r>
+              <a:rPr lang="en-US" dirty="0" smtClean="0"/>
+              <a:t>https://www.tpointtech.com/python-pandas-dataframe</a:t>
+            </a:r>
+            <a:endParaRPr lang="en-US" dirty="0"/>
+          </a:p>
+        </p:txBody>
+      </p:sp>
+      <p:sp>
+        <p:nvSpPr>
+          <p:cNvPr id="4" name="Slide Number Placeholder 3">
+            <a:extLst>
+              <a:ext uri="{FF2B5EF4-FFF2-40B4-BE49-F238E27FC236}">
+                <a16:creationId xmlns:a16="http://schemas.microsoft.com/office/drawing/2014/main" id="{C5429734-C8D3-C622-5F43-ECEE4AC541F9}"/>
+              </a:ext>
+            </a:extLst>
+          </p:cNvPr>
+          <p:cNvSpPr>
+            <a:spLocks noGrp="1"/>
+          </p:cNvSpPr>
+          <p:nvPr>
+            <p:ph type="sldNum" sz="quarter" idx="5"/>
+          </p:nvPr>
+        </p:nvSpPr>
+        <p:spPr/>
+        <p:txBody>
+          <a:bodyPr/>
+          <a:lstStyle/>
+          <a:p>
+            <a:fld id="{964118A5-1B2B-4A8B-ACD0-FB61E285EB78}" type="slidenum">
+              <a:rPr lang="en-US" smtClean="0"/>
+              <a:t>23</a:t>
+            </a:fld>
+            <a:endParaRPr lang="en-US"/>
+          </a:p>
+        </p:txBody>
+      </p:sp>
+    </p:spTree>
+    <p:extLst>
+      <p:ext uri="{BB962C8B-B14F-4D97-AF65-F5344CB8AC3E}">
+        <p14:creationId xmlns:p14="http://schemas.microsoft.com/office/powerpoint/2010/main" val="4247700290"/>
+      </p:ext>
+    </p:extLst>
+  </p:cSld>
+  <p:clrMapOvr>
+    <a:masterClrMapping/>
+  </p:clrMapOvr>
+</p:notes>
+</file>
+
+<file path=ppt/notesSlides/notesSlide13.xml><?xml version="1.0" encoding="utf-8"?>
+<p:notes xmlns:a="http://schemas.openxmlformats.org/drawingml/2006/main" xmlns:r="http://schemas.openxmlformats.org/officeDocument/2006/relationships" xmlns:p="http://schemas.openxmlformats.org/presentationml/2006/main">
+  <p:cSld>
+    <p:spTree>
+      <p:nvGrpSpPr>
+        <p:cNvPr id="1" name="">
+          <a:extLst>
+            <a:ext uri="{FF2B5EF4-FFF2-40B4-BE49-F238E27FC236}">
+              <a16:creationId xmlns:a16="http://schemas.microsoft.com/office/drawing/2014/main" id="{E331C0E4-0F48-06AD-345C-25C92521937D}"/>
+            </a:ext>
+          </a:extLst>
+        </p:cNvPr>
+        <p:cNvGrpSpPr/>
+        <p:nvPr/>
+      </p:nvGrpSpPr>
+      <p:grpSpPr>
+        <a:xfrm>
+          <a:off x="0" y="0"/>
+          <a:ext cx="0" cy="0"/>
+          <a:chOff x="0" y="0"/>
+          <a:chExt cx="0" cy="0"/>
+        </a:xfrm>
+      </p:grpSpPr>
+      <p:sp>
+        <p:nvSpPr>
+          <p:cNvPr id="2" name="Slide Image Placeholder 1">
+            <a:extLst>
+              <a:ext uri="{FF2B5EF4-FFF2-40B4-BE49-F238E27FC236}">
+                <a16:creationId xmlns:a16="http://schemas.microsoft.com/office/drawing/2014/main" id="{F0F14A8A-95A5-4287-02D6-605735F14768}"/>
+              </a:ext>
+            </a:extLst>
+          </p:cNvPr>
+          <p:cNvSpPr>
+            <a:spLocks noGrp="1" noRot="1" noChangeAspect="1"/>
+          </p:cNvSpPr>
+          <p:nvPr>
+            <p:ph type="sldImg"/>
+          </p:nvPr>
+        </p:nvSpPr>
+        <p:spPr/>
+      </p:sp>
+      <p:sp>
+        <p:nvSpPr>
+          <p:cNvPr id="3" name="Notes Placeholder 2">
+            <a:extLst>
+              <a:ext uri="{FF2B5EF4-FFF2-40B4-BE49-F238E27FC236}">
+                <a16:creationId xmlns:a16="http://schemas.microsoft.com/office/drawing/2014/main" id="{6B67D304-67CE-9F08-E793-89750AEB43B2}"/>
+              </a:ext>
+            </a:extLst>
+          </p:cNvPr>
+          <p:cNvSpPr>
+            <a:spLocks noGrp="1"/>
+          </p:cNvSpPr>
+          <p:nvPr>
+            <p:ph type="body" idx="1"/>
+          </p:nvPr>
+        </p:nvSpPr>
+        <p:spPr/>
+        <p:txBody>
+          <a:bodyPr/>
+          <a:lstStyle/>
+          <a:p>
+            <a:r>
+              <a:rPr lang="en-US" dirty="0" smtClean="0"/>
+              <a:t>https://www.tpointtech.com/python-pandas-dataframe</a:t>
+            </a:r>
+            <a:endParaRPr lang="en-US" dirty="0"/>
+          </a:p>
+        </p:txBody>
+      </p:sp>
+      <p:sp>
+        <p:nvSpPr>
+          <p:cNvPr id="4" name="Slide Number Placeholder 3">
+            <a:extLst>
+              <a:ext uri="{FF2B5EF4-FFF2-40B4-BE49-F238E27FC236}">
+                <a16:creationId xmlns:a16="http://schemas.microsoft.com/office/drawing/2014/main" id="{C5429734-C8D3-C622-5F43-ECEE4AC541F9}"/>
+              </a:ext>
+            </a:extLst>
+          </p:cNvPr>
+          <p:cNvSpPr>
+            <a:spLocks noGrp="1"/>
+          </p:cNvSpPr>
+          <p:nvPr>
+            <p:ph type="sldNum" sz="quarter" idx="5"/>
+          </p:nvPr>
+        </p:nvSpPr>
+        <p:spPr/>
+        <p:txBody>
+          <a:bodyPr/>
+          <a:lstStyle/>
+          <a:p>
+            <a:fld id="{964118A5-1B2B-4A8B-ACD0-FB61E285EB78}" type="slidenum">
+              <a:rPr lang="en-US" smtClean="0"/>
+              <a:t>24</a:t>
+            </a:fld>
+            <a:endParaRPr lang="en-US"/>
+          </a:p>
+        </p:txBody>
+      </p:sp>
+    </p:spTree>
+    <p:extLst>
+      <p:ext uri="{BB962C8B-B14F-4D97-AF65-F5344CB8AC3E}">
+        <p14:creationId xmlns:p14="http://schemas.microsoft.com/office/powerpoint/2010/main" val="1932877362"/>
+      </p:ext>
+    </p:extLst>
+  </p:cSld>
+  <p:clrMapOvr>
+    <a:masterClrMapping/>
+  </p:clrMapOvr>
+</p:notes>
+</file>
+
+<file path=ppt/notesSlides/notesSlide14.xml><?xml version="1.0" encoding="utf-8"?>
+<p:notes xmlns:a="http://schemas.openxmlformats.org/drawingml/2006/main" xmlns:r="http://schemas.openxmlformats.org/officeDocument/2006/relationships" xmlns:p="http://schemas.openxmlformats.org/presentationml/2006/main">
+  <p:cSld>
+    <p:spTree>
+      <p:nvGrpSpPr>
+        <p:cNvPr id="1" name="">
+          <a:extLst>
+            <a:ext uri="{FF2B5EF4-FFF2-40B4-BE49-F238E27FC236}">
+              <a16:creationId xmlns:a16="http://schemas.microsoft.com/office/drawing/2014/main" id="{E331C0E4-0F48-06AD-345C-25C92521937D}"/>
+            </a:ext>
+          </a:extLst>
+        </p:cNvPr>
+        <p:cNvGrpSpPr/>
+        <p:nvPr/>
+      </p:nvGrpSpPr>
+      <p:grpSpPr>
+        <a:xfrm>
+          <a:off x="0" y="0"/>
+          <a:ext cx="0" cy="0"/>
+          <a:chOff x="0" y="0"/>
+          <a:chExt cx="0" cy="0"/>
+        </a:xfrm>
+      </p:grpSpPr>
+      <p:sp>
+        <p:nvSpPr>
+          <p:cNvPr id="2" name="Slide Image Placeholder 1">
+            <a:extLst>
+              <a:ext uri="{FF2B5EF4-FFF2-40B4-BE49-F238E27FC236}">
+                <a16:creationId xmlns:a16="http://schemas.microsoft.com/office/drawing/2014/main" id="{F0F14A8A-95A5-4287-02D6-605735F14768}"/>
+              </a:ext>
+            </a:extLst>
+          </p:cNvPr>
+          <p:cNvSpPr>
+            <a:spLocks noGrp="1" noRot="1" noChangeAspect="1"/>
+          </p:cNvSpPr>
+          <p:nvPr>
+            <p:ph type="sldImg"/>
+          </p:nvPr>
+        </p:nvSpPr>
+        <p:spPr/>
+      </p:sp>
+      <p:sp>
+        <p:nvSpPr>
+          <p:cNvPr id="3" name="Notes Placeholder 2">
+            <a:extLst>
+              <a:ext uri="{FF2B5EF4-FFF2-40B4-BE49-F238E27FC236}">
+                <a16:creationId xmlns:a16="http://schemas.microsoft.com/office/drawing/2014/main" id="{6B67D304-67CE-9F08-E793-89750AEB43B2}"/>
+              </a:ext>
+            </a:extLst>
+          </p:cNvPr>
+          <p:cNvSpPr>
+            <a:spLocks noGrp="1"/>
+          </p:cNvSpPr>
+          <p:nvPr>
+            <p:ph type="body" idx="1"/>
+          </p:nvPr>
+        </p:nvSpPr>
+        <p:spPr/>
+        <p:txBody>
+          <a:bodyPr/>
+          <a:lstStyle/>
+          <a:p>
+            <a:r>
+              <a:rPr lang="en-US" dirty="0" smtClean="0"/>
+              <a:t>https://www.tpointtech.com/python-pandas-dataframe</a:t>
+            </a:r>
+            <a:endParaRPr lang="en-US" dirty="0"/>
+          </a:p>
+        </p:txBody>
+      </p:sp>
+      <p:sp>
+        <p:nvSpPr>
+          <p:cNvPr id="4" name="Slide Number Placeholder 3">
+            <a:extLst>
+              <a:ext uri="{FF2B5EF4-FFF2-40B4-BE49-F238E27FC236}">
+                <a16:creationId xmlns:a16="http://schemas.microsoft.com/office/drawing/2014/main" id="{C5429734-C8D3-C622-5F43-ECEE4AC541F9}"/>
+              </a:ext>
+            </a:extLst>
+          </p:cNvPr>
+          <p:cNvSpPr>
+            <a:spLocks noGrp="1"/>
+          </p:cNvSpPr>
+          <p:nvPr>
+            <p:ph type="sldNum" sz="quarter" idx="5"/>
+          </p:nvPr>
+        </p:nvSpPr>
+        <p:spPr/>
+        <p:txBody>
+          <a:bodyPr/>
+          <a:lstStyle/>
+          <a:p>
+            <a:fld id="{964118A5-1B2B-4A8B-ACD0-FB61E285EB78}" type="slidenum">
+              <a:rPr lang="en-US" smtClean="0"/>
+              <a:t>25</a:t>
+            </a:fld>
+            <a:endParaRPr lang="en-US"/>
+          </a:p>
+        </p:txBody>
+      </p:sp>
+    </p:spTree>
+    <p:extLst>
+      <p:ext uri="{BB962C8B-B14F-4D97-AF65-F5344CB8AC3E}">
+        <p14:creationId xmlns:p14="http://schemas.microsoft.com/office/powerpoint/2010/main" val="2674833088"/>
+      </p:ext>
+    </p:extLst>
+  </p:cSld>
+  <p:clrMapOvr>
+    <a:masterClrMapping/>
+  </p:clrMapOvr>
+</p:notes>
+</file>
+
+<file path=ppt/notesSlides/notesSlide15.xml><?xml version="1.0" encoding="utf-8"?>
+<p:notes xmlns:a="http://schemas.openxmlformats.org/drawingml/2006/main" xmlns:r="http://schemas.openxmlformats.org/officeDocument/2006/relationships" xmlns:p="http://schemas.openxmlformats.org/presentationml/2006/main">
+  <p:cSld>
+    <p:spTree>
+      <p:nvGrpSpPr>
+        <p:cNvPr id="1" name="">
+          <a:extLst>
+            <a:ext uri="{FF2B5EF4-FFF2-40B4-BE49-F238E27FC236}">
+              <a16:creationId xmlns:a16="http://schemas.microsoft.com/office/drawing/2014/main" id="{E331C0E4-0F48-06AD-345C-25C92521937D}"/>
+            </a:ext>
+          </a:extLst>
+        </p:cNvPr>
+        <p:cNvGrpSpPr/>
+        <p:nvPr/>
+      </p:nvGrpSpPr>
+      <p:grpSpPr>
+        <a:xfrm>
+          <a:off x="0" y="0"/>
+          <a:ext cx="0" cy="0"/>
+          <a:chOff x="0" y="0"/>
+          <a:chExt cx="0" cy="0"/>
+        </a:xfrm>
+      </p:grpSpPr>
+      <p:sp>
+        <p:nvSpPr>
+          <p:cNvPr id="2" name="Slide Image Placeholder 1">
+            <a:extLst>
+              <a:ext uri="{FF2B5EF4-FFF2-40B4-BE49-F238E27FC236}">
+                <a16:creationId xmlns:a16="http://schemas.microsoft.com/office/drawing/2014/main" id="{F0F14A8A-95A5-4287-02D6-605735F14768}"/>
+              </a:ext>
+            </a:extLst>
+          </p:cNvPr>
+          <p:cNvSpPr>
+            <a:spLocks noGrp="1" noRot="1" noChangeAspect="1"/>
+          </p:cNvSpPr>
+          <p:nvPr>
+            <p:ph type="sldImg"/>
+          </p:nvPr>
+        </p:nvSpPr>
+        <p:spPr/>
+      </p:sp>
+      <p:sp>
+        <p:nvSpPr>
+          <p:cNvPr id="3" name="Notes Placeholder 2">
+            <a:extLst>
+              <a:ext uri="{FF2B5EF4-FFF2-40B4-BE49-F238E27FC236}">
+                <a16:creationId xmlns:a16="http://schemas.microsoft.com/office/drawing/2014/main" id="{6B67D304-67CE-9F08-E793-89750AEB43B2}"/>
+              </a:ext>
+            </a:extLst>
+          </p:cNvPr>
+          <p:cNvSpPr>
+            <a:spLocks noGrp="1"/>
+          </p:cNvSpPr>
+          <p:nvPr>
+            <p:ph type="body" idx="1"/>
+          </p:nvPr>
+        </p:nvSpPr>
+        <p:spPr/>
+        <p:txBody>
+          <a:bodyPr/>
+          <a:lstStyle/>
+          <a:p>
+            <a:r>
+              <a:rPr lang="en-US" dirty="0" smtClean="0"/>
+              <a:t>https://www.tpointtech.com/python-pandas-dataframe</a:t>
+            </a:r>
+            <a:endParaRPr lang="en-US" dirty="0"/>
+          </a:p>
+        </p:txBody>
+      </p:sp>
+      <p:sp>
+        <p:nvSpPr>
+          <p:cNvPr id="4" name="Slide Number Placeholder 3">
+            <a:extLst>
+              <a:ext uri="{FF2B5EF4-FFF2-40B4-BE49-F238E27FC236}">
+                <a16:creationId xmlns:a16="http://schemas.microsoft.com/office/drawing/2014/main" id="{C5429734-C8D3-C622-5F43-ECEE4AC541F9}"/>
+              </a:ext>
+            </a:extLst>
+          </p:cNvPr>
+          <p:cNvSpPr>
+            <a:spLocks noGrp="1"/>
+          </p:cNvSpPr>
+          <p:nvPr>
+            <p:ph type="sldNum" sz="quarter" idx="5"/>
+          </p:nvPr>
+        </p:nvSpPr>
+        <p:spPr/>
+        <p:txBody>
+          <a:bodyPr/>
+          <a:lstStyle/>
+          <a:p>
+            <a:fld id="{964118A5-1B2B-4A8B-ACD0-FB61E285EB78}" type="slidenum">
+              <a:rPr lang="en-US" smtClean="0"/>
+              <a:t>26</a:t>
+            </a:fld>
+            <a:endParaRPr lang="en-US"/>
+          </a:p>
+        </p:txBody>
+      </p:sp>
+    </p:spTree>
+    <p:extLst>
+      <p:ext uri="{BB962C8B-B14F-4D97-AF65-F5344CB8AC3E}">
+        <p14:creationId xmlns:p14="http://schemas.microsoft.com/office/powerpoint/2010/main" val="3963230602"/>
+      </p:ext>
+    </p:extLst>
+  </p:cSld>
+  <p:clrMapOvr>
+    <a:masterClrMapping/>
+  </p:clrMapOvr>
+</p:notes>
+</file>
+
+<file path=ppt/notesSlides/notesSlide16.xml><?xml version="1.0" encoding="utf-8"?>
+<p:notes xmlns:a="http://schemas.openxmlformats.org/drawingml/2006/main" xmlns:r="http://schemas.openxmlformats.org/officeDocument/2006/relationships" xmlns:p="http://schemas.openxmlformats.org/presentationml/2006/main">
+  <p:cSld>
+    <p:spTree>
+      <p:nvGrpSpPr>
+        <p:cNvPr id="1" name="">
+          <a:extLst>
+            <a:ext uri="{FF2B5EF4-FFF2-40B4-BE49-F238E27FC236}">
+              <a16:creationId xmlns:a16="http://schemas.microsoft.com/office/drawing/2014/main" id="{EA0E8A50-C79D-0E03-47A2-8CCC55E6CC02}"/>
+            </a:ext>
+          </a:extLst>
+        </p:cNvPr>
+        <p:cNvGrpSpPr/>
+        <p:nvPr/>
+      </p:nvGrpSpPr>
+      <p:grpSpPr>
+        <a:xfrm>
+          <a:off x="0" y="0"/>
+          <a:ext cx="0" cy="0"/>
+          <a:chOff x="0" y="0"/>
+          <a:chExt cx="0" cy="0"/>
+        </a:xfrm>
+      </p:grpSpPr>
+      <p:sp>
+        <p:nvSpPr>
+          <p:cNvPr id="2" name="Slide Image Placeholder 1">
+            <a:extLst>
+              <a:ext uri="{FF2B5EF4-FFF2-40B4-BE49-F238E27FC236}">
+                <a16:creationId xmlns:a16="http://schemas.microsoft.com/office/drawing/2014/main" id="{E3A9C9F8-B2D6-B6B7-03CD-36EA35D4F8B3}"/>
+              </a:ext>
+            </a:extLst>
+          </p:cNvPr>
+          <p:cNvSpPr>
+            <a:spLocks noGrp="1" noRot="1" noChangeAspect="1"/>
+          </p:cNvSpPr>
+          <p:nvPr>
+            <p:ph type="sldImg"/>
+          </p:nvPr>
+        </p:nvSpPr>
+        <p:spPr/>
+      </p:sp>
+      <p:sp>
+        <p:nvSpPr>
+          <p:cNvPr id="3" name="Notes Placeholder 2">
+            <a:extLst>
+              <a:ext uri="{FF2B5EF4-FFF2-40B4-BE49-F238E27FC236}">
+                <a16:creationId xmlns:a16="http://schemas.microsoft.com/office/drawing/2014/main" id="{036EF444-7FE3-DB8B-0D0D-18F55C5AD681}"/>
+              </a:ext>
+            </a:extLst>
+          </p:cNvPr>
+          <p:cNvSpPr>
+            <a:spLocks noGrp="1"/>
+          </p:cNvSpPr>
+          <p:nvPr>
+            <p:ph type="body" idx="1"/>
+          </p:nvPr>
+        </p:nvSpPr>
+        <p:spPr/>
+        <p:txBody>
+          <a:bodyPr/>
+          <a:lstStyle/>
+          <a:p>
+            <a:endParaRPr lang="en-US" dirty="0"/>
+          </a:p>
+        </p:txBody>
+      </p:sp>
+      <p:sp>
+        <p:nvSpPr>
+          <p:cNvPr id="4" name="Slide Number Placeholder 3">
+            <a:extLst>
+              <a:ext uri="{FF2B5EF4-FFF2-40B4-BE49-F238E27FC236}">
+                <a16:creationId xmlns:a16="http://schemas.microsoft.com/office/drawing/2014/main" id="{E1E6FE88-7936-2D92-32C0-69D66DDB385B}"/>
+              </a:ext>
+            </a:extLst>
+          </p:cNvPr>
+          <p:cNvSpPr>
+            <a:spLocks noGrp="1"/>
+          </p:cNvSpPr>
+          <p:nvPr>
+            <p:ph type="sldNum" sz="quarter" idx="5"/>
+          </p:nvPr>
+        </p:nvSpPr>
+        <p:spPr/>
+        <p:txBody>
+          <a:bodyPr/>
+          <a:lstStyle/>
+          <a:p>
+            <a:fld id="{964118A5-1B2B-4A8B-ACD0-FB61E285EB78}" type="slidenum">
+              <a:rPr lang="en-US" smtClean="0"/>
+              <a:t>27</a:t>
+            </a:fld>
+            <a:endParaRPr lang="en-US"/>
+          </a:p>
+        </p:txBody>
+      </p:sp>
+    </p:spTree>
+    <p:extLst>
+      <p:ext uri="{BB962C8B-B14F-4D97-AF65-F5344CB8AC3E}">
+        <p14:creationId xmlns:p14="http://schemas.microsoft.com/office/powerpoint/2010/main" val="2964208965"/>
+      </p:ext>
+    </p:extLst>
+  </p:cSld>
+  <p:clrMapOvr>
+    <a:masterClrMapping/>
+  </p:clrMapOvr>
+</p:notes>
+</file>
+
+<file path=ppt/notesSlides/notesSlide17.xml><?xml version="1.0" encoding="utf-8"?>
+<p:notes xmlns:a="http://schemas.openxmlformats.org/drawingml/2006/main" xmlns:r="http://schemas.openxmlformats.org/officeDocument/2006/relationships" xmlns:p="http://schemas.openxmlformats.org/presentationml/2006/main">
+  <p:cSld>
+    <p:spTree>
+      <p:nvGrpSpPr>
+        <p:cNvPr id="1" name="">
+          <a:extLst>
+            <a:ext uri="{FF2B5EF4-FFF2-40B4-BE49-F238E27FC236}">
               <a16:creationId xmlns:a16="http://schemas.microsoft.com/office/drawing/2014/main" id="{CDAEAF59-064F-00B4-8BBE-DCEB382CA419}"/>
             </a:ext>
           </a:extLst>
@@ -664,7 +1451,7 @@
           <a:p>
             <a:fld id="{964118A5-1B2B-4A8B-ACD0-FB61E285EB78}" type="slidenum">
               <a:rPr lang="en-US" smtClean="0"/>
-              <a:t>21</a:t>
+              <a:t>28</a:t>
             </a:fld>
             <a:endParaRPr lang="en-US"/>
           </a:p>
@@ -683,7 +1470,7 @@
 </p:notes>
 </file>
 
-<file path=ppt/notesSlides/notesSlide11.xml><?xml version="1.0" encoding="utf-8"?>
+<file path=ppt/notesSlides/notesSlide18.xml><?xml version="1.0" encoding="utf-8"?>
 <p:notes xmlns:a="http://schemas.openxmlformats.org/drawingml/2006/main" xmlns:r="http://schemas.openxmlformats.org/officeDocument/2006/relationships" xmlns:p="http://schemas.openxmlformats.org/presentationml/2006/main">
   <p:cSld>
     <p:spTree>
@@ -772,7 +1559,7 @@
           <a:p>
             <a:fld id="{964118A5-1B2B-4A8B-ACD0-FB61E285EB78}" type="slidenum">
               <a:rPr lang="en-US" smtClean="0"/>
-              <a:t>22</a:t>
+              <a:t>29</a:t>
             </a:fld>
             <a:endParaRPr lang="en-US"/>
           </a:p>
@@ -1504,7 +2291,7 @@
         <p:cNvPr id="1" name="">
           <a:extLst>
             <a:ext uri="{FF2B5EF4-FFF2-40B4-BE49-F238E27FC236}">
-              <a16:creationId xmlns:a16="http://schemas.microsoft.com/office/drawing/2014/main" id="{EA0E8A50-C79D-0E03-47A2-8CCC55E6CC02}"/>
+              <a16:creationId xmlns:a16="http://schemas.microsoft.com/office/drawing/2014/main" id="{E331C0E4-0F48-06AD-345C-25C92521937D}"/>
             </a:ext>
           </a:extLst>
         </p:cNvPr>
@@ -1524,7 +2311,7 @@
           <p:cNvPr id="2" name="Slide Image Placeholder 1">
             <a:extLst>
               <a:ext uri="{FF2B5EF4-FFF2-40B4-BE49-F238E27FC236}">
-                <a16:creationId xmlns:a16="http://schemas.microsoft.com/office/drawing/2014/main" id="{E3A9C9F8-B2D6-B6B7-03CD-36EA35D4F8B3}"/>
+                <a16:creationId xmlns:a16="http://schemas.microsoft.com/office/drawing/2014/main" id="{F0F14A8A-95A5-4287-02D6-605735F14768}"/>
               </a:ext>
             </a:extLst>
           </p:cNvPr>
@@ -1542,7 +2329,7 @@
           <p:cNvPr id="3" name="Notes Placeholder 2">
             <a:extLst>
               <a:ext uri="{FF2B5EF4-FFF2-40B4-BE49-F238E27FC236}">
-                <a16:creationId xmlns:a16="http://schemas.microsoft.com/office/drawing/2014/main" id="{036EF444-7FE3-DB8B-0D0D-18F55C5AD681}"/>
+                <a16:creationId xmlns:a16="http://schemas.microsoft.com/office/drawing/2014/main" id="{6B67D304-67CE-9F08-E793-89750AEB43B2}"/>
               </a:ext>
             </a:extLst>
           </p:cNvPr>
@@ -1558,6 +2345,10 @@
           <a:bodyPr/>
           <a:lstStyle/>
           <a:p>
+            <a:r>
+              <a:rPr lang="en-US" dirty="0" smtClean="0"/>
+              <a:t>https://www.tpointtech.com/python-pandas-dataframe</a:t>
+            </a:r>
             <a:endParaRPr lang="en-US" dirty="0"/>
           </a:p>
         </p:txBody>
@@ -1567,7 +2358,7 @@
           <p:cNvPr id="4" name="Slide Number Placeholder 3">
             <a:extLst>
               <a:ext uri="{FF2B5EF4-FFF2-40B4-BE49-F238E27FC236}">
-                <a16:creationId xmlns:a16="http://schemas.microsoft.com/office/drawing/2014/main" id="{E1E6FE88-7936-2D92-32C0-69D66DDB385B}"/>
+                <a16:creationId xmlns:a16="http://schemas.microsoft.com/office/drawing/2014/main" id="{C5429734-C8D3-C622-5F43-ECEE4AC541F9}"/>
               </a:ext>
             </a:extLst>
           </p:cNvPr>
@@ -1594,7 +2385,7 @@
     </p:spTree>
     <p:extLst>
       <p:ext uri="{BB962C8B-B14F-4D97-AF65-F5344CB8AC3E}">
-        <p14:creationId xmlns:p14="http://schemas.microsoft.com/office/powerpoint/2010/main" val="2964208965"/>
+        <p14:creationId xmlns:p14="http://schemas.microsoft.com/office/powerpoint/2010/main" val="3647912257"/>
       </p:ext>
     </p:extLst>
   </p:cSld>
@@ -2106,7 +2897,7 @@
           <a:p>
             <a:fld id="{CD421B04-6F62-470E-96F9-AF92FFC3E979}" type="datetimeFigureOut">
               <a:rPr lang="en-US" smtClean="0"/>
-              <a:t>2/28/2025</a:t>
+              <a:t>02-Mar-25</a:t>
             </a:fld>
             <a:endParaRPr lang="en-US"/>
           </a:p>
@@ -2402,7 +3193,7 @@
           <a:p>
             <a:fld id="{CD421B04-6F62-470E-96F9-AF92FFC3E979}" type="datetimeFigureOut">
               <a:rPr lang="en-US" smtClean="0"/>
-              <a:t>2/28/2025</a:t>
+              <a:t>02-Mar-25</a:t>
             </a:fld>
             <a:endParaRPr lang="en-US"/>
           </a:p>
@@ -2650,7 +3441,7 @@
           <a:p>
             <a:fld id="{CD421B04-6F62-470E-96F9-AF92FFC3E979}" type="datetimeFigureOut">
               <a:rPr lang="en-US" smtClean="0"/>
-              <a:t>2/28/2025</a:t>
+              <a:t>02-Mar-25</a:t>
             </a:fld>
             <a:endParaRPr lang="en-US"/>
           </a:p>
@@ -3190,7 +3981,7 @@
           <a:p>
             <a:fld id="{CD421B04-6F62-470E-96F9-AF92FFC3E979}" type="datetimeFigureOut">
               <a:rPr lang="en-US" smtClean="0"/>
-              <a:t>2/28/2025</a:t>
+              <a:t>02-Mar-25</a:t>
             </a:fld>
             <a:endParaRPr lang="en-US"/>
           </a:p>
@@ -3438,7 +4229,7 @@
           <a:p>
             <a:fld id="{CD421B04-6F62-470E-96F9-AF92FFC3E979}" type="datetimeFigureOut">
               <a:rPr lang="en-US" smtClean="0"/>
-              <a:t>2/28/2025</a:t>
+              <a:t>02-Mar-25</a:t>
             </a:fld>
             <a:endParaRPr lang="en-US"/>
           </a:p>
@@ -3970,7 +4761,7 @@
           <a:p>
             <a:fld id="{CD421B04-6F62-470E-96F9-AF92FFC3E979}" type="datetimeFigureOut">
               <a:rPr lang="en-US" smtClean="0"/>
-              <a:t>2/28/2025</a:t>
+              <a:t>02-Mar-25</a:t>
             </a:fld>
             <a:endParaRPr lang="en-US"/>
           </a:p>
@@ -4267,7 +5058,7 @@
           <a:p>
             <a:fld id="{CD421B04-6F62-470E-96F9-AF92FFC3E979}" type="datetimeFigureOut">
               <a:rPr lang="en-US" smtClean="0"/>
-              <a:t>2/28/2025</a:t>
+              <a:t>02-Mar-25</a:t>
             </a:fld>
             <a:endParaRPr lang="en-US"/>
           </a:p>
@@ -4441,7 +5232,7 @@
           <a:p>
             <a:fld id="{CD421B04-6F62-470E-96F9-AF92FFC3E979}" type="datetimeFigureOut">
               <a:rPr lang="en-US" smtClean="0"/>
-              <a:t>2/28/2025</a:t>
+              <a:t>02-Mar-25</a:t>
             </a:fld>
             <a:endParaRPr lang="en-US"/>
           </a:p>
@@ -4621,7 +5412,7 @@
           <a:p>
             <a:fld id="{CD421B04-6F62-470E-96F9-AF92FFC3E979}" type="datetimeFigureOut">
               <a:rPr lang="en-US" smtClean="0"/>
-              <a:t>2/28/2025</a:t>
+              <a:t>02-Mar-25</a:t>
             </a:fld>
             <a:endParaRPr lang="en-US"/>
           </a:p>
@@ -4791,7 +5582,7 @@
           <a:p>
             <a:fld id="{CD421B04-6F62-470E-96F9-AF92FFC3E979}" type="datetimeFigureOut">
               <a:rPr lang="en-US" smtClean="0"/>
-              <a:t>2/28/2025</a:t>
+              <a:t>02-Mar-25</a:t>
             </a:fld>
             <a:endParaRPr lang="en-US"/>
           </a:p>
@@ -5042,7 +5833,7 @@
           <a:p>
             <a:fld id="{CD421B04-6F62-470E-96F9-AF92FFC3E979}" type="datetimeFigureOut">
               <a:rPr lang="en-US" smtClean="0"/>
-              <a:t>2/28/2025</a:t>
+              <a:t>02-Mar-25</a:t>
             </a:fld>
             <a:endParaRPr lang="en-US"/>
           </a:p>
@@ -5339,7 +6130,7 @@
           <a:p>
             <a:fld id="{CD421B04-6F62-470E-96F9-AF92FFC3E979}" type="datetimeFigureOut">
               <a:rPr lang="en-US" smtClean="0"/>
-              <a:t>2/28/2025</a:t>
+              <a:t>02-Mar-25</a:t>
             </a:fld>
             <a:endParaRPr lang="en-US"/>
           </a:p>
@@ -5781,7 +6572,7 @@
           <a:p>
             <a:fld id="{CD421B04-6F62-470E-96F9-AF92FFC3E979}" type="datetimeFigureOut">
               <a:rPr lang="en-US" smtClean="0"/>
-              <a:t>2/28/2025</a:t>
+              <a:t>02-Mar-25</a:t>
             </a:fld>
             <a:endParaRPr lang="en-US"/>
           </a:p>
@@ -5899,7 +6690,7 @@
           <a:p>
             <a:fld id="{CD421B04-6F62-470E-96F9-AF92FFC3E979}" type="datetimeFigureOut">
               <a:rPr lang="en-US" smtClean="0"/>
-              <a:t>2/28/2025</a:t>
+              <a:t>02-Mar-25</a:t>
             </a:fld>
             <a:endParaRPr lang="en-US"/>
           </a:p>
@@ -5994,7 +6785,7 @@
           <a:p>
             <a:fld id="{CD421B04-6F62-470E-96F9-AF92FFC3E979}" type="datetimeFigureOut">
               <a:rPr lang="en-US" smtClean="0"/>
-              <a:t>2/28/2025</a:t>
+              <a:t>02-Mar-25</a:t>
             </a:fld>
             <a:endParaRPr lang="en-US"/>
           </a:p>
@@ -6277,7 +7068,7 @@
           <a:p>
             <a:fld id="{CD421B04-6F62-470E-96F9-AF92FFC3E979}" type="datetimeFigureOut">
               <a:rPr lang="en-US" smtClean="0"/>
-              <a:t>2/28/2025</a:t>
+              <a:t>02-Mar-25</a:t>
             </a:fld>
             <a:endParaRPr lang="en-US"/>
           </a:p>
@@ -6568,7 +7359,7 @@
           <a:p>
             <a:fld id="{CD421B04-6F62-470E-96F9-AF92FFC3E979}" type="datetimeFigureOut">
               <a:rPr lang="en-US" smtClean="0"/>
-              <a:t>2/28/2025</a:t>
+              <a:t>02-Mar-25</a:t>
             </a:fld>
             <a:endParaRPr lang="en-US"/>
           </a:p>
@@ -7098,7 +7889,7 @@
           <a:p>
             <a:fld id="{CD421B04-6F62-470E-96F9-AF92FFC3E979}" type="datetimeFigureOut">
               <a:rPr lang="en-US" smtClean="0"/>
-              <a:t>2/28/2025</a:t>
+              <a:t>02-Mar-25</a:t>
             </a:fld>
             <a:endParaRPr lang="en-US"/>
           </a:p>
@@ -10220,6 +11011,2364 @@
         <p:cNvPr id="1" name="">
           <a:extLst>
             <a:ext uri="{FF2B5EF4-FFF2-40B4-BE49-F238E27FC236}">
+              <a16:creationId xmlns:a16="http://schemas.microsoft.com/office/drawing/2014/main" id="{CF9B6321-F566-05D3-DEE4-55CA35C4760A}"/>
+            </a:ext>
+          </a:extLst>
+        </p:cNvPr>
+        <p:cNvGrpSpPr/>
+        <p:nvPr/>
+      </p:nvGrpSpPr>
+      <p:grpSpPr>
+        <a:xfrm>
+          <a:off x="0" y="0"/>
+          <a:ext cx="0" cy="0"/>
+          <a:chOff x="0" y="0"/>
+          <a:chExt cx="0" cy="0"/>
+        </a:xfrm>
+      </p:grpSpPr>
+      <p:sp>
+        <p:nvSpPr>
+          <p:cNvPr id="2" name="Title 1">
+            <a:extLst>
+              <a:ext uri="{FF2B5EF4-FFF2-40B4-BE49-F238E27FC236}">
+                <a16:creationId xmlns:a16="http://schemas.microsoft.com/office/drawing/2014/main" id="{7C2C194A-0690-EC97-0657-7714975B5355}"/>
+              </a:ext>
+            </a:extLst>
+          </p:cNvPr>
+          <p:cNvSpPr>
+            <a:spLocks noGrp="1"/>
+          </p:cNvSpPr>
+          <p:nvPr>
+            <p:ph type="title"/>
+          </p:nvPr>
+        </p:nvSpPr>
+        <p:spPr>
+          <a:xfrm>
+            <a:off x="1828800" y="707923"/>
+            <a:ext cx="9674224" cy="766916"/>
+          </a:xfrm>
+        </p:spPr>
+        <p:txBody>
+          <a:bodyPr>
+            <a:normAutofit/>
+          </a:bodyPr>
+          <a:lstStyle/>
+          <a:p>
+            <a:pPr algn="l"/>
+            <a:r>
+              <a:rPr lang="en-US" b="1" dirty="0"/>
+              <a:t>Column Selection</a:t>
+            </a:r>
+            <a:endParaRPr lang="en-US" b="1" dirty="0"/>
+          </a:p>
+        </p:txBody>
+      </p:sp>
+      <p:sp>
+        <p:nvSpPr>
+          <p:cNvPr id="4" name="Content Placeholder 3">
+            <a:extLst>
+              <a:ext uri="{FF2B5EF4-FFF2-40B4-BE49-F238E27FC236}">
+                <a16:creationId xmlns:a16="http://schemas.microsoft.com/office/drawing/2014/main" id="{8E21012D-77E1-7E09-F260-45562C616454}"/>
+              </a:ext>
+            </a:extLst>
+          </p:cNvPr>
+          <p:cNvSpPr>
+            <a:spLocks noGrp="1"/>
+          </p:cNvSpPr>
+          <p:nvPr>
+            <p:ph sz="half" idx="2"/>
+          </p:nvPr>
+        </p:nvSpPr>
+        <p:spPr>
+          <a:xfrm>
+            <a:off x="1468016" y="1760176"/>
+            <a:ext cx="10395791" cy="2448232"/>
+          </a:xfrm>
+          <a:ln>
+            <a:solidFill>
+              <a:schemeClr val="accent1"/>
+            </a:solidFill>
+          </a:ln>
+        </p:spPr>
+        <p:txBody>
+          <a:bodyPr>
+            <a:normAutofit fontScale="92500" lnSpcReduction="20000"/>
+          </a:bodyPr>
+          <a:lstStyle/>
+          <a:p>
+            <a:pPr marL="0" indent="0">
+              <a:buNone/>
+            </a:pPr>
+            <a:r>
+              <a:rPr lang="en-US" sz="1600" b="1" dirty="0">
+                <a:latin typeface="Consolas" panose="020B0609020204030204" pitchFamily="49" charset="0"/>
+              </a:rPr>
+              <a:t># importing the pandas library  </a:t>
+            </a:r>
+          </a:p>
+          <a:p>
+            <a:pPr marL="0" indent="0">
+              <a:buNone/>
+            </a:pPr>
+            <a:r>
+              <a:rPr lang="en-US" sz="1600" b="1" dirty="0">
+                <a:latin typeface="Consolas" panose="020B0609020204030204" pitchFamily="49" charset="0"/>
+              </a:rPr>
+              <a:t>import pandas as </a:t>
+            </a:r>
+            <a:r>
+              <a:rPr lang="en-US" sz="1600" b="1" dirty="0" err="1">
+                <a:latin typeface="Consolas" panose="020B0609020204030204" pitchFamily="49" charset="0"/>
+              </a:rPr>
+              <a:t>pd</a:t>
+            </a:r>
+            <a:r>
+              <a:rPr lang="en-US" sz="1600" b="1" dirty="0">
+                <a:latin typeface="Consolas" panose="020B0609020204030204" pitchFamily="49" charset="0"/>
+              </a:rPr>
+              <a:t>  </a:t>
+            </a:r>
+          </a:p>
+          <a:p>
+            <a:pPr marL="0" indent="0">
+              <a:buNone/>
+            </a:pPr>
+            <a:r>
+              <a:rPr lang="en-US" sz="1600" b="1" dirty="0">
+                <a:latin typeface="Consolas" panose="020B0609020204030204" pitchFamily="49" charset="0"/>
+              </a:rPr>
+              <a:t>  </a:t>
+            </a:r>
+          </a:p>
+          <a:p>
+            <a:pPr marL="0" indent="0">
+              <a:buNone/>
+            </a:pPr>
+            <a:r>
+              <a:rPr lang="en-US" sz="1600" b="1" dirty="0">
+                <a:latin typeface="Consolas" panose="020B0609020204030204" pitchFamily="49" charset="0"/>
+              </a:rPr>
+              <a:t>info = {'one' : </a:t>
+            </a:r>
+            <a:r>
+              <a:rPr lang="en-US" sz="1600" b="1" dirty="0" err="1">
+                <a:latin typeface="Consolas" panose="020B0609020204030204" pitchFamily="49" charset="0"/>
+              </a:rPr>
+              <a:t>pd.Series</a:t>
+            </a:r>
+            <a:r>
+              <a:rPr lang="en-US" sz="1600" b="1" dirty="0">
+                <a:latin typeface="Consolas" panose="020B0609020204030204" pitchFamily="49" charset="0"/>
+              </a:rPr>
+              <a:t>([1, 2, 3, 4, 5, 6], index=['a', 'b', 'c', 'd', 'e', 'f']),  </a:t>
+            </a:r>
+          </a:p>
+          <a:p>
+            <a:pPr marL="0" indent="0">
+              <a:buNone/>
+            </a:pPr>
+            <a:r>
+              <a:rPr lang="en-US" sz="1600" b="1" dirty="0">
+                <a:latin typeface="Consolas" panose="020B0609020204030204" pitchFamily="49" charset="0"/>
+              </a:rPr>
+              <a:t>   'two' : </a:t>
+            </a:r>
+            <a:r>
+              <a:rPr lang="en-US" sz="1600" b="1" dirty="0" err="1">
+                <a:latin typeface="Consolas" panose="020B0609020204030204" pitchFamily="49" charset="0"/>
+              </a:rPr>
+              <a:t>pd.Series</a:t>
+            </a:r>
+            <a:r>
+              <a:rPr lang="en-US" sz="1600" b="1" dirty="0">
+                <a:latin typeface="Consolas" panose="020B0609020204030204" pitchFamily="49" charset="0"/>
+              </a:rPr>
+              <a:t>([1, 2, 3, 4, 5, 6, 7, 8], index=['a', 'b', 'c', 'd', 'e', 'f', 'g', 'h'])}  </a:t>
+            </a:r>
+          </a:p>
+          <a:p>
+            <a:pPr marL="0" indent="0">
+              <a:buNone/>
+            </a:pPr>
+            <a:r>
+              <a:rPr lang="en-US" sz="1600" b="1" dirty="0">
+                <a:latin typeface="Consolas" panose="020B0609020204030204" pitchFamily="49" charset="0"/>
+              </a:rPr>
+              <a:t>  </a:t>
+            </a:r>
+          </a:p>
+          <a:p>
+            <a:pPr marL="0" indent="0">
+              <a:buNone/>
+            </a:pPr>
+            <a:r>
+              <a:rPr lang="en-US" sz="1600" b="1" dirty="0">
+                <a:latin typeface="Consolas" panose="020B0609020204030204" pitchFamily="49" charset="0"/>
+              </a:rPr>
+              <a:t>d1 = </a:t>
+            </a:r>
+            <a:r>
+              <a:rPr lang="en-US" sz="1600" b="1" dirty="0" err="1">
+                <a:latin typeface="Consolas" panose="020B0609020204030204" pitchFamily="49" charset="0"/>
+              </a:rPr>
+              <a:t>pd.DataFrame</a:t>
+            </a:r>
+            <a:r>
+              <a:rPr lang="en-US" sz="1600" b="1" dirty="0">
+                <a:latin typeface="Consolas" panose="020B0609020204030204" pitchFamily="49" charset="0"/>
+              </a:rPr>
+              <a:t>(info)  </a:t>
+            </a:r>
+          </a:p>
+          <a:p>
+            <a:pPr marL="0" indent="0">
+              <a:buNone/>
+            </a:pPr>
+            <a:r>
+              <a:rPr lang="en-US" sz="1600" b="1" dirty="0">
+                <a:latin typeface="Consolas" panose="020B0609020204030204" pitchFamily="49" charset="0"/>
+              </a:rPr>
+              <a:t>print (d1 ['one'])</a:t>
+            </a:r>
+            <a:endParaRPr lang="en-US" sz="1600" dirty="0">
+              <a:latin typeface="Consolas" panose="020B0609020204030204" pitchFamily="49" charset="0"/>
+            </a:endParaRPr>
+          </a:p>
+        </p:txBody>
+      </p:sp>
+      <p:pic>
+        <p:nvPicPr>
+          <p:cNvPr id="3" name="Picture 2"/>
+          <p:cNvPicPr>
+            <a:picLocks noChangeAspect="1"/>
+          </p:cNvPicPr>
+          <p:nvPr/>
+        </p:nvPicPr>
+        <p:blipFill>
+          <a:blip r:embed="rId3"/>
+          <a:stretch>
+            <a:fillRect/>
+          </a:stretch>
+        </p:blipFill>
+        <p:spPr>
+          <a:xfrm>
+            <a:off x="7052099" y="3458823"/>
+            <a:ext cx="2753109" cy="3000794"/>
+          </a:xfrm>
+          <a:prstGeom prst="rect">
+            <a:avLst/>
+          </a:prstGeom>
+        </p:spPr>
+      </p:pic>
+    </p:spTree>
+    <p:extLst>
+      <p:ext uri="{BB962C8B-B14F-4D97-AF65-F5344CB8AC3E}">
+        <p14:creationId xmlns:p14="http://schemas.microsoft.com/office/powerpoint/2010/main" val="189935756"/>
+      </p:ext>
+    </p:extLst>
+  </p:cSld>
+  <p:clrMapOvr>
+    <a:masterClrMapping/>
+  </p:clrMapOvr>
+</p:sld>
+</file>
+
+<file path=ppt/slides/slide21.xml><?xml version="1.0" encoding="utf-8"?>
+<p:sld xmlns:a="http://schemas.openxmlformats.org/drawingml/2006/main" xmlns:r="http://schemas.openxmlformats.org/officeDocument/2006/relationships" xmlns:p="http://schemas.openxmlformats.org/presentationml/2006/main">
+  <p:cSld>
+    <p:spTree>
+      <p:nvGrpSpPr>
+        <p:cNvPr id="1" name="">
+          <a:extLst>
+            <a:ext uri="{FF2B5EF4-FFF2-40B4-BE49-F238E27FC236}">
+              <a16:creationId xmlns:a16="http://schemas.microsoft.com/office/drawing/2014/main" id="{CF9B6321-F566-05D3-DEE4-55CA35C4760A}"/>
+            </a:ext>
+          </a:extLst>
+        </p:cNvPr>
+        <p:cNvGrpSpPr/>
+        <p:nvPr/>
+      </p:nvGrpSpPr>
+      <p:grpSpPr>
+        <a:xfrm>
+          <a:off x="0" y="0"/>
+          <a:ext cx="0" cy="0"/>
+          <a:chOff x="0" y="0"/>
+          <a:chExt cx="0" cy="0"/>
+        </a:xfrm>
+      </p:grpSpPr>
+      <p:sp>
+        <p:nvSpPr>
+          <p:cNvPr id="2" name="Title 1">
+            <a:extLst>
+              <a:ext uri="{FF2B5EF4-FFF2-40B4-BE49-F238E27FC236}">
+                <a16:creationId xmlns:a16="http://schemas.microsoft.com/office/drawing/2014/main" id="{7C2C194A-0690-EC97-0657-7714975B5355}"/>
+              </a:ext>
+            </a:extLst>
+          </p:cNvPr>
+          <p:cNvSpPr>
+            <a:spLocks noGrp="1"/>
+          </p:cNvSpPr>
+          <p:nvPr>
+            <p:ph type="title"/>
+          </p:nvPr>
+        </p:nvSpPr>
+        <p:spPr>
+          <a:xfrm>
+            <a:off x="1828800" y="707923"/>
+            <a:ext cx="9674224" cy="766916"/>
+          </a:xfrm>
+        </p:spPr>
+        <p:txBody>
+          <a:bodyPr>
+            <a:normAutofit/>
+          </a:bodyPr>
+          <a:lstStyle/>
+          <a:p>
+            <a:pPr algn="l"/>
+            <a:r>
+              <a:rPr lang="en-US" b="1" dirty="0"/>
+              <a:t>Column Addition</a:t>
+            </a:r>
+            <a:endParaRPr lang="en-US" b="1" dirty="0"/>
+          </a:p>
+        </p:txBody>
+      </p:sp>
+      <p:sp>
+        <p:nvSpPr>
+          <p:cNvPr id="4" name="Content Placeholder 3">
+            <a:extLst>
+              <a:ext uri="{FF2B5EF4-FFF2-40B4-BE49-F238E27FC236}">
+                <a16:creationId xmlns:a16="http://schemas.microsoft.com/office/drawing/2014/main" id="{8E21012D-77E1-7E09-F260-45562C616454}"/>
+              </a:ext>
+            </a:extLst>
+          </p:cNvPr>
+          <p:cNvSpPr>
+            <a:spLocks noGrp="1"/>
+          </p:cNvSpPr>
+          <p:nvPr>
+            <p:ph sz="half" idx="2"/>
+          </p:nvPr>
+        </p:nvSpPr>
+        <p:spPr>
+          <a:xfrm>
+            <a:off x="1828800" y="1704191"/>
+            <a:ext cx="8413101" cy="4416689"/>
+          </a:xfrm>
+          <a:ln>
+            <a:solidFill>
+              <a:schemeClr val="accent1"/>
+            </a:solidFill>
+          </a:ln>
+        </p:spPr>
+        <p:txBody>
+          <a:bodyPr>
+            <a:noAutofit/>
+          </a:bodyPr>
+          <a:lstStyle/>
+          <a:p>
+            <a:pPr marL="0" indent="0">
+              <a:buNone/>
+            </a:pPr>
+            <a:r>
+              <a:rPr lang="en-US" sz="1100" b="1" dirty="0" smtClean="0">
+                <a:latin typeface="Consolas" panose="020B0609020204030204" pitchFamily="49" charset="0"/>
+              </a:rPr>
+              <a:t>import </a:t>
+            </a:r>
+            <a:r>
+              <a:rPr lang="en-US" sz="1100" b="1" dirty="0">
+                <a:latin typeface="Consolas" panose="020B0609020204030204" pitchFamily="49" charset="0"/>
+              </a:rPr>
+              <a:t>pandas as </a:t>
+            </a:r>
+            <a:r>
+              <a:rPr lang="en-US" sz="1100" b="1" dirty="0" err="1">
+                <a:latin typeface="Consolas" panose="020B0609020204030204" pitchFamily="49" charset="0"/>
+              </a:rPr>
+              <a:t>pd</a:t>
+            </a:r>
+            <a:r>
+              <a:rPr lang="en-US" sz="1100" b="1" dirty="0">
+                <a:latin typeface="Consolas" panose="020B0609020204030204" pitchFamily="49" charset="0"/>
+              </a:rPr>
+              <a:t>  </a:t>
+            </a:r>
+          </a:p>
+          <a:p>
+            <a:pPr marL="0" indent="0">
+              <a:buNone/>
+            </a:pPr>
+            <a:r>
+              <a:rPr lang="en-US" sz="1100" b="1" dirty="0">
+                <a:latin typeface="Consolas" panose="020B0609020204030204" pitchFamily="49" charset="0"/>
+              </a:rPr>
+              <a:t>  </a:t>
+            </a:r>
+          </a:p>
+          <a:p>
+            <a:pPr marL="0" indent="0">
+              <a:buNone/>
+            </a:pPr>
+            <a:r>
+              <a:rPr lang="en-US" sz="1100" b="1" dirty="0">
+                <a:latin typeface="Consolas" panose="020B0609020204030204" pitchFamily="49" charset="0"/>
+              </a:rPr>
+              <a:t>info = {'one' : </a:t>
+            </a:r>
+            <a:r>
+              <a:rPr lang="en-US" sz="1100" b="1" dirty="0" err="1">
+                <a:latin typeface="Consolas" panose="020B0609020204030204" pitchFamily="49" charset="0"/>
+              </a:rPr>
+              <a:t>pd.Series</a:t>
+            </a:r>
+            <a:r>
+              <a:rPr lang="en-US" sz="1100" b="1" dirty="0">
+                <a:latin typeface="Consolas" panose="020B0609020204030204" pitchFamily="49" charset="0"/>
+              </a:rPr>
+              <a:t>([1, 2, 3, 4, 5], index=['a', 'b', 'c', 'd', 'e']),  </a:t>
+            </a:r>
+          </a:p>
+          <a:p>
+            <a:pPr marL="0" indent="0">
+              <a:buNone/>
+            </a:pPr>
+            <a:r>
+              <a:rPr lang="en-US" sz="1100" b="1" dirty="0">
+                <a:latin typeface="Consolas" panose="020B0609020204030204" pitchFamily="49" charset="0"/>
+              </a:rPr>
+              <a:t>   'two' : </a:t>
+            </a:r>
+            <a:r>
+              <a:rPr lang="en-US" sz="1100" b="1" dirty="0" err="1">
+                <a:latin typeface="Consolas" panose="020B0609020204030204" pitchFamily="49" charset="0"/>
+              </a:rPr>
+              <a:t>pd.Series</a:t>
+            </a:r>
+            <a:r>
+              <a:rPr lang="en-US" sz="1100" b="1" dirty="0">
+                <a:latin typeface="Consolas" panose="020B0609020204030204" pitchFamily="49" charset="0"/>
+              </a:rPr>
+              <a:t>([1, 2, 3, 4, 5, 6], index=['a', 'b', 'c', 'd', 'e', 'f'])}  </a:t>
+            </a:r>
+          </a:p>
+          <a:p>
+            <a:pPr marL="0" indent="0">
+              <a:buNone/>
+            </a:pPr>
+            <a:r>
+              <a:rPr lang="en-US" sz="1100" b="1" dirty="0">
+                <a:latin typeface="Consolas" panose="020B0609020204030204" pitchFamily="49" charset="0"/>
+              </a:rPr>
+              <a:t>  </a:t>
+            </a:r>
+          </a:p>
+          <a:p>
+            <a:pPr marL="0" indent="0">
+              <a:buNone/>
+            </a:pPr>
+            <a:r>
+              <a:rPr lang="en-US" sz="1100" b="1" dirty="0" err="1">
+                <a:latin typeface="Consolas" panose="020B0609020204030204" pitchFamily="49" charset="0"/>
+              </a:rPr>
+              <a:t>df</a:t>
+            </a:r>
+            <a:r>
+              <a:rPr lang="en-US" sz="1100" b="1" dirty="0">
+                <a:latin typeface="Consolas" panose="020B0609020204030204" pitchFamily="49" charset="0"/>
+              </a:rPr>
+              <a:t> = </a:t>
+            </a:r>
+            <a:r>
+              <a:rPr lang="en-US" sz="1100" b="1" dirty="0" err="1">
+                <a:latin typeface="Consolas" panose="020B0609020204030204" pitchFamily="49" charset="0"/>
+              </a:rPr>
+              <a:t>pd.DataFrame</a:t>
+            </a:r>
+            <a:r>
+              <a:rPr lang="en-US" sz="1100" b="1" dirty="0">
+                <a:latin typeface="Consolas" panose="020B0609020204030204" pitchFamily="49" charset="0"/>
+              </a:rPr>
+              <a:t>(info)  </a:t>
+            </a:r>
+          </a:p>
+          <a:p>
+            <a:pPr marL="0" indent="0">
+              <a:buNone/>
+            </a:pPr>
+            <a:r>
+              <a:rPr lang="en-US" sz="1100" b="1" dirty="0">
+                <a:latin typeface="Consolas" panose="020B0609020204030204" pitchFamily="49" charset="0"/>
+              </a:rPr>
+              <a:t>  </a:t>
+            </a:r>
+          </a:p>
+          <a:p>
+            <a:pPr marL="0" indent="0">
+              <a:buNone/>
+            </a:pPr>
+            <a:r>
+              <a:rPr lang="en-US" sz="1100" b="1" dirty="0">
+                <a:latin typeface="Consolas" panose="020B0609020204030204" pitchFamily="49" charset="0"/>
+              </a:rPr>
+              <a:t># Add a new column to an existing </a:t>
+            </a:r>
+            <a:r>
+              <a:rPr lang="en-US" sz="1100" b="1" dirty="0" err="1">
+                <a:latin typeface="Consolas" panose="020B0609020204030204" pitchFamily="49" charset="0"/>
+              </a:rPr>
+              <a:t>DataFrame</a:t>
+            </a:r>
+            <a:r>
+              <a:rPr lang="en-US" sz="1100" b="1" dirty="0">
+                <a:latin typeface="Consolas" panose="020B0609020204030204" pitchFamily="49" charset="0"/>
+              </a:rPr>
+              <a:t> object   </a:t>
+            </a:r>
+          </a:p>
+          <a:p>
+            <a:pPr marL="0" indent="0">
+              <a:buNone/>
+            </a:pPr>
+            <a:r>
+              <a:rPr lang="en-US" sz="1100" b="1" dirty="0">
+                <a:latin typeface="Consolas" panose="020B0609020204030204" pitchFamily="49" charset="0"/>
+              </a:rPr>
+              <a:t>  </a:t>
+            </a:r>
+          </a:p>
+          <a:p>
+            <a:pPr marL="0" indent="0">
+              <a:buNone/>
+            </a:pPr>
+            <a:r>
+              <a:rPr lang="en-US" sz="1100" b="1" dirty="0">
+                <a:latin typeface="Consolas" panose="020B0609020204030204" pitchFamily="49" charset="0"/>
+              </a:rPr>
+              <a:t>print ("Add new column by passing series")  </a:t>
+            </a:r>
+          </a:p>
+          <a:p>
+            <a:pPr marL="0" indent="0">
+              <a:buNone/>
+            </a:pPr>
+            <a:r>
+              <a:rPr lang="en-US" sz="1100" b="1" dirty="0" err="1">
+                <a:latin typeface="Consolas" panose="020B0609020204030204" pitchFamily="49" charset="0"/>
+              </a:rPr>
+              <a:t>df</a:t>
+            </a:r>
+            <a:r>
+              <a:rPr lang="en-US" sz="1100" b="1" dirty="0">
+                <a:latin typeface="Consolas" panose="020B0609020204030204" pitchFamily="49" charset="0"/>
+              </a:rPr>
+              <a:t>['three']=</a:t>
+            </a:r>
+            <a:r>
+              <a:rPr lang="en-US" sz="1100" b="1" dirty="0" err="1">
+                <a:latin typeface="Consolas" panose="020B0609020204030204" pitchFamily="49" charset="0"/>
+              </a:rPr>
+              <a:t>pd.Series</a:t>
+            </a:r>
+            <a:r>
+              <a:rPr lang="en-US" sz="1100" b="1" dirty="0">
+                <a:latin typeface="Consolas" panose="020B0609020204030204" pitchFamily="49" charset="0"/>
+              </a:rPr>
+              <a:t>([20,40,60],index=['</a:t>
+            </a:r>
+            <a:r>
+              <a:rPr lang="en-US" sz="1100" b="1" dirty="0" err="1">
+                <a:latin typeface="Consolas" panose="020B0609020204030204" pitchFamily="49" charset="0"/>
+              </a:rPr>
+              <a:t>a','b','c</a:t>
+            </a:r>
+            <a:r>
+              <a:rPr lang="en-US" sz="1100" b="1" dirty="0">
+                <a:latin typeface="Consolas" panose="020B0609020204030204" pitchFamily="49" charset="0"/>
+              </a:rPr>
+              <a:t>'])  </a:t>
+            </a:r>
+          </a:p>
+          <a:p>
+            <a:pPr marL="0" indent="0">
+              <a:buNone/>
+            </a:pPr>
+            <a:r>
+              <a:rPr lang="en-US" sz="1100" b="1" dirty="0">
+                <a:latin typeface="Consolas" panose="020B0609020204030204" pitchFamily="49" charset="0"/>
+              </a:rPr>
+              <a:t>print (</a:t>
+            </a:r>
+            <a:r>
+              <a:rPr lang="en-US" sz="1100" b="1" dirty="0" err="1">
+                <a:latin typeface="Consolas" panose="020B0609020204030204" pitchFamily="49" charset="0"/>
+              </a:rPr>
+              <a:t>df</a:t>
+            </a:r>
+            <a:r>
+              <a:rPr lang="en-US" sz="1100" b="1" dirty="0">
+                <a:latin typeface="Consolas" panose="020B0609020204030204" pitchFamily="49" charset="0"/>
+              </a:rPr>
+              <a:t>)  </a:t>
+            </a:r>
+            <a:endParaRPr lang="my-MM" sz="1100" b="1" dirty="0" smtClean="0">
+              <a:latin typeface="Consolas" panose="020B0609020204030204" pitchFamily="49" charset="0"/>
+            </a:endParaRPr>
+          </a:p>
+          <a:p>
+            <a:pPr marL="0" indent="0">
+              <a:buNone/>
+            </a:pPr>
+            <a:endParaRPr lang="en-US" sz="1100" b="1" dirty="0">
+              <a:latin typeface="Consolas" panose="020B0609020204030204" pitchFamily="49" charset="0"/>
+            </a:endParaRPr>
+          </a:p>
+          <a:p>
+            <a:pPr marL="0" indent="0">
+              <a:buNone/>
+            </a:pPr>
+            <a:r>
+              <a:rPr lang="en-US" sz="1100" b="1" dirty="0" smtClean="0">
+                <a:latin typeface="Consolas" panose="020B0609020204030204" pitchFamily="49" charset="0"/>
+              </a:rPr>
+              <a:t>print </a:t>
+            </a:r>
+            <a:r>
+              <a:rPr lang="en-US" sz="1100" b="1" dirty="0">
+                <a:latin typeface="Consolas" panose="020B0609020204030204" pitchFamily="49" charset="0"/>
+              </a:rPr>
+              <a:t>("Add new column using existing </a:t>
+            </a:r>
+            <a:r>
+              <a:rPr lang="en-US" sz="1100" b="1" dirty="0" err="1">
+                <a:latin typeface="Consolas" panose="020B0609020204030204" pitchFamily="49" charset="0"/>
+              </a:rPr>
+              <a:t>DataFrame</a:t>
+            </a:r>
+            <a:r>
+              <a:rPr lang="en-US" sz="1100" b="1" dirty="0">
+                <a:latin typeface="Consolas" panose="020B0609020204030204" pitchFamily="49" charset="0"/>
+              </a:rPr>
+              <a:t> columns")  </a:t>
+            </a:r>
+          </a:p>
+          <a:p>
+            <a:pPr marL="0" indent="0">
+              <a:buNone/>
+            </a:pPr>
+            <a:r>
+              <a:rPr lang="en-US" sz="1100" b="1" dirty="0" err="1">
+                <a:latin typeface="Consolas" panose="020B0609020204030204" pitchFamily="49" charset="0"/>
+              </a:rPr>
+              <a:t>df</a:t>
+            </a:r>
+            <a:r>
+              <a:rPr lang="en-US" sz="1100" b="1" dirty="0">
+                <a:latin typeface="Consolas" panose="020B0609020204030204" pitchFamily="49" charset="0"/>
+              </a:rPr>
+              <a:t>['four']=</a:t>
+            </a:r>
+            <a:r>
+              <a:rPr lang="en-US" sz="1100" b="1" dirty="0" err="1">
+                <a:latin typeface="Consolas" panose="020B0609020204030204" pitchFamily="49" charset="0"/>
+              </a:rPr>
+              <a:t>df</a:t>
+            </a:r>
+            <a:r>
+              <a:rPr lang="en-US" sz="1100" b="1" dirty="0">
+                <a:latin typeface="Consolas" panose="020B0609020204030204" pitchFamily="49" charset="0"/>
+              </a:rPr>
+              <a:t>['one']+</a:t>
+            </a:r>
+            <a:r>
+              <a:rPr lang="en-US" sz="1100" b="1" dirty="0" err="1">
+                <a:latin typeface="Consolas" panose="020B0609020204030204" pitchFamily="49" charset="0"/>
+              </a:rPr>
+              <a:t>df</a:t>
+            </a:r>
+            <a:r>
+              <a:rPr lang="en-US" sz="1100" b="1" dirty="0">
+                <a:latin typeface="Consolas" panose="020B0609020204030204" pitchFamily="49" charset="0"/>
+              </a:rPr>
+              <a:t>['three']  </a:t>
+            </a:r>
+          </a:p>
+          <a:p>
+            <a:pPr marL="0" indent="0">
+              <a:buNone/>
+            </a:pPr>
+            <a:r>
+              <a:rPr lang="en-US" sz="1100" b="1" dirty="0" smtClean="0">
+                <a:latin typeface="Consolas" panose="020B0609020204030204" pitchFamily="49" charset="0"/>
+              </a:rPr>
+              <a:t>print </a:t>
+            </a:r>
+            <a:r>
+              <a:rPr lang="en-US" sz="1100" b="1" dirty="0">
+                <a:latin typeface="Consolas" panose="020B0609020204030204" pitchFamily="49" charset="0"/>
+              </a:rPr>
+              <a:t>(</a:t>
+            </a:r>
+            <a:r>
+              <a:rPr lang="en-US" sz="1100" b="1" dirty="0" err="1">
+                <a:latin typeface="Consolas" panose="020B0609020204030204" pitchFamily="49" charset="0"/>
+              </a:rPr>
+              <a:t>df</a:t>
+            </a:r>
+            <a:r>
+              <a:rPr lang="en-US" sz="1100" b="1" dirty="0">
+                <a:latin typeface="Consolas" panose="020B0609020204030204" pitchFamily="49" charset="0"/>
+              </a:rPr>
+              <a:t>) </a:t>
+            </a:r>
+            <a:endParaRPr lang="en-US" sz="1100" dirty="0">
+              <a:latin typeface="Consolas" panose="020B0609020204030204" pitchFamily="49" charset="0"/>
+            </a:endParaRPr>
+          </a:p>
+        </p:txBody>
+      </p:sp>
+      <p:pic>
+        <p:nvPicPr>
+          <p:cNvPr id="5" name="Picture 4"/>
+          <p:cNvPicPr>
+            <a:picLocks noChangeAspect="1"/>
+          </p:cNvPicPr>
+          <p:nvPr/>
+        </p:nvPicPr>
+        <p:blipFill>
+          <a:blip r:embed="rId3"/>
+          <a:stretch>
+            <a:fillRect/>
+          </a:stretch>
+        </p:blipFill>
+        <p:spPr>
+          <a:xfrm>
+            <a:off x="8314801" y="2455050"/>
+            <a:ext cx="3040554" cy="3665830"/>
+          </a:xfrm>
+          <a:prstGeom prst="rect">
+            <a:avLst/>
+          </a:prstGeom>
+        </p:spPr>
+      </p:pic>
+    </p:spTree>
+    <p:extLst>
+      <p:ext uri="{BB962C8B-B14F-4D97-AF65-F5344CB8AC3E}">
+        <p14:creationId xmlns:p14="http://schemas.microsoft.com/office/powerpoint/2010/main" val="579173697"/>
+      </p:ext>
+    </p:extLst>
+  </p:cSld>
+  <p:clrMapOvr>
+    <a:masterClrMapping/>
+  </p:clrMapOvr>
+</p:sld>
+</file>
+
+<file path=ppt/slides/slide22.xml><?xml version="1.0" encoding="utf-8"?>
+<p:sld xmlns:a="http://schemas.openxmlformats.org/drawingml/2006/main" xmlns:r="http://schemas.openxmlformats.org/officeDocument/2006/relationships" xmlns:p="http://schemas.openxmlformats.org/presentationml/2006/main">
+  <p:cSld>
+    <p:spTree>
+      <p:nvGrpSpPr>
+        <p:cNvPr id="1" name="">
+          <a:extLst>
+            <a:ext uri="{FF2B5EF4-FFF2-40B4-BE49-F238E27FC236}">
+              <a16:creationId xmlns:a16="http://schemas.microsoft.com/office/drawing/2014/main" id="{CF9B6321-F566-05D3-DEE4-55CA35C4760A}"/>
+            </a:ext>
+          </a:extLst>
+        </p:cNvPr>
+        <p:cNvGrpSpPr/>
+        <p:nvPr/>
+      </p:nvGrpSpPr>
+      <p:grpSpPr>
+        <a:xfrm>
+          <a:off x="0" y="0"/>
+          <a:ext cx="0" cy="0"/>
+          <a:chOff x="0" y="0"/>
+          <a:chExt cx="0" cy="0"/>
+        </a:xfrm>
+      </p:grpSpPr>
+      <p:sp>
+        <p:nvSpPr>
+          <p:cNvPr id="2" name="Title 1">
+            <a:extLst>
+              <a:ext uri="{FF2B5EF4-FFF2-40B4-BE49-F238E27FC236}">
+                <a16:creationId xmlns:a16="http://schemas.microsoft.com/office/drawing/2014/main" id="{7C2C194A-0690-EC97-0657-7714975B5355}"/>
+              </a:ext>
+            </a:extLst>
+          </p:cNvPr>
+          <p:cNvSpPr>
+            <a:spLocks noGrp="1"/>
+          </p:cNvSpPr>
+          <p:nvPr>
+            <p:ph type="title"/>
+          </p:nvPr>
+        </p:nvSpPr>
+        <p:spPr>
+          <a:xfrm>
+            <a:off x="1828800" y="707923"/>
+            <a:ext cx="8948057" cy="654346"/>
+          </a:xfrm>
+        </p:spPr>
+        <p:txBody>
+          <a:bodyPr>
+            <a:normAutofit/>
+          </a:bodyPr>
+          <a:lstStyle/>
+          <a:p>
+            <a:pPr algn="l"/>
+            <a:r>
+              <a:rPr lang="en-US" sz="3200" b="1" dirty="0"/>
+              <a:t>Column Deletion</a:t>
+            </a:r>
+            <a:endParaRPr lang="en-US" sz="3200" b="1" dirty="0"/>
+          </a:p>
+        </p:txBody>
+      </p:sp>
+      <p:sp>
+        <p:nvSpPr>
+          <p:cNvPr id="4" name="Content Placeholder 3">
+            <a:extLst>
+              <a:ext uri="{FF2B5EF4-FFF2-40B4-BE49-F238E27FC236}">
+                <a16:creationId xmlns:a16="http://schemas.microsoft.com/office/drawing/2014/main" id="{8E21012D-77E1-7E09-F260-45562C616454}"/>
+              </a:ext>
+            </a:extLst>
+          </p:cNvPr>
+          <p:cNvSpPr>
+            <a:spLocks noGrp="1"/>
+          </p:cNvSpPr>
+          <p:nvPr>
+            <p:ph sz="half" idx="2"/>
+          </p:nvPr>
+        </p:nvSpPr>
+        <p:spPr>
+          <a:xfrm>
+            <a:off x="1828800" y="1502229"/>
+            <a:ext cx="6466113" cy="4926563"/>
+          </a:xfrm>
+          <a:ln>
+            <a:solidFill>
+              <a:schemeClr val="accent1"/>
+            </a:solidFill>
+          </a:ln>
+        </p:spPr>
+        <p:txBody>
+          <a:bodyPr>
+            <a:noAutofit/>
+          </a:bodyPr>
+          <a:lstStyle/>
+          <a:p>
+            <a:pPr marL="0" indent="0">
+              <a:buNone/>
+            </a:pPr>
+            <a:r>
+              <a:rPr lang="en-US" sz="1100" b="1" dirty="0" smtClean="0">
+                <a:latin typeface="Consolas" panose="020B0609020204030204" pitchFamily="49" charset="0"/>
+              </a:rPr>
+              <a:t>import </a:t>
+            </a:r>
+            <a:r>
+              <a:rPr lang="en-US" sz="1100" b="1" dirty="0">
+                <a:latin typeface="Consolas" panose="020B0609020204030204" pitchFamily="49" charset="0"/>
+              </a:rPr>
+              <a:t>pandas as </a:t>
+            </a:r>
+            <a:r>
+              <a:rPr lang="en-US" sz="1100" b="1" dirty="0" err="1">
+                <a:latin typeface="Consolas" panose="020B0609020204030204" pitchFamily="49" charset="0"/>
+              </a:rPr>
+              <a:t>pd</a:t>
+            </a:r>
+            <a:r>
+              <a:rPr lang="en-US" sz="1100" b="1" dirty="0">
+                <a:latin typeface="Consolas" panose="020B0609020204030204" pitchFamily="49" charset="0"/>
+              </a:rPr>
+              <a:t>  </a:t>
+            </a:r>
+          </a:p>
+          <a:p>
+            <a:pPr marL="0" indent="0">
+              <a:buNone/>
+            </a:pPr>
+            <a:r>
+              <a:rPr lang="en-US" sz="1100" b="1" dirty="0">
+                <a:latin typeface="Consolas" panose="020B0609020204030204" pitchFamily="49" charset="0"/>
+              </a:rPr>
+              <a:t>info = {'one' : </a:t>
+            </a:r>
+            <a:r>
+              <a:rPr lang="en-US" sz="1100" b="1" dirty="0" err="1">
+                <a:latin typeface="Consolas" panose="020B0609020204030204" pitchFamily="49" charset="0"/>
+              </a:rPr>
+              <a:t>pd.Series</a:t>
+            </a:r>
+            <a:r>
+              <a:rPr lang="en-US" sz="1100" b="1" dirty="0">
+                <a:latin typeface="Consolas" panose="020B0609020204030204" pitchFamily="49" charset="0"/>
+              </a:rPr>
+              <a:t>([1, 2], index= ['a', 'b']),   </a:t>
+            </a:r>
+          </a:p>
+          <a:p>
+            <a:pPr marL="0" indent="0">
+              <a:buNone/>
+            </a:pPr>
+            <a:r>
+              <a:rPr lang="en-US" sz="1100" b="1" dirty="0">
+                <a:latin typeface="Consolas" panose="020B0609020204030204" pitchFamily="49" charset="0"/>
+              </a:rPr>
+              <a:t>   'two' : </a:t>
+            </a:r>
+            <a:r>
+              <a:rPr lang="en-US" sz="1100" b="1" dirty="0" err="1">
+                <a:latin typeface="Consolas" panose="020B0609020204030204" pitchFamily="49" charset="0"/>
+              </a:rPr>
+              <a:t>pd.Series</a:t>
+            </a:r>
+            <a:r>
+              <a:rPr lang="en-US" sz="1100" b="1" dirty="0">
+                <a:latin typeface="Consolas" panose="020B0609020204030204" pitchFamily="49" charset="0"/>
+              </a:rPr>
+              <a:t>([1, 2, 3], index=['a', 'b', 'c'])}  </a:t>
+            </a:r>
+          </a:p>
+          <a:p>
+            <a:pPr marL="0" indent="0">
+              <a:buNone/>
+            </a:pPr>
+            <a:r>
+              <a:rPr lang="en-US" sz="1100" b="1" dirty="0">
+                <a:latin typeface="Consolas" panose="020B0609020204030204" pitchFamily="49" charset="0"/>
+              </a:rPr>
+              <a:t>     </a:t>
+            </a:r>
+          </a:p>
+          <a:p>
+            <a:pPr marL="0" indent="0">
+              <a:buNone/>
+            </a:pPr>
+            <a:r>
+              <a:rPr lang="en-US" sz="1100" b="1" dirty="0" err="1">
+                <a:latin typeface="Consolas" panose="020B0609020204030204" pitchFamily="49" charset="0"/>
+              </a:rPr>
+              <a:t>df</a:t>
+            </a:r>
+            <a:r>
+              <a:rPr lang="en-US" sz="1100" b="1" dirty="0">
+                <a:latin typeface="Consolas" panose="020B0609020204030204" pitchFamily="49" charset="0"/>
+              </a:rPr>
+              <a:t> = </a:t>
+            </a:r>
+            <a:r>
+              <a:rPr lang="en-US" sz="1100" b="1" dirty="0" err="1">
+                <a:latin typeface="Consolas" panose="020B0609020204030204" pitchFamily="49" charset="0"/>
+              </a:rPr>
+              <a:t>pd.DataFrame</a:t>
+            </a:r>
+            <a:r>
+              <a:rPr lang="en-US" sz="1100" b="1" dirty="0">
+                <a:latin typeface="Consolas" panose="020B0609020204030204" pitchFamily="49" charset="0"/>
+              </a:rPr>
+              <a:t>(info)  </a:t>
+            </a:r>
+          </a:p>
+          <a:p>
+            <a:pPr marL="0" indent="0">
+              <a:buNone/>
+            </a:pPr>
+            <a:r>
+              <a:rPr lang="en-US" sz="1100" b="1" dirty="0">
+                <a:latin typeface="Consolas" panose="020B0609020204030204" pitchFamily="49" charset="0"/>
+              </a:rPr>
+              <a:t>print ("The </a:t>
+            </a:r>
+            <a:r>
+              <a:rPr lang="en-US" sz="1100" b="1" dirty="0" err="1">
+                <a:latin typeface="Consolas" panose="020B0609020204030204" pitchFamily="49" charset="0"/>
+              </a:rPr>
+              <a:t>DataFrame</a:t>
+            </a:r>
+            <a:r>
+              <a:rPr lang="en-US" sz="1100" b="1" dirty="0">
+                <a:latin typeface="Consolas" panose="020B0609020204030204" pitchFamily="49" charset="0"/>
+              </a:rPr>
+              <a:t>:")  </a:t>
+            </a:r>
+          </a:p>
+          <a:p>
+            <a:pPr marL="0" indent="0">
+              <a:buNone/>
+            </a:pPr>
+            <a:r>
+              <a:rPr lang="en-US" sz="1100" b="1" dirty="0">
+                <a:latin typeface="Consolas" panose="020B0609020204030204" pitchFamily="49" charset="0"/>
+              </a:rPr>
+              <a:t>print (</a:t>
+            </a:r>
+            <a:r>
+              <a:rPr lang="en-US" sz="1100" b="1" dirty="0" err="1">
+                <a:latin typeface="Consolas" panose="020B0609020204030204" pitchFamily="49" charset="0"/>
+              </a:rPr>
+              <a:t>df</a:t>
+            </a:r>
+            <a:r>
+              <a:rPr lang="en-US" sz="1100" b="1" dirty="0">
+                <a:latin typeface="Consolas" panose="020B0609020204030204" pitchFamily="49" charset="0"/>
+              </a:rPr>
+              <a:t>)  </a:t>
+            </a:r>
+          </a:p>
+          <a:p>
+            <a:pPr marL="0" indent="0">
+              <a:buNone/>
+            </a:pPr>
+            <a:r>
+              <a:rPr lang="en-US" sz="1100" b="1" dirty="0">
+                <a:latin typeface="Consolas" panose="020B0609020204030204" pitchFamily="49" charset="0"/>
+              </a:rPr>
+              <a:t>  </a:t>
+            </a:r>
+          </a:p>
+          <a:p>
+            <a:pPr marL="0" indent="0">
+              <a:buNone/>
+            </a:pPr>
+            <a:r>
+              <a:rPr lang="en-US" sz="1100" b="1" dirty="0">
+                <a:latin typeface="Consolas" panose="020B0609020204030204" pitchFamily="49" charset="0"/>
+              </a:rPr>
+              <a:t># using del function  </a:t>
+            </a:r>
+          </a:p>
+          <a:p>
+            <a:pPr marL="0" indent="0">
+              <a:buNone/>
+            </a:pPr>
+            <a:r>
+              <a:rPr lang="en-US" sz="1100" b="1" dirty="0">
+                <a:latin typeface="Consolas" panose="020B0609020204030204" pitchFamily="49" charset="0"/>
+              </a:rPr>
+              <a:t>print ("Delete the first column:")  </a:t>
+            </a:r>
+          </a:p>
+          <a:p>
+            <a:pPr marL="0" indent="0">
+              <a:buNone/>
+            </a:pPr>
+            <a:r>
+              <a:rPr lang="en-US" sz="1100" b="1" dirty="0">
+                <a:latin typeface="Consolas" panose="020B0609020204030204" pitchFamily="49" charset="0"/>
+              </a:rPr>
+              <a:t>del </a:t>
+            </a:r>
+            <a:r>
+              <a:rPr lang="en-US" sz="1100" b="1" dirty="0" err="1">
+                <a:latin typeface="Consolas" panose="020B0609020204030204" pitchFamily="49" charset="0"/>
+              </a:rPr>
+              <a:t>df</a:t>
+            </a:r>
+            <a:r>
+              <a:rPr lang="en-US" sz="1100" b="1" dirty="0">
+                <a:latin typeface="Consolas" panose="020B0609020204030204" pitchFamily="49" charset="0"/>
+              </a:rPr>
+              <a:t>['one']  </a:t>
+            </a:r>
+          </a:p>
+          <a:p>
+            <a:pPr marL="0" indent="0">
+              <a:buNone/>
+            </a:pPr>
+            <a:r>
+              <a:rPr lang="en-US" sz="1100" b="1" dirty="0">
+                <a:latin typeface="Consolas" panose="020B0609020204030204" pitchFamily="49" charset="0"/>
+              </a:rPr>
+              <a:t>print (</a:t>
+            </a:r>
+            <a:r>
+              <a:rPr lang="en-US" sz="1100" b="1" dirty="0" err="1">
+                <a:latin typeface="Consolas" panose="020B0609020204030204" pitchFamily="49" charset="0"/>
+              </a:rPr>
+              <a:t>df</a:t>
+            </a:r>
+            <a:r>
+              <a:rPr lang="en-US" sz="1100" b="1" dirty="0">
+                <a:latin typeface="Consolas" panose="020B0609020204030204" pitchFamily="49" charset="0"/>
+              </a:rPr>
+              <a:t>)  </a:t>
+            </a:r>
+          </a:p>
+          <a:p>
+            <a:pPr marL="0" indent="0">
+              <a:buNone/>
+            </a:pPr>
+            <a:r>
+              <a:rPr lang="en-US" sz="1100" b="1" dirty="0">
+                <a:latin typeface="Consolas" panose="020B0609020204030204" pitchFamily="49" charset="0"/>
+              </a:rPr>
+              <a:t># using pop function  </a:t>
+            </a:r>
+          </a:p>
+          <a:p>
+            <a:pPr marL="0" indent="0">
+              <a:buNone/>
+            </a:pPr>
+            <a:r>
+              <a:rPr lang="en-US" sz="1100" b="1" dirty="0">
+                <a:latin typeface="Consolas" panose="020B0609020204030204" pitchFamily="49" charset="0"/>
+              </a:rPr>
+              <a:t>print ("Delete the another column:")  </a:t>
+            </a:r>
+          </a:p>
+          <a:p>
+            <a:pPr marL="0" indent="0">
+              <a:buNone/>
+            </a:pPr>
+            <a:r>
+              <a:rPr lang="en-US" sz="1100" b="1" dirty="0" err="1">
+                <a:latin typeface="Consolas" panose="020B0609020204030204" pitchFamily="49" charset="0"/>
+              </a:rPr>
+              <a:t>df.pop</a:t>
+            </a:r>
+            <a:r>
+              <a:rPr lang="en-US" sz="1100" b="1" dirty="0">
+                <a:latin typeface="Consolas" panose="020B0609020204030204" pitchFamily="49" charset="0"/>
+              </a:rPr>
+              <a:t>('two')  </a:t>
+            </a:r>
+          </a:p>
+          <a:p>
+            <a:pPr marL="0" indent="0">
+              <a:buNone/>
+            </a:pPr>
+            <a:r>
+              <a:rPr lang="en-US" sz="1100" b="1" dirty="0">
+                <a:latin typeface="Consolas" panose="020B0609020204030204" pitchFamily="49" charset="0"/>
+              </a:rPr>
+              <a:t>print (</a:t>
+            </a:r>
+            <a:r>
+              <a:rPr lang="en-US" sz="1100" b="1" dirty="0" err="1">
+                <a:latin typeface="Consolas" panose="020B0609020204030204" pitchFamily="49" charset="0"/>
+              </a:rPr>
+              <a:t>df</a:t>
+            </a:r>
+            <a:r>
+              <a:rPr lang="en-US" sz="1100" b="1" dirty="0">
+                <a:latin typeface="Consolas" panose="020B0609020204030204" pitchFamily="49" charset="0"/>
+              </a:rPr>
+              <a:t>) </a:t>
+            </a:r>
+            <a:endParaRPr lang="en-US" sz="1100" dirty="0">
+              <a:latin typeface="Consolas" panose="020B0609020204030204" pitchFamily="49" charset="0"/>
+            </a:endParaRPr>
+          </a:p>
+        </p:txBody>
+      </p:sp>
+      <p:pic>
+        <p:nvPicPr>
+          <p:cNvPr id="3" name="Picture 2"/>
+          <p:cNvPicPr>
+            <a:picLocks noChangeAspect="1"/>
+          </p:cNvPicPr>
+          <p:nvPr/>
+        </p:nvPicPr>
+        <p:blipFill>
+          <a:blip r:embed="rId3"/>
+          <a:stretch>
+            <a:fillRect/>
+          </a:stretch>
+        </p:blipFill>
+        <p:spPr>
+          <a:xfrm>
+            <a:off x="9233400" y="2301864"/>
+            <a:ext cx="2283617" cy="4126928"/>
+          </a:xfrm>
+          <a:prstGeom prst="rect">
+            <a:avLst/>
+          </a:prstGeom>
+        </p:spPr>
+      </p:pic>
+    </p:spTree>
+    <p:extLst>
+      <p:ext uri="{BB962C8B-B14F-4D97-AF65-F5344CB8AC3E}">
+        <p14:creationId xmlns:p14="http://schemas.microsoft.com/office/powerpoint/2010/main" val="1661376543"/>
+      </p:ext>
+    </p:extLst>
+  </p:cSld>
+  <p:clrMapOvr>
+    <a:masterClrMapping/>
+  </p:clrMapOvr>
+</p:sld>
+</file>
+
+<file path=ppt/slides/slide23.xml><?xml version="1.0" encoding="utf-8"?>
+<p:sld xmlns:a="http://schemas.openxmlformats.org/drawingml/2006/main" xmlns:r="http://schemas.openxmlformats.org/officeDocument/2006/relationships" xmlns:p="http://schemas.openxmlformats.org/presentationml/2006/main">
+  <p:cSld>
+    <p:spTree>
+      <p:nvGrpSpPr>
+        <p:cNvPr id="1" name="">
+          <a:extLst>
+            <a:ext uri="{FF2B5EF4-FFF2-40B4-BE49-F238E27FC236}">
+              <a16:creationId xmlns:a16="http://schemas.microsoft.com/office/drawing/2014/main" id="{CF9B6321-F566-05D3-DEE4-55CA35C4760A}"/>
+            </a:ext>
+          </a:extLst>
+        </p:cNvPr>
+        <p:cNvGrpSpPr/>
+        <p:nvPr/>
+      </p:nvGrpSpPr>
+      <p:grpSpPr>
+        <a:xfrm>
+          <a:off x="0" y="0"/>
+          <a:ext cx="0" cy="0"/>
+          <a:chOff x="0" y="0"/>
+          <a:chExt cx="0" cy="0"/>
+        </a:xfrm>
+      </p:grpSpPr>
+      <p:sp>
+        <p:nvSpPr>
+          <p:cNvPr id="2" name="Title 1">
+            <a:extLst>
+              <a:ext uri="{FF2B5EF4-FFF2-40B4-BE49-F238E27FC236}">
+                <a16:creationId xmlns:a16="http://schemas.microsoft.com/office/drawing/2014/main" id="{7C2C194A-0690-EC97-0657-7714975B5355}"/>
+              </a:ext>
+            </a:extLst>
+          </p:cNvPr>
+          <p:cNvSpPr>
+            <a:spLocks noGrp="1"/>
+          </p:cNvSpPr>
+          <p:nvPr>
+            <p:ph type="title"/>
+          </p:nvPr>
+        </p:nvSpPr>
+        <p:spPr>
+          <a:xfrm>
+            <a:off x="1828800" y="707923"/>
+            <a:ext cx="8948057" cy="654346"/>
+          </a:xfrm>
+        </p:spPr>
+        <p:txBody>
+          <a:bodyPr>
+            <a:normAutofit/>
+          </a:bodyPr>
+          <a:lstStyle/>
+          <a:p>
+            <a:pPr algn="l"/>
+            <a:r>
+              <a:rPr lang="en-US" sz="3200" b="1" dirty="0"/>
+              <a:t>Row </a:t>
+            </a:r>
+            <a:r>
+              <a:rPr lang="en-US" sz="3200" b="1" dirty="0" err="1" smtClean="0"/>
+              <a:t>Selection:Label</a:t>
+            </a:r>
+            <a:endParaRPr lang="en-US" sz="3200" b="1" dirty="0"/>
+          </a:p>
+        </p:txBody>
+      </p:sp>
+      <p:sp>
+        <p:nvSpPr>
+          <p:cNvPr id="4" name="Content Placeholder 3">
+            <a:extLst>
+              <a:ext uri="{FF2B5EF4-FFF2-40B4-BE49-F238E27FC236}">
+                <a16:creationId xmlns:a16="http://schemas.microsoft.com/office/drawing/2014/main" id="{8E21012D-77E1-7E09-F260-45562C616454}"/>
+              </a:ext>
+            </a:extLst>
+          </p:cNvPr>
+          <p:cNvSpPr>
+            <a:spLocks noGrp="1"/>
+          </p:cNvSpPr>
+          <p:nvPr>
+            <p:ph sz="half" idx="2"/>
+          </p:nvPr>
+        </p:nvSpPr>
+        <p:spPr>
+          <a:xfrm>
+            <a:off x="1828800" y="1791477"/>
+            <a:ext cx="6382139" cy="2855168"/>
+          </a:xfrm>
+          <a:ln>
+            <a:solidFill>
+              <a:schemeClr val="accent1"/>
+            </a:solidFill>
+          </a:ln>
+        </p:spPr>
+        <p:txBody>
+          <a:bodyPr>
+            <a:noAutofit/>
+          </a:bodyPr>
+          <a:lstStyle/>
+          <a:p>
+            <a:pPr marL="0" indent="0">
+              <a:buNone/>
+            </a:pPr>
+            <a:r>
+              <a:rPr lang="en-US" sz="1100" b="1" dirty="0">
+                <a:latin typeface="Consolas" panose="020B0609020204030204" pitchFamily="49" charset="0"/>
+              </a:rPr>
+              <a:t># importing the pandas library  </a:t>
+            </a:r>
+          </a:p>
+          <a:p>
+            <a:pPr marL="0" indent="0">
+              <a:buNone/>
+            </a:pPr>
+            <a:r>
+              <a:rPr lang="en-US" sz="1100" b="1" dirty="0">
+                <a:latin typeface="Consolas" panose="020B0609020204030204" pitchFamily="49" charset="0"/>
+              </a:rPr>
+              <a:t>import pandas as </a:t>
+            </a:r>
+            <a:r>
+              <a:rPr lang="en-US" sz="1100" b="1" dirty="0" err="1">
+                <a:latin typeface="Consolas" panose="020B0609020204030204" pitchFamily="49" charset="0"/>
+              </a:rPr>
+              <a:t>pd</a:t>
+            </a:r>
+            <a:r>
+              <a:rPr lang="en-US" sz="1100" b="1" dirty="0">
+                <a:latin typeface="Consolas" panose="020B0609020204030204" pitchFamily="49" charset="0"/>
+              </a:rPr>
+              <a:t>  </a:t>
+            </a:r>
+          </a:p>
+          <a:p>
+            <a:pPr marL="0" indent="0">
+              <a:buNone/>
+            </a:pPr>
+            <a:r>
+              <a:rPr lang="en-US" sz="1100" b="1" dirty="0">
+                <a:latin typeface="Consolas" panose="020B0609020204030204" pitchFamily="49" charset="0"/>
+              </a:rPr>
+              <a:t>  </a:t>
+            </a:r>
+          </a:p>
+          <a:p>
+            <a:pPr marL="0" indent="0">
+              <a:buNone/>
+            </a:pPr>
+            <a:r>
+              <a:rPr lang="en-US" sz="1100" b="1" dirty="0">
+                <a:latin typeface="Consolas" panose="020B0609020204030204" pitchFamily="49" charset="0"/>
+              </a:rPr>
+              <a:t>info = {'one' : </a:t>
+            </a:r>
+            <a:r>
+              <a:rPr lang="en-US" sz="1100" b="1" dirty="0" err="1">
+                <a:latin typeface="Consolas" panose="020B0609020204030204" pitchFamily="49" charset="0"/>
+              </a:rPr>
+              <a:t>pd.Series</a:t>
+            </a:r>
+            <a:r>
+              <a:rPr lang="en-US" sz="1100" b="1" dirty="0">
+                <a:latin typeface="Consolas" panose="020B0609020204030204" pitchFamily="49" charset="0"/>
+              </a:rPr>
+              <a:t>([1, 2, 3, 4, 5], index=['a', 'b', 'c', 'd', 'e']),   </a:t>
+            </a:r>
+          </a:p>
+          <a:p>
+            <a:pPr marL="0" indent="0">
+              <a:buNone/>
+            </a:pPr>
+            <a:r>
+              <a:rPr lang="en-US" sz="1100" b="1" dirty="0">
+                <a:latin typeface="Consolas" panose="020B0609020204030204" pitchFamily="49" charset="0"/>
+              </a:rPr>
+              <a:t>   'two' : </a:t>
+            </a:r>
+            <a:r>
+              <a:rPr lang="en-US" sz="1100" b="1" dirty="0" err="1">
+                <a:latin typeface="Consolas" panose="020B0609020204030204" pitchFamily="49" charset="0"/>
+              </a:rPr>
+              <a:t>pd.Series</a:t>
+            </a:r>
+            <a:r>
+              <a:rPr lang="en-US" sz="1100" b="1" dirty="0">
+                <a:latin typeface="Consolas" panose="020B0609020204030204" pitchFamily="49" charset="0"/>
+              </a:rPr>
+              <a:t>([1, 2, 3, 4, 5, 6], index=['a', 'b', 'c', 'd', 'e', 'f'])}  </a:t>
+            </a:r>
+          </a:p>
+          <a:p>
+            <a:pPr marL="0" indent="0">
+              <a:buNone/>
+            </a:pPr>
+            <a:r>
+              <a:rPr lang="en-US" sz="1100" b="1" dirty="0">
+                <a:latin typeface="Consolas" panose="020B0609020204030204" pitchFamily="49" charset="0"/>
+              </a:rPr>
+              <a:t>  </a:t>
+            </a:r>
+          </a:p>
+          <a:p>
+            <a:pPr marL="0" indent="0">
+              <a:buNone/>
+            </a:pPr>
+            <a:r>
+              <a:rPr lang="en-US" sz="1100" b="1" dirty="0" err="1">
+                <a:latin typeface="Consolas" panose="020B0609020204030204" pitchFamily="49" charset="0"/>
+              </a:rPr>
+              <a:t>df</a:t>
+            </a:r>
+            <a:r>
+              <a:rPr lang="en-US" sz="1100" b="1" dirty="0">
+                <a:latin typeface="Consolas" panose="020B0609020204030204" pitchFamily="49" charset="0"/>
+              </a:rPr>
+              <a:t> = </a:t>
+            </a:r>
+            <a:r>
+              <a:rPr lang="en-US" sz="1100" b="1" dirty="0" err="1">
+                <a:latin typeface="Consolas" panose="020B0609020204030204" pitchFamily="49" charset="0"/>
+              </a:rPr>
+              <a:t>pd.DataFrame</a:t>
+            </a:r>
+            <a:r>
+              <a:rPr lang="en-US" sz="1100" b="1" dirty="0">
+                <a:latin typeface="Consolas" panose="020B0609020204030204" pitchFamily="49" charset="0"/>
+              </a:rPr>
+              <a:t>(info)  </a:t>
+            </a:r>
+          </a:p>
+          <a:p>
+            <a:pPr marL="0" indent="0">
+              <a:buNone/>
+            </a:pPr>
+            <a:r>
+              <a:rPr lang="en-US" sz="1100" b="1" dirty="0">
+                <a:latin typeface="Consolas" panose="020B0609020204030204" pitchFamily="49" charset="0"/>
+              </a:rPr>
+              <a:t>print (</a:t>
+            </a:r>
+            <a:r>
+              <a:rPr lang="en-US" sz="1100" b="1" dirty="0" err="1">
+                <a:latin typeface="Consolas" panose="020B0609020204030204" pitchFamily="49" charset="0"/>
+              </a:rPr>
+              <a:t>df.loc</a:t>
+            </a:r>
+            <a:r>
+              <a:rPr lang="en-US" sz="1100" b="1" dirty="0">
+                <a:latin typeface="Consolas" panose="020B0609020204030204" pitchFamily="49" charset="0"/>
+              </a:rPr>
+              <a:t>['b']) </a:t>
+            </a:r>
+            <a:endParaRPr lang="en-US" sz="1100" dirty="0">
+              <a:latin typeface="Consolas" panose="020B0609020204030204" pitchFamily="49" charset="0"/>
+            </a:endParaRPr>
+          </a:p>
+        </p:txBody>
+      </p:sp>
+      <p:pic>
+        <p:nvPicPr>
+          <p:cNvPr id="5" name="Picture 4"/>
+          <p:cNvPicPr>
+            <a:picLocks noChangeAspect="1"/>
+          </p:cNvPicPr>
+          <p:nvPr/>
+        </p:nvPicPr>
+        <p:blipFill>
+          <a:blip r:embed="rId3"/>
+          <a:stretch>
+            <a:fillRect/>
+          </a:stretch>
+        </p:blipFill>
+        <p:spPr>
+          <a:xfrm>
+            <a:off x="6631437" y="4745793"/>
+            <a:ext cx="4090659" cy="1804297"/>
+          </a:xfrm>
+          <a:prstGeom prst="rect">
+            <a:avLst/>
+          </a:prstGeom>
+        </p:spPr>
+      </p:pic>
+    </p:spTree>
+    <p:extLst>
+      <p:ext uri="{BB962C8B-B14F-4D97-AF65-F5344CB8AC3E}">
+        <p14:creationId xmlns:p14="http://schemas.microsoft.com/office/powerpoint/2010/main" val="2704940381"/>
+      </p:ext>
+    </p:extLst>
+  </p:cSld>
+  <p:clrMapOvr>
+    <a:masterClrMapping/>
+  </p:clrMapOvr>
+</p:sld>
+</file>
+
+<file path=ppt/slides/slide24.xml><?xml version="1.0" encoding="utf-8"?>
+<p:sld xmlns:a="http://schemas.openxmlformats.org/drawingml/2006/main" xmlns:r="http://schemas.openxmlformats.org/officeDocument/2006/relationships" xmlns:p="http://schemas.openxmlformats.org/presentationml/2006/main">
+  <p:cSld>
+    <p:spTree>
+      <p:nvGrpSpPr>
+        <p:cNvPr id="1" name="">
+          <a:extLst>
+            <a:ext uri="{FF2B5EF4-FFF2-40B4-BE49-F238E27FC236}">
+              <a16:creationId xmlns:a16="http://schemas.microsoft.com/office/drawing/2014/main" id="{CF9B6321-F566-05D3-DEE4-55CA35C4760A}"/>
+            </a:ext>
+          </a:extLst>
+        </p:cNvPr>
+        <p:cNvGrpSpPr/>
+        <p:nvPr/>
+      </p:nvGrpSpPr>
+      <p:grpSpPr>
+        <a:xfrm>
+          <a:off x="0" y="0"/>
+          <a:ext cx="0" cy="0"/>
+          <a:chOff x="0" y="0"/>
+          <a:chExt cx="0" cy="0"/>
+        </a:xfrm>
+      </p:grpSpPr>
+      <p:sp>
+        <p:nvSpPr>
+          <p:cNvPr id="2" name="Title 1">
+            <a:extLst>
+              <a:ext uri="{FF2B5EF4-FFF2-40B4-BE49-F238E27FC236}">
+                <a16:creationId xmlns:a16="http://schemas.microsoft.com/office/drawing/2014/main" id="{7C2C194A-0690-EC97-0657-7714975B5355}"/>
+              </a:ext>
+            </a:extLst>
+          </p:cNvPr>
+          <p:cNvSpPr>
+            <a:spLocks noGrp="1"/>
+          </p:cNvSpPr>
+          <p:nvPr>
+            <p:ph type="title"/>
+          </p:nvPr>
+        </p:nvSpPr>
+        <p:spPr>
+          <a:xfrm>
+            <a:off x="1828800" y="707923"/>
+            <a:ext cx="8948057" cy="654346"/>
+          </a:xfrm>
+        </p:spPr>
+        <p:txBody>
+          <a:bodyPr>
+            <a:normAutofit/>
+          </a:bodyPr>
+          <a:lstStyle/>
+          <a:p>
+            <a:pPr algn="l"/>
+            <a:r>
+              <a:rPr lang="en-US" sz="3200" b="1" dirty="0"/>
+              <a:t>Row </a:t>
+            </a:r>
+            <a:r>
+              <a:rPr lang="en-US" sz="3200" b="1" dirty="0" smtClean="0"/>
+              <a:t>Selection: multiple row</a:t>
+            </a:r>
+            <a:endParaRPr lang="en-US" sz="3200" b="1" dirty="0"/>
+          </a:p>
+        </p:txBody>
+      </p:sp>
+      <p:sp>
+        <p:nvSpPr>
+          <p:cNvPr id="4" name="Content Placeholder 3">
+            <a:extLst>
+              <a:ext uri="{FF2B5EF4-FFF2-40B4-BE49-F238E27FC236}">
+                <a16:creationId xmlns:a16="http://schemas.microsoft.com/office/drawing/2014/main" id="{8E21012D-77E1-7E09-F260-45562C616454}"/>
+              </a:ext>
+            </a:extLst>
+          </p:cNvPr>
+          <p:cNvSpPr>
+            <a:spLocks noGrp="1"/>
+          </p:cNvSpPr>
+          <p:nvPr>
+            <p:ph sz="half" idx="2"/>
+          </p:nvPr>
+        </p:nvSpPr>
+        <p:spPr>
+          <a:xfrm>
+            <a:off x="1828799" y="1791477"/>
+            <a:ext cx="8425543" cy="2351315"/>
+          </a:xfrm>
+          <a:ln>
+            <a:solidFill>
+              <a:schemeClr val="accent1"/>
+            </a:solidFill>
+          </a:ln>
+        </p:spPr>
+        <p:txBody>
+          <a:bodyPr>
+            <a:noAutofit/>
+          </a:bodyPr>
+          <a:lstStyle/>
+          <a:p>
+            <a:pPr marL="0" indent="0">
+              <a:buNone/>
+            </a:pPr>
+            <a:r>
+              <a:rPr lang="en-US" sz="1400" b="1" dirty="0">
+                <a:latin typeface="Consolas" panose="020B0609020204030204" pitchFamily="49" charset="0"/>
+              </a:rPr>
+              <a:t>import pandas as </a:t>
+            </a:r>
+            <a:r>
+              <a:rPr lang="en-US" sz="1400" b="1" dirty="0" err="1">
+                <a:latin typeface="Consolas" panose="020B0609020204030204" pitchFamily="49" charset="0"/>
+              </a:rPr>
+              <a:t>pd</a:t>
+            </a:r>
+            <a:r>
+              <a:rPr lang="en-US" sz="1400" b="1" dirty="0">
+                <a:latin typeface="Consolas" panose="020B0609020204030204" pitchFamily="49" charset="0"/>
+              </a:rPr>
+              <a:t>  </a:t>
+            </a:r>
+          </a:p>
+          <a:p>
+            <a:pPr marL="0" indent="0">
+              <a:buNone/>
+            </a:pPr>
+            <a:r>
+              <a:rPr lang="en-US" sz="1400" b="1" dirty="0">
+                <a:latin typeface="Consolas" panose="020B0609020204030204" pitchFamily="49" charset="0"/>
+              </a:rPr>
+              <a:t>info = {'one' : </a:t>
+            </a:r>
+            <a:r>
+              <a:rPr lang="en-US" sz="1400" b="1" dirty="0" err="1">
+                <a:latin typeface="Consolas" panose="020B0609020204030204" pitchFamily="49" charset="0"/>
+              </a:rPr>
+              <a:t>pd.Series</a:t>
+            </a:r>
+            <a:r>
+              <a:rPr lang="en-US" sz="1400" b="1" dirty="0">
+                <a:latin typeface="Consolas" panose="020B0609020204030204" pitchFamily="49" charset="0"/>
+              </a:rPr>
+              <a:t>([1, 2, 3, 4, 5], index=['a', 'b', 'c', 'd', 'e']),   </a:t>
+            </a:r>
+          </a:p>
+          <a:p>
+            <a:pPr marL="0" indent="0">
+              <a:buNone/>
+            </a:pPr>
+            <a:r>
+              <a:rPr lang="en-US" sz="1400" b="1" dirty="0">
+                <a:latin typeface="Consolas" panose="020B0609020204030204" pitchFamily="49" charset="0"/>
+              </a:rPr>
+              <a:t>   'two' : </a:t>
+            </a:r>
+            <a:r>
+              <a:rPr lang="en-US" sz="1400" b="1" dirty="0" err="1">
+                <a:latin typeface="Consolas" panose="020B0609020204030204" pitchFamily="49" charset="0"/>
+              </a:rPr>
+              <a:t>pd.Series</a:t>
+            </a:r>
+            <a:r>
+              <a:rPr lang="en-US" sz="1400" b="1" dirty="0">
+                <a:latin typeface="Consolas" panose="020B0609020204030204" pitchFamily="49" charset="0"/>
+              </a:rPr>
+              <a:t>([1, 2, 3, 4, 5, 6], index=['a', 'b', 'c', 'd', 'e', 'f'])}  </a:t>
+            </a:r>
+          </a:p>
+          <a:p>
+            <a:pPr marL="0" indent="0">
+              <a:buNone/>
+            </a:pPr>
+            <a:r>
+              <a:rPr lang="en-US" sz="1400" b="1" dirty="0" err="1">
+                <a:latin typeface="Consolas" panose="020B0609020204030204" pitchFamily="49" charset="0"/>
+              </a:rPr>
+              <a:t>df</a:t>
+            </a:r>
+            <a:r>
+              <a:rPr lang="en-US" sz="1400" b="1" dirty="0">
+                <a:latin typeface="Consolas" panose="020B0609020204030204" pitchFamily="49" charset="0"/>
+              </a:rPr>
+              <a:t> = </a:t>
+            </a:r>
+            <a:r>
+              <a:rPr lang="en-US" sz="1400" b="1" dirty="0" err="1">
+                <a:latin typeface="Consolas" panose="020B0609020204030204" pitchFamily="49" charset="0"/>
+              </a:rPr>
+              <a:t>pd.DataFrame</a:t>
+            </a:r>
+            <a:r>
+              <a:rPr lang="en-US" sz="1400" b="1" dirty="0">
+                <a:latin typeface="Consolas" panose="020B0609020204030204" pitchFamily="49" charset="0"/>
+              </a:rPr>
+              <a:t>(info)  </a:t>
+            </a:r>
+          </a:p>
+          <a:p>
+            <a:pPr marL="0" indent="0">
+              <a:buNone/>
+            </a:pPr>
+            <a:r>
+              <a:rPr lang="en-US" sz="1400" b="1" dirty="0">
+                <a:latin typeface="Consolas" panose="020B0609020204030204" pitchFamily="49" charset="0"/>
+              </a:rPr>
+              <a:t>print (</a:t>
+            </a:r>
+            <a:r>
+              <a:rPr lang="en-US" sz="1400" b="1" dirty="0" err="1">
+                <a:latin typeface="Consolas" panose="020B0609020204030204" pitchFamily="49" charset="0"/>
+              </a:rPr>
+              <a:t>df</a:t>
+            </a:r>
+            <a:r>
+              <a:rPr lang="en-US" sz="1400" b="1" dirty="0">
+                <a:latin typeface="Consolas" panose="020B0609020204030204" pitchFamily="49" charset="0"/>
+              </a:rPr>
+              <a:t>[2:5]) </a:t>
+            </a:r>
+            <a:endParaRPr lang="en-US" sz="1400" dirty="0">
+              <a:latin typeface="Consolas" panose="020B0609020204030204" pitchFamily="49" charset="0"/>
+            </a:endParaRPr>
+          </a:p>
+        </p:txBody>
+      </p:sp>
+      <p:pic>
+        <p:nvPicPr>
+          <p:cNvPr id="6" name="Picture 5"/>
+          <p:cNvPicPr>
+            <a:picLocks noChangeAspect="1"/>
+          </p:cNvPicPr>
+          <p:nvPr/>
+        </p:nvPicPr>
+        <p:blipFill>
+          <a:blip r:embed="rId3"/>
+          <a:stretch>
+            <a:fillRect/>
+          </a:stretch>
+        </p:blipFill>
+        <p:spPr>
+          <a:xfrm>
+            <a:off x="8388659" y="4331930"/>
+            <a:ext cx="1865683" cy="2051735"/>
+          </a:xfrm>
+          <a:prstGeom prst="rect">
+            <a:avLst/>
+          </a:prstGeom>
+        </p:spPr>
+      </p:pic>
+    </p:spTree>
+    <p:extLst>
+      <p:ext uri="{BB962C8B-B14F-4D97-AF65-F5344CB8AC3E}">
+        <p14:creationId xmlns:p14="http://schemas.microsoft.com/office/powerpoint/2010/main" val="297896699"/>
+      </p:ext>
+    </p:extLst>
+  </p:cSld>
+  <p:clrMapOvr>
+    <a:masterClrMapping/>
+  </p:clrMapOvr>
+</p:sld>
+</file>
+
+<file path=ppt/slides/slide25.xml><?xml version="1.0" encoding="utf-8"?>
+<p:sld xmlns:a="http://schemas.openxmlformats.org/drawingml/2006/main" xmlns:r="http://schemas.openxmlformats.org/officeDocument/2006/relationships" xmlns:p="http://schemas.openxmlformats.org/presentationml/2006/main">
+  <p:cSld>
+    <p:spTree>
+      <p:nvGrpSpPr>
+        <p:cNvPr id="1" name="">
+          <a:extLst>
+            <a:ext uri="{FF2B5EF4-FFF2-40B4-BE49-F238E27FC236}">
+              <a16:creationId xmlns:a16="http://schemas.microsoft.com/office/drawing/2014/main" id="{CF9B6321-F566-05D3-DEE4-55CA35C4760A}"/>
+            </a:ext>
+          </a:extLst>
+        </p:cNvPr>
+        <p:cNvGrpSpPr/>
+        <p:nvPr/>
+      </p:nvGrpSpPr>
+      <p:grpSpPr>
+        <a:xfrm>
+          <a:off x="0" y="0"/>
+          <a:ext cx="0" cy="0"/>
+          <a:chOff x="0" y="0"/>
+          <a:chExt cx="0" cy="0"/>
+        </a:xfrm>
+      </p:grpSpPr>
+      <p:sp>
+        <p:nvSpPr>
+          <p:cNvPr id="2" name="Title 1">
+            <a:extLst>
+              <a:ext uri="{FF2B5EF4-FFF2-40B4-BE49-F238E27FC236}">
+                <a16:creationId xmlns:a16="http://schemas.microsoft.com/office/drawing/2014/main" id="{7C2C194A-0690-EC97-0657-7714975B5355}"/>
+              </a:ext>
+            </a:extLst>
+          </p:cNvPr>
+          <p:cNvSpPr>
+            <a:spLocks noGrp="1"/>
+          </p:cNvSpPr>
+          <p:nvPr>
+            <p:ph type="title"/>
+          </p:nvPr>
+        </p:nvSpPr>
+        <p:spPr>
+          <a:xfrm>
+            <a:off x="1828800" y="707923"/>
+            <a:ext cx="8948057" cy="654346"/>
+          </a:xfrm>
+        </p:spPr>
+        <p:txBody>
+          <a:bodyPr>
+            <a:normAutofit/>
+          </a:bodyPr>
+          <a:lstStyle/>
+          <a:p>
+            <a:pPr algn="l"/>
+            <a:r>
+              <a:rPr lang="en-US" sz="3200" b="1" dirty="0"/>
+              <a:t>Row </a:t>
+            </a:r>
+            <a:r>
+              <a:rPr lang="en-US" sz="3200" b="1" dirty="0" smtClean="0"/>
+              <a:t>Selection: addition row</a:t>
+            </a:r>
+            <a:endParaRPr lang="en-US" sz="3200" b="1" dirty="0"/>
+          </a:p>
+        </p:txBody>
+      </p:sp>
+      <p:sp>
+        <p:nvSpPr>
+          <p:cNvPr id="4" name="Content Placeholder 3">
+            <a:extLst>
+              <a:ext uri="{FF2B5EF4-FFF2-40B4-BE49-F238E27FC236}">
+                <a16:creationId xmlns:a16="http://schemas.microsoft.com/office/drawing/2014/main" id="{8E21012D-77E1-7E09-F260-45562C616454}"/>
+              </a:ext>
+            </a:extLst>
+          </p:cNvPr>
+          <p:cNvSpPr>
+            <a:spLocks noGrp="1"/>
+          </p:cNvSpPr>
+          <p:nvPr>
+            <p:ph sz="half" idx="2"/>
+          </p:nvPr>
+        </p:nvSpPr>
+        <p:spPr>
+          <a:xfrm>
+            <a:off x="1828799" y="1791477"/>
+            <a:ext cx="8425543" cy="2351315"/>
+          </a:xfrm>
+          <a:ln>
+            <a:solidFill>
+              <a:schemeClr val="accent1"/>
+            </a:solidFill>
+          </a:ln>
+        </p:spPr>
+        <p:txBody>
+          <a:bodyPr>
+            <a:noAutofit/>
+          </a:bodyPr>
+          <a:lstStyle/>
+          <a:p>
+            <a:pPr marL="0" indent="0">
+              <a:buNone/>
+            </a:pPr>
+            <a:r>
+              <a:rPr lang="en-US" sz="1400" b="1" dirty="0">
+                <a:latin typeface="Consolas" panose="020B0609020204030204" pitchFamily="49" charset="0"/>
+              </a:rPr>
+              <a:t>import pandas as </a:t>
+            </a:r>
+            <a:r>
+              <a:rPr lang="en-US" sz="1400" b="1" dirty="0" err="1">
+                <a:latin typeface="Consolas" panose="020B0609020204030204" pitchFamily="49" charset="0"/>
+              </a:rPr>
+              <a:t>pd</a:t>
+            </a:r>
+            <a:r>
+              <a:rPr lang="en-US" sz="1400" b="1" dirty="0">
+                <a:latin typeface="Consolas" panose="020B0609020204030204" pitchFamily="49" charset="0"/>
+              </a:rPr>
+              <a:t>  </a:t>
+            </a:r>
+          </a:p>
+          <a:p>
+            <a:pPr marL="0" indent="0">
+              <a:buNone/>
+            </a:pPr>
+            <a:r>
+              <a:rPr lang="en-US" sz="1400" b="1" dirty="0">
+                <a:latin typeface="Consolas" panose="020B0609020204030204" pitchFamily="49" charset="0"/>
+              </a:rPr>
+              <a:t>d = </a:t>
+            </a:r>
+            <a:r>
+              <a:rPr lang="en-US" sz="1400" b="1" dirty="0" err="1">
+                <a:latin typeface="Consolas" panose="020B0609020204030204" pitchFamily="49" charset="0"/>
+              </a:rPr>
+              <a:t>pd.DataFrame</a:t>
+            </a:r>
+            <a:r>
+              <a:rPr lang="en-US" sz="1400" b="1" dirty="0">
+                <a:latin typeface="Consolas" panose="020B0609020204030204" pitchFamily="49" charset="0"/>
+              </a:rPr>
+              <a:t>([[7, 8], [9, 10]], columns = ['</a:t>
+            </a:r>
+            <a:r>
+              <a:rPr lang="en-US" sz="1400" b="1" dirty="0" err="1">
+                <a:latin typeface="Consolas" panose="020B0609020204030204" pitchFamily="49" charset="0"/>
+              </a:rPr>
+              <a:t>x','y</a:t>
+            </a:r>
+            <a:r>
+              <a:rPr lang="en-US" sz="1400" b="1" dirty="0">
+                <a:latin typeface="Consolas" panose="020B0609020204030204" pitchFamily="49" charset="0"/>
+              </a:rPr>
+              <a:t>'])  </a:t>
+            </a:r>
+          </a:p>
+          <a:p>
+            <a:pPr marL="0" indent="0">
+              <a:buNone/>
+            </a:pPr>
+            <a:r>
+              <a:rPr lang="en-US" sz="1400" b="1" dirty="0">
+                <a:latin typeface="Consolas" panose="020B0609020204030204" pitchFamily="49" charset="0"/>
+              </a:rPr>
+              <a:t>d2 = </a:t>
+            </a:r>
+            <a:r>
+              <a:rPr lang="en-US" sz="1400" b="1" dirty="0" err="1">
+                <a:latin typeface="Consolas" panose="020B0609020204030204" pitchFamily="49" charset="0"/>
+              </a:rPr>
+              <a:t>pd.DataFrame</a:t>
+            </a:r>
+            <a:r>
+              <a:rPr lang="en-US" sz="1400" b="1" dirty="0">
+                <a:latin typeface="Consolas" panose="020B0609020204030204" pitchFamily="49" charset="0"/>
+              </a:rPr>
+              <a:t>([[11, 12], [13, 14]], columns = ['</a:t>
+            </a:r>
+            <a:r>
+              <a:rPr lang="en-US" sz="1400" b="1" dirty="0" err="1">
+                <a:latin typeface="Consolas" panose="020B0609020204030204" pitchFamily="49" charset="0"/>
+              </a:rPr>
+              <a:t>x','y</a:t>
+            </a:r>
+            <a:r>
+              <a:rPr lang="en-US" sz="1400" b="1" dirty="0">
+                <a:latin typeface="Consolas" panose="020B0609020204030204" pitchFamily="49" charset="0"/>
+              </a:rPr>
+              <a:t>'])  </a:t>
+            </a:r>
+          </a:p>
+          <a:p>
+            <a:pPr marL="0" indent="0">
+              <a:buNone/>
+            </a:pPr>
+            <a:r>
+              <a:rPr lang="en-US" sz="1400" b="1" dirty="0">
+                <a:latin typeface="Consolas" panose="020B0609020204030204" pitchFamily="49" charset="0"/>
+              </a:rPr>
+              <a:t>d = </a:t>
+            </a:r>
+            <a:r>
+              <a:rPr lang="en-US" sz="1400" b="1" dirty="0" err="1">
+                <a:latin typeface="Consolas" panose="020B0609020204030204" pitchFamily="49" charset="0"/>
+              </a:rPr>
+              <a:t>d.append</a:t>
+            </a:r>
+            <a:r>
+              <a:rPr lang="en-US" sz="1400" b="1" dirty="0">
+                <a:latin typeface="Consolas" panose="020B0609020204030204" pitchFamily="49" charset="0"/>
+              </a:rPr>
+              <a:t>(d2)  </a:t>
+            </a:r>
+          </a:p>
+          <a:p>
+            <a:pPr marL="0" indent="0">
+              <a:buNone/>
+            </a:pPr>
+            <a:r>
+              <a:rPr lang="en-US" sz="1400" b="1" dirty="0">
+                <a:latin typeface="Consolas" panose="020B0609020204030204" pitchFamily="49" charset="0"/>
+              </a:rPr>
+              <a:t>print (d) </a:t>
+            </a:r>
+            <a:endParaRPr lang="en-US" sz="1400" dirty="0">
+              <a:latin typeface="Consolas" panose="020B0609020204030204" pitchFamily="49" charset="0"/>
+            </a:endParaRPr>
+          </a:p>
+        </p:txBody>
+      </p:sp>
+      <p:pic>
+        <p:nvPicPr>
+          <p:cNvPr id="3" name="Picture 2"/>
+          <p:cNvPicPr>
+            <a:picLocks noChangeAspect="1"/>
+          </p:cNvPicPr>
+          <p:nvPr/>
+        </p:nvPicPr>
+        <p:blipFill>
+          <a:blip r:embed="rId3"/>
+          <a:stretch>
+            <a:fillRect/>
+          </a:stretch>
+        </p:blipFill>
+        <p:spPr>
+          <a:xfrm>
+            <a:off x="4722057" y="4210686"/>
+            <a:ext cx="1557445" cy="2376360"/>
+          </a:xfrm>
+          <a:prstGeom prst="rect">
+            <a:avLst/>
+          </a:prstGeom>
+        </p:spPr>
+      </p:pic>
+    </p:spTree>
+    <p:extLst>
+      <p:ext uri="{BB962C8B-B14F-4D97-AF65-F5344CB8AC3E}">
+        <p14:creationId xmlns:p14="http://schemas.microsoft.com/office/powerpoint/2010/main" val="132622857"/>
+      </p:ext>
+    </p:extLst>
+  </p:cSld>
+  <p:clrMapOvr>
+    <a:masterClrMapping/>
+  </p:clrMapOvr>
+</p:sld>
+</file>
+
+<file path=ppt/slides/slide26.xml><?xml version="1.0" encoding="utf-8"?>
+<p:sld xmlns:a="http://schemas.openxmlformats.org/drawingml/2006/main" xmlns:r="http://schemas.openxmlformats.org/officeDocument/2006/relationships" xmlns:p="http://schemas.openxmlformats.org/presentationml/2006/main">
+  <p:cSld>
+    <p:spTree>
+      <p:nvGrpSpPr>
+        <p:cNvPr id="1" name="">
+          <a:extLst>
+            <a:ext uri="{FF2B5EF4-FFF2-40B4-BE49-F238E27FC236}">
+              <a16:creationId xmlns:a16="http://schemas.microsoft.com/office/drawing/2014/main" id="{CF9B6321-F566-05D3-DEE4-55CA35C4760A}"/>
+            </a:ext>
+          </a:extLst>
+        </p:cNvPr>
+        <p:cNvGrpSpPr/>
+        <p:nvPr/>
+      </p:nvGrpSpPr>
+      <p:grpSpPr>
+        <a:xfrm>
+          <a:off x="0" y="0"/>
+          <a:ext cx="0" cy="0"/>
+          <a:chOff x="0" y="0"/>
+          <a:chExt cx="0" cy="0"/>
+        </a:xfrm>
+      </p:grpSpPr>
+      <p:sp>
+        <p:nvSpPr>
+          <p:cNvPr id="2" name="Title 1">
+            <a:extLst>
+              <a:ext uri="{FF2B5EF4-FFF2-40B4-BE49-F238E27FC236}">
+                <a16:creationId xmlns:a16="http://schemas.microsoft.com/office/drawing/2014/main" id="{7C2C194A-0690-EC97-0657-7714975B5355}"/>
+              </a:ext>
+            </a:extLst>
+          </p:cNvPr>
+          <p:cNvSpPr>
+            <a:spLocks noGrp="1"/>
+          </p:cNvSpPr>
+          <p:nvPr>
+            <p:ph type="title"/>
+          </p:nvPr>
+        </p:nvSpPr>
+        <p:spPr>
+          <a:xfrm>
+            <a:off x="1828800" y="707923"/>
+            <a:ext cx="8948057" cy="654346"/>
+          </a:xfrm>
+        </p:spPr>
+        <p:txBody>
+          <a:bodyPr>
+            <a:normAutofit/>
+          </a:bodyPr>
+          <a:lstStyle/>
+          <a:p>
+            <a:pPr algn="l"/>
+            <a:r>
+              <a:rPr lang="en-US" sz="3200" b="1" dirty="0"/>
+              <a:t>Row </a:t>
+            </a:r>
+            <a:r>
+              <a:rPr lang="en-US" sz="3200" b="1" dirty="0" smtClean="0"/>
+              <a:t>Delete</a:t>
+            </a:r>
+            <a:endParaRPr lang="en-US" sz="3200" b="1" dirty="0"/>
+          </a:p>
+        </p:txBody>
+      </p:sp>
+      <p:sp>
+        <p:nvSpPr>
+          <p:cNvPr id="4" name="Content Placeholder 3">
+            <a:extLst>
+              <a:ext uri="{FF2B5EF4-FFF2-40B4-BE49-F238E27FC236}">
+                <a16:creationId xmlns:a16="http://schemas.microsoft.com/office/drawing/2014/main" id="{8E21012D-77E1-7E09-F260-45562C616454}"/>
+              </a:ext>
+            </a:extLst>
+          </p:cNvPr>
+          <p:cNvSpPr>
+            <a:spLocks noGrp="1"/>
+          </p:cNvSpPr>
+          <p:nvPr>
+            <p:ph sz="half" idx="2"/>
+          </p:nvPr>
+        </p:nvSpPr>
+        <p:spPr>
+          <a:xfrm>
+            <a:off x="1828799" y="1791477"/>
+            <a:ext cx="8556172" cy="2892490"/>
+          </a:xfrm>
+          <a:ln>
+            <a:solidFill>
+              <a:schemeClr val="accent1"/>
+            </a:solidFill>
+          </a:ln>
+        </p:spPr>
+        <p:txBody>
+          <a:bodyPr>
+            <a:noAutofit/>
+          </a:bodyPr>
+          <a:lstStyle/>
+          <a:p>
+            <a:pPr marL="0" indent="0">
+              <a:buNone/>
+            </a:pPr>
+            <a:r>
+              <a:rPr lang="en-US" sz="1400" b="1" dirty="0">
+                <a:latin typeface="Consolas" panose="020B0609020204030204" pitchFamily="49" charset="0"/>
+              </a:rPr>
+              <a:t>import pandas as </a:t>
+            </a:r>
+            <a:r>
+              <a:rPr lang="en-US" sz="1400" b="1" dirty="0" err="1">
+                <a:latin typeface="Consolas" panose="020B0609020204030204" pitchFamily="49" charset="0"/>
+              </a:rPr>
+              <a:t>pd</a:t>
+            </a:r>
+            <a:r>
+              <a:rPr lang="en-US" sz="1400" b="1" dirty="0">
+                <a:latin typeface="Consolas" panose="020B0609020204030204" pitchFamily="49" charset="0"/>
+              </a:rPr>
+              <a:t>  </a:t>
+            </a:r>
+          </a:p>
+          <a:p>
+            <a:pPr marL="0" indent="0">
+              <a:buNone/>
+            </a:pPr>
+            <a:r>
+              <a:rPr lang="en-US" sz="1400" b="1" dirty="0" err="1">
+                <a:latin typeface="Consolas" panose="020B0609020204030204" pitchFamily="49" charset="0"/>
+              </a:rPr>
+              <a:t>a_info</a:t>
+            </a:r>
+            <a:r>
+              <a:rPr lang="en-US" sz="1400" b="1" dirty="0">
+                <a:latin typeface="Consolas" panose="020B0609020204030204" pitchFamily="49" charset="0"/>
+              </a:rPr>
+              <a:t> = </a:t>
+            </a:r>
+            <a:r>
+              <a:rPr lang="en-US" sz="1400" b="1" dirty="0" err="1">
+                <a:latin typeface="Consolas" panose="020B0609020204030204" pitchFamily="49" charset="0"/>
+              </a:rPr>
+              <a:t>pd.DataFrame</a:t>
+            </a:r>
+            <a:r>
+              <a:rPr lang="en-US" sz="1400" b="1" dirty="0">
+                <a:latin typeface="Consolas" panose="020B0609020204030204" pitchFamily="49" charset="0"/>
+              </a:rPr>
+              <a:t>([[4, 5], [6, 7]], columns = ['</a:t>
+            </a:r>
+            <a:r>
+              <a:rPr lang="en-US" sz="1400" b="1" dirty="0" err="1">
+                <a:latin typeface="Consolas" panose="020B0609020204030204" pitchFamily="49" charset="0"/>
+              </a:rPr>
+              <a:t>x','y</a:t>
+            </a:r>
+            <a:r>
+              <a:rPr lang="en-US" sz="1400" b="1" dirty="0">
+                <a:latin typeface="Consolas" panose="020B0609020204030204" pitchFamily="49" charset="0"/>
+              </a:rPr>
+              <a:t>'])  </a:t>
+            </a:r>
+          </a:p>
+          <a:p>
+            <a:pPr marL="0" indent="0">
+              <a:buNone/>
+            </a:pPr>
+            <a:r>
+              <a:rPr lang="en-US" sz="1400" b="1" dirty="0" err="1">
+                <a:latin typeface="Consolas" panose="020B0609020204030204" pitchFamily="49" charset="0"/>
+              </a:rPr>
+              <a:t>b_info</a:t>
+            </a:r>
+            <a:r>
+              <a:rPr lang="en-US" sz="1400" b="1" dirty="0">
+                <a:latin typeface="Consolas" panose="020B0609020204030204" pitchFamily="49" charset="0"/>
+              </a:rPr>
+              <a:t> = </a:t>
+            </a:r>
+            <a:r>
+              <a:rPr lang="en-US" sz="1400" b="1" dirty="0" err="1">
+                <a:latin typeface="Consolas" panose="020B0609020204030204" pitchFamily="49" charset="0"/>
+              </a:rPr>
+              <a:t>pd.DataFrame</a:t>
+            </a:r>
+            <a:r>
+              <a:rPr lang="en-US" sz="1400" b="1" dirty="0">
+                <a:latin typeface="Consolas" panose="020B0609020204030204" pitchFamily="49" charset="0"/>
+              </a:rPr>
+              <a:t>([[8, 9], [10, 11]], columns = ['</a:t>
+            </a:r>
+            <a:r>
+              <a:rPr lang="en-US" sz="1400" b="1" dirty="0" err="1">
+                <a:latin typeface="Consolas" panose="020B0609020204030204" pitchFamily="49" charset="0"/>
+              </a:rPr>
+              <a:t>x','y</a:t>
+            </a:r>
+            <a:r>
+              <a:rPr lang="en-US" sz="1400" b="1" dirty="0">
+                <a:latin typeface="Consolas" panose="020B0609020204030204" pitchFamily="49" charset="0"/>
+              </a:rPr>
+              <a:t>'])  </a:t>
+            </a:r>
+          </a:p>
+          <a:p>
+            <a:pPr marL="0" indent="0">
+              <a:buNone/>
+            </a:pPr>
+            <a:r>
+              <a:rPr lang="en-US" sz="1400" b="1" dirty="0">
+                <a:latin typeface="Consolas" panose="020B0609020204030204" pitchFamily="49" charset="0"/>
+              </a:rPr>
+              <a:t>  </a:t>
+            </a:r>
+          </a:p>
+          <a:p>
+            <a:pPr marL="0" indent="0">
+              <a:buNone/>
+            </a:pPr>
+            <a:r>
+              <a:rPr lang="en-US" sz="1400" b="1" dirty="0" err="1">
+                <a:latin typeface="Consolas" panose="020B0609020204030204" pitchFamily="49" charset="0"/>
+              </a:rPr>
+              <a:t>a_info</a:t>
+            </a:r>
+            <a:r>
+              <a:rPr lang="en-US" sz="1400" b="1" dirty="0">
+                <a:latin typeface="Consolas" panose="020B0609020204030204" pitchFamily="49" charset="0"/>
+              </a:rPr>
+              <a:t> = </a:t>
+            </a:r>
+            <a:r>
+              <a:rPr lang="en-US" sz="1400" b="1" dirty="0" err="1">
+                <a:latin typeface="Consolas" panose="020B0609020204030204" pitchFamily="49" charset="0"/>
+              </a:rPr>
+              <a:t>a_info.append</a:t>
+            </a:r>
+            <a:r>
+              <a:rPr lang="en-US" sz="1400" b="1" dirty="0">
+                <a:latin typeface="Consolas" panose="020B0609020204030204" pitchFamily="49" charset="0"/>
+              </a:rPr>
+              <a:t>(</a:t>
+            </a:r>
+            <a:r>
+              <a:rPr lang="en-US" sz="1400" b="1" dirty="0" err="1">
+                <a:latin typeface="Consolas" panose="020B0609020204030204" pitchFamily="49" charset="0"/>
+              </a:rPr>
+              <a:t>b_info</a:t>
+            </a:r>
+            <a:r>
+              <a:rPr lang="en-US" sz="1400" b="1" dirty="0">
+                <a:latin typeface="Consolas" panose="020B0609020204030204" pitchFamily="49" charset="0"/>
+              </a:rPr>
+              <a:t>)  </a:t>
+            </a:r>
+          </a:p>
+          <a:p>
+            <a:pPr marL="0" indent="0">
+              <a:buNone/>
+            </a:pPr>
+            <a:r>
+              <a:rPr lang="en-US" sz="1400" b="1" dirty="0">
+                <a:latin typeface="Consolas" panose="020B0609020204030204" pitchFamily="49" charset="0"/>
+              </a:rPr>
+              <a:t>  </a:t>
+            </a:r>
+          </a:p>
+          <a:p>
+            <a:pPr marL="0" indent="0">
+              <a:buNone/>
+            </a:pPr>
+            <a:r>
+              <a:rPr lang="en-US" sz="1400" b="1" dirty="0">
+                <a:latin typeface="Consolas" panose="020B0609020204030204" pitchFamily="49" charset="0"/>
+              </a:rPr>
+              <a:t># Drop rows with label 0  </a:t>
+            </a:r>
+          </a:p>
+          <a:p>
+            <a:pPr marL="0" indent="0">
+              <a:buNone/>
+            </a:pPr>
+            <a:r>
+              <a:rPr lang="en-US" sz="1400" b="1" dirty="0" err="1">
+                <a:latin typeface="Consolas" panose="020B0609020204030204" pitchFamily="49" charset="0"/>
+              </a:rPr>
+              <a:t>a_info</a:t>
+            </a:r>
+            <a:r>
+              <a:rPr lang="en-US" sz="1400" b="1" dirty="0">
+                <a:latin typeface="Consolas" panose="020B0609020204030204" pitchFamily="49" charset="0"/>
+              </a:rPr>
+              <a:t> = </a:t>
+            </a:r>
+            <a:r>
+              <a:rPr lang="en-US" sz="1400" b="1" dirty="0" err="1">
+                <a:latin typeface="Consolas" panose="020B0609020204030204" pitchFamily="49" charset="0"/>
+              </a:rPr>
+              <a:t>a_info.drop</a:t>
+            </a:r>
+            <a:r>
+              <a:rPr lang="en-US" sz="1400" b="1" dirty="0">
+                <a:latin typeface="Consolas" panose="020B0609020204030204" pitchFamily="49" charset="0"/>
+              </a:rPr>
+              <a:t>(0) </a:t>
+            </a:r>
+            <a:endParaRPr lang="en-US" sz="1400" dirty="0">
+              <a:latin typeface="Consolas" panose="020B0609020204030204" pitchFamily="49" charset="0"/>
+            </a:endParaRPr>
+          </a:p>
+        </p:txBody>
+      </p:sp>
+      <p:pic>
+        <p:nvPicPr>
+          <p:cNvPr id="5" name="Picture 4"/>
+          <p:cNvPicPr>
+            <a:picLocks noChangeAspect="1"/>
+          </p:cNvPicPr>
+          <p:nvPr/>
+        </p:nvPicPr>
+        <p:blipFill>
+          <a:blip r:embed="rId3"/>
+          <a:stretch>
+            <a:fillRect/>
+          </a:stretch>
+        </p:blipFill>
+        <p:spPr>
+          <a:xfrm>
+            <a:off x="5063376" y="4749282"/>
+            <a:ext cx="2765818" cy="1946732"/>
+          </a:xfrm>
+          <a:prstGeom prst="rect">
+            <a:avLst/>
+          </a:prstGeom>
+        </p:spPr>
+      </p:pic>
+    </p:spTree>
+    <p:extLst>
+      <p:ext uri="{BB962C8B-B14F-4D97-AF65-F5344CB8AC3E}">
+        <p14:creationId xmlns:p14="http://schemas.microsoft.com/office/powerpoint/2010/main" val="2049719926"/>
+      </p:ext>
+    </p:extLst>
+  </p:cSld>
+  <p:clrMapOvr>
+    <a:masterClrMapping/>
+  </p:clrMapOvr>
+</p:sld>
+</file>
+
+<file path=ppt/slides/slide27.xml><?xml version="1.0" encoding="utf-8"?>
+<p:sld xmlns:a="http://schemas.openxmlformats.org/drawingml/2006/main" xmlns:r="http://schemas.openxmlformats.org/officeDocument/2006/relationships" xmlns:p="http://schemas.openxmlformats.org/presentationml/2006/main">
+  <p:cSld>
+    <p:spTree>
+      <p:nvGrpSpPr>
+        <p:cNvPr id="1" name="">
+          <a:extLst>
+            <a:ext uri="{FF2B5EF4-FFF2-40B4-BE49-F238E27FC236}">
               <a16:creationId xmlns:a16="http://schemas.microsoft.com/office/drawing/2014/main" id="{2BC0B555-FE26-0E3B-BAD9-A02BDA40F30D}"/>
             </a:ext>
           </a:extLst>
@@ -10421,7 +13570,7 @@
                           <a:hlinkClick r:id="rId3">
                             <a:extLst>
                               <a:ext uri="{A12FA001-AC4F-418D-AE19-62706E023703}">
-                                <ahyp:hlinkClr xmlns:ahyp="http://schemas.microsoft.com/office/drawing/2018/hyperlinkcolor" val="tx"/>
+                                <ahyp:hlinkClr xmlns:ahyp="http://schemas.microsoft.com/office/drawing/2018/hyperlinkcolor" xmlns="" val="tx"/>
                               </a:ext>
                             </a:extLst>
                           </a:hlinkClick>
@@ -10436,7 +13585,7 @@
                           <a:hlinkClick r:id="rId3">
                             <a:extLst>
                               <a:ext uri="{A12FA001-AC4F-418D-AE19-62706E023703}">
-                                <ahyp:hlinkClr xmlns:ahyp="http://schemas.microsoft.com/office/drawing/2018/hyperlinkcolor" val="tx"/>
+                                <ahyp:hlinkClr xmlns:ahyp="http://schemas.microsoft.com/office/drawing/2018/hyperlinkcolor" xmlns="" val="tx"/>
                               </a:ext>
                             </a:extLst>
                           </a:hlinkClick>
@@ -10451,7 +13600,7 @@
                           <a:hlinkClick r:id="rId3">
                             <a:extLst>
                               <a:ext uri="{A12FA001-AC4F-418D-AE19-62706E023703}">
-                                <ahyp:hlinkClr xmlns:ahyp="http://schemas.microsoft.com/office/drawing/2018/hyperlinkcolor" val="tx"/>
+                                <ahyp:hlinkClr xmlns:ahyp="http://schemas.microsoft.com/office/drawing/2018/hyperlinkcolor" xmlns="" val="tx"/>
                               </a:ext>
                             </a:extLst>
                           </a:hlinkClick>
@@ -10504,7 +13653,7 @@
                           <a:hlinkClick r:id="rId4">
                             <a:extLst>
                               <a:ext uri="{A12FA001-AC4F-418D-AE19-62706E023703}">
-                                <ahyp:hlinkClr xmlns:ahyp="http://schemas.microsoft.com/office/drawing/2018/hyperlinkcolor" val="tx"/>
+                                <ahyp:hlinkClr xmlns:ahyp="http://schemas.microsoft.com/office/drawing/2018/hyperlinkcolor" xmlns="" val="tx"/>
                               </a:ext>
                             </a:extLst>
                           </a:hlinkClick>
@@ -10519,7 +13668,7 @@
                           <a:hlinkClick r:id="rId4">
                             <a:extLst>
                               <a:ext uri="{A12FA001-AC4F-418D-AE19-62706E023703}">
-                                <ahyp:hlinkClr xmlns:ahyp="http://schemas.microsoft.com/office/drawing/2018/hyperlinkcolor" val="tx"/>
+                                <ahyp:hlinkClr xmlns:ahyp="http://schemas.microsoft.com/office/drawing/2018/hyperlinkcolor" xmlns="" val="tx"/>
                               </a:ext>
                             </a:extLst>
                           </a:hlinkClick>
@@ -10572,7 +13721,7 @@
                           <a:hlinkClick r:id="rId5">
                             <a:extLst>
                               <a:ext uri="{A12FA001-AC4F-418D-AE19-62706E023703}">
-                                <ahyp:hlinkClr xmlns:ahyp="http://schemas.microsoft.com/office/drawing/2018/hyperlinkcolor" val="tx"/>
+                                <ahyp:hlinkClr xmlns:ahyp="http://schemas.microsoft.com/office/drawing/2018/hyperlinkcolor" xmlns="" val="tx"/>
                               </a:ext>
                             </a:extLst>
                           </a:hlinkClick>
@@ -10587,7 +13736,7 @@
                           <a:hlinkClick r:id="rId5">
                             <a:extLst>
                               <a:ext uri="{A12FA001-AC4F-418D-AE19-62706E023703}">
-                                <ahyp:hlinkClr xmlns:ahyp="http://schemas.microsoft.com/office/drawing/2018/hyperlinkcolor" val="tx"/>
+                                <ahyp:hlinkClr xmlns:ahyp="http://schemas.microsoft.com/office/drawing/2018/hyperlinkcolor" xmlns="" val="tx"/>
                               </a:ext>
                             </a:extLst>
                           </a:hlinkClick>
@@ -10640,7 +13789,7 @@
                           <a:hlinkClick r:id="rId6">
                             <a:extLst>
                               <a:ext uri="{A12FA001-AC4F-418D-AE19-62706E023703}">
-                                <ahyp:hlinkClr xmlns:ahyp="http://schemas.microsoft.com/office/drawing/2018/hyperlinkcolor" val="tx"/>
+                                <ahyp:hlinkClr xmlns:ahyp="http://schemas.microsoft.com/office/drawing/2018/hyperlinkcolor" xmlns="" val="tx"/>
                               </a:ext>
                             </a:extLst>
                           </a:hlinkClick>
@@ -10655,7 +13804,7 @@
                           <a:hlinkClick r:id="rId6">
                             <a:extLst>
                               <a:ext uri="{A12FA001-AC4F-418D-AE19-62706E023703}">
-                                <ahyp:hlinkClr xmlns:ahyp="http://schemas.microsoft.com/office/drawing/2018/hyperlinkcolor" val="tx"/>
+                                <ahyp:hlinkClr xmlns:ahyp="http://schemas.microsoft.com/office/drawing/2018/hyperlinkcolor" xmlns="" val="tx"/>
                               </a:ext>
                             </a:extLst>
                           </a:hlinkClick>
@@ -10724,7 +13873,7 @@
                           <a:hlinkClick r:id="rId7">
                             <a:extLst>
                               <a:ext uri="{A12FA001-AC4F-418D-AE19-62706E023703}">
-                                <ahyp:hlinkClr xmlns:ahyp="http://schemas.microsoft.com/office/drawing/2018/hyperlinkcolor" val="tx"/>
+                                <ahyp:hlinkClr xmlns:ahyp="http://schemas.microsoft.com/office/drawing/2018/hyperlinkcolor" xmlns="" val="tx"/>
                               </a:ext>
                             </a:extLst>
                           </a:hlinkClick>
@@ -10739,7 +13888,7 @@
                           <a:hlinkClick r:id="rId7">
                             <a:extLst>
                               <a:ext uri="{A12FA001-AC4F-418D-AE19-62706E023703}">
-                                <ahyp:hlinkClr xmlns:ahyp="http://schemas.microsoft.com/office/drawing/2018/hyperlinkcolor" val="tx"/>
+                                <ahyp:hlinkClr xmlns:ahyp="http://schemas.microsoft.com/office/drawing/2018/hyperlinkcolor" xmlns="" val="tx"/>
                               </a:ext>
                             </a:extLst>
                           </a:hlinkClick>
@@ -10792,7 +13941,7 @@
                           <a:hlinkClick r:id="rId8">
                             <a:extLst>
                               <a:ext uri="{A12FA001-AC4F-418D-AE19-62706E023703}">
-                                <ahyp:hlinkClr xmlns:ahyp="http://schemas.microsoft.com/office/drawing/2018/hyperlinkcolor" val="tx"/>
+                                <ahyp:hlinkClr xmlns:ahyp="http://schemas.microsoft.com/office/drawing/2018/hyperlinkcolor" xmlns="" val="tx"/>
                               </a:ext>
                             </a:extLst>
                           </a:hlinkClick>
@@ -10807,7 +13956,7 @@
                           <a:hlinkClick r:id="rId8">
                             <a:extLst>
                               <a:ext uri="{A12FA001-AC4F-418D-AE19-62706E023703}">
-                                <ahyp:hlinkClr xmlns:ahyp="http://schemas.microsoft.com/office/drawing/2018/hyperlinkcolor" val="tx"/>
+                                <ahyp:hlinkClr xmlns:ahyp="http://schemas.microsoft.com/office/drawing/2018/hyperlinkcolor" xmlns="" val="tx"/>
                               </a:ext>
                             </a:extLst>
                           </a:hlinkClick>
@@ -10860,7 +14009,7 @@
                           <a:hlinkClick r:id="rId9">
                             <a:extLst>
                               <a:ext uri="{A12FA001-AC4F-418D-AE19-62706E023703}">
-                                <ahyp:hlinkClr xmlns:ahyp="http://schemas.microsoft.com/office/drawing/2018/hyperlinkcolor" val="tx"/>
+                                <ahyp:hlinkClr xmlns:ahyp="http://schemas.microsoft.com/office/drawing/2018/hyperlinkcolor" xmlns="" val="tx"/>
                               </a:ext>
                             </a:extLst>
                           </a:hlinkClick>
@@ -10875,7 +14024,7 @@
                           <a:hlinkClick r:id="rId9">
                             <a:extLst>
                               <a:ext uri="{A12FA001-AC4F-418D-AE19-62706E023703}">
-                                <ahyp:hlinkClr xmlns:ahyp="http://schemas.microsoft.com/office/drawing/2018/hyperlinkcolor" val="tx"/>
+                                <ahyp:hlinkClr xmlns:ahyp="http://schemas.microsoft.com/office/drawing/2018/hyperlinkcolor" xmlns="" val="tx"/>
                               </a:ext>
                             </a:extLst>
                           </a:hlinkClick>
@@ -10928,7 +14077,7 @@
                           <a:hlinkClick r:id="rId10">
                             <a:extLst>
                               <a:ext uri="{A12FA001-AC4F-418D-AE19-62706E023703}">
-                                <ahyp:hlinkClr xmlns:ahyp="http://schemas.microsoft.com/office/drawing/2018/hyperlinkcolor" val="tx"/>
+                                <ahyp:hlinkClr xmlns:ahyp="http://schemas.microsoft.com/office/drawing/2018/hyperlinkcolor" xmlns="" val="tx"/>
                               </a:ext>
                             </a:extLst>
                           </a:hlinkClick>
@@ -10943,7 +14092,7 @@
                           <a:hlinkClick r:id="rId10">
                             <a:extLst>
                               <a:ext uri="{A12FA001-AC4F-418D-AE19-62706E023703}">
-                                <ahyp:hlinkClr xmlns:ahyp="http://schemas.microsoft.com/office/drawing/2018/hyperlinkcolor" val="tx"/>
+                                <ahyp:hlinkClr xmlns:ahyp="http://schemas.microsoft.com/office/drawing/2018/hyperlinkcolor" xmlns="" val="tx"/>
                               </a:ext>
                             </a:extLst>
                           </a:hlinkClick>
@@ -10999,7 +14148,7 @@
 </p:sld>
 </file>
 
-<file path=ppt/slides/slide21.xml><?xml version="1.0" encoding="utf-8"?>
+<file path=ppt/slides/slide28.xml><?xml version="1.0" encoding="utf-8"?>
 <p:sld xmlns:a="http://schemas.openxmlformats.org/drawingml/2006/main" xmlns:r="http://schemas.openxmlformats.org/officeDocument/2006/relationships" xmlns:p="http://schemas.openxmlformats.org/presentationml/2006/main">
   <p:cSld>
     <p:spTree>
@@ -11176,7 +14325,7 @@
                           <a:hlinkClick r:id="rId3">
                             <a:extLst>
                               <a:ext uri="{A12FA001-AC4F-418D-AE19-62706E023703}">
-                                <ahyp:hlinkClr xmlns:ahyp="http://schemas.microsoft.com/office/drawing/2018/hyperlinkcolor" val="tx"/>
+                                <ahyp:hlinkClr xmlns:ahyp="http://schemas.microsoft.com/office/drawing/2018/hyperlinkcolor" xmlns="" val="tx"/>
                               </a:ext>
                             </a:extLst>
                           </a:hlinkClick>
@@ -11191,7 +14340,7 @@
                           <a:hlinkClick r:id="rId3">
                             <a:extLst>
                               <a:ext uri="{A12FA001-AC4F-418D-AE19-62706E023703}">
-                                <ahyp:hlinkClr xmlns:ahyp="http://schemas.microsoft.com/office/drawing/2018/hyperlinkcolor" val="tx"/>
+                                <ahyp:hlinkClr xmlns:ahyp="http://schemas.microsoft.com/office/drawing/2018/hyperlinkcolor" xmlns="" val="tx"/>
                               </a:ext>
                             </a:extLst>
                           </a:hlinkClick>
@@ -11244,7 +14393,7 @@
                           <a:hlinkClick r:id="rId4">
                             <a:extLst>
                               <a:ext uri="{A12FA001-AC4F-418D-AE19-62706E023703}">
-                                <ahyp:hlinkClr xmlns:ahyp="http://schemas.microsoft.com/office/drawing/2018/hyperlinkcolor" val="tx"/>
+                                <ahyp:hlinkClr xmlns:ahyp="http://schemas.microsoft.com/office/drawing/2018/hyperlinkcolor" xmlns="" val="tx"/>
                               </a:ext>
                             </a:extLst>
                           </a:hlinkClick>
@@ -11259,7 +14408,7 @@
                           <a:hlinkClick r:id="rId4">
                             <a:extLst>
                               <a:ext uri="{A12FA001-AC4F-418D-AE19-62706E023703}">
-                                <ahyp:hlinkClr xmlns:ahyp="http://schemas.microsoft.com/office/drawing/2018/hyperlinkcolor" val="tx"/>
+                                <ahyp:hlinkClr xmlns:ahyp="http://schemas.microsoft.com/office/drawing/2018/hyperlinkcolor" xmlns="" val="tx"/>
                               </a:ext>
                             </a:extLst>
                           </a:hlinkClick>
@@ -11312,7 +14461,7 @@
                           <a:hlinkClick r:id="rId5">
                             <a:extLst>
                               <a:ext uri="{A12FA001-AC4F-418D-AE19-62706E023703}">
-                                <ahyp:hlinkClr xmlns:ahyp="http://schemas.microsoft.com/office/drawing/2018/hyperlinkcolor" val="tx"/>
+                                <ahyp:hlinkClr xmlns:ahyp="http://schemas.microsoft.com/office/drawing/2018/hyperlinkcolor" xmlns="" val="tx"/>
                               </a:ext>
                             </a:extLst>
                           </a:hlinkClick>
@@ -11327,7 +14476,7 @@
                           <a:hlinkClick r:id="rId5">
                             <a:extLst>
                               <a:ext uri="{A12FA001-AC4F-418D-AE19-62706E023703}">
-                                <ahyp:hlinkClr xmlns:ahyp="http://schemas.microsoft.com/office/drawing/2018/hyperlinkcolor" val="tx"/>
+                                <ahyp:hlinkClr xmlns:ahyp="http://schemas.microsoft.com/office/drawing/2018/hyperlinkcolor" xmlns="" val="tx"/>
                               </a:ext>
                             </a:extLst>
                           </a:hlinkClick>
@@ -11380,7 +14529,7 @@
                           <a:hlinkClick r:id="rId6">
                             <a:extLst>
                               <a:ext uri="{A12FA001-AC4F-418D-AE19-62706E023703}">
-                                <ahyp:hlinkClr xmlns:ahyp="http://schemas.microsoft.com/office/drawing/2018/hyperlinkcolor" val="tx"/>
+                                <ahyp:hlinkClr xmlns:ahyp="http://schemas.microsoft.com/office/drawing/2018/hyperlinkcolor" xmlns="" val="tx"/>
                               </a:ext>
                             </a:extLst>
                           </a:hlinkClick>
@@ -11395,7 +14544,7 @@
                           <a:hlinkClick r:id="rId6">
                             <a:extLst>
                               <a:ext uri="{A12FA001-AC4F-418D-AE19-62706E023703}">
-                                <ahyp:hlinkClr xmlns:ahyp="http://schemas.microsoft.com/office/drawing/2018/hyperlinkcolor" val="tx"/>
+                                <ahyp:hlinkClr xmlns:ahyp="http://schemas.microsoft.com/office/drawing/2018/hyperlinkcolor" xmlns="" val="tx"/>
                               </a:ext>
                             </a:extLst>
                           </a:hlinkClick>
@@ -11448,7 +14597,7 @@
                           <a:hlinkClick r:id="rId7">
                             <a:extLst>
                               <a:ext uri="{A12FA001-AC4F-418D-AE19-62706E023703}">
-                                <ahyp:hlinkClr xmlns:ahyp="http://schemas.microsoft.com/office/drawing/2018/hyperlinkcolor" val="tx"/>
+                                <ahyp:hlinkClr xmlns:ahyp="http://schemas.microsoft.com/office/drawing/2018/hyperlinkcolor" xmlns="" val="tx"/>
                               </a:ext>
                             </a:extLst>
                           </a:hlinkClick>
@@ -11463,7 +14612,7 @@
                           <a:hlinkClick r:id="rId7">
                             <a:extLst>
                               <a:ext uri="{A12FA001-AC4F-418D-AE19-62706E023703}">
-                                <ahyp:hlinkClr xmlns:ahyp="http://schemas.microsoft.com/office/drawing/2018/hyperlinkcolor" val="tx"/>
+                                <ahyp:hlinkClr xmlns:ahyp="http://schemas.microsoft.com/office/drawing/2018/hyperlinkcolor" xmlns="" val="tx"/>
                               </a:ext>
                             </a:extLst>
                           </a:hlinkClick>
@@ -11516,7 +14665,7 @@
                           <a:hlinkClick r:id="rId8">
                             <a:extLst>
                               <a:ext uri="{A12FA001-AC4F-418D-AE19-62706E023703}">
-                                <ahyp:hlinkClr xmlns:ahyp="http://schemas.microsoft.com/office/drawing/2018/hyperlinkcolor" val="tx"/>
+                                <ahyp:hlinkClr xmlns:ahyp="http://schemas.microsoft.com/office/drawing/2018/hyperlinkcolor" xmlns="" val="tx"/>
                               </a:ext>
                             </a:extLst>
                           </a:hlinkClick>
@@ -11531,7 +14680,7 @@
                           <a:hlinkClick r:id="rId8">
                             <a:extLst>
                               <a:ext uri="{A12FA001-AC4F-418D-AE19-62706E023703}">
-                                <ahyp:hlinkClr xmlns:ahyp="http://schemas.microsoft.com/office/drawing/2018/hyperlinkcolor" val="tx"/>
+                                <ahyp:hlinkClr xmlns:ahyp="http://schemas.microsoft.com/office/drawing/2018/hyperlinkcolor" xmlns="" val="tx"/>
                               </a:ext>
                             </a:extLst>
                           </a:hlinkClick>
@@ -11584,7 +14733,7 @@
                           <a:hlinkClick r:id="rId9">
                             <a:extLst>
                               <a:ext uri="{A12FA001-AC4F-418D-AE19-62706E023703}">
-                                <ahyp:hlinkClr xmlns:ahyp="http://schemas.microsoft.com/office/drawing/2018/hyperlinkcolor" val="tx"/>
+                                <ahyp:hlinkClr xmlns:ahyp="http://schemas.microsoft.com/office/drawing/2018/hyperlinkcolor" xmlns="" val="tx"/>
                               </a:ext>
                             </a:extLst>
                           </a:hlinkClick>
@@ -11599,7 +14748,7 @@
                           <a:hlinkClick r:id="rId9">
                             <a:extLst>
                               <a:ext uri="{A12FA001-AC4F-418D-AE19-62706E023703}">
-                                <ahyp:hlinkClr xmlns:ahyp="http://schemas.microsoft.com/office/drawing/2018/hyperlinkcolor" val="tx"/>
+                                <ahyp:hlinkClr xmlns:ahyp="http://schemas.microsoft.com/office/drawing/2018/hyperlinkcolor" xmlns="" val="tx"/>
                               </a:ext>
                             </a:extLst>
                           </a:hlinkClick>
@@ -11652,7 +14801,7 @@
                           <a:hlinkClick r:id="rId10">
                             <a:extLst>
                               <a:ext uri="{A12FA001-AC4F-418D-AE19-62706E023703}">
-                                <ahyp:hlinkClr xmlns:ahyp="http://schemas.microsoft.com/office/drawing/2018/hyperlinkcolor" val="tx"/>
+                                <ahyp:hlinkClr xmlns:ahyp="http://schemas.microsoft.com/office/drawing/2018/hyperlinkcolor" xmlns="" val="tx"/>
                               </a:ext>
                             </a:extLst>
                           </a:hlinkClick>
@@ -11667,7 +14816,7 @@
                           <a:hlinkClick r:id="rId10">
                             <a:extLst>
                               <a:ext uri="{A12FA001-AC4F-418D-AE19-62706E023703}">
-                                <ahyp:hlinkClr xmlns:ahyp="http://schemas.microsoft.com/office/drawing/2018/hyperlinkcolor" val="tx"/>
+                                <ahyp:hlinkClr xmlns:ahyp="http://schemas.microsoft.com/office/drawing/2018/hyperlinkcolor" xmlns="" val="tx"/>
                               </a:ext>
                             </a:extLst>
                           </a:hlinkClick>
@@ -11736,7 +14885,7 @@
                           <a:hlinkClick r:id="rId11">
                             <a:extLst>
                               <a:ext uri="{A12FA001-AC4F-418D-AE19-62706E023703}">
-                                <ahyp:hlinkClr xmlns:ahyp="http://schemas.microsoft.com/office/drawing/2018/hyperlinkcolor" val="tx"/>
+                                <ahyp:hlinkClr xmlns:ahyp="http://schemas.microsoft.com/office/drawing/2018/hyperlinkcolor" xmlns="" val="tx"/>
                               </a:ext>
                             </a:extLst>
                           </a:hlinkClick>
@@ -11751,7 +14900,7 @@
                           <a:hlinkClick r:id="rId11">
                             <a:extLst>
                               <a:ext uri="{A12FA001-AC4F-418D-AE19-62706E023703}">
-                                <ahyp:hlinkClr xmlns:ahyp="http://schemas.microsoft.com/office/drawing/2018/hyperlinkcolor" val="tx"/>
+                                <ahyp:hlinkClr xmlns:ahyp="http://schemas.microsoft.com/office/drawing/2018/hyperlinkcolor" xmlns="" val="tx"/>
                               </a:ext>
                             </a:extLst>
                           </a:hlinkClick>
@@ -11823,7 +14972,7 @@
 </p:sld>
 </file>
 
-<file path=ppt/slides/slide22.xml><?xml version="1.0" encoding="utf-8"?>
+<file path=ppt/slides/slide29.xml><?xml version="1.0" encoding="utf-8"?>
 <p:sld xmlns:a="http://schemas.openxmlformats.org/drawingml/2006/main" xmlns:r="http://schemas.openxmlformats.org/officeDocument/2006/relationships" xmlns:p="http://schemas.openxmlformats.org/presentationml/2006/main">
   <p:cSld>
     <p:spTree>
@@ -12172,289 +15321,6 @@
 </p:sld>
 </file>
 
-<file path=ppt/slides/slide23.xml><?xml version="1.0" encoding="utf-8"?>
-<p:sld xmlns:a="http://schemas.openxmlformats.org/drawingml/2006/main" xmlns:r="http://schemas.openxmlformats.org/officeDocument/2006/relationships" xmlns:p="http://schemas.openxmlformats.org/presentationml/2006/main">
-  <p:cSld>
-    <p:spTree>
-      <p:nvGrpSpPr>
-        <p:cNvPr id="1" name="">
-          <a:extLst>
-            <a:ext uri="{FF2B5EF4-FFF2-40B4-BE49-F238E27FC236}">
-              <a16:creationId xmlns:a16="http://schemas.microsoft.com/office/drawing/2014/main" id="{47A88F54-DB53-0F73-6B1F-95E158589018}"/>
-            </a:ext>
-          </a:extLst>
-        </p:cNvPr>
-        <p:cNvGrpSpPr/>
-        <p:nvPr/>
-      </p:nvGrpSpPr>
-      <p:grpSpPr>
-        <a:xfrm>
-          <a:off x="0" y="0"/>
-          <a:ext cx="0" cy="0"/>
-          <a:chOff x="0" y="0"/>
-          <a:chExt cx="0" cy="0"/>
-        </a:xfrm>
-      </p:grpSpPr>
-      <p:sp>
-        <p:nvSpPr>
-          <p:cNvPr id="2" name="Title 1">
-            <a:extLst>
-              <a:ext uri="{FF2B5EF4-FFF2-40B4-BE49-F238E27FC236}">
-                <a16:creationId xmlns:a16="http://schemas.microsoft.com/office/drawing/2014/main" id="{1A856F5F-6074-BD25-ECAC-3F997F3C39D5}"/>
-              </a:ext>
-            </a:extLst>
-          </p:cNvPr>
-          <p:cNvSpPr>
-            <a:spLocks noGrp="1"/>
-          </p:cNvSpPr>
-          <p:nvPr>
-            <p:ph type="title"/>
-          </p:nvPr>
-        </p:nvSpPr>
-        <p:spPr/>
-        <p:txBody>
-          <a:bodyPr>
-            <a:normAutofit/>
-          </a:bodyPr>
-          <a:lstStyle/>
-          <a:p>
-            <a:r>
-              <a:rPr lang="en-US" b="0" i="0" u="sng" dirty="0">
-                <a:solidFill>
-                  <a:srgbClr val="273239"/>
-                </a:solidFill>
-                <a:effectLst/>
-                <a:latin typeface="Nunito" pitchFamily="2" charset="0"/>
-              </a:rPr>
-              <a:t>SQL For Data Analysis</a:t>
-            </a:r>
-            <a:endParaRPr lang="en-US" dirty="0"/>
-          </a:p>
-        </p:txBody>
-      </p:sp>
-      <p:sp>
-        <p:nvSpPr>
-          <p:cNvPr id="3" name="Picture Placeholder 2">
-            <a:extLst>
-              <a:ext uri="{FF2B5EF4-FFF2-40B4-BE49-F238E27FC236}">
-                <a16:creationId xmlns:a16="http://schemas.microsoft.com/office/drawing/2014/main" id="{19F2DF5B-DA8A-FF51-50FD-9DAD55C805F9}"/>
-              </a:ext>
-            </a:extLst>
-          </p:cNvPr>
-          <p:cNvSpPr>
-            <a:spLocks noGrp="1"/>
-          </p:cNvSpPr>
-          <p:nvPr>
-            <p:ph type="pic" idx="1"/>
-          </p:nvPr>
-        </p:nvSpPr>
-        <p:spPr/>
-      </p:sp>
-    </p:spTree>
-    <p:extLst>
-      <p:ext uri="{BB962C8B-B14F-4D97-AF65-F5344CB8AC3E}">
-        <p14:creationId xmlns:p14="http://schemas.microsoft.com/office/powerpoint/2010/main" val="3475469137"/>
-      </p:ext>
-    </p:extLst>
-  </p:cSld>
-  <p:clrMapOvr>
-    <a:masterClrMapping/>
-  </p:clrMapOvr>
-</p:sld>
-</file>
-
-<file path=ppt/slides/slide24.xml><?xml version="1.0" encoding="utf-8"?>
-<p:sld xmlns:a="http://schemas.openxmlformats.org/drawingml/2006/main" xmlns:r="http://schemas.openxmlformats.org/officeDocument/2006/relationships" xmlns:p="http://schemas.openxmlformats.org/presentationml/2006/main">
-  <p:cSld>
-    <p:spTree>
-      <p:nvGrpSpPr>
-        <p:cNvPr id="1" name="">
-          <a:extLst>
-            <a:ext uri="{FF2B5EF4-FFF2-40B4-BE49-F238E27FC236}">
-              <a16:creationId xmlns:a16="http://schemas.microsoft.com/office/drawing/2014/main" id="{03AE9BC5-8357-F524-128A-4B34899B1ED5}"/>
-            </a:ext>
-          </a:extLst>
-        </p:cNvPr>
-        <p:cNvGrpSpPr/>
-        <p:nvPr/>
-      </p:nvGrpSpPr>
-      <p:grpSpPr>
-        <a:xfrm>
-          <a:off x="0" y="0"/>
-          <a:ext cx="0" cy="0"/>
-          <a:chOff x="0" y="0"/>
-          <a:chExt cx="0" cy="0"/>
-        </a:xfrm>
-      </p:grpSpPr>
-      <p:sp>
-        <p:nvSpPr>
-          <p:cNvPr id="2" name="Title 1">
-            <a:extLst>
-              <a:ext uri="{FF2B5EF4-FFF2-40B4-BE49-F238E27FC236}">
-                <a16:creationId xmlns:a16="http://schemas.microsoft.com/office/drawing/2014/main" id="{E63B1D29-2828-7055-5B33-D8BD42960CA0}"/>
-              </a:ext>
-            </a:extLst>
-          </p:cNvPr>
-          <p:cNvSpPr>
-            <a:spLocks noGrp="1"/>
-          </p:cNvSpPr>
-          <p:nvPr>
-            <p:ph type="title"/>
-          </p:nvPr>
-        </p:nvSpPr>
-        <p:spPr/>
-        <p:txBody>
-          <a:bodyPr>
-            <a:normAutofit/>
-          </a:bodyPr>
-          <a:lstStyle/>
-          <a:p>
-            <a:r>
-              <a:rPr lang="en-US" b="0" i="0" u="sng" dirty="0">
-                <a:solidFill>
-                  <a:srgbClr val="273239"/>
-                </a:solidFill>
-                <a:effectLst/>
-                <a:latin typeface="Nunito" pitchFamily="2" charset="0"/>
-              </a:rPr>
-              <a:t>Python Data </a:t>
-            </a:r>
-            <a:r>
-              <a:rPr lang="en-US" b="0" i="0" u="sng" dirty="0" err="1">
-                <a:solidFill>
-                  <a:srgbClr val="273239"/>
-                </a:solidFill>
-                <a:effectLst/>
-                <a:latin typeface="Nunito" pitchFamily="2" charset="0"/>
-              </a:rPr>
-              <a:t>Visulization</a:t>
-            </a:r>
-            <a:endParaRPr lang="en-US" dirty="0"/>
-          </a:p>
-        </p:txBody>
-      </p:sp>
-      <p:sp>
-        <p:nvSpPr>
-          <p:cNvPr id="3" name="Picture Placeholder 2">
-            <a:extLst>
-              <a:ext uri="{FF2B5EF4-FFF2-40B4-BE49-F238E27FC236}">
-                <a16:creationId xmlns:a16="http://schemas.microsoft.com/office/drawing/2014/main" id="{74EE9DE8-C741-96AD-1875-84AD368E116B}"/>
-              </a:ext>
-            </a:extLst>
-          </p:cNvPr>
-          <p:cNvSpPr>
-            <a:spLocks noGrp="1"/>
-          </p:cNvSpPr>
-          <p:nvPr>
-            <p:ph type="pic" idx="1"/>
-          </p:nvPr>
-        </p:nvSpPr>
-        <p:spPr/>
-      </p:sp>
-    </p:spTree>
-    <p:extLst>
-      <p:ext uri="{BB962C8B-B14F-4D97-AF65-F5344CB8AC3E}">
-        <p14:creationId xmlns:p14="http://schemas.microsoft.com/office/powerpoint/2010/main" val="585895180"/>
-      </p:ext>
-    </p:extLst>
-  </p:cSld>
-  <p:clrMapOvr>
-    <a:masterClrMapping/>
-  </p:clrMapOvr>
-</p:sld>
-</file>
-
-<file path=ppt/slides/slide25.xml><?xml version="1.0" encoding="utf-8"?>
-<p:sld xmlns:a="http://schemas.openxmlformats.org/drawingml/2006/main" xmlns:r="http://schemas.openxmlformats.org/officeDocument/2006/relationships" xmlns:p="http://schemas.openxmlformats.org/presentationml/2006/main">
-  <p:cSld>
-    <p:spTree>
-      <p:nvGrpSpPr>
-        <p:cNvPr id="1" name="">
-          <a:extLst>
-            <a:ext uri="{FF2B5EF4-FFF2-40B4-BE49-F238E27FC236}">
-              <a16:creationId xmlns:a16="http://schemas.microsoft.com/office/drawing/2014/main" id="{5BFC0C45-CD7D-33D6-499E-8D44768A8C73}"/>
-            </a:ext>
-          </a:extLst>
-        </p:cNvPr>
-        <p:cNvGrpSpPr/>
-        <p:nvPr/>
-      </p:nvGrpSpPr>
-      <p:grpSpPr>
-        <a:xfrm>
-          <a:off x="0" y="0"/>
-          <a:ext cx="0" cy="0"/>
-          <a:chOff x="0" y="0"/>
-          <a:chExt cx="0" cy="0"/>
-        </a:xfrm>
-      </p:grpSpPr>
-      <p:sp>
-        <p:nvSpPr>
-          <p:cNvPr id="2" name="Title 1">
-            <a:extLst>
-              <a:ext uri="{FF2B5EF4-FFF2-40B4-BE49-F238E27FC236}">
-                <a16:creationId xmlns:a16="http://schemas.microsoft.com/office/drawing/2014/main" id="{A89DE6D4-1D37-1DA1-7D02-8DC106F0004F}"/>
-              </a:ext>
-            </a:extLst>
-          </p:cNvPr>
-          <p:cNvSpPr>
-            <a:spLocks noGrp="1"/>
-          </p:cNvSpPr>
-          <p:nvPr>
-            <p:ph type="title"/>
-          </p:nvPr>
-        </p:nvSpPr>
-        <p:spPr/>
-        <p:txBody>
-          <a:bodyPr>
-            <a:normAutofit/>
-          </a:bodyPr>
-          <a:lstStyle/>
-          <a:p>
-            <a:r>
-              <a:rPr lang="en-US" b="0" i="0" u="sng" dirty="0">
-                <a:solidFill>
-                  <a:srgbClr val="273239"/>
-                </a:solidFill>
-                <a:effectLst/>
-                <a:latin typeface="Nunito" pitchFamily="2" charset="0"/>
-              </a:rPr>
-              <a:t>Data Analysis Datasets</a:t>
-            </a:r>
-            <a:endParaRPr lang="en-US" dirty="0"/>
-          </a:p>
-        </p:txBody>
-      </p:sp>
-      <p:sp>
-        <p:nvSpPr>
-          <p:cNvPr id="3" name="Picture Placeholder 2">
-            <a:extLst>
-              <a:ext uri="{FF2B5EF4-FFF2-40B4-BE49-F238E27FC236}">
-                <a16:creationId xmlns:a16="http://schemas.microsoft.com/office/drawing/2014/main" id="{B16FCC79-40C4-9695-4FAA-A8FEBB0B9841}"/>
-              </a:ext>
-            </a:extLst>
-          </p:cNvPr>
-          <p:cNvSpPr>
-            <a:spLocks noGrp="1"/>
-          </p:cNvSpPr>
-          <p:nvPr>
-            <p:ph type="pic" idx="1"/>
-          </p:nvPr>
-        </p:nvSpPr>
-        <p:spPr/>
-      </p:sp>
-    </p:spTree>
-    <p:extLst>
-      <p:ext uri="{BB962C8B-B14F-4D97-AF65-F5344CB8AC3E}">
-        <p14:creationId xmlns:p14="http://schemas.microsoft.com/office/powerpoint/2010/main" val="2957920775"/>
-      </p:ext>
-    </p:extLst>
-  </p:cSld>
-  <p:clrMapOvr>
-    <a:masterClrMapping/>
-  </p:clrMapOvr>
-</p:sld>
-</file>
-
 <file path=ppt/slides/slide3.xml><?xml version="1.0" encoding="utf-8"?>
 <p:sld xmlns:a="http://schemas.openxmlformats.org/drawingml/2006/main" xmlns:r="http://schemas.openxmlformats.org/officeDocument/2006/relationships" xmlns:p="http://schemas.openxmlformats.org/presentationml/2006/main">
   <p:cSld>
@@ -12670,6 +15536,289 @@
     <p:extLst>
       <p:ext uri="{BB962C8B-B14F-4D97-AF65-F5344CB8AC3E}">
         <p14:creationId xmlns:p14="http://schemas.microsoft.com/office/powerpoint/2010/main" val="1339460960"/>
+      </p:ext>
+    </p:extLst>
+  </p:cSld>
+  <p:clrMapOvr>
+    <a:masterClrMapping/>
+  </p:clrMapOvr>
+</p:sld>
+</file>
+
+<file path=ppt/slides/slide30.xml><?xml version="1.0" encoding="utf-8"?>
+<p:sld xmlns:a="http://schemas.openxmlformats.org/drawingml/2006/main" xmlns:r="http://schemas.openxmlformats.org/officeDocument/2006/relationships" xmlns:p="http://schemas.openxmlformats.org/presentationml/2006/main">
+  <p:cSld>
+    <p:spTree>
+      <p:nvGrpSpPr>
+        <p:cNvPr id="1" name="">
+          <a:extLst>
+            <a:ext uri="{FF2B5EF4-FFF2-40B4-BE49-F238E27FC236}">
+              <a16:creationId xmlns:a16="http://schemas.microsoft.com/office/drawing/2014/main" id="{47A88F54-DB53-0F73-6B1F-95E158589018}"/>
+            </a:ext>
+          </a:extLst>
+        </p:cNvPr>
+        <p:cNvGrpSpPr/>
+        <p:nvPr/>
+      </p:nvGrpSpPr>
+      <p:grpSpPr>
+        <a:xfrm>
+          <a:off x="0" y="0"/>
+          <a:ext cx="0" cy="0"/>
+          <a:chOff x="0" y="0"/>
+          <a:chExt cx="0" cy="0"/>
+        </a:xfrm>
+      </p:grpSpPr>
+      <p:sp>
+        <p:nvSpPr>
+          <p:cNvPr id="2" name="Title 1">
+            <a:extLst>
+              <a:ext uri="{FF2B5EF4-FFF2-40B4-BE49-F238E27FC236}">
+                <a16:creationId xmlns:a16="http://schemas.microsoft.com/office/drawing/2014/main" id="{1A856F5F-6074-BD25-ECAC-3F997F3C39D5}"/>
+              </a:ext>
+            </a:extLst>
+          </p:cNvPr>
+          <p:cNvSpPr>
+            <a:spLocks noGrp="1"/>
+          </p:cNvSpPr>
+          <p:nvPr>
+            <p:ph type="title"/>
+          </p:nvPr>
+        </p:nvSpPr>
+        <p:spPr/>
+        <p:txBody>
+          <a:bodyPr>
+            <a:normAutofit/>
+          </a:bodyPr>
+          <a:lstStyle/>
+          <a:p>
+            <a:r>
+              <a:rPr lang="en-US" b="0" i="0" u="sng" dirty="0">
+                <a:solidFill>
+                  <a:srgbClr val="273239"/>
+                </a:solidFill>
+                <a:effectLst/>
+                <a:latin typeface="Nunito" pitchFamily="2" charset="0"/>
+              </a:rPr>
+              <a:t>SQL For Data Analysis</a:t>
+            </a:r>
+            <a:endParaRPr lang="en-US" dirty="0"/>
+          </a:p>
+        </p:txBody>
+      </p:sp>
+      <p:sp>
+        <p:nvSpPr>
+          <p:cNvPr id="3" name="Picture Placeholder 2">
+            <a:extLst>
+              <a:ext uri="{FF2B5EF4-FFF2-40B4-BE49-F238E27FC236}">
+                <a16:creationId xmlns:a16="http://schemas.microsoft.com/office/drawing/2014/main" id="{19F2DF5B-DA8A-FF51-50FD-9DAD55C805F9}"/>
+              </a:ext>
+            </a:extLst>
+          </p:cNvPr>
+          <p:cNvSpPr>
+            <a:spLocks noGrp="1"/>
+          </p:cNvSpPr>
+          <p:nvPr>
+            <p:ph type="pic" idx="1"/>
+          </p:nvPr>
+        </p:nvSpPr>
+        <p:spPr/>
+      </p:sp>
+    </p:spTree>
+    <p:extLst>
+      <p:ext uri="{BB962C8B-B14F-4D97-AF65-F5344CB8AC3E}">
+        <p14:creationId xmlns:p14="http://schemas.microsoft.com/office/powerpoint/2010/main" val="3475469137"/>
+      </p:ext>
+    </p:extLst>
+  </p:cSld>
+  <p:clrMapOvr>
+    <a:masterClrMapping/>
+  </p:clrMapOvr>
+</p:sld>
+</file>
+
+<file path=ppt/slides/slide31.xml><?xml version="1.0" encoding="utf-8"?>
+<p:sld xmlns:a="http://schemas.openxmlformats.org/drawingml/2006/main" xmlns:r="http://schemas.openxmlformats.org/officeDocument/2006/relationships" xmlns:p="http://schemas.openxmlformats.org/presentationml/2006/main">
+  <p:cSld>
+    <p:spTree>
+      <p:nvGrpSpPr>
+        <p:cNvPr id="1" name="">
+          <a:extLst>
+            <a:ext uri="{FF2B5EF4-FFF2-40B4-BE49-F238E27FC236}">
+              <a16:creationId xmlns:a16="http://schemas.microsoft.com/office/drawing/2014/main" id="{03AE9BC5-8357-F524-128A-4B34899B1ED5}"/>
+            </a:ext>
+          </a:extLst>
+        </p:cNvPr>
+        <p:cNvGrpSpPr/>
+        <p:nvPr/>
+      </p:nvGrpSpPr>
+      <p:grpSpPr>
+        <a:xfrm>
+          <a:off x="0" y="0"/>
+          <a:ext cx="0" cy="0"/>
+          <a:chOff x="0" y="0"/>
+          <a:chExt cx="0" cy="0"/>
+        </a:xfrm>
+      </p:grpSpPr>
+      <p:sp>
+        <p:nvSpPr>
+          <p:cNvPr id="2" name="Title 1">
+            <a:extLst>
+              <a:ext uri="{FF2B5EF4-FFF2-40B4-BE49-F238E27FC236}">
+                <a16:creationId xmlns:a16="http://schemas.microsoft.com/office/drawing/2014/main" id="{E63B1D29-2828-7055-5B33-D8BD42960CA0}"/>
+              </a:ext>
+            </a:extLst>
+          </p:cNvPr>
+          <p:cNvSpPr>
+            <a:spLocks noGrp="1"/>
+          </p:cNvSpPr>
+          <p:nvPr>
+            <p:ph type="title"/>
+          </p:nvPr>
+        </p:nvSpPr>
+        <p:spPr/>
+        <p:txBody>
+          <a:bodyPr>
+            <a:normAutofit/>
+          </a:bodyPr>
+          <a:lstStyle/>
+          <a:p>
+            <a:r>
+              <a:rPr lang="en-US" b="0" i="0" u="sng" dirty="0">
+                <a:solidFill>
+                  <a:srgbClr val="273239"/>
+                </a:solidFill>
+                <a:effectLst/>
+                <a:latin typeface="Nunito" pitchFamily="2" charset="0"/>
+              </a:rPr>
+              <a:t>Python Data </a:t>
+            </a:r>
+            <a:r>
+              <a:rPr lang="en-US" b="0" i="0" u="sng" dirty="0" err="1">
+                <a:solidFill>
+                  <a:srgbClr val="273239"/>
+                </a:solidFill>
+                <a:effectLst/>
+                <a:latin typeface="Nunito" pitchFamily="2" charset="0"/>
+              </a:rPr>
+              <a:t>Visulization</a:t>
+            </a:r>
+            <a:endParaRPr lang="en-US" dirty="0"/>
+          </a:p>
+        </p:txBody>
+      </p:sp>
+      <p:sp>
+        <p:nvSpPr>
+          <p:cNvPr id="3" name="Picture Placeholder 2">
+            <a:extLst>
+              <a:ext uri="{FF2B5EF4-FFF2-40B4-BE49-F238E27FC236}">
+                <a16:creationId xmlns:a16="http://schemas.microsoft.com/office/drawing/2014/main" id="{74EE9DE8-C741-96AD-1875-84AD368E116B}"/>
+              </a:ext>
+            </a:extLst>
+          </p:cNvPr>
+          <p:cNvSpPr>
+            <a:spLocks noGrp="1"/>
+          </p:cNvSpPr>
+          <p:nvPr>
+            <p:ph type="pic" idx="1"/>
+          </p:nvPr>
+        </p:nvSpPr>
+        <p:spPr/>
+      </p:sp>
+    </p:spTree>
+    <p:extLst>
+      <p:ext uri="{BB962C8B-B14F-4D97-AF65-F5344CB8AC3E}">
+        <p14:creationId xmlns:p14="http://schemas.microsoft.com/office/powerpoint/2010/main" val="585895180"/>
+      </p:ext>
+    </p:extLst>
+  </p:cSld>
+  <p:clrMapOvr>
+    <a:masterClrMapping/>
+  </p:clrMapOvr>
+</p:sld>
+</file>
+
+<file path=ppt/slides/slide32.xml><?xml version="1.0" encoding="utf-8"?>
+<p:sld xmlns:a="http://schemas.openxmlformats.org/drawingml/2006/main" xmlns:r="http://schemas.openxmlformats.org/officeDocument/2006/relationships" xmlns:p="http://schemas.openxmlformats.org/presentationml/2006/main">
+  <p:cSld>
+    <p:spTree>
+      <p:nvGrpSpPr>
+        <p:cNvPr id="1" name="">
+          <a:extLst>
+            <a:ext uri="{FF2B5EF4-FFF2-40B4-BE49-F238E27FC236}">
+              <a16:creationId xmlns:a16="http://schemas.microsoft.com/office/drawing/2014/main" id="{5BFC0C45-CD7D-33D6-499E-8D44768A8C73}"/>
+            </a:ext>
+          </a:extLst>
+        </p:cNvPr>
+        <p:cNvGrpSpPr/>
+        <p:nvPr/>
+      </p:nvGrpSpPr>
+      <p:grpSpPr>
+        <a:xfrm>
+          <a:off x="0" y="0"/>
+          <a:ext cx="0" cy="0"/>
+          <a:chOff x="0" y="0"/>
+          <a:chExt cx="0" cy="0"/>
+        </a:xfrm>
+      </p:grpSpPr>
+      <p:sp>
+        <p:nvSpPr>
+          <p:cNvPr id="2" name="Title 1">
+            <a:extLst>
+              <a:ext uri="{FF2B5EF4-FFF2-40B4-BE49-F238E27FC236}">
+                <a16:creationId xmlns:a16="http://schemas.microsoft.com/office/drawing/2014/main" id="{A89DE6D4-1D37-1DA1-7D02-8DC106F0004F}"/>
+              </a:ext>
+            </a:extLst>
+          </p:cNvPr>
+          <p:cNvSpPr>
+            <a:spLocks noGrp="1"/>
+          </p:cNvSpPr>
+          <p:nvPr>
+            <p:ph type="title"/>
+          </p:nvPr>
+        </p:nvSpPr>
+        <p:spPr/>
+        <p:txBody>
+          <a:bodyPr>
+            <a:normAutofit/>
+          </a:bodyPr>
+          <a:lstStyle/>
+          <a:p>
+            <a:r>
+              <a:rPr lang="en-US" b="0" i="0" u="sng" dirty="0">
+                <a:solidFill>
+                  <a:srgbClr val="273239"/>
+                </a:solidFill>
+                <a:effectLst/>
+                <a:latin typeface="Nunito" pitchFamily="2" charset="0"/>
+              </a:rPr>
+              <a:t>Data Analysis Datasets</a:t>
+            </a:r>
+            <a:endParaRPr lang="en-US" dirty="0"/>
+          </a:p>
+        </p:txBody>
+      </p:sp>
+      <p:sp>
+        <p:nvSpPr>
+          <p:cNvPr id="3" name="Picture Placeholder 2">
+            <a:extLst>
+              <a:ext uri="{FF2B5EF4-FFF2-40B4-BE49-F238E27FC236}">
+                <a16:creationId xmlns:a16="http://schemas.microsoft.com/office/drawing/2014/main" id="{B16FCC79-40C4-9695-4FAA-A8FEBB0B9841}"/>
+              </a:ext>
+            </a:extLst>
+          </p:cNvPr>
+          <p:cNvSpPr>
+            <a:spLocks noGrp="1"/>
+          </p:cNvSpPr>
+          <p:nvPr>
+            <p:ph type="pic" idx="1"/>
+          </p:nvPr>
+        </p:nvSpPr>
+        <p:spPr/>
+      </p:sp>
+    </p:spTree>
+    <p:extLst>
+      <p:ext uri="{BB962C8B-B14F-4D97-AF65-F5344CB8AC3E}">
+        <p14:creationId xmlns:p14="http://schemas.microsoft.com/office/powerpoint/2010/main" val="2957920775"/>
       </p:ext>
     </p:extLst>
   </p:cSld>

--- a/PythonDAX/Data Analysis with Python.pptx
+++ b/PythonDAX/Data Analysis with Python.pptx
@@ -228,7 +228,7 @@
           <a:p>
             <a:fld id="{9FC9D99C-A733-44A6-BB48-3B953BC9D4AD}" type="datetimeFigureOut">
               <a:rPr lang="en-US" smtClean="0"/>
-              <a:t>02-Mar-25</a:t>
+              <a:t>3/19/2025</a:t>
             </a:fld>
             <a:endParaRPr lang="en-US"/>
           </a:p>
@@ -645,10 +645,9 @@
           <a:lstStyle/>
           <a:p>
             <a:r>
-              <a:rPr lang="en-US" dirty="0" smtClean="0"/>
+              <a:rPr lang="en-US" dirty="0"/>
               <a:t>https://www.tpointtech.com/python-pandas-dataframe</a:t>
             </a:r>
-            <a:endParaRPr lang="en-US" dirty="0"/>
           </a:p>
         </p:txBody>
       </p:sp>
@@ -757,10 +756,9 @@
           <a:lstStyle/>
           <a:p>
             <a:r>
-              <a:rPr lang="en-US" dirty="0" smtClean="0"/>
+              <a:rPr lang="en-US" dirty="0"/>
               <a:t>https://www.tpointtech.com/python-pandas-dataframe</a:t>
             </a:r>
-            <a:endParaRPr lang="en-US" dirty="0"/>
           </a:p>
         </p:txBody>
       </p:sp>
@@ -869,10 +867,9 @@
           <a:lstStyle/>
           <a:p>
             <a:r>
-              <a:rPr lang="en-US" dirty="0" smtClean="0"/>
+              <a:rPr lang="en-US" dirty="0"/>
               <a:t>https://www.tpointtech.com/python-pandas-dataframe</a:t>
             </a:r>
-            <a:endParaRPr lang="en-US" dirty="0"/>
           </a:p>
         </p:txBody>
       </p:sp>
@@ -981,10 +978,9 @@
           <a:lstStyle/>
           <a:p>
             <a:r>
-              <a:rPr lang="en-US" dirty="0" smtClean="0"/>
+              <a:rPr lang="en-US" dirty="0"/>
               <a:t>https://www.tpointtech.com/python-pandas-dataframe</a:t>
             </a:r>
-            <a:endParaRPr lang="en-US" dirty="0"/>
           </a:p>
         </p:txBody>
       </p:sp>
@@ -1093,10 +1089,9 @@
           <a:lstStyle/>
           <a:p>
             <a:r>
-              <a:rPr lang="en-US" dirty="0" smtClean="0"/>
+              <a:rPr lang="en-US" dirty="0"/>
               <a:t>https://www.tpointtech.com/python-pandas-dataframe</a:t>
             </a:r>
-            <a:endParaRPr lang="en-US" dirty="0"/>
           </a:p>
         </p:txBody>
       </p:sp>
@@ -1205,10 +1200,9 @@
           <a:lstStyle/>
           <a:p>
             <a:r>
-              <a:rPr lang="en-US" dirty="0" smtClean="0"/>
+              <a:rPr lang="en-US" dirty="0"/>
               <a:t>https://www.tpointtech.com/python-pandas-dataframe</a:t>
             </a:r>
-            <a:endParaRPr lang="en-US" dirty="0"/>
           </a:p>
         </p:txBody>
       </p:sp>
@@ -2346,10 +2340,9 @@
           <a:lstStyle/>
           <a:p>
             <a:r>
-              <a:rPr lang="en-US" dirty="0" smtClean="0"/>
+              <a:rPr lang="en-US" dirty="0"/>
               <a:t>https://www.tpointtech.com/python-pandas-dataframe</a:t>
             </a:r>
-            <a:endParaRPr lang="en-US" dirty="0"/>
           </a:p>
         </p:txBody>
       </p:sp>
@@ -2897,7 +2890,7 @@
           <a:p>
             <a:fld id="{CD421B04-6F62-470E-96F9-AF92FFC3E979}" type="datetimeFigureOut">
               <a:rPr lang="en-US" smtClean="0"/>
-              <a:t>02-Mar-25</a:t>
+              <a:t>3/19/2025</a:t>
             </a:fld>
             <a:endParaRPr lang="en-US"/>
           </a:p>
@@ -3193,7 +3186,7 @@
           <a:p>
             <a:fld id="{CD421B04-6F62-470E-96F9-AF92FFC3E979}" type="datetimeFigureOut">
               <a:rPr lang="en-US" smtClean="0"/>
-              <a:t>02-Mar-25</a:t>
+              <a:t>3/19/2025</a:t>
             </a:fld>
             <a:endParaRPr lang="en-US"/>
           </a:p>
@@ -3441,7 +3434,7 @@
           <a:p>
             <a:fld id="{CD421B04-6F62-470E-96F9-AF92FFC3E979}" type="datetimeFigureOut">
               <a:rPr lang="en-US" smtClean="0"/>
-              <a:t>02-Mar-25</a:t>
+              <a:t>3/19/2025</a:t>
             </a:fld>
             <a:endParaRPr lang="en-US"/>
           </a:p>
@@ -3981,7 +3974,7 @@
           <a:p>
             <a:fld id="{CD421B04-6F62-470E-96F9-AF92FFC3E979}" type="datetimeFigureOut">
               <a:rPr lang="en-US" smtClean="0"/>
-              <a:t>02-Mar-25</a:t>
+              <a:t>3/19/2025</a:t>
             </a:fld>
             <a:endParaRPr lang="en-US"/>
           </a:p>
@@ -4229,7 +4222,7 @@
           <a:p>
             <a:fld id="{CD421B04-6F62-470E-96F9-AF92FFC3E979}" type="datetimeFigureOut">
               <a:rPr lang="en-US" smtClean="0"/>
-              <a:t>02-Mar-25</a:t>
+              <a:t>3/19/2025</a:t>
             </a:fld>
             <a:endParaRPr lang="en-US"/>
           </a:p>
@@ -4761,7 +4754,7 @@
           <a:p>
             <a:fld id="{CD421B04-6F62-470E-96F9-AF92FFC3E979}" type="datetimeFigureOut">
               <a:rPr lang="en-US" smtClean="0"/>
-              <a:t>02-Mar-25</a:t>
+              <a:t>3/19/2025</a:t>
             </a:fld>
             <a:endParaRPr lang="en-US"/>
           </a:p>
@@ -5058,7 +5051,7 @@
           <a:p>
             <a:fld id="{CD421B04-6F62-470E-96F9-AF92FFC3E979}" type="datetimeFigureOut">
               <a:rPr lang="en-US" smtClean="0"/>
-              <a:t>02-Mar-25</a:t>
+              <a:t>3/19/2025</a:t>
             </a:fld>
             <a:endParaRPr lang="en-US"/>
           </a:p>
@@ -5232,7 +5225,7 @@
           <a:p>
             <a:fld id="{CD421B04-6F62-470E-96F9-AF92FFC3E979}" type="datetimeFigureOut">
               <a:rPr lang="en-US" smtClean="0"/>
-              <a:t>02-Mar-25</a:t>
+              <a:t>3/19/2025</a:t>
             </a:fld>
             <a:endParaRPr lang="en-US"/>
           </a:p>
@@ -5412,7 +5405,7 @@
           <a:p>
             <a:fld id="{CD421B04-6F62-470E-96F9-AF92FFC3E979}" type="datetimeFigureOut">
               <a:rPr lang="en-US" smtClean="0"/>
-              <a:t>02-Mar-25</a:t>
+              <a:t>3/19/2025</a:t>
             </a:fld>
             <a:endParaRPr lang="en-US"/>
           </a:p>
@@ -5582,7 +5575,7 @@
           <a:p>
             <a:fld id="{CD421B04-6F62-470E-96F9-AF92FFC3E979}" type="datetimeFigureOut">
               <a:rPr lang="en-US" smtClean="0"/>
-              <a:t>02-Mar-25</a:t>
+              <a:t>3/19/2025</a:t>
             </a:fld>
             <a:endParaRPr lang="en-US"/>
           </a:p>
@@ -5833,7 +5826,7 @@
           <a:p>
             <a:fld id="{CD421B04-6F62-470E-96F9-AF92FFC3E979}" type="datetimeFigureOut">
               <a:rPr lang="en-US" smtClean="0"/>
-              <a:t>02-Mar-25</a:t>
+              <a:t>3/19/2025</a:t>
             </a:fld>
             <a:endParaRPr lang="en-US"/>
           </a:p>
@@ -6130,7 +6123,7 @@
           <a:p>
             <a:fld id="{CD421B04-6F62-470E-96F9-AF92FFC3E979}" type="datetimeFigureOut">
               <a:rPr lang="en-US" smtClean="0"/>
-              <a:t>02-Mar-25</a:t>
+              <a:t>3/19/2025</a:t>
             </a:fld>
             <a:endParaRPr lang="en-US"/>
           </a:p>
@@ -6572,7 +6565,7 @@
           <a:p>
             <a:fld id="{CD421B04-6F62-470E-96F9-AF92FFC3E979}" type="datetimeFigureOut">
               <a:rPr lang="en-US" smtClean="0"/>
-              <a:t>02-Mar-25</a:t>
+              <a:t>3/19/2025</a:t>
             </a:fld>
             <a:endParaRPr lang="en-US"/>
           </a:p>
@@ -6690,7 +6683,7 @@
           <a:p>
             <a:fld id="{CD421B04-6F62-470E-96F9-AF92FFC3E979}" type="datetimeFigureOut">
               <a:rPr lang="en-US" smtClean="0"/>
-              <a:t>02-Mar-25</a:t>
+              <a:t>3/19/2025</a:t>
             </a:fld>
             <a:endParaRPr lang="en-US"/>
           </a:p>
@@ -6785,7 +6778,7 @@
           <a:p>
             <a:fld id="{CD421B04-6F62-470E-96F9-AF92FFC3E979}" type="datetimeFigureOut">
               <a:rPr lang="en-US" smtClean="0"/>
-              <a:t>02-Mar-25</a:t>
+              <a:t>3/19/2025</a:t>
             </a:fld>
             <a:endParaRPr lang="en-US"/>
           </a:p>
@@ -7068,7 +7061,7 @@
           <a:p>
             <a:fld id="{CD421B04-6F62-470E-96F9-AF92FFC3E979}" type="datetimeFigureOut">
               <a:rPr lang="en-US" smtClean="0"/>
-              <a:t>02-Mar-25</a:t>
+              <a:t>3/19/2025</a:t>
             </a:fld>
             <a:endParaRPr lang="en-US"/>
           </a:p>
@@ -7359,7 +7352,7 @@
           <a:p>
             <a:fld id="{CD421B04-6F62-470E-96F9-AF92FFC3E979}" type="datetimeFigureOut">
               <a:rPr lang="en-US" smtClean="0"/>
-              <a:t>02-Mar-25</a:t>
+              <a:t>3/19/2025</a:t>
             </a:fld>
             <a:endParaRPr lang="en-US"/>
           </a:p>
@@ -7889,7 +7882,7 @@
           <a:p>
             <a:fld id="{CD421B04-6F62-470E-96F9-AF92FFC3E979}" type="datetimeFigureOut">
               <a:rPr lang="en-US" smtClean="0"/>
-              <a:t>02-Mar-25</a:t>
+              <a:t>3/19/2025</a:t>
             </a:fld>
             <a:endParaRPr lang="en-US"/>
           </a:p>
@@ -11059,7 +11052,6 @@
               <a:rPr lang="en-US" b="1" dirty="0"/>
               <a:t>Column Selection</a:t>
             </a:r>
-            <a:endParaRPr lang="en-US" b="1" dirty="0"/>
           </a:p>
         </p:txBody>
       </p:sp>
@@ -11329,7 +11321,6 @@
               <a:rPr lang="en-US" b="1" dirty="0"/>
               <a:t>Column Addition</a:t>
             </a:r>
-            <a:endParaRPr lang="en-US" b="1" dirty="0"/>
           </a:p>
         </p:txBody>
       </p:sp>
@@ -11370,16 +11361,10 @@
               <a:buNone/>
             </a:pPr>
             <a:r>
-              <a:rPr lang="en-US" sz="1100" b="1" dirty="0" smtClean="0">
-                <a:latin typeface="Consolas" panose="020B0609020204030204" pitchFamily="49" charset="0"/>
-              </a:rPr>
-              <a:t>import </a:t>
-            </a:r>
-            <a:r>
               <a:rPr lang="en-US" sz="1100" b="1" dirty="0">
                 <a:latin typeface="Consolas" panose="020B0609020204030204" pitchFamily="49" charset="0"/>
               </a:rPr>
-              <a:t>pandas as </a:t>
+              <a:t>import pandas as </a:t>
             </a:r>
             <a:r>
               <a:rPr lang="en-US" sz="1100" b="1" dirty="0" err="1">
@@ -11610,7 +11595,7 @@
               </a:rPr>
               <a:t>)  </a:t>
             </a:r>
-            <a:endParaRPr lang="my-MM" sz="1100" b="1" dirty="0" smtClean="0">
+            <a:endParaRPr lang="my-MM" sz="1100" b="1" dirty="0">
               <a:latin typeface="Consolas" panose="020B0609020204030204" pitchFamily="49" charset="0"/>
             </a:endParaRPr>
           </a:p>
@@ -11627,16 +11612,10 @@
               <a:buNone/>
             </a:pPr>
             <a:r>
-              <a:rPr lang="en-US" sz="1100" b="1" dirty="0" smtClean="0">
-                <a:latin typeface="Consolas" panose="020B0609020204030204" pitchFamily="49" charset="0"/>
-              </a:rPr>
-              <a:t>print </a:t>
-            </a:r>
-            <a:r>
               <a:rPr lang="en-US" sz="1100" b="1" dirty="0">
                 <a:latin typeface="Consolas" panose="020B0609020204030204" pitchFamily="49" charset="0"/>
               </a:rPr>
-              <a:t>("Add new column using existing </a:t>
+              <a:t>print ("Add new column using existing </a:t>
             </a:r>
             <a:r>
               <a:rPr lang="en-US" sz="1100" b="1" dirty="0" err="1">
@@ -11697,16 +11676,10 @@
               <a:buNone/>
             </a:pPr>
             <a:r>
-              <a:rPr lang="en-US" sz="1100" b="1" dirty="0" smtClean="0">
-                <a:latin typeface="Consolas" panose="020B0609020204030204" pitchFamily="49" charset="0"/>
-              </a:rPr>
-              <a:t>print </a:t>
-            </a:r>
-            <a:r>
               <a:rPr lang="en-US" sz="1100" b="1" dirty="0">
                 <a:latin typeface="Consolas" panose="020B0609020204030204" pitchFamily="49" charset="0"/>
               </a:rPr>
-              <a:t>(</a:t>
+              <a:t>print (</a:t>
             </a:r>
             <a:r>
               <a:rPr lang="en-US" sz="1100" b="1" dirty="0" err="1">
@@ -11819,7 +11792,6 @@
               <a:rPr lang="en-US" sz="3200" b="1" dirty="0"/>
               <a:t>Column Deletion</a:t>
             </a:r>
-            <a:endParaRPr lang="en-US" sz="3200" b="1" dirty="0"/>
           </a:p>
         </p:txBody>
       </p:sp>
@@ -11860,16 +11832,10 @@
               <a:buNone/>
             </a:pPr>
             <a:r>
-              <a:rPr lang="en-US" sz="1100" b="1" dirty="0" smtClean="0">
-                <a:latin typeface="Consolas" panose="020B0609020204030204" pitchFamily="49" charset="0"/>
-              </a:rPr>
-              <a:t>import </a:t>
-            </a:r>
-            <a:r>
               <a:rPr lang="en-US" sz="1100" b="1" dirty="0">
                 <a:latin typeface="Consolas" panose="020B0609020204030204" pitchFamily="49" charset="0"/>
               </a:rPr>
-              <a:t>pandas as </a:t>
+              <a:t>import pandas as </a:t>
             </a:r>
             <a:r>
               <a:rPr lang="en-US" sz="1100" b="1" dirty="0" err="1">
@@ -12256,7 +12222,7 @@
               <a:t>Row </a:t>
             </a:r>
             <a:r>
-              <a:rPr lang="en-US" sz="3200" b="1" dirty="0" err="1" smtClean="0"/>
+              <a:rPr lang="en-US" sz="3200" b="1" dirty="0" err="1"/>
               <a:t>Selection:Label</a:t>
             </a:r>
             <a:endParaRPr lang="en-US" sz="3200" b="1" dirty="0"/>
@@ -12470,7 +12436,7 @@
         </p:blipFill>
         <p:spPr>
           <a:xfrm>
-            <a:off x="6631437" y="4745793"/>
+            <a:off x="7654122" y="3744496"/>
             <a:ext cx="4090659" cy="1804297"/>
           </a:xfrm>
           <a:prstGeom prst="rect">
@@ -12545,13 +12511,8 @@
             <a:pPr algn="l"/>
             <a:r>
               <a:rPr lang="en-US" sz="3200" b="1" dirty="0"/>
-              <a:t>Row </a:t>
-            </a:r>
-            <a:r>
-              <a:rPr lang="en-US" sz="3200" b="1" dirty="0" smtClean="0"/>
-              <a:t>Selection: multiple row</a:t>
-            </a:r>
-            <a:endParaRPr lang="en-US" sz="3200" b="1" dirty="0"/>
+              <a:t>Row Selection: multiple row</a:t>
+            </a:r>
           </a:p>
         </p:txBody>
       </p:sp>
@@ -12804,13 +12765,8 @@
             <a:pPr algn="l"/>
             <a:r>
               <a:rPr lang="en-US" sz="3200" b="1" dirty="0"/>
-              <a:t>Row </a:t>
-            </a:r>
-            <a:r>
-              <a:rPr lang="en-US" sz="3200" b="1" dirty="0" smtClean="0"/>
-              <a:t>Selection: addition row</a:t>
-            </a:r>
-            <a:endParaRPr lang="en-US" sz="3200" b="1" dirty="0"/>
+              <a:t>Row Selection: addition row</a:t>
+            </a:r>
           </a:p>
         </p:txBody>
       </p:sp>
@@ -13069,13 +13025,8 @@
             <a:pPr algn="l"/>
             <a:r>
               <a:rPr lang="en-US" sz="3200" b="1" dirty="0"/>
-              <a:t>Row </a:t>
-            </a:r>
-            <a:r>
-              <a:rPr lang="en-US" sz="3200" b="1" dirty="0" smtClean="0"/>
-              <a:t>Delete</a:t>
-            </a:r>
-            <a:endParaRPr lang="en-US" sz="3200" b="1" dirty="0"/>
+              <a:t>Row Delete</a:t>
+            </a:r>
           </a:p>
         </p:txBody>
       </p:sp>
@@ -13570,7 +13521,7 @@
                           <a:hlinkClick r:id="rId3">
                             <a:extLst>
                               <a:ext uri="{A12FA001-AC4F-418D-AE19-62706E023703}">
-                                <ahyp:hlinkClr xmlns:ahyp="http://schemas.microsoft.com/office/drawing/2018/hyperlinkcolor" xmlns="" val="tx"/>
+                                <ahyp:hlinkClr xmlns:ahyp="http://schemas.microsoft.com/office/drawing/2018/hyperlinkcolor" val="tx"/>
                               </a:ext>
                             </a:extLst>
                           </a:hlinkClick>
@@ -13585,7 +13536,7 @@
                           <a:hlinkClick r:id="rId3">
                             <a:extLst>
                               <a:ext uri="{A12FA001-AC4F-418D-AE19-62706E023703}">
-                                <ahyp:hlinkClr xmlns:ahyp="http://schemas.microsoft.com/office/drawing/2018/hyperlinkcolor" xmlns="" val="tx"/>
+                                <ahyp:hlinkClr xmlns:ahyp="http://schemas.microsoft.com/office/drawing/2018/hyperlinkcolor" val="tx"/>
                               </a:ext>
                             </a:extLst>
                           </a:hlinkClick>
@@ -13600,7 +13551,7 @@
                           <a:hlinkClick r:id="rId3">
                             <a:extLst>
                               <a:ext uri="{A12FA001-AC4F-418D-AE19-62706E023703}">
-                                <ahyp:hlinkClr xmlns:ahyp="http://schemas.microsoft.com/office/drawing/2018/hyperlinkcolor" xmlns="" val="tx"/>
+                                <ahyp:hlinkClr xmlns:ahyp="http://schemas.microsoft.com/office/drawing/2018/hyperlinkcolor" val="tx"/>
                               </a:ext>
                             </a:extLst>
                           </a:hlinkClick>
@@ -13653,7 +13604,7 @@
                           <a:hlinkClick r:id="rId4">
                             <a:extLst>
                               <a:ext uri="{A12FA001-AC4F-418D-AE19-62706E023703}">
-                                <ahyp:hlinkClr xmlns:ahyp="http://schemas.microsoft.com/office/drawing/2018/hyperlinkcolor" xmlns="" val="tx"/>
+                                <ahyp:hlinkClr xmlns:ahyp="http://schemas.microsoft.com/office/drawing/2018/hyperlinkcolor" val="tx"/>
                               </a:ext>
                             </a:extLst>
                           </a:hlinkClick>
@@ -13668,7 +13619,7 @@
                           <a:hlinkClick r:id="rId4">
                             <a:extLst>
                               <a:ext uri="{A12FA001-AC4F-418D-AE19-62706E023703}">
-                                <ahyp:hlinkClr xmlns:ahyp="http://schemas.microsoft.com/office/drawing/2018/hyperlinkcolor" xmlns="" val="tx"/>
+                                <ahyp:hlinkClr xmlns:ahyp="http://schemas.microsoft.com/office/drawing/2018/hyperlinkcolor" val="tx"/>
                               </a:ext>
                             </a:extLst>
                           </a:hlinkClick>
@@ -13721,7 +13672,7 @@
                           <a:hlinkClick r:id="rId5">
                             <a:extLst>
                               <a:ext uri="{A12FA001-AC4F-418D-AE19-62706E023703}">
-                                <ahyp:hlinkClr xmlns:ahyp="http://schemas.microsoft.com/office/drawing/2018/hyperlinkcolor" xmlns="" val="tx"/>
+                                <ahyp:hlinkClr xmlns:ahyp="http://schemas.microsoft.com/office/drawing/2018/hyperlinkcolor" val="tx"/>
                               </a:ext>
                             </a:extLst>
                           </a:hlinkClick>
@@ -13736,7 +13687,7 @@
                           <a:hlinkClick r:id="rId5">
                             <a:extLst>
                               <a:ext uri="{A12FA001-AC4F-418D-AE19-62706E023703}">
-                                <ahyp:hlinkClr xmlns:ahyp="http://schemas.microsoft.com/office/drawing/2018/hyperlinkcolor" xmlns="" val="tx"/>
+                                <ahyp:hlinkClr xmlns:ahyp="http://schemas.microsoft.com/office/drawing/2018/hyperlinkcolor" val="tx"/>
                               </a:ext>
                             </a:extLst>
                           </a:hlinkClick>
@@ -13789,7 +13740,7 @@
                           <a:hlinkClick r:id="rId6">
                             <a:extLst>
                               <a:ext uri="{A12FA001-AC4F-418D-AE19-62706E023703}">
-                                <ahyp:hlinkClr xmlns:ahyp="http://schemas.microsoft.com/office/drawing/2018/hyperlinkcolor" xmlns="" val="tx"/>
+                                <ahyp:hlinkClr xmlns:ahyp="http://schemas.microsoft.com/office/drawing/2018/hyperlinkcolor" val="tx"/>
                               </a:ext>
                             </a:extLst>
                           </a:hlinkClick>
@@ -13804,7 +13755,7 @@
                           <a:hlinkClick r:id="rId6">
                             <a:extLst>
                               <a:ext uri="{A12FA001-AC4F-418D-AE19-62706E023703}">
-                                <ahyp:hlinkClr xmlns:ahyp="http://schemas.microsoft.com/office/drawing/2018/hyperlinkcolor" xmlns="" val="tx"/>
+                                <ahyp:hlinkClr xmlns:ahyp="http://schemas.microsoft.com/office/drawing/2018/hyperlinkcolor" val="tx"/>
                               </a:ext>
                             </a:extLst>
                           </a:hlinkClick>
@@ -13873,7 +13824,7 @@
                           <a:hlinkClick r:id="rId7">
                             <a:extLst>
                               <a:ext uri="{A12FA001-AC4F-418D-AE19-62706E023703}">
-                                <ahyp:hlinkClr xmlns:ahyp="http://schemas.microsoft.com/office/drawing/2018/hyperlinkcolor" xmlns="" val="tx"/>
+                                <ahyp:hlinkClr xmlns:ahyp="http://schemas.microsoft.com/office/drawing/2018/hyperlinkcolor" val="tx"/>
                               </a:ext>
                             </a:extLst>
                           </a:hlinkClick>
@@ -13888,7 +13839,7 @@
                           <a:hlinkClick r:id="rId7">
                             <a:extLst>
                               <a:ext uri="{A12FA001-AC4F-418D-AE19-62706E023703}">
-                                <ahyp:hlinkClr xmlns:ahyp="http://schemas.microsoft.com/office/drawing/2018/hyperlinkcolor" xmlns="" val="tx"/>
+                                <ahyp:hlinkClr xmlns:ahyp="http://schemas.microsoft.com/office/drawing/2018/hyperlinkcolor" val="tx"/>
                               </a:ext>
                             </a:extLst>
                           </a:hlinkClick>
@@ -13941,7 +13892,7 @@
                           <a:hlinkClick r:id="rId8">
                             <a:extLst>
                               <a:ext uri="{A12FA001-AC4F-418D-AE19-62706E023703}">
-                                <ahyp:hlinkClr xmlns:ahyp="http://schemas.microsoft.com/office/drawing/2018/hyperlinkcolor" xmlns="" val="tx"/>
+                                <ahyp:hlinkClr xmlns:ahyp="http://schemas.microsoft.com/office/drawing/2018/hyperlinkcolor" val="tx"/>
                               </a:ext>
                             </a:extLst>
                           </a:hlinkClick>
@@ -13956,7 +13907,7 @@
                           <a:hlinkClick r:id="rId8">
                             <a:extLst>
                               <a:ext uri="{A12FA001-AC4F-418D-AE19-62706E023703}">
-                                <ahyp:hlinkClr xmlns:ahyp="http://schemas.microsoft.com/office/drawing/2018/hyperlinkcolor" xmlns="" val="tx"/>
+                                <ahyp:hlinkClr xmlns:ahyp="http://schemas.microsoft.com/office/drawing/2018/hyperlinkcolor" val="tx"/>
                               </a:ext>
                             </a:extLst>
                           </a:hlinkClick>
@@ -14009,7 +13960,7 @@
                           <a:hlinkClick r:id="rId9">
                             <a:extLst>
                               <a:ext uri="{A12FA001-AC4F-418D-AE19-62706E023703}">
-                                <ahyp:hlinkClr xmlns:ahyp="http://schemas.microsoft.com/office/drawing/2018/hyperlinkcolor" xmlns="" val="tx"/>
+                                <ahyp:hlinkClr xmlns:ahyp="http://schemas.microsoft.com/office/drawing/2018/hyperlinkcolor" val="tx"/>
                               </a:ext>
                             </a:extLst>
                           </a:hlinkClick>
@@ -14024,7 +13975,7 @@
                           <a:hlinkClick r:id="rId9">
                             <a:extLst>
                               <a:ext uri="{A12FA001-AC4F-418D-AE19-62706E023703}">
-                                <ahyp:hlinkClr xmlns:ahyp="http://schemas.microsoft.com/office/drawing/2018/hyperlinkcolor" xmlns="" val="tx"/>
+                                <ahyp:hlinkClr xmlns:ahyp="http://schemas.microsoft.com/office/drawing/2018/hyperlinkcolor" val="tx"/>
                               </a:ext>
                             </a:extLst>
                           </a:hlinkClick>
@@ -14077,7 +14028,7 @@
                           <a:hlinkClick r:id="rId10">
                             <a:extLst>
                               <a:ext uri="{A12FA001-AC4F-418D-AE19-62706E023703}">
-                                <ahyp:hlinkClr xmlns:ahyp="http://schemas.microsoft.com/office/drawing/2018/hyperlinkcolor" xmlns="" val="tx"/>
+                                <ahyp:hlinkClr xmlns:ahyp="http://schemas.microsoft.com/office/drawing/2018/hyperlinkcolor" val="tx"/>
                               </a:ext>
                             </a:extLst>
                           </a:hlinkClick>
@@ -14092,7 +14043,7 @@
                           <a:hlinkClick r:id="rId10">
                             <a:extLst>
                               <a:ext uri="{A12FA001-AC4F-418D-AE19-62706E023703}">
-                                <ahyp:hlinkClr xmlns:ahyp="http://schemas.microsoft.com/office/drawing/2018/hyperlinkcolor" xmlns="" val="tx"/>
+                                <ahyp:hlinkClr xmlns:ahyp="http://schemas.microsoft.com/office/drawing/2018/hyperlinkcolor" val="tx"/>
                               </a:ext>
                             </a:extLst>
                           </a:hlinkClick>
@@ -14325,7 +14276,7 @@
                           <a:hlinkClick r:id="rId3">
                             <a:extLst>
                               <a:ext uri="{A12FA001-AC4F-418D-AE19-62706E023703}">
-                                <ahyp:hlinkClr xmlns:ahyp="http://schemas.microsoft.com/office/drawing/2018/hyperlinkcolor" xmlns="" val="tx"/>
+                                <ahyp:hlinkClr xmlns:ahyp="http://schemas.microsoft.com/office/drawing/2018/hyperlinkcolor" val="tx"/>
                               </a:ext>
                             </a:extLst>
                           </a:hlinkClick>
@@ -14340,7 +14291,7 @@
                           <a:hlinkClick r:id="rId3">
                             <a:extLst>
                               <a:ext uri="{A12FA001-AC4F-418D-AE19-62706E023703}">
-                                <ahyp:hlinkClr xmlns:ahyp="http://schemas.microsoft.com/office/drawing/2018/hyperlinkcolor" xmlns="" val="tx"/>
+                                <ahyp:hlinkClr xmlns:ahyp="http://schemas.microsoft.com/office/drawing/2018/hyperlinkcolor" val="tx"/>
                               </a:ext>
                             </a:extLst>
                           </a:hlinkClick>
@@ -14393,7 +14344,7 @@
                           <a:hlinkClick r:id="rId4">
                             <a:extLst>
                               <a:ext uri="{A12FA001-AC4F-418D-AE19-62706E023703}">
-                                <ahyp:hlinkClr xmlns:ahyp="http://schemas.microsoft.com/office/drawing/2018/hyperlinkcolor" xmlns="" val="tx"/>
+                                <ahyp:hlinkClr xmlns:ahyp="http://schemas.microsoft.com/office/drawing/2018/hyperlinkcolor" val="tx"/>
                               </a:ext>
                             </a:extLst>
                           </a:hlinkClick>
@@ -14408,7 +14359,7 @@
                           <a:hlinkClick r:id="rId4">
                             <a:extLst>
                               <a:ext uri="{A12FA001-AC4F-418D-AE19-62706E023703}">
-                                <ahyp:hlinkClr xmlns:ahyp="http://schemas.microsoft.com/office/drawing/2018/hyperlinkcolor" xmlns="" val="tx"/>
+                                <ahyp:hlinkClr xmlns:ahyp="http://schemas.microsoft.com/office/drawing/2018/hyperlinkcolor" val="tx"/>
                               </a:ext>
                             </a:extLst>
                           </a:hlinkClick>
@@ -14461,7 +14412,7 @@
                           <a:hlinkClick r:id="rId5">
                             <a:extLst>
                               <a:ext uri="{A12FA001-AC4F-418D-AE19-62706E023703}">
-                                <ahyp:hlinkClr xmlns:ahyp="http://schemas.microsoft.com/office/drawing/2018/hyperlinkcolor" xmlns="" val="tx"/>
+                                <ahyp:hlinkClr xmlns:ahyp="http://schemas.microsoft.com/office/drawing/2018/hyperlinkcolor" val="tx"/>
                               </a:ext>
                             </a:extLst>
                           </a:hlinkClick>
@@ -14476,7 +14427,7 @@
                           <a:hlinkClick r:id="rId5">
                             <a:extLst>
                               <a:ext uri="{A12FA001-AC4F-418D-AE19-62706E023703}">
-                                <ahyp:hlinkClr xmlns:ahyp="http://schemas.microsoft.com/office/drawing/2018/hyperlinkcolor" xmlns="" val="tx"/>
+                                <ahyp:hlinkClr xmlns:ahyp="http://schemas.microsoft.com/office/drawing/2018/hyperlinkcolor" val="tx"/>
                               </a:ext>
                             </a:extLst>
                           </a:hlinkClick>
@@ -14529,7 +14480,7 @@
                           <a:hlinkClick r:id="rId6">
                             <a:extLst>
                               <a:ext uri="{A12FA001-AC4F-418D-AE19-62706E023703}">
-                                <ahyp:hlinkClr xmlns:ahyp="http://schemas.microsoft.com/office/drawing/2018/hyperlinkcolor" xmlns="" val="tx"/>
+                                <ahyp:hlinkClr xmlns:ahyp="http://schemas.microsoft.com/office/drawing/2018/hyperlinkcolor" val="tx"/>
                               </a:ext>
                             </a:extLst>
                           </a:hlinkClick>
@@ -14544,7 +14495,7 @@
                           <a:hlinkClick r:id="rId6">
                             <a:extLst>
                               <a:ext uri="{A12FA001-AC4F-418D-AE19-62706E023703}">
-                                <ahyp:hlinkClr xmlns:ahyp="http://schemas.microsoft.com/office/drawing/2018/hyperlinkcolor" xmlns="" val="tx"/>
+                                <ahyp:hlinkClr xmlns:ahyp="http://schemas.microsoft.com/office/drawing/2018/hyperlinkcolor" val="tx"/>
                               </a:ext>
                             </a:extLst>
                           </a:hlinkClick>
@@ -14597,7 +14548,7 @@
                           <a:hlinkClick r:id="rId7">
                             <a:extLst>
                               <a:ext uri="{A12FA001-AC4F-418D-AE19-62706E023703}">
-                                <ahyp:hlinkClr xmlns:ahyp="http://schemas.microsoft.com/office/drawing/2018/hyperlinkcolor" xmlns="" val="tx"/>
+                                <ahyp:hlinkClr xmlns:ahyp="http://schemas.microsoft.com/office/drawing/2018/hyperlinkcolor" val="tx"/>
                               </a:ext>
                             </a:extLst>
                           </a:hlinkClick>
@@ -14612,7 +14563,7 @@
                           <a:hlinkClick r:id="rId7">
                             <a:extLst>
                               <a:ext uri="{A12FA001-AC4F-418D-AE19-62706E023703}">
-                                <ahyp:hlinkClr xmlns:ahyp="http://schemas.microsoft.com/office/drawing/2018/hyperlinkcolor" xmlns="" val="tx"/>
+                                <ahyp:hlinkClr xmlns:ahyp="http://schemas.microsoft.com/office/drawing/2018/hyperlinkcolor" val="tx"/>
                               </a:ext>
                             </a:extLst>
                           </a:hlinkClick>
@@ -14665,7 +14616,7 @@
                           <a:hlinkClick r:id="rId8">
                             <a:extLst>
                               <a:ext uri="{A12FA001-AC4F-418D-AE19-62706E023703}">
-                                <ahyp:hlinkClr xmlns:ahyp="http://schemas.microsoft.com/office/drawing/2018/hyperlinkcolor" xmlns="" val="tx"/>
+                                <ahyp:hlinkClr xmlns:ahyp="http://schemas.microsoft.com/office/drawing/2018/hyperlinkcolor" val="tx"/>
                               </a:ext>
                             </a:extLst>
                           </a:hlinkClick>
@@ -14680,7 +14631,7 @@
                           <a:hlinkClick r:id="rId8">
                             <a:extLst>
                               <a:ext uri="{A12FA001-AC4F-418D-AE19-62706E023703}">
-                                <ahyp:hlinkClr xmlns:ahyp="http://schemas.microsoft.com/office/drawing/2018/hyperlinkcolor" xmlns="" val="tx"/>
+                                <ahyp:hlinkClr xmlns:ahyp="http://schemas.microsoft.com/office/drawing/2018/hyperlinkcolor" val="tx"/>
                               </a:ext>
                             </a:extLst>
                           </a:hlinkClick>
@@ -14733,7 +14684,7 @@
                           <a:hlinkClick r:id="rId9">
                             <a:extLst>
                               <a:ext uri="{A12FA001-AC4F-418D-AE19-62706E023703}">
-                                <ahyp:hlinkClr xmlns:ahyp="http://schemas.microsoft.com/office/drawing/2018/hyperlinkcolor" xmlns="" val="tx"/>
+                                <ahyp:hlinkClr xmlns:ahyp="http://schemas.microsoft.com/office/drawing/2018/hyperlinkcolor" val="tx"/>
                               </a:ext>
                             </a:extLst>
                           </a:hlinkClick>
@@ -14748,7 +14699,7 @@
                           <a:hlinkClick r:id="rId9">
                             <a:extLst>
                               <a:ext uri="{A12FA001-AC4F-418D-AE19-62706E023703}">
-                                <ahyp:hlinkClr xmlns:ahyp="http://schemas.microsoft.com/office/drawing/2018/hyperlinkcolor" xmlns="" val="tx"/>
+                                <ahyp:hlinkClr xmlns:ahyp="http://schemas.microsoft.com/office/drawing/2018/hyperlinkcolor" val="tx"/>
                               </a:ext>
                             </a:extLst>
                           </a:hlinkClick>
@@ -14801,7 +14752,7 @@
                           <a:hlinkClick r:id="rId10">
                             <a:extLst>
                               <a:ext uri="{A12FA001-AC4F-418D-AE19-62706E023703}">
-                                <ahyp:hlinkClr xmlns:ahyp="http://schemas.microsoft.com/office/drawing/2018/hyperlinkcolor" xmlns="" val="tx"/>
+                                <ahyp:hlinkClr xmlns:ahyp="http://schemas.microsoft.com/office/drawing/2018/hyperlinkcolor" val="tx"/>
                               </a:ext>
                             </a:extLst>
                           </a:hlinkClick>
@@ -14816,7 +14767,7 @@
                           <a:hlinkClick r:id="rId10">
                             <a:extLst>
                               <a:ext uri="{A12FA001-AC4F-418D-AE19-62706E023703}">
-                                <ahyp:hlinkClr xmlns:ahyp="http://schemas.microsoft.com/office/drawing/2018/hyperlinkcolor" xmlns="" val="tx"/>
+                                <ahyp:hlinkClr xmlns:ahyp="http://schemas.microsoft.com/office/drawing/2018/hyperlinkcolor" val="tx"/>
                               </a:ext>
                             </a:extLst>
                           </a:hlinkClick>
@@ -14885,7 +14836,7 @@
                           <a:hlinkClick r:id="rId11">
                             <a:extLst>
                               <a:ext uri="{A12FA001-AC4F-418D-AE19-62706E023703}">
-                                <ahyp:hlinkClr xmlns:ahyp="http://schemas.microsoft.com/office/drawing/2018/hyperlinkcolor" xmlns="" val="tx"/>
+                                <ahyp:hlinkClr xmlns:ahyp="http://schemas.microsoft.com/office/drawing/2018/hyperlinkcolor" val="tx"/>
                               </a:ext>
                             </a:extLst>
                           </a:hlinkClick>
@@ -14900,7 +14851,7 @@
                           <a:hlinkClick r:id="rId11">
                             <a:extLst>
                               <a:ext uri="{A12FA001-AC4F-418D-AE19-62706E023703}">
-                                <ahyp:hlinkClr xmlns:ahyp="http://schemas.microsoft.com/office/drawing/2018/hyperlinkcolor" xmlns="" val="tx"/>
+                                <ahyp:hlinkClr xmlns:ahyp="http://schemas.microsoft.com/office/drawing/2018/hyperlinkcolor" val="tx"/>
                               </a:ext>
                             </a:extLst>
                           </a:hlinkClick>
